--- a/파이썬기초(PPT)/NEW_2021버전/파이썬 기초 6강_조건문.pptx
+++ b/파이썬기초(PPT)/NEW_2021버전/파이썬 기초 6강_조건문.pptx
@@ -5,7 +5,7 @@
     <p:sldMasterId id="2147483648" r:id="rId1"/>
   </p:sldMasterIdLst>
   <p:handoutMasterIdLst>
-    <p:handoutMasterId r:id="rId20"/>
+    <p:handoutMasterId r:id="rId25"/>
   </p:handoutMasterIdLst>
   <p:sldIdLst>
     <p:sldId id="292" r:id="rId2"/>
@@ -14,18 +14,23 @@
     <p:sldId id="333" r:id="rId5"/>
     <p:sldId id="348" r:id="rId6"/>
     <p:sldId id="331" r:id="rId7"/>
-    <p:sldId id="310" r:id="rId8"/>
-    <p:sldId id="327" r:id="rId9"/>
-    <p:sldId id="349" r:id="rId10"/>
-    <p:sldId id="350" r:id="rId11"/>
-    <p:sldId id="344" r:id="rId12"/>
-    <p:sldId id="351" r:id="rId13"/>
-    <p:sldId id="335" r:id="rId14"/>
-    <p:sldId id="336" r:id="rId15"/>
-    <p:sldId id="352" r:id="rId16"/>
-    <p:sldId id="346" r:id="rId17"/>
-    <p:sldId id="353" r:id="rId18"/>
-    <p:sldId id="338" r:id="rId19"/>
+    <p:sldId id="354" r:id="rId8"/>
+    <p:sldId id="355" r:id="rId9"/>
+    <p:sldId id="357" r:id="rId10"/>
+    <p:sldId id="356" r:id="rId11"/>
+    <p:sldId id="358" r:id="rId12"/>
+    <p:sldId id="359" r:id="rId13"/>
+    <p:sldId id="360" r:id="rId14"/>
+    <p:sldId id="349" r:id="rId15"/>
+    <p:sldId id="350" r:id="rId16"/>
+    <p:sldId id="344" r:id="rId17"/>
+    <p:sldId id="351" r:id="rId18"/>
+    <p:sldId id="335" r:id="rId19"/>
+    <p:sldId id="336" r:id="rId20"/>
+    <p:sldId id="352" r:id="rId21"/>
+    <p:sldId id="346" r:id="rId22"/>
+    <p:sldId id="353" r:id="rId23"/>
+    <p:sldId id="338" r:id="rId24"/>
   </p:sldIdLst>
   <p:sldSz cx="12192000" cy="6858000"/>
   <p:notesSz cx="10020300" cy="6888163"/>
@@ -127,7 +132,7 @@
   <p:extLst>
     <p:ext uri="{EFAFB233-063F-42B5-8137-9DF3F51BA10A}">
       <p15:sldGuideLst xmlns:p15="http://schemas.microsoft.com/office/powerpoint/2012/main">
-        <p15:guide id="1" orient="horz" pos="2160" userDrawn="1">
+        <p15:guide id="1" orient="horz" pos="2251" userDrawn="1">
           <p15:clr>
             <a:srgbClr val="A4A3A4"/>
           </p15:clr>
@@ -473,7 +478,7 @@
           <a:p>
             <a:fld id="{FB30EDBD-1C2D-4C1E-B459-B60219FAB484}" type="datetimeFigureOut">
               <a:rPr lang="ko-KR" altLang="en-US" smtClean="0"/>
-              <a:t>2021-02-22</a:t>
+              <a:t>2021-03-03</a:t>
             </a:fld>
             <a:endParaRPr lang="ko-KR" altLang="en-US"/>
           </a:p>
@@ -636,7 +641,7 @@
           <a:p>
             <a:fld id="{FB30EDBD-1C2D-4C1E-B459-B60219FAB484}" type="datetimeFigureOut">
               <a:rPr lang="ko-KR" altLang="en-US" smtClean="0"/>
-              <a:t>2021-02-22</a:t>
+              <a:t>2021-03-03</a:t>
             </a:fld>
             <a:endParaRPr lang="ko-KR" altLang="en-US"/>
           </a:p>
@@ -809,7 +814,7 @@
           <a:p>
             <a:fld id="{FB30EDBD-1C2D-4C1E-B459-B60219FAB484}" type="datetimeFigureOut">
               <a:rPr lang="ko-KR" altLang="en-US" smtClean="0"/>
-              <a:t>2021-02-22</a:t>
+              <a:t>2021-03-03</a:t>
             </a:fld>
             <a:endParaRPr lang="ko-KR" altLang="en-US"/>
           </a:p>
@@ -972,7 +977,7 @@
           <a:p>
             <a:fld id="{FB30EDBD-1C2D-4C1E-B459-B60219FAB484}" type="datetimeFigureOut">
               <a:rPr lang="ko-KR" altLang="en-US" smtClean="0"/>
-              <a:t>2021-02-22</a:t>
+              <a:t>2021-03-03</a:t>
             </a:fld>
             <a:endParaRPr lang="ko-KR" altLang="en-US"/>
           </a:p>
@@ -1212,7 +1217,7 @@
           <a:p>
             <a:fld id="{FB30EDBD-1C2D-4C1E-B459-B60219FAB484}" type="datetimeFigureOut">
               <a:rPr lang="ko-KR" altLang="en-US" smtClean="0"/>
-              <a:t>2021-02-22</a:t>
+              <a:t>2021-03-03</a:t>
             </a:fld>
             <a:endParaRPr lang="ko-KR" altLang="en-US"/>
           </a:p>
@@ -1492,7 +1497,7 @@
           <a:p>
             <a:fld id="{FB30EDBD-1C2D-4C1E-B459-B60219FAB484}" type="datetimeFigureOut">
               <a:rPr lang="ko-KR" altLang="en-US" smtClean="0"/>
-              <a:t>2021-02-22</a:t>
+              <a:t>2021-03-03</a:t>
             </a:fld>
             <a:endParaRPr lang="ko-KR" altLang="en-US"/>
           </a:p>
@@ -1906,7 +1911,7 @@
           <a:p>
             <a:fld id="{FB30EDBD-1C2D-4C1E-B459-B60219FAB484}" type="datetimeFigureOut">
               <a:rPr lang="ko-KR" altLang="en-US" smtClean="0"/>
-              <a:t>2021-02-22</a:t>
+              <a:t>2021-03-03</a:t>
             </a:fld>
             <a:endParaRPr lang="ko-KR" altLang="en-US"/>
           </a:p>
@@ -2018,7 +2023,7 @@
           <a:p>
             <a:fld id="{FB30EDBD-1C2D-4C1E-B459-B60219FAB484}" type="datetimeFigureOut">
               <a:rPr lang="ko-KR" altLang="en-US" smtClean="0"/>
-              <a:t>2021-02-22</a:t>
+              <a:t>2021-03-03</a:t>
             </a:fld>
             <a:endParaRPr lang="ko-KR" altLang="en-US"/>
           </a:p>
@@ -2108,7 +2113,7 @@
           <a:p>
             <a:fld id="{FB30EDBD-1C2D-4C1E-B459-B60219FAB484}" type="datetimeFigureOut">
               <a:rPr lang="ko-KR" altLang="en-US" smtClean="0"/>
-              <a:t>2021-02-22</a:t>
+              <a:t>2021-03-03</a:t>
             </a:fld>
             <a:endParaRPr lang="ko-KR" altLang="en-US"/>
           </a:p>
@@ -2378,7 +2383,7 @@
           <a:p>
             <a:fld id="{FB30EDBD-1C2D-4C1E-B459-B60219FAB484}" type="datetimeFigureOut">
               <a:rPr lang="ko-KR" altLang="en-US" smtClean="0"/>
-              <a:t>2021-02-22</a:t>
+              <a:t>2021-03-03</a:t>
             </a:fld>
             <a:endParaRPr lang="ko-KR" altLang="en-US"/>
           </a:p>
@@ -2625,7 +2630,7 @@
           <a:p>
             <a:fld id="{FB30EDBD-1C2D-4C1E-B459-B60219FAB484}" type="datetimeFigureOut">
               <a:rPr lang="ko-KR" altLang="en-US" smtClean="0"/>
-              <a:t>2021-02-22</a:t>
+              <a:t>2021-03-03</a:t>
             </a:fld>
             <a:endParaRPr lang="ko-KR" altLang="en-US"/>
           </a:p>
@@ -2831,7 +2836,7 @@
           <a:p>
             <a:fld id="{FB30EDBD-1C2D-4C1E-B459-B60219FAB484}" type="datetimeFigureOut">
               <a:rPr lang="ko-KR" altLang="en-US" smtClean="0"/>
-              <a:t>2021-02-22</a:t>
+              <a:t>2021-03-03</a:t>
             </a:fld>
             <a:endParaRPr lang="ko-KR" altLang="en-US"/>
           </a:p>
@@ -3303,6 +3308,3371 @@
         </p:nvSpPr>
         <p:spPr>
           <a:xfrm>
+            <a:off x="3030096" y="3717032"/>
+            <a:ext cx="4129336" cy="1569660"/>
+          </a:xfrm>
+          <a:prstGeom prst="rect">
+            <a:avLst/>
+          </a:prstGeom>
+          <a:noFill/>
+        </p:spPr>
+        <p:txBody>
+          <a:bodyPr wrap="none" rtlCol="0">
+            <a:spAutoFit/>
+          </a:bodyPr>
+          <a:lstStyle/>
+          <a:p>
+            <a:r>
+              <a:rPr lang="en-US" altLang="ko-KR" sz="2400" dirty="0">
+                <a:solidFill>
+                  <a:schemeClr val="accent6">
+                    <a:lumMod val="75000"/>
+                  </a:schemeClr>
+                </a:solidFill>
+                <a:latin typeface="나눔바른고딕" panose="020B0603020101020101" pitchFamily="50" charset="-127"/>
+                <a:ea typeface="나눔바른고딕" panose="020B0603020101020101" pitchFamily="50" charset="-127"/>
+              </a:rPr>
+              <a:t>if</a:t>
+            </a:r>
+            <a:r>
+              <a:rPr lang="ko-KR" altLang="en-US" sz="2400" dirty="0">
+                <a:solidFill>
+                  <a:schemeClr val="bg1">
+                    <a:lumMod val="95000"/>
+                  </a:schemeClr>
+                </a:solidFill>
+                <a:latin typeface="나눔바른고딕" panose="020B0603020101020101" pitchFamily="50" charset="-127"/>
+                <a:ea typeface="나눔바른고딕" panose="020B0603020101020101" pitchFamily="50" charset="-127"/>
+              </a:rPr>
+              <a:t> </a:t>
+            </a:r>
+            <a:r>
+              <a:rPr lang="en-US" altLang="ko-KR" sz="2400" dirty="0">
+                <a:solidFill>
+                  <a:schemeClr val="accent1"/>
+                </a:solidFill>
+                <a:latin typeface="나눔바른고딕" panose="020B0603020101020101" pitchFamily="50" charset="-127"/>
+                <a:ea typeface="나눔바른고딕" panose="020B0603020101020101" pitchFamily="50" charset="-127"/>
+              </a:rPr>
+              <a:t>distance &gt;= 200</a:t>
+            </a:r>
+            <a:r>
+              <a:rPr lang="en-US" altLang="ko-KR" sz="2400" dirty="0">
+                <a:solidFill>
+                  <a:schemeClr val="bg1">
+                    <a:lumMod val="95000"/>
+                  </a:schemeClr>
+                </a:solidFill>
+                <a:latin typeface="나눔바른고딕" panose="020B0603020101020101" pitchFamily="50" charset="-127"/>
+                <a:ea typeface="나눔바른고딕" panose="020B0603020101020101" pitchFamily="50" charset="-127"/>
+              </a:rPr>
+              <a:t>:</a:t>
+            </a:r>
+          </a:p>
+          <a:p>
+            <a:r>
+              <a:rPr lang="en-US" altLang="ko-KR" sz="2400" dirty="0">
+                <a:solidFill>
+                  <a:schemeClr val="bg1">
+                    <a:lumMod val="95000"/>
+                  </a:schemeClr>
+                </a:solidFill>
+                <a:latin typeface="나눔바른고딕" panose="020B0603020101020101" pitchFamily="50" charset="-127"/>
+                <a:ea typeface="나눔바른고딕" panose="020B0603020101020101" pitchFamily="50" charset="-127"/>
+              </a:rPr>
+              <a:t>	print("</a:t>
+            </a:r>
+            <a:r>
+              <a:rPr lang="ko-KR" altLang="en-US" sz="2400" dirty="0">
+                <a:solidFill>
+                  <a:schemeClr val="bg1">
+                    <a:lumMod val="95000"/>
+                  </a:schemeClr>
+                </a:solidFill>
+                <a:latin typeface="나눔바른고딕" panose="020B0603020101020101" pitchFamily="50" charset="-127"/>
+                <a:ea typeface="나눔바른고딕" panose="020B0603020101020101" pitchFamily="50" charset="-127"/>
+              </a:rPr>
+              <a:t>저격소총 쏘기</a:t>
+            </a:r>
+            <a:r>
+              <a:rPr lang="en-US" altLang="ko-KR" sz="2400" dirty="0">
+                <a:solidFill>
+                  <a:schemeClr val="bg1">
+                    <a:lumMod val="95000"/>
+                  </a:schemeClr>
+                </a:solidFill>
+                <a:latin typeface="나눔바른고딕" panose="020B0603020101020101" pitchFamily="50" charset="-127"/>
+                <a:ea typeface="나눔바른고딕" panose="020B0603020101020101" pitchFamily="50" charset="-127"/>
+              </a:rPr>
+              <a:t>!")</a:t>
+            </a:r>
+          </a:p>
+          <a:p>
+            <a:r>
+              <a:rPr lang="en-US" altLang="ko-KR" sz="2400" dirty="0">
+                <a:solidFill>
+                  <a:schemeClr val="accent6">
+                    <a:lumMod val="75000"/>
+                  </a:schemeClr>
+                </a:solidFill>
+                <a:latin typeface="나눔바른고딕" panose="020B0603020101020101" pitchFamily="50" charset="-127"/>
+                <a:ea typeface="나눔바른고딕" panose="020B0603020101020101" pitchFamily="50" charset="-127"/>
+              </a:rPr>
+              <a:t>else</a:t>
+            </a:r>
+            <a:r>
+              <a:rPr lang="en-US" altLang="ko-KR" sz="2400" dirty="0">
+                <a:solidFill>
+                  <a:schemeClr val="bg1">
+                    <a:lumMod val="95000"/>
+                  </a:schemeClr>
+                </a:solidFill>
+                <a:latin typeface="나눔바른고딕" panose="020B0603020101020101" pitchFamily="50" charset="-127"/>
+                <a:ea typeface="나눔바른고딕" panose="020B0603020101020101" pitchFamily="50" charset="-127"/>
+              </a:rPr>
+              <a:t>:</a:t>
+            </a:r>
+          </a:p>
+          <a:p>
+            <a:r>
+              <a:rPr lang="en-US" altLang="ko-KR" sz="2400" dirty="0">
+                <a:solidFill>
+                  <a:schemeClr val="bg1">
+                    <a:lumMod val="95000"/>
+                  </a:schemeClr>
+                </a:solidFill>
+                <a:latin typeface="나눔바른고딕" panose="020B0603020101020101" pitchFamily="50" charset="-127"/>
+                <a:ea typeface="나눔바른고딕" panose="020B0603020101020101" pitchFamily="50" charset="-127"/>
+              </a:rPr>
+              <a:t>	print("</a:t>
+            </a:r>
+            <a:r>
+              <a:rPr lang="ko-KR" altLang="en-US" sz="2400" dirty="0">
+                <a:solidFill>
+                  <a:schemeClr val="bg1">
+                    <a:lumMod val="95000"/>
+                  </a:schemeClr>
+                </a:solidFill>
+                <a:latin typeface="나눔바른고딕" panose="020B0603020101020101" pitchFamily="50" charset="-127"/>
+                <a:ea typeface="나눔바른고딕" panose="020B0603020101020101" pitchFamily="50" charset="-127"/>
+              </a:rPr>
+              <a:t>돌격소총 쏘기</a:t>
+            </a:r>
+            <a:r>
+              <a:rPr lang="en-US" altLang="ko-KR" sz="2400" dirty="0">
+                <a:solidFill>
+                  <a:schemeClr val="bg1">
+                    <a:lumMod val="95000"/>
+                  </a:schemeClr>
+                </a:solidFill>
+                <a:latin typeface="나눔바른고딕" panose="020B0603020101020101" pitchFamily="50" charset="-127"/>
+                <a:ea typeface="나눔바른고딕" panose="020B0603020101020101" pitchFamily="50" charset="-127"/>
+              </a:rPr>
+              <a:t>!")</a:t>
+            </a:r>
+          </a:p>
+        </p:txBody>
+      </p:sp>
+      <p:sp>
+        <p:nvSpPr>
+          <p:cNvPr id="3" name="TextBox 2">
+            <a:extLst>
+              <a:ext uri="{FF2B5EF4-FFF2-40B4-BE49-F238E27FC236}">
+                <a16:creationId xmlns:a16="http://schemas.microsoft.com/office/drawing/2014/main" id="{08A1525D-D82F-4202-A4E5-355420042614}"/>
+              </a:ext>
+            </a:extLst>
+          </p:cNvPr>
+          <p:cNvSpPr txBox="1"/>
+          <p:nvPr/>
+        </p:nvSpPr>
+        <p:spPr>
+          <a:xfrm>
+            <a:off x="3029690" y="1321164"/>
+            <a:ext cx="5202065" cy="1569660"/>
+          </a:xfrm>
+          <a:prstGeom prst="rect">
+            <a:avLst/>
+          </a:prstGeom>
+          <a:noFill/>
+        </p:spPr>
+        <p:txBody>
+          <a:bodyPr wrap="none" rtlCol="0">
+            <a:spAutoFit/>
+          </a:bodyPr>
+          <a:lstStyle/>
+          <a:p>
+            <a:r>
+              <a:rPr lang="ko-KR" altLang="en-US" sz="2400" dirty="0">
+                <a:solidFill>
+                  <a:schemeClr val="accent6">
+                    <a:lumMod val="75000"/>
+                  </a:schemeClr>
+                </a:solidFill>
+                <a:latin typeface="나눔바른고딕" panose="020B0603020101020101" pitchFamily="50" charset="-127"/>
+                <a:ea typeface="나눔바른고딕" panose="020B0603020101020101" pitchFamily="50" charset="-127"/>
+              </a:rPr>
+              <a:t>만약에</a:t>
+            </a:r>
+            <a:r>
+              <a:rPr lang="ko-KR" altLang="en-US" sz="2400" dirty="0">
+                <a:solidFill>
+                  <a:schemeClr val="bg1">
+                    <a:lumMod val="95000"/>
+                  </a:schemeClr>
+                </a:solidFill>
+                <a:latin typeface="나눔바른고딕" panose="020B0603020101020101" pitchFamily="50" charset="-127"/>
+                <a:ea typeface="나눔바른고딕" panose="020B0603020101020101" pitchFamily="50" charset="-127"/>
+              </a:rPr>
+              <a:t> 적과의 거리가 </a:t>
+            </a:r>
+            <a:r>
+              <a:rPr lang="en-US" altLang="ko-KR" sz="2400" dirty="0">
+                <a:solidFill>
+                  <a:schemeClr val="accent1"/>
+                </a:solidFill>
+                <a:latin typeface="나눔바른고딕" panose="020B0603020101020101" pitchFamily="50" charset="-127"/>
+                <a:ea typeface="나눔바른고딕" panose="020B0603020101020101" pitchFamily="50" charset="-127"/>
+              </a:rPr>
+              <a:t>200m </a:t>
+            </a:r>
+            <a:r>
+              <a:rPr lang="ko-KR" altLang="en-US" sz="2400" dirty="0">
+                <a:solidFill>
+                  <a:schemeClr val="accent1"/>
+                </a:solidFill>
+                <a:latin typeface="나눔바른고딕" panose="020B0603020101020101" pitchFamily="50" charset="-127"/>
+                <a:ea typeface="나눔바른고딕" panose="020B0603020101020101" pitchFamily="50" charset="-127"/>
+              </a:rPr>
+              <a:t>이상</a:t>
+            </a:r>
+            <a:r>
+              <a:rPr lang="ko-KR" altLang="en-US" sz="2400" dirty="0">
+                <a:solidFill>
+                  <a:schemeClr val="bg1">
+                    <a:lumMod val="95000"/>
+                  </a:schemeClr>
+                </a:solidFill>
+                <a:latin typeface="나눔바른고딕" panose="020B0603020101020101" pitchFamily="50" charset="-127"/>
+                <a:ea typeface="나눔바른고딕" panose="020B0603020101020101" pitchFamily="50" charset="-127"/>
+              </a:rPr>
+              <a:t>이라면</a:t>
+            </a:r>
+            <a:r>
+              <a:rPr lang="en-US" altLang="ko-KR" sz="2400" dirty="0">
+                <a:solidFill>
+                  <a:schemeClr val="bg1">
+                    <a:lumMod val="95000"/>
+                  </a:schemeClr>
+                </a:solidFill>
+                <a:latin typeface="나눔바른고딕" panose="020B0603020101020101" pitchFamily="50" charset="-127"/>
+                <a:ea typeface="나눔바른고딕" panose="020B0603020101020101" pitchFamily="50" charset="-127"/>
+              </a:rPr>
+              <a:t>:</a:t>
+            </a:r>
+          </a:p>
+          <a:p>
+            <a:r>
+              <a:rPr lang="en-US" altLang="ko-KR" sz="2400" dirty="0">
+                <a:solidFill>
+                  <a:schemeClr val="bg1">
+                    <a:lumMod val="95000"/>
+                  </a:schemeClr>
+                </a:solidFill>
+                <a:latin typeface="나눔바른고딕" panose="020B0603020101020101" pitchFamily="50" charset="-127"/>
+                <a:ea typeface="나눔바른고딕" panose="020B0603020101020101" pitchFamily="50" charset="-127"/>
+              </a:rPr>
+              <a:t>	- </a:t>
+            </a:r>
+            <a:r>
+              <a:rPr lang="ko-KR" altLang="en-US" sz="2400" dirty="0">
+                <a:solidFill>
+                  <a:schemeClr val="bg1">
+                    <a:lumMod val="95000"/>
+                  </a:schemeClr>
+                </a:solidFill>
+                <a:latin typeface="나눔바른고딕" panose="020B0603020101020101" pitchFamily="50" charset="-127"/>
+                <a:ea typeface="나눔바른고딕" panose="020B0603020101020101" pitchFamily="50" charset="-127"/>
+              </a:rPr>
+              <a:t>저격소총을 쏜다</a:t>
+            </a:r>
+            <a:endParaRPr lang="en-US" altLang="ko-KR" sz="2400" dirty="0">
+              <a:solidFill>
+                <a:schemeClr val="bg1">
+                  <a:lumMod val="95000"/>
+                </a:schemeClr>
+              </a:solidFill>
+              <a:latin typeface="나눔바른고딕" panose="020B0603020101020101" pitchFamily="50" charset="-127"/>
+              <a:ea typeface="나눔바른고딕" panose="020B0603020101020101" pitchFamily="50" charset="-127"/>
+            </a:endParaRPr>
+          </a:p>
+          <a:p>
+            <a:r>
+              <a:rPr lang="ko-KR" altLang="en-US" sz="2400" dirty="0">
+                <a:solidFill>
+                  <a:schemeClr val="accent6">
+                    <a:lumMod val="75000"/>
+                  </a:schemeClr>
+                </a:solidFill>
+                <a:latin typeface="나눔바른고딕" panose="020B0603020101020101" pitchFamily="50" charset="-127"/>
+                <a:ea typeface="나눔바른고딕" panose="020B0603020101020101" pitchFamily="50" charset="-127"/>
+              </a:rPr>
+              <a:t>그게 아니라면</a:t>
+            </a:r>
+            <a:r>
+              <a:rPr lang="en-US" altLang="ko-KR" sz="2400" dirty="0">
+                <a:solidFill>
+                  <a:schemeClr val="bg1">
+                    <a:lumMod val="95000"/>
+                  </a:schemeClr>
+                </a:solidFill>
+                <a:latin typeface="나눔바른고딕" panose="020B0603020101020101" pitchFamily="50" charset="-127"/>
+                <a:ea typeface="나눔바른고딕" panose="020B0603020101020101" pitchFamily="50" charset="-127"/>
+              </a:rPr>
+              <a:t>:</a:t>
+            </a:r>
+          </a:p>
+          <a:p>
+            <a:r>
+              <a:rPr lang="en-US" altLang="ko-KR" sz="2400" dirty="0">
+                <a:solidFill>
+                  <a:schemeClr val="bg1">
+                    <a:lumMod val="95000"/>
+                  </a:schemeClr>
+                </a:solidFill>
+                <a:latin typeface="나눔바른고딕" panose="020B0603020101020101" pitchFamily="50" charset="-127"/>
+                <a:ea typeface="나눔바른고딕" panose="020B0603020101020101" pitchFamily="50" charset="-127"/>
+              </a:rPr>
+              <a:t>	- </a:t>
+            </a:r>
+            <a:r>
+              <a:rPr lang="ko-KR" altLang="en-US" sz="2400" dirty="0">
+                <a:solidFill>
+                  <a:schemeClr val="bg1">
+                    <a:lumMod val="95000"/>
+                  </a:schemeClr>
+                </a:solidFill>
+                <a:latin typeface="나눔바른고딕" panose="020B0603020101020101" pitchFamily="50" charset="-127"/>
+                <a:ea typeface="나눔바른고딕" panose="020B0603020101020101" pitchFamily="50" charset="-127"/>
+              </a:rPr>
+              <a:t>돌격소총을 쏜다</a:t>
+            </a:r>
+            <a:endParaRPr lang="en-US" altLang="ko-KR" sz="2400" dirty="0">
+              <a:solidFill>
+                <a:schemeClr val="bg1">
+                  <a:lumMod val="95000"/>
+                </a:schemeClr>
+              </a:solidFill>
+              <a:latin typeface="나눔바른고딕" panose="020B0603020101020101" pitchFamily="50" charset="-127"/>
+              <a:ea typeface="나눔바른고딕" panose="020B0603020101020101" pitchFamily="50" charset="-127"/>
+            </a:endParaRPr>
+          </a:p>
+        </p:txBody>
+      </p:sp>
+      <p:pic>
+        <p:nvPicPr>
+          <p:cNvPr id="5" name="그림 4">
+            <a:extLst>
+              <a:ext uri="{FF2B5EF4-FFF2-40B4-BE49-F238E27FC236}">
+                <a16:creationId xmlns:a16="http://schemas.microsoft.com/office/drawing/2014/main" id="{EE980892-CDF5-42AA-8275-1ADF7F7ED6F1}"/>
+              </a:ext>
+            </a:extLst>
+          </p:cNvPr>
+          <p:cNvPicPr>
+            <a:picLocks noChangeAspect="1"/>
+          </p:cNvPicPr>
+          <p:nvPr/>
+        </p:nvPicPr>
+        <p:blipFill>
+          <a:blip r:embed="rId2"/>
+          <a:stretch>
+            <a:fillRect/>
+          </a:stretch>
+        </p:blipFill>
+        <p:spPr>
+          <a:xfrm>
+            <a:off x="7392144" y="3861048"/>
+            <a:ext cx="2372056" cy="2391109"/>
+          </a:xfrm>
+          <a:prstGeom prst="rect">
+            <a:avLst/>
+          </a:prstGeom>
+        </p:spPr>
+      </p:pic>
+    </p:spTree>
+    <p:extLst>
+      <p:ext uri="{BB962C8B-B14F-4D97-AF65-F5344CB8AC3E}">
+        <p14:creationId xmlns:p14="http://schemas.microsoft.com/office/powerpoint/2010/main" val="3588686554"/>
+      </p:ext>
+    </p:extLst>
+  </p:cSld>
+  <p:clrMapOvr>
+    <a:masterClrMapping/>
+  </p:clrMapOvr>
+  <p:timing>
+    <p:tnLst>
+      <p:par>
+        <p:cTn id="1" dur="indefinite" restart="never" nodeType="tmRoot">
+          <p:childTnLst>
+            <p:seq concurrent="1" nextAc="seek">
+              <p:cTn id="2" dur="indefinite" nodeType="mainSeq">
+                <p:childTnLst>
+                  <p:par>
+                    <p:cTn id="3" fill="hold">
+                      <p:stCondLst>
+                        <p:cond delay="indefinite"/>
+                      </p:stCondLst>
+                      <p:childTnLst>
+                        <p:par>
+                          <p:cTn id="4" fill="hold">
+                            <p:stCondLst>
+                              <p:cond delay="0"/>
+                            </p:stCondLst>
+                            <p:childTnLst>
+                              <p:par>
+                                <p:cTn id="5" presetID="1" presetClass="entr" presetSubtype="0" fill="hold" grpId="0" nodeType="clickEffect">
+                                  <p:stCondLst>
+                                    <p:cond delay="0"/>
+                                  </p:stCondLst>
+                                  <p:childTnLst>
+                                    <p:set>
+                                      <p:cBhvr>
+                                        <p:cTn id="6" dur="1" fill="hold">
+                                          <p:stCondLst>
+                                            <p:cond delay="0"/>
+                                          </p:stCondLst>
+                                        </p:cTn>
+                                        <p:tgtEl>
+                                          <p:spTgt spid="2"/>
+                                        </p:tgtEl>
+                                        <p:attrNameLst>
+                                          <p:attrName>style.visibility</p:attrName>
+                                        </p:attrNameLst>
+                                      </p:cBhvr>
+                                      <p:to>
+                                        <p:strVal val="visible"/>
+                                      </p:to>
+                                    </p:set>
+                                  </p:childTnLst>
+                                </p:cTn>
+                              </p:par>
+                            </p:childTnLst>
+                          </p:cTn>
+                        </p:par>
+                      </p:childTnLst>
+                    </p:cTn>
+                  </p:par>
+                  <p:par>
+                    <p:cTn id="7" fill="hold">
+                      <p:stCondLst>
+                        <p:cond delay="indefinite"/>
+                      </p:stCondLst>
+                      <p:childTnLst>
+                        <p:par>
+                          <p:cTn id="8" fill="hold">
+                            <p:stCondLst>
+                              <p:cond delay="0"/>
+                            </p:stCondLst>
+                            <p:childTnLst>
+                              <p:par>
+                                <p:cTn id="9" presetID="1" presetClass="entr" presetSubtype="0" fill="hold" nodeType="clickEffect">
+                                  <p:stCondLst>
+                                    <p:cond delay="0"/>
+                                  </p:stCondLst>
+                                  <p:childTnLst>
+                                    <p:set>
+                                      <p:cBhvr>
+                                        <p:cTn id="10" dur="1" fill="hold">
+                                          <p:stCondLst>
+                                            <p:cond delay="0"/>
+                                          </p:stCondLst>
+                                        </p:cTn>
+                                        <p:tgtEl>
+                                          <p:spTgt spid="5"/>
+                                        </p:tgtEl>
+                                        <p:attrNameLst>
+                                          <p:attrName>style.visibility</p:attrName>
+                                        </p:attrNameLst>
+                                      </p:cBhvr>
+                                      <p:to>
+                                        <p:strVal val="visible"/>
+                                      </p:to>
+                                    </p:set>
+                                  </p:childTnLst>
+                                </p:cTn>
+                              </p:par>
+                            </p:childTnLst>
+                          </p:cTn>
+                        </p:par>
+                      </p:childTnLst>
+                    </p:cTn>
+                  </p:par>
+                </p:childTnLst>
+              </p:cTn>
+              <p:prevCondLst>
+                <p:cond evt="onPrev" delay="0">
+                  <p:tgtEl>
+                    <p:sldTgt/>
+                  </p:tgtEl>
+                </p:cond>
+              </p:prevCondLst>
+              <p:nextCondLst>
+                <p:cond evt="onNext" delay="0">
+                  <p:tgtEl>
+                    <p:sldTgt/>
+                  </p:tgtEl>
+                </p:cond>
+              </p:nextCondLst>
+            </p:seq>
+          </p:childTnLst>
+        </p:cTn>
+      </p:par>
+    </p:tnLst>
+    <p:bldLst>
+      <p:bldP spid="2" grpId="0"/>
+    </p:bldLst>
+  </p:timing>
+</p:sld>
+</file>
+
+<file path=ppt/slides/slide11.xml><?xml version="1.0" encoding="utf-8"?>
+<p:sld xmlns:a="http://schemas.openxmlformats.org/drawingml/2006/main" xmlns:r="http://schemas.openxmlformats.org/officeDocument/2006/relationships" xmlns:p="http://schemas.openxmlformats.org/presentationml/2006/main">
+  <p:cSld>
+    <p:bg>
+      <p:bgPr>
+        <a:solidFill>
+          <a:schemeClr val="tx1">
+            <a:lumMod val="85000"/>
+            <a:lumOff val="15000"/>
+          </a:schemeClr>
+        </a:solidFill>
+        <a:effectLst/>
+      </p:bgPr>
+    </p:bg>
+    <p:spTree>
+      <p:nvGrpSpPr>
+        <p:cNvPr id="1" name=""/>
+        <p:cNvGrpSpPr/>
+        <p:nvPr/>
+      </p:nvGrpSpPr>
+      <p:grpSpPr>
+        <a:xfrm>
+          <a:off x="0" y="0"/>
+          <a:ext cx="0" cy="0"/>
+          <a:chOff x="0" y="0"/>
+          <a:chExt cx="0" cy="0"/>
+        </a:xfrm>
+      </p:grpSpPr>
+      <p:sp>
+        <p:nvSpPr>
+          <p:cNvPr id="3" name="TextBox 2">
+            <a:extLst>
+              <a:ext uri="{FF2B5EF4-FFF2-40B4-BE49-F238E27FC236}">
+                <a16:creationId xmlns:a16="http://schemas.microsoft.com/office/drawing/2014/main" id="{08A1525D-D82F-4202-A4E5-355420042614}"/>
+              </a:ext>
+            </a:extLst>
+          </p:cNvPr>
+          <p:cNvSpPr txBox="1"/>
+          <p:nvPr/>
+        </p:nvSpPr>
+        <p:spPr>
+          <a:xfrm>
+            <a:off x="3116018" y="2521059"/>
+            <a:ext cx="5959965" cy="1815882"/>
+          </a:xfrm>
+          <a:prstGeom prst="rect">
+            <a:avLst/>
+          </a:prstGeom>
+          <a:noFill/>
+        </p:spPr>
+        <p:txBody>
+          <a:bodyPr wrap="none" rtlCol="0">
+            <a:spAutoFit/>
+          </a:bodyPr>
+          <a:lstStyle/>
+          <a:p>
+            <a:r>
+              <a:rPr lang="en-US" altLang="ko-KR" sz="2800" dirty="0">
+                <a:solidFill>
+                  <a:schemeClr val="accent6">
+                    <a:lumMod val="75000"/>
+                  </a:schemeClr>
+                </a:solidFill>
+                <a:latin typeface="나눔바른고딕" panose="020B0603020101020101" pitchFamily="50" charset="-127"/>
+                <a:ea typeface="나눔바른고딕" panose="020B0603020101020101" pitchFamily="50" charset="-127"/>
+              </a:rPr>
+              <a:t>if</a:t>
+            </a:r>
+            <a:r>
+              <a:rPr lang="ko-KR" altLang="en-US" sz="2800" dirty="0">
+                <a:solidFill>
+                  <a:schemeClr val="bg1">
+                    <a:lumMod val="95000"/>
+                  </a:schemeClr>
+                </a:solidFill>
+                <a:latin typeface="나눔바른고딕" panose="020B0603020101020101" pitchFamily="50" charset="-127"/>
+                <a:ea typeface="나눔바른고딕" panose="020B0603020101020101" pitchFamily="50" charset="-127"/>
+              </a:rPr>
+              <a:t> </a:t>
+            </a:r>
+            <a:r>
+              <a:rPr lang="ko-KR" altLang="en-US" sz="2800" dirty="0">
+                <a:solidFill>
+                  <a:schemeClr val="accent1"/>
+                </a:solidFill>
+                <a:latin typeface="나눔바른고딕" panose="020B0603020101020101" pitchFamily="50" charset="-127"/>
+                <a:ea typeface="나눔바른고딕" panose="020B0603020101020101" pitchFamily="50" charset="-127"/>
+              </a:rPr>
+              <a:t>조건식</a:t>
+            </a:r>
+            <a:r>
+              <a:rPr lang="en-US" altLang="ko-KR" sz="2800" dirty="0">
+                <a:solidFill>
+                  <a:schemeClr val="bg1">
+                    <a:lumMod val="95000"/>
+                  </a:schemeClr>
+                </a:solidFill>
+                <a:latin typeface="나눔바른고딕" panose="020B0603020101020101" pitchFamily="50" charset="-127"/>
+                <a:ea typeface="나눔바른고딕" panose="020B0603020101020101" pitchFamily="50" charset="-127"/>
+              </a:rPr>
+              <a:t>:</a:t>
+            </a:r>
+          </a:p>
+          <a:p>
+            <a:r>
+              <a:rPr lang="en-US" altLang="ko-KR" sz="2800" dirty="0">
+                <a:solidFill>
+                  <a:schemeClr val="bg1">
+                    <a:lumMod val="95000"/>
+                  </a:schemeClr>
+                </a:solidFill>
+                <a:latin typeface="나눔바른고딕" panose="020B0603020101020101" pitchFamily="50" charset="-127"/>
+                <a:ea typeface="나눔바른고딕" panose="020B0603020101020101" pitchFamily="50" charset="-127"/>
+              </a:rPr>
+              <a:t>	</a:t>
+            </a:r>
+            <a:r>
+              <a:rPr lang="ko-KR" altLang="en-US" sz="2800" dirty="0">
+                <a:solidFill>
+                  <a:schemeClr val="bg1">
+                    <a:lumMod val="95000"/>
+                  </a:schemeClr>
+                </a:solidFill>
+                <a:latin typeface="나눔바른고딕" panose="020B0603020101020101" pitchFamily="50" charset="-127"/>
+                <a:ea typeface="나눔바른고딕" panose="020B0603020101020101" pitchFamily="50" charset="-127"/>
+              </a:rPr>
+              <a:t>조건식이 </a:t>
+            </a:r>
+            <a:r>
+              <a:rPr lang="ko-KR" altLang="en-US" sz="2800" dirty="0">
+                <a:solidFill>
+                  <a:schemeClr val="accent3"/>
+                </a:solidFill>
+                <a:latin typeface="나눔바른고딕" panose="020B0603020101020101" pitchFamily="50" charset="-127"/>
+                <a:ea typeface="나눔바른고딕" panose="020B0603020101020101" pitchFamily="50" charset="-127"/>
+              </a:rPr>
+              <a:t>참</a:t>
+            </a:r>
+            <a:r>
+              <a:rPr lang="ko-KR" altLang="en-US" sz="2800" dirty="0">
+                <a:solidFill>
+                  <a:schemeClr val="bg1">
+                    <a:lumMod val="95000"/>
+                  </a:schemeClr>
+                </a:solidFill>
+                <a:latin typeface="나눔바른고딕" panose="020B0603020101020101" pitchFamily="50" charset="-127"/>
+                <a:ea typeface="나눔바른고딕" panose="020B0603020101020101" pitchFamily="50" charset="-127"/>
+              </a:rPr>
+              <a:t>일 때 실행되는 명령</a:t>
+            </a:r>
+            <a:endParaRPr lang="en-US" altLang="ko-KR" sz="2800" dirty="0">
+              <a:solidFill>
+                <a:schemeClr val="bg1">
+                  <a:lumMod val="95000"/>
+                </a:schemeClr>
+              </a:solidFill>
+              <a:latin typeface="나눔바른고딕" panose="020B0603020101020101" pitchFamily="50" charset="-127"/>
+              <a:ea typeface="나눔바른고딕" panose="020B0603020101020101" pitchFamily="50" charset="-127"/>
+            </a:endParaRPr>
+          </a:p>
+          <a:p>
+            <a:r>
+              <a:rPr lang="en-US" altLang="ko-KR" sz="2800" dirty="0">
+                <a:solidFill>
+                  <a:schemeClr val="accent6">
+                    <a:lumMod val="75000"/>
+                  </a:schemeClr>
+                </a:solidFill>
+                <a:latin typeface="나눔바른고딕" panose="020B0603020101020101" pitchFamily="50" charset="-127"/>
+                <a:ea typeface="나눔바른고딕" panose="020B0603020101020101" pitchFamily="50" charset="-127"/>
+              </a:rPr>
+              <a:t>else</a:t>
+            </a:r>
+            <a:r>
+              <a:rPr lang="en-US" altLang="ko-KR" sz="2800" dirty="0">
+                <a:solidFill>
+                  <a:schemeClr val="bg1">
+                    <a:lumMod val="95000"/>
+                  </a:schemeClr>
+                </a:solidFill>
+                <a:latin typeface="나눔바른고딕" panose="020B0603020101020101" pitchFamily="50" charset="-127"/>
+                <a:ea typeface="나눔바른고딕" panose="020B0603020101020101" pitchFamily="50" charset="-127"/>
+              </a:rPr>
+              <a:t>:</a:t>
+            </a:r>
+          </a:p>
+          <a:p>
+            <a:r>
+              <a:rPr lang="en-US" altLang="ko-KR" sz="2800" dirty="0">
+                <a:solidFill>
+                  <a:schemeClr val="bg1">
+                    <a:lumMod val="95000"/>
+                  </a:schemeClr>
+                </a:solidFill>
+                <a:latin typeface="나눔바른고딕" panose="020B0603020101020101" pitchFamily="50" charset="-127"/>
+                <a:ea typeface="나눔바른고딕" panose="020B0603020101020101" pitchFamily="50" charset="-127"/>
+              </a:rPr>
+              <a:t>	</a:t>
+            </a:r>
+            <a:r>
+              <a:rPr lang="ko-KR" altLang="en-US" sz="2800" dirty="0">
+                <a:solidFill>
+                  <a:schemeClr val="bg1">
+                    <a:lumMod val="95000"/>
+                  </a:schemeClr>
+                </a:solidFill>
+                <a:latin typeface="나눔바른고딕" panose="020B0603020101020101" pitchFamily="50" charset="-127"/>
+                <a:ea typeface="나눔바른고딕" panose="020B0603020101020101" pitchFamily="50" charset="-127"/>
+              </a:rPr>
+              <a:t>조건식이 </a:t>
+            </a:r>
+            <a:r>
+              <a:rPr lang="ko-KR" altLang="en-US" sz="2800" dirty="0">
+                <a:solidFill>
+                  <a:schemeClr val="accent2"/>
+                </a:solidFill>
+                <a:latin typeface="나눔바른고딕" panose="020B0603020101020101" pitchFamily="50" charset="-127"/>
+                <a:ea typeface="나눔바른고딕" panose="020B0603020101020101" pitchFamily="50" charset="-127"/>
+              </a:rPr>
+              <a:t>거짓</a:t>
+            </a:r>
+            <a:r>
+              <a:rPr lang="ko-KR" altLang="en-US" sz="2800" dirty="0">
+                <a:solidFill>
+                  <a:schemeClr val="bg1">
+                    <a:lumMod val="95000"/>
+                  </a:schemeClr>
+                </a:solidFill>
+                <a:latin typeface="나눔바른고딕" panose="020B0603020101020101" pitchFamily="50" charset="-127"/>
+                <a:ea typeface="나눔바른고딕" panose="020B0603020101020101" pitchFamily="50" charset="-127"/>
+              </a:rPr>
+              <a:t>일 때 실행되는 명령</a:t>
+            </a:r>
+            <a:endParaRPr lang="en-US" altLang="ko-KR" sz="2800" dirty="0">
+              <a:solidFill>
+                <a:schemeClr val="bg1">
+                  <a:lumMod val="95000"/>
+                </a:schemeClr>
+              </a:solidFill>
+              <a:latin typeface="나눔바른고딕" panose="020B0603020101020101" pitchFamily="50" charset="-127"/>
+              <a:ea typeface="나눔바른고딕" panose="020B0603020101020101" pitchFamily="50" charset="-127"/>
+            </a:endParaRPr>
+          </a:p>
+        </p:txBody>
+      </p:sp>
+    </p:spTree>
+    <p:extLst>
+      <p:ext uri="{BB962C8B-B14F-4D97-AF65-F5344CB8AC3E}">
+        <p14:creationId xmlns:p14="http://schemas.microsoft.com/office/powerpoint/2010/main" val="1157520634"/>
+      </p:ext>
+    </p:extLst>
+  </p:cSld>
+  <p:clrMapOvr>
+    <a:masterClrMapping/>
+  </p:clrMapOvr>
+</p:sld>
+</file>
+
+<file path=ppt/slides/slide12.xml><?xml version="1.0" encoding="utf-8"?>
+<p:sld xmlns:a="http://schemas.openxmlformats.org/drawingml/2006/main" xmlns:r="http://schemas.openxmlformats.org/officeDocument/2006/relationships" xmlns:p="http://schemas.openxmlformats.org/presentationml/2006/main">
+  <p:cSld>
+    <p:bg>
+      <p:bgPr>
+        <a:solidFill>
+          <a:schemeClr val="tx1">
+            <a:lumMod val="85000"/>
+            <a:lumOff val="15000"/>
+          </a:schemeClr>
+        </a:solidFill>
+        <a:effectLst/>
+      </p:bgPr>
+    </p:bg>
+    <p:spTree>
+      <p:nvGrpSpPr>
+        <p:cNvPr id="1" name=""/>
+        <p:cNvGrpSpPr/>
+        <p:nvPr/>
+      </p:nvGrpSpPr>
+      <p:grpSpPr>
+        <a:xfrm>
+          <a:off x="0" y="0"/>
+          <a:ext cx="0" cy="0"/>
+          <a:chOff x="0" y="0"/>
+          <a:chExt cx="0" cy="0"/>
+        </a:xfrm>
+      </p:grpSpPr>
+      <p:sp>
+        <p:nvSpPr>
+          <p:cNvPr id="2" name="TextBox 1">
+            <a:extLst>
+              <a:ext uri="{FF2B5EF4-FFF2-40B4-BE49-F238E27FC236}">
+                <a16:creationId xmlns:a16="http://schemas.microsoft.com/office/drawing/2014/main" id="{0B332A50-CC0E-4C7E-B47E-E7CFBA7B423B}"/>
+              </a:ext>
+            </a:extLst>
+          </p:cNvPr>
+          <p:cNvSpPr txBox="1"/>
+          <p:nvPr/>
+        </p:nvSpPr>
+        <p:spPr>
+          <a:xfrm>
+            <a:off x="3030096" y="3717032"/>
+            <a:ext cx="3900363" cy="1938992"/>
+          </a:xfrm>
+          <a:prstGeom prst="rect">
+            <a:avLst/>
+          </a:prstGeom>
+          <a:noFill/>
+        </p:spPr>
+        <p:txBody>
+          <a:bodyPr wrap="none" rtlCol="0">
+            <a:spAutoFit/>
+          </a:bodyPr>
+          <a:lstStyle/>
+          <a:p>
+            <a:r>
+              <a:rPr lang="en-US" altLang="ko-KR" sz="2000" dirty="0">
+                <a:solidFill>
+                  <a:schemeClr val="accent6">
+                    <a:lumMod val="75000"/>
+                  </a:schemeClr>
+                </a:solidFill>
+                <a:latin typeface="나눔바른고딕" panose="020B0603020101020101" pitchFamily="50" charset="-127"/>
+                <a:ea typeface="나눔바른고딕" panose="020B0603020101020101" pitchFamily="50" charset="-127"/>
+              </a:rPr>
+              <a:t>if</a:t>
+            </a:r>
+            <a:r>
+              <a:rPr lang="ko-KR" altLang="en-US" sz="2000" dirty="0">
+                <a:solidFill>
+                  <a:schemeClr val="bg1">
+                    <a:lumMod val="95000"/>
+                  </a:schemeClr>
+                </a:solidFill>
+                <a:latin typeface="나눔바른고딕" panose="020B0603020101020101" pitchFamily="50" charset="-127"/>
+                <a:ea typeface="나눔바른고딕" panose="020B0603020101020101" pitchFamily="50" charset="-127"/>
+              </a:rPr>
+              <a:t> </a:t>
+            </a:r>
+            <a:r>
+              <a:rPr lang="en-US" altLang="ko-KR" sz="2000" dirty="0">
+                <a:solidFill>
+                  <a:schemeClr val="accent1"/>
+                </a:solidFill>
+                <a:latin typeface="나눔바른고딕" panose="020B0603020101020101" pitchFamily="50" charset="-127"/>
+                <a:ea typeface="나눔바른고딕" panose="020B0603020101020101" pitchFamily="50" charset="-127"/>
+              </a:rPr>
+              <a:t>hp &lt;= 40</a:t>
+            </a:r>
+            <a:r>
+              <a:rPr lang="en-US" altLang="ko-KR" sz="2000" dirty="0">
+                <a:solidFill>
+                  <a:schemeClr val="bg1">
+                    <a:lumMod val="95000"/>
+                  </a:schemeClr>
+                </a:solidFill>
+                <a:latin typeface="나눔바른고딕" panose="020B0603020101020101" pitchFamily="50" charset="-127"/>
+                <a:ea typeface="나눔바른고딕" panose="020B0603020101020101" pitchFamily="50" charset="-127"/>
+              </a:rPr>
+              <a:t>:</a:t>
+            </a:r>
+          </a:p>
+          <a:p>
+            <a:r>
+              <a:rPr lang="en-US" altLang="ko-KR" sz="2000" dirty="0">
+                <a:solidFill>
+                  <a:schemeClr val="bg1">
+                    <a:lumMod val="95000"/>
+                  </a:schemeClr>
+                </a:solidFill>
+                <a:latin typeface="나눔바른고딕" panose="020B0603020101020101" pitchFamily="50" charset="-127"/>
+                <a:ea typeface="나눔바른고딕" panose="020B0603020101020101" pitchFamily="50" charset="-127"/>
+              </a:rPr>
+              <a:t>	</a:t>
+            </a:r>
+            <a:r>
+              <a:rPr lang="en-US" altLang="ko-KR" sz="2000" dirty="0" err="1">
+                <a:solidFill>
+                  <a:schemeClr val="bg1">
+                    <a:lumMod val="95000"/>
+                  </a:schemeClr>
+                </a:solidFill>
+                <a:latin typeface="나눔바른고딕" panose="020B0603020101020101" pitchFamily="50" charset="-127"/>
+                <a:ea typeface="나눔바른고딕" panose="020B0603020101020101" pitchFamily="50" charset="-127"/>
+              </a:rPr>
+              <a:t>medikit</a:t>
+            </a:r>
+            <a:r>
+              <a:rPr lang="en-US" altLang="ko-KR" sz="2000" dirty="0">
+                <a:solidFill>
+                  <a:schemeClr val="bg1">
+                    <a:lumMod val="95000"/>
+                  </a:schemeClr>
+                </a:solidFill>
+                <a:latin typeface="나눔바른고딕" panose="020B0603020101020101" pitchFamily="50" charset="-127"/>
+                <a:ea typeface="나눔바른고딕" panose="020B0603020101020101" pitchFamily="50" charset="-127"/>
+              </a:rPr>
+              <a:t> = </a:t>
+            </a:r>
+            <a:r>
+              <a:rPr lang="en-US" altLang="ko-KR" sz="2000" dirty="0" err="1">
+                <a:solidFill>
+                  <a:schemeClr val="bg1">
+                    <a:lumMod val="95000"/>
+                  </a:schemeClr>
+                </a:solidFill>
+                <a:latin typeface="나눔바른고딕" panose="020B0603020101020101" pitchFamily="50" charset="-127"/>
+                <a:ea typeface="나눔바른고딕" panose="020B0603020101020101" pitchFamily="50" charset="-127"/>
+              </a:rPr>
+              <a:t>medikit</a:t>
+            </a:r>
+            <a:r>
+              <a:rPr lang="en-US" altLang="ko-KR" sz="2000" dirty="0">
+                <a:solidFill>
+                  <a:schemeClr val="bg1">
+                    <a:lumMod val="95000"/>
+                  </a:schemeClr>
+                </a:solidFill>
+                <a:latin typeface="나눔바른고딕" panose="020B0603020101020101" pitchFamily="50" charset="-127"/>
+                <a:ea typeface="나눔바른고딕" panose="020B0603020101020101" pitchFamily="50" charset="-127"/>
+              </a:rPr>
+              <a:t> -1</a:t>
+            </a:r>
+          </a:p>
+          <a:p>
+            <a:r>
+              <a:rPr lang="en-US" altLang="ko-KR" sz="2000" dirty="0" err="1">
+                <a:solidFill>
+                  <a:schemeClr val="accent6">
+                    <a:lumMod val="75000"/>
+                  </a:schemeClr>
+                </a:solidFill>
+                <a:latin typeface="나눔바른고딕" panose="020B0603020101020101" pitchFamily="50" charset="-127"/>
+                <a:ea typeface="나눔바른고딕" panose="020B0603020101020101" pitchFamily="50" charset="-127"/>
+              </a:rPr>
+              <a:t>elif</a:t>
+            </a:r>
+            <a:r>
+              <a:rPr lang="en-US" altLang="ko-KR" sz="2000" dirty="0">
+                <a:solidFill>
+                  <a:schemeClr val="accent6">
+                    <a:lumMod val="75000"/>
+                  </a:schemeClr>
+                </a:solidFill>
+                <a:latin typeface="나눔바른고딕" panose="020B0603020101020101" pitchFamily="50" charset="-127"/>
+                <a:ea typeface="나눔바른고딕" panose="020B0603020101020101" pitchFamily="50" charset="-127"/>
+              </a:rPr>
+              <a:t> </a:t>
+            </a:r>
+            <a:r>
+              <a:rPr lang="en-US" altLang="ko-KR" sz="2000" dirty="0">
+                <a:solidFill>
+                  <a:schemeClr val="accent1"/>
+                </a:solidFill>
+                <a:latin typeface="나눔바른고딕" panose="020B0603020101020101" pitchFamily="50" charset="-127"/>
+                <a:ea typeface="나눔바른고딕" panose="020B0603020101020101" pitchFamily="50" charset="-127"/>
+              </a:rPr>
+              <a:t>hp &lt;= 70</a:t>
+            </a:r>
+            <a:r>
+              <a:rPr lang="en-US" altLang="ko-KR" sz="2000" dirty="0">
+                <a:solidFill>
+                  <a:schemeClr val="bg1">
+                    <a:lumMod val="95000"/>
+                  </a:schemeClr>
+                </a:solidFill>
+                <a:latin typeface="나눔바른고딕" panose="020B0603020101020101" pitchFamily="50" charset="-127"/>
+                <a:ea typeface="나눔바른고딕" panose="020B0603020101020101" pitchFamily="50" charset="-127"/>
+              </a:rPr>
+              <a:t>:</a:t>
+            </a:r>
+          </a:p>
+          <a:p>
+            <a:r>
+              <a:rPr lang="en-US" altLang="ko-KR" sz="2000" dirty="0">
+                <a:solidFill>
+                  <a:schemeClr val="bg1">
+                    <a:lumMod val="95000"/>
+                  </a:schemeClr>
+                </a:solidFill>
+                <a:latin typeface="나눔바른고딕" panose="020B0603020101020101" pitchFamily="50" charset="-127"/>
+                <a:ea typeface="나눔바른고딕" panose="020B0603020101020101" pitchFamily="50" charset="-127"/>
+              </a:rPr>
+              <a:t>	bandage = bandage -1</a:t>
+            </a:r>
+          </a:p>
+          <a:p>
+            <a:r>
+              <a:rPr lang="en-US" altLang="ko-KR" sz="2000" dirty="0">
+                <a:solidFill>
+                  <a:schemeClr val="accent6">
+                    <a:lumMod val="75000"/>
+                  </a:schemeClr>
+                </a:solidFill>
+                <a:latin typeface="나눔바른고딕" panose="020B0603020101020101" pitchFamily="50" charset="-127"/>
+                <a:ea typeface="나눔바른고딕" panose="020B0603020101020101" pitchFamily="50" charset="-127"/>
+              </a:rPr>
+              <a:t>else</a:t>
+            </a:r>
+            <a:r>
+              <a:rPr lang="en-US" altLang="ko-KR" sz="2000" dirty="0">
+                <a:solidFill>
+                  <a:schemeClr val="bg1">
+                    <a:lumMod val="95000"/>
+                  </a:schemeClr>
+                </a:solidFill>
+                <a:latin typeface="나눔바른고딕" panose="020B0603020101020101" pitchFamily="50" charset="-127"/>
+                <a:ea typeface="나눔바른고딕" panose="020B0603020101020101" pitchFamily="50" charset="-127"/>
+              </a:rPr>
+              <a:t>:</a:t>
+            </a:r>
+          </a:p>
+          <a:p>
+            <a:r>
+              <a:rPr lang="en-US" altLang="ko-KR" sz="2000" dirty="0">
+                <a:solidFill>
+                  <a:schemeClr val="bg1">
+                    <a:lumMod val="95000"/>
+                  </a:schemeClr>
+                </a:solidFill>
+                <a:latin typeface="나눔바른고딕" panose="020B0603020101020101" pitchFamily="50" charset="-127"/>
+                <a:ea typeface="나눔바른고딕" panose="020B0603020101020101" pitchFamily="50" charset="-127"/>
+              </a:rPr>
+              <a:t>	painkiller = painkiller -1</a:t>
+            </a:r>
+          </a:p>
+        </p:txBody>
+      </p:sp>
+      <p:sp>
+        <p:nvSpPr>
+          <p:cNvPr id="3" name="TextBox 2">
+            <a:extLst>
+              <a:ext uri="{FF2B5EF4-FFF2-40B4-BE49-F238E27FC236}">
+                <a16:creationId xmlns:a16="http://schemas.microsoft.com/office/drawing/2014/main" id="{08A1525D-D82F-4202-A4E5-355420042614}"/>
+              </a:ext>
+            </a:extLst>
+          </p:cNvPr>
+          <p:cNvSpPr txBox="1"/>
+          <p:nvPr/>
+        </p:nvSpPr>
+        <p:spPr>
+          <a:xfrm>
+            <a:off x="3030096" y="980728"/>
+            <a:ext cx="4363695" cy="1938992"/>
+          </a:xfrm>
+          <a:prstGeom prst="rect">
+            <a:avLst/>
+          </a:prstGeom>
+          <a:noFill/>
+        </p:spPr>
+        <p:txBody>
+          <a:bodyPr wrap="none" rtlCol="0">
+            <a:spAutoFit/>
+          </a:bodyPr>
+          <a:lstStyle/>
+          <a:p>
+            <a:r>
+              <a:rPr lang="ko-KR" altLang="en-US" sz="2000" dirty="0">
+                <a:solidFill>
+                  <a:schemeClr val="accent6">
+                    <a:lumMod val="75000"/>
+                  </a:schemeClr>
+                </a:solidFill>
+                <a:latin typeface="나눔바른고딕" panose="020B0603020101020101" pitchFamily="50" charset="-127"/>
+                <a:ea typeface="나눔바른고딕" panose="020B0603020101020101" pitchFamily="50" charset="-127"/>
+              </a:rPr>
+              <a:t>만약에</a:t>
+            </a:r>
+            <a:r>
+              <a:rPr lang="ko-KR" altLang="en-US" sz="2000" dirty="0">
+                <a:solidFill>
+                  <a:schemeClr val="bg1">
+                    <a:lumMod val="95000"/>
+                  </a:schemeClr>
+                </a:solidFill>
+                <a:latin typeface="나눔바른고딕" panose="020B0603020101020101" pitchFamily="50" charset="-127"/>
+                <a:ea typeface="나눔바른고딕" panose="020B0603020101020101" pitchFamily="50" charset="-127"/>
+              </a:rPr>
+              <a:t> 체력이 </a:t>
+            </a:r>
+            <a:r>
+              <a:rPr lang="en-US" altLang="ko-KR" sz="2000" dirty="0">
+                <a:solidFill>
+                  <a:schemeClr val="accent1"/>
+                </a:solidFill>
+                <a:latin typeface="나눔바른고딕" panose="020B0603020101020101" pitchFamily="50" charset="-127"/>
+                <a:ea typeface="나눔바른고딕" panose="020B0603020101020101" pitchFamily="50" charset="-127"/>
+              </a:rPr>
+              <a:t>40 </a:t>
+            </a:r>
+            <a:r>
+              <a:rPr lang="ko-KR" altLang="en-US" sz="2000" dirty="0">
+                <a:solidFill>
+                  <a:schemeClr val="accent1"/>
+                </a:solidFill>
+                <a:latin typeface="나눔바른고딕" panose="020B0603020101020101" pitchFamily="50" charset="-127"/>
+                <a:ea typeface="나눔바른고딕" panose="020B0603020101020101" pitchFamily="50" charset="-127"/>
+              </a:rPr>
+              <a:t>이하</a:t>
+            </a:r>
+            <a:r>
+              <a:rPr lang="ko-KR" altLang="en-US" sz="2000" dirty="0">
+                <a:solidFill>
+                  <a:schemeClr val="bg1">
+                    <a:lumMod val="95000"/>
+                  </a:schemeClr>
+                </a:solidFill>
+                <a:latin typeface="나눔바른고딕" panose="020B0603020101020101" pitchFamily="50" charset="-127"/>
+                <a:ea typeface="나눔바른고딕" panose="020B0603020101020101" pitchFamily="50" charset="-127"/>
+              </a:rPr>
+              <a:t>라면</a:t>
+            </a:r>
+            <a:r>
+              <a:rPr lang="en-US" altLang="ko-KR" sz="2000" dirty="0">
+                <a:solidFill>
+                  <a:schemeClr val="bg1">
+                    <a:lumMod val="95000"/>
+                  </a:schemeClr>
+                </a:solidFill>
+                <a:latin typeface="나눔바른고딕" panose="020B0603020101020101" pitchFamily="50" charset="-127"/>
+                <a:ea typeface="나눔바른고딕" panose="020B0603020101020101" pitchFamily="50" charset="-127"/>
+              </a:rPr>
+              <a:t>:</a:t>
+            </a:r>
+          </a:p>
+          <a:p>
+            <a:r>
+              <a:rPr lang="en-US" altLang="ko-KR" sz="2000" dirty="0">
+                <a:solidFill>
+                  <a:schemeClr val="bg1">
+                    <a:lumMod val="95000"/>
+                  </a:schemeClr>
+                </a:solidFill>
+                <a:latin typeface="나눔바른고딕" panose="020B0603020101020101" pitchFamily="50" charset="-127"/>
+                <a:ea typeface="나눔바른고딕" panose="020B0603020101020101" pitchFamily="50" charset="-127"/>
+              </a:rPr>
+              <a:t>	- </a:t>
+            </a:r>
+            <a:r>
+              <a:rPr lang="ko-KR" altLang="en-US" sz="2000" dirty="0">
+                <a:solidFill>
+                  <a:schemeClr val="bg1">
+                    <a:lumMod val="95000"/>
+                  </a:schemeClr>
+                </a:solidFill>
+                <a:latin typeface="나눔바른고딕" panose="020B0603020101020101" pitchFamily="50" charset="-127"/>
+                <a:ea typeface="나눔바른고딕" panose="020B0603020101020101" pitchFamily="50" charset="-127"/>
+              </a:rPr>
+              <a:t>구급상자를 사용한다</a:t>
+            </a:r>
+            <a:endParaRPr lang="en-US" altLang="ko-KR" sz="2000" dirty="0">
+              <a:solidFill>
+                <a:schemeClr val="bg1">
+                  <a:lumMod val="95000"/>
+                </a:schemeClr>
+              </a:solidFill>
+              <a:latin typeface="나눔바른고딕" panose="020B0603020101020101" pitchFamily="50" charset="-127"/>
+              <a:ea typeface="나눔바른고딕" panose="020B0603020101020101" pitchFamily="50" charset="-127"/>
+            </a:endParaRPr>
+          </a:p>
+          <a:p>
+            <a:r>
+              <a:rPr lang="ko-KR" altLang="en-US" sz="2000" dirty="0">
+                <a:solidFill>
+                  <a:schemeClr val="accent6">
+                    <a:lumMod val="75000"/>
+                  </a:schemeClr>
+                </a:solidFill>
+                <a:latin typeface="나눔바른고딕" panose="020B0603020101020101" pitchFamily="50" charset="-127"/>
+                <a:ea typeface="나눔바른고딕" panose="020B0603020101020101" pitchFamily="50" charset="-127"/>
+              </a:rPr>
+              <a:t>그게 아니라</a:t>
+            </a:r>
+            <a:r>
+              <a:rPr lang="en-US" altLang="ko-KR" sz="2000" dirty="0">
+                <a:solidFill>
+                  <a:schemeClr val="accent6">
+                    <a:lumMod val="75000"/>
+                  </a:schemeClr>
+                </a:solidFill>
+                <a:latin typeface="나눔바른고딕" panose="020B0603020101020101" pitchFamily="50" charset="-127"/>
+                <a:ea typeface="나눔바른고딕" panose="020B0603020101020101" pitchFamily="50" charset="-127"/>
+              </a:rPr>
+              <a:t>,</a:t>
+            </a:r>
+            <a:r>
+              <a:rPr lang="ko-KR" altLang="en-US" sz="2000" dirty="0">
+                <a:solidFill>
+                  <a:schemeClr val="accent6">
+                    <a:lumMod val="75000"/>
+                  </a:schemeClr>
+                </a:solidFill>
+                <a:latin typeface="나눔바른고딕" panose="020B0603020101020101" pitchFamily="50" charset="-127"/>
+                <a:ea typeface="나눔바른고딕" panose="020B0603020101020101" pitchFamily="50" charset="-127"/>
+              </a:rPr>
+              <a:t> 만약에 </a:t>
+            </a:r>
+            <a:r>
+              <a:rPr lang="ko-KR" altLang="en-US" sz="2000" dirty="0">
+                <a:solidFill>
+                  <a:schemeClr val="bg1">
+                    <a:lumMod val="95000"/>
+                  </a:schemeClr>
+                </a:solidFill>
+                <a:latin typeface="나눔바른고딕" panose="020B0603020101020101" pitchFamily="50" charset="-127"/>
+                <a:ea typeface="나눔바른고딕" panose="020B0603020101020101" pitchFamily="50" charset="-127"/>
+              </a:rPr>
+              <a:t>체력이</a:t>
+            </a:r>
+            <a:r>
+              <a:rPr lang="ko-KR" altLang="en-US" sz="2000" dirty="0">
+                <a:solidFill>
+                  <a:schemeClr val="accent6">
+                    <a:lumMod val="75000"/>
+                  </a:schemeClr>
+                </a:solidFill>
+                <a:latin typeface="나눔바른고딕" panose="020B0603020101020101" pitchFamily="50" charset="-127"/>
+                <a:ea typeface="나눔바른고딕" panose="020B0603020101020101" pitchFamily="50" charset="-127"/>
+              </a:rPr>
+              <a:t> </a:t>
+            </a:r>
+            <a:r>
+              <a:rPr lang="en-US" altLang="ko-KR" sz="2000" dirty="0">
+                <a:solidFill>
+                  <a:schemeClr val="accent1"/>
+                </a:solidFill>
+                <a:latin typeface="나눔바른고딕" panose="020B0603020101020101" pitchFamily="50" charset="-127"/>
+                <a:ea typeface="나눔바른고딕" panose="020B0603020101020101" pitchFamily="50" charset="-127"/>
+              </a:rPr>
+              <a:t>70</a:t>
+            </a:r>
+            <a:r>
+              <a:rPr lang="ko-KR" altLang="en-US" sz="2000" dirty="0">
+                <a:solidFill>
+                  <a:schemeClr val="accent1"/>
+                </a:solidFill>
+                <a:latin typeface="나눔바른고딕" panose="020B0603020101020101" pitchFamily="50" charset="-127"/>
+                <a:ea typeface="나눔바른고딕" panose="020B0603020101020101" pitchFamily="50" charset="-127"/>
+              </a:rPr>
+              <a:t>이하 </a:t>
+            </a:r>
+            <a:r>
+              <a:rPr lang="ko-KR" altLang="en-US" sz="2000" dirty="0">
+                <a:solidFill>
+                  <a:schemeClr val="bg1">
+                    <a:lumMod val="95000"/>
+                  </a:schemeClr>
+                </a:solidFill>
+                <a:latin typeface="나눔바른고딕" panose="020B0603020101020101" pitchFamily="50" charset="-127"/>
+                <a:ea typeface="나눔바른고딕" panose="020B0603020101020101" pitchFamily="50" charset="-127"/>
+              </a:rPr>
+              <a:t>라면</a:t>
+            </a:r>
+            <a:r>
+              <a:rPr lang="en-US" altLang="ko-KR" sz="2000" dirty="0">
+                <a:solidFill>
+                  <a:schemeClr val="bg1">
+                    <a:lumMod val="95000"/>
+                  </a:schemeClr>
+                </a:solidFill>
+                <a:latin typeface="나눔바른고딕" panose="020B0603020101020101" pitchFamily="50" charset="-127"/>
+                <a:ea typeface="나눔바른고딕" panose="020B0603020101020101" pitchFamily="50" charset="-127"/>
+              </a:rPr>
+              <a:t>:</a:t>
+            </a:r>
+          </a:p>
+          <a:p>
+            <a:r>
+              <a:rPr lang="en-US" altLang="ko-KR" sz="2000" dirty="0">
+                <a:solidFill>
+                  <a:schemeClr val="bg1">
+                    <a:lumMod val="95000"/>
+                  </a:schemeClr>
+                </a:solidFill>
+                <a:latin typeface="나눔바른고딕" panose="020B0603020101020101" pitchFamily="50" charset="-127"/>
+                <a:ea typeface="나눔바른고딕" panose="020B0603020101020101" pitchFamily="50" charset="-127"/>
+              </a:rPr>
+              <a:t>	- </a:t>
+            </a:r>
+            <a:r>
+              <a:rPr lang="ko-KR" altLang="en-US" sz="2000" dirty="0">
+                <a:solidFill>
+                  <a:schemeClr val="bg1">
+                    <a:lumMod val="95000"/>
+                  </a:schemeClr>
+                </a:solidFill>
+                <a:latin typeface="나눔바른고딕" panose="020B0603020101020101" pitchFamily="50" charset="-127"/>
+                <a:ea typeface="나눔바른고딕" panose="020B0603020101020101" pitchFamily="50" charset="-127"/>
+              </a:rPr>
+              <a:t>붕대를 사용한다</a:t>
+            </a:r>
+            <a:endParaRPr lang="en-US" altLang="ko-KR" sz="2000" dirty="0">
+              <a:solidFill>
+                <a:schemeClr val="bg1">
+                  <a:lumMod val="95000"/>
+                </a:schemeClr>
+              </a:solidFill>
+              <a:latin typeface="나눔바른고딕" panose="020B0603020101020101" pitchFamily="50" charset="-127"/>
+              <a:ea typeface="나눔바른고딕" panose="020B0603020101020101" pitchFamily="50" charset="-127"/>
+            </a:endParaRPr>
+          </a:p>
+          <a:p>
+            <a:r>
+              <a:rPr lang="ko-KR" altLang="en-US" sz="2000" dirty="0">
+                <a:solidFill>
+                  <a:schemeClr val="accent6">
+                    <a:lumMod val="75000"/>
+                  </a:schemeClr>
+                </a:solidFill>
+                <a:latin typeface="나눔바른고딕" panose="020B0603020101020101" pitchFamily="50" charset="-127"/>
+                <a:ea typeface="나눔바른고딕" panose="020B0603020101020101" pitchFamily="50" charset="-127"/>
+              </a:rPr>
+              <a:t>그게 아니라면</a:t>
+            </a:r>
+            <a:r>
+              <a:rPr lang="en-US" altLang="ko-KR" sz="2000" dirty="0">
+                <a:solidFill>
+                  <a:schemeClr val="bg1">
+                    <a:lumMod val="95000"/>
+                  </a:schemeClr>
+                </a:solidFill>
+                <a:latin typeface="나눔바른고딕" panose="020B0603020101020101" pitchFamily="50" charset="-127"/>
+                <a:ea typeface="나눔바른고딕" panose="020B0603020101020101" pitchFamily="50" charset="-127"/>
+              </a:rPr>
+              <a:t>:</a:t>
+            </a:r>
+          </a:p>
+          <a:p>
+            <a:r>
+              <a:rPr lang="en-US" altLang="ko-KR" sz="2000" dirty="0">
+                <a:solidFill>
+                  <a:schemeClr val="bg1">
+                    <a:lumMod val="95000"/>
+                  </a:schemeClr>
+                </a:solidFill>
+                <a:latin typeface="나눔바른고딕" panose="020B0603020101020101" pitchFamily="50" charset="-127"/>
+                <a:ea typeface="나눔바른고딕" panose="020B0603020101020101" pitchFamily="50" charset="-127"/>
+              </a:rPr>
+              <a:t>	- </a:t>
+            </a:r>
+            <a:r>
+              <a:rPr lang="ko-KR" altLang="en-US" sz="2000" dirty="0">
+                <a:solidFill>
+                  <a:schemeClr val="bg1">
+                    <a:lumMod val="95000"/>
+                  </a:schemeClr>
+                </a:solidFill>
+                <a:latin typeface="나눔바른고딕" panose="020B0603020101020101" pitchFamily="50" charset="-127"/>
+                <a:ea typeface="나눔바른고딕" panose="020B0603020101020101" pitchFamily="50" charset="-127"/>
+              </a:rPr>
+              <a:t>진통제를 사용한다</a:t>
+            </a:r>
+            <a:endParaRPr lang="en-US" altLang="ko-KR" sz="2000" dirty="0">
+              <a:solidFill>
+                <a:schemeClr val="bg1">
+                  <a:lumMod val="95000"/>
+                </a:schemeClr>
+              </a:solidFill>
+              <a:latin typeface="나눔바른고딕" panose="020B0603020101020101" pitchFamily="50" charset="-127"/>
+              <a:ea typeface="나눔바른고딕" panose="020B0603020101020101" pitchFamily="50" charset="-127"/>
+            </a:endParaRPr>
+          </a:p>
+        </p:txBody>
+      </p:sp>
+      <p:pic>
+        <p:nvPicPr>
+          <p:cNvPr id="5" name="그림 4">
+            <a:extLst>
+              <a:ext uri="{FF2B5EF4-FFF2-40B4-BE49-F238E27FC236}">
+                <a16:creationId xmlns:a16="http://schemas.microsoft.com/office/drawing/2014/main" id="{1E6F3D10-10BC-446B-BECD-441CB54125E0}"/>
+              </a:ext>
+            </a:extLst>
+          </p:cNvPr>
+          <p:cNvPicPr>
+            <a:picLocks noChangeAspect="1"/>
+          </p:cNvPicPr>
+          <p:nvPr/>
+        </p:nvPicPr>
+        <p:blipFill>
+          <a:blip r:embed="rId2"/>
+          <a:stretch>
+            <a:fillRect/>
+          </a:stretch>
+        </p:blipFill>
+        <p:spPr>
+          <a:xfrm>
+            <a:off x="6930459" y="3764559"/>
+            <a:ext cx="677709" cy="708262"/>
+          </a:xfrm>
+          <a:prstGeom prst="rect">
+            <a:avLst/>
+          </a:prstGeom>
+        </p:spPr>
+      </p:pic>
+      <p:pic>
+        <p:nvPicPr>
+          <p:cNvPr id="7" name="그림 6">
+            <a:extLst>
+              <a:ext uri="{FF2B5EF4-FFF2-40B4-BE49-F238E27FC236}">
+                <a16:creationId xmlns:a16="http://schemas.microsoft.com/office/drawing/2014/main" id="{E1F652DB-85BC-48CE-80C8-12AA29B06575}"/>
+              </a:ext>
+            </a:extLst>
+          </p:cNvPr>
+          <p:cNvPicPr>
+            <a:picLocks noChangeAspect="1"/>
+          </p:cNvPicPr>
+          <p:nvPr/>
+        </p:nvPicPr>
+        <p:blipFill>
+          <a:blip r:embed="rId3"/>
+          <a:stretch>
+            <a:fillRect/>
+          </a:stretch>
+        </p:blipFill>
+        <p:spPr>
+          <a:xfrm>
+            <a:off x="7054936" y="4522204"/>
+            <a:ext cx="677709" cy="615843"/>
+          </a:xfrm>
+          <a:prstGeom prst="rect">
+            <a:avLst/>
+          </a:prstGeom>
+        </p:spPr>
+      </p:pic>
+      <p:pic>
+        <p:nvPicPr>
+          <p:cNvPr id="9" name="그림 8">
+            <a:extLst>
+              <a:ext uri="{FF2B5EF4-FFF2-40B4-BE49-F238E27FC236}">
+                <a16:creationId xmlns:a16="http://schemas.microsoft.com/office/drawing/2014/main" id="{63864309-84F2-48F8-A0DB-AF54D2AF4A96}"/>
+              </a:ext>
+            </a:extLst>
+          </p:cNvPr>
+          <p:cNvPicPr>
+            <a:picLocks noChangeAspect="1"/>
+          </p:cNvPicPr>
+          <p:nvPr/>
+        </p:nvPicPr>
+        <p:blipFill>
+          <a:blip r:embed="rId4"/>
+          <a:stretch>
+            <a:fillRect/>
+          </a:stretch>
+        </p:blipFill>
+        <p:spPr>
+          <a:xfrm>
+            <a:off x="7073929" y="5229200"/>
+            <a:ext cx="606248" cy="645958"/>
+          </a:xfrm>
+          <a:prstGeom prst="rect">
+            <a:avLst/>
+          </a:prstGeom>
+        </p:spPr>
+      </p:pic>
+    </p:spTree>
+    <p:extLst>
+      <p:ext uri="{BB962C8B-B14F-4D97-AF65-F5344CB8AC3E}">
+        <p14:creationId xmlns:p14="http://schemas.microsoft.com/office/powerpoint/2010/main" val="2849107420"/>
+      </p:ext>
+    </p:extLst>
+  </p:cSld>
+  <p:clrMapOvr>
+    <a:masterClrMapping/>
+  </p:clrMapOvr>
+  <p:timing>
+    <p:tnLst>
+      <p:par>
+        <p:cTn id="1" dur="indefinite" restart="never" nodeType="tmRoot">
+          <p:childTnLst>
+            <p:seq concurrent="1" nextAc="seek">
+              <p:cTn id="2" dur="indefinite" nodeType="mainSeq">
+                <p:childTnLst>
+                  <p:par>
+                    <p:cTn id="3" fill="hold">
+                      <p:stCondLst>
+                        <p:cond delay="indefinite"/>
+                      </p:stCondLst>
+                      <p:childTnLst>
+                        <p:par>
+                          <p:cTn id="4" fill="hold">
+                            <p:stCondLst>
+                              <p:cond delay="0"/>
+                            </p:stCondLst>
+                            <p:childTnLst>
+                              <p:par>
+                                <p:cTn id="5" presetID="1" presetClass="entr" presetSubtype="0" fill="hold" grpId="0" nodeType="clickEffect">
+                                  <p:stCondLst>
+                                    <p:cond delay="0"/>
+                                  </p:stCondLst>
+                                  <p:childTnLst>
+                                    <p:set>
+                                      <p:cBhvr>
+                                        <p:cTn id="6" dur="1" fill="hold">
+                                          <p:stCondLst>
+                                            <p:cond delay="0"/>
+                                          </p:stCondLst>
+                                        </p:cTn>
+                                        <p:tgtEl>
+                                          <p:spTgt spid="2"/>
+                                        </p:tgtEl>
+                                        <p:attrNameLst>
+                                          <p:attrName>style.visibility</p:attrName>
+                                        </p:attrNameLst>
+                                      </p:cBhvr>
+                                      <p:to>
+                                        <p:strVal val="visible"/>
+                                      </p:to>
+                                    </p:set>
+                                  </p:childTnLst>
+                                </p:cTn>
+                              </p:par>
+                            </p:childTnLst>
+                          </p:cTn>
+                        </p:par>
+                      </p:childTnLst>
+                    </p:cTn>
+                  </p:par>
+                  <p:par>
+                    <p:cTn id="7" fill="hold">
+                      <p:stCondLst>
+                        <p:cond delay="indefinite"/>
+                      </p:stCondLst>
+                      <p:childTnLst>
+                        <p:par>
+                          <p:cTn id="8" fill="hold">
+                            <p:stCondLst>
+                              <p:cond delay="0"/>
+                            </p:stCondLst>
+                            <p:childTnLst>
+                              <p:par>
+                                <p:cTn id="9" presetID="1" presetClass="entr" presetSubtype="0" fill="hold" nodeType="clickEffect">
+                                  <p:stCondLst>
+                                    <p:cond delay="0"/>
+                                  </p:stCondLst>
+                                  <p:childTnLst>
+                                    <p:set>
+                                      <p:cBhvr>
+                                        <p:cTn id="10" dur="1" fill="hold">
+                                          <p:stCondLst>
+                                            <p:cond delay="0"/>
+                                          </p:stCondLst>
+                                        </p:cTn>
+                                        <p:tgtEl>
+                                          <p:spTgt spid="5"/>
+                                        </p:tgtEl>
+                                        <p:attrNameLst>
+                                          <p:attrName>style.visibility</p:attrName>
+                                        </p:attrNameLst>
+                                      </p:cBhvr>
+                                      <p:to>
+                                        <p:strVal val="visible"/>
+                                      </p:to>
+                                    </p:set>
+                                  </p:childTnLst>
+                                </p:cTn>
+                              </p:par>
+                            </p:childTnLst>
+                          </p:cTn>
+                        </p:par>
+                      </p:childTnLst>
+                    </p:cTn>
+                  </p:par>
+                  <p:par>
+                    <p:cTn id="11" fill="hold">
+                      <p:stCondLst>
+                        <p:cond delay="indefinite"/>
+                      </p:stCondLst>
+                      <p:childTnLst>
+                        <p:par>
+                          <p:cTn id="12" fill="hold">
+                            <p:stCondLst>
+                              <p:cond delay="0"/>
+                            </p:stCondLst>
+                            <p:childTnLst>
+                              <p:par>
+                                <p:cTn id="13" presetID="1" presetClass="entr" presetSubtype="0" fill="hold" nodeType="clickEffect">
+                                  <p:stCondLst>
+                                    <p:cond delay="0"/>
+                                  </p:stCondLst>
+                                  <p:childTnLst>
+                                    <p:set>
+                                      <p:cBhvr>
+                                        <p:cTn id="14" dur="1" fill="hold">
+                                          <p:stCondLst>
+                                            <p:cond delay="0"/>
+                                          </p:stCondLst>
+                                        </p:cTn>
+                                        <p:tgtEl>
+                                          <p:spTgt spid="7"/>
+                                        </p:tgtEl>
+                                        <p:attrNameLst>
+                                          <p:attrName>style.visibility</p:attrName>
+                                        </p:attrNameLst>
+                                      </p:cBhvr>
+                                      <p:to>
+                                        <p:strVal val="visible"/>
+                                      </p:to>
+                                    </p:set>
+                                  </p:childTnLst>
+                                </p:cTn>
+                              </p:par>
+                            </p:childTnLst>
+                          </p:cTn>
+                        </p:par>
+                      </p:childTnLst>
+                    </p:cTn>
+                  </p:par>
+                  <p:par>
+                    <p:cTn id="15" fill="hold">
+                      <p:stCondLst>
+                        <p:cond delay="indefinite"/>
+                      </p:stCondLst>
+                      <p:childTnLst>
+                        <p:par>
+                          <p:cTn id="16" fill="hold">
+                            <p:stCondLst>
+                              <p:cond delay="0"/>
+                            </p:stCondLst>
+                            <p:childTnLst>
+                              <p:par>
+                                <p:cTn id="17" presetID="1" presetClass="entr" presetSubtype="0" fill="hold" nodeType="clickEffect">
+                                  <p:stCondLst>
+                                    <p:cond delay="0"/>
+                                  </p:stCondLst>
+                                  <p:childTnLst>
+                                    <p:set>
+                                      <p:cBhvr>
+                                        <p:cTn id="18" dur="1" fill="hold">
+                                          <p:stCondLst>
+                                            <p:cond delay="0"/>
+                                          </p:stCondLst>
+                                        </p:cTn>
+                                        <p:tgtEl>
+                                          <p:spTgt spid="9"/>
+                                        </p:tgtEl>
+                                        <p:attrNameLst>
+                                          <p:attrName>style.visibility</p:attrName>
+                                        </p:attrNameLst>
+                                      </p:cBhvr>
+                                      <p:to>
+                                        <p:strVal val="visible"/>
+                                      </p:to>
+                                    </p:set>
+                                  </p:childTnLst>
+                                </p:cTn>
+                              </p:par>
+                            </p:childTnLst>
+                          </p:cTn>
+                        </p:par>
+                      </p:childTnLst>
+                    </p:cTn>
+                  </p:par>
+                </p:childTnLst>
+              </p:cTn>
+              <p:prevCondLst>
+                <p:cond evt="onPrev" delay="0">
+                  <p:tgtEl>
+                    <p:sldTgt/>
+                  </p:tgtEl>
+                </p:cond>
+              </p:prevCondLst>
+              <p:nextCondLst>
+                <p:cond evt="onNext" delay="0">
+                  <p:tgtEl>
+                    <p:sldTgt/>
+                  </p:tgtEl>
+                </p:cond>
+              </p:nextCondLst>
+            </p:seq>
+          </p:childTnLst>
+        </p:cTn>
+      </p:par>
+    </p:tnLst>
+    <p:bldLst>
+      <p:bldP spid="2" grpId="0"/>
+    </p:bldLst>
+  </p:timing>
+</p:sld>
+</file>
+
+<file path=ppt/slides/slide13.xml><?xml version="1.0" encoding="utf-8"?>
+<p:sld xmlns:a="http://schemas.openxmlformats.org/drawingml/2006/main" xmlns:r="http://schemas.openxmlformats.org/officeDocument/2006/relationships" xmlns:p="http://schemas.openxmlformats.org/presentationml/2006/main">
+  <p:cSld>
+    <p:bg>
+      <p:bgPr>
+        <a:solidFill>
+          <a:schemeClr val="tx1">
+            <a:lumMod val="85000"/>
+            <a:lumOff val="15000"/>
+          </a:schemeClr>
+        </a:solidFill>
+        <a:effectLst/>
+      </p:bgPr>
+    </p:bg>
+    <p:spTree>
+      <p:nvGrpSpPr>
+        <p:cNvPr id="1" name=""/>
+        <p:cNvGrpSpPr/>
+        <p:nvPr/>
+      </p:nvGrpSpPr>
+      <p:grpSpPr>
+        <a:xfrm>
+          <a:off x="0" y="0"/>
+          <a:ext cx="0" cy="0"/>
+          <a:chOff x="0" y="0"/>
+          <a:chExt cx="0" cy="0"/>
+        </a:xfrm>
+      </p:grpSpPr>
+      <p:sp>
+        <p:nvSpPr>
+          <p:cNvPr id="3" name="TextBox 2">
+            <a:extLst>
+              <a:ext uri="{FF2B5EF4-FFF2-40B4-BE49-F238E27FC236}">
+                <a16:creationId xmlns:a16="http://schemas.microsoft.com/office/drawing/2014/main" id="{08A1525D-D82F-4202-A4E5-355420042614}"/>
+              </a:ext>
+            </a:extLst>
+          </p:cNvPr>
+          <p:cNvSpPr txBox="1"/>
+          <p:nvPr/>
+        </p:nvSpPr>
+        <p:spPr>
+          <a:xfrm>
+            <a:off x="3375704" y="1905506"/>
+            <a:ext cx="5440592" cy="3046988"/>
+          </a:xfrm>
+          <a:prstGeom prst="rect">
+            <a:avLst/>
+          </a:prstGeom>
+          <a:noFill/>
+        </p:spPr>
+        <p:txBody>
+          <a:bodyPr wrap="none" rtlCol="0">
+            <a:spAutoFit/>
+          </a:bodyPr>
+          <a:lstStyle/>
+          <a:p>
+            <a:r>
+              <a:rPr lang="en-US" altLang="ko-KR" sz="2400" dirty="0">
+                <a:solidFill>
+                  <a:schemeClr val="accent6">
+                    <a:lumMod val="75000"/>
+                  </a:schemeClr>
+                </a:solidFill>
+                <a:latin typeface="나눔바른고딕" panose="020B0603020101020101" pitchFamily="50" charset="-127"/>
+                <a:ea typeface="나눔바른고딕" panose="020B0603020101020101" pitchFamily="50" charset="-127"/>
+              </a:rPr>
+              <a:t>if</a:t>
+            </a:r>
+            <a:r>
+              <a:rPr lang="ko-KR" altLang="en-US" sz="2400" dirty="0">
+                <a:solidFill>
+                  <a:schemeClr val="bg1">
+                    <a:lumMod val="95000"/>
+                  </a:schemeClr>
+                </a:solidFill>
+                <a:latin typeface="나눔바른고딕" panose="020B0603020101020101" pitchFamily="50" charset="-127"/>
+                <a:ea typeface="나눔바른고딕" panose="020B0603020101020101" pitchFamily="50" charset="-127"/>
+              </a:rPr>
+              <a:t> </a:t>
+            </a:r>
+            <a:r>
+              <a:rPr lang="ko-KR" altLang="en-US" sz="2400" dirty="0">
+                <a:solidFill>
+                  <a:schemeClr val="accent1"/>
+                </a:solidFill>
+                <a:latin typeface="나눔바른고딕" panose="020B0603020101020101" pitchFamily="50" charset="-127"/>
+                <a:ea typeface="나눔바른고딕" panose="020B0603020101020101" pitchFamily="50" charset="-127"/>
+              </a:rPr>
+              <a:t>조건식</a:t>
+            </a:r>
+            <a:r>
+              <a:rPr lang="en-US" altLang="ko-KR" sz="2400" dirty="0">
+                <a:solidFill>
+                  <a:schemeClr val="accent1"/>
+                </a:solidFill>
+                <a:latin typeface="나눔바른고딕" panose="020B0603020101020101" pitchFamily="50" charset="-127"/>
+                <a:ea typeface="나눔바른고딕" panose="020B0603020101020101" pitchFamily="50" charset="-127"/>
+              </a:rPr>
+              <a:t>1</a:t>
+            </a:r>
+            <a:r>
+              <a:rPr lang="en-US" altLang="ko-KR" sz="2400" dirty="0">
+                <a:solidFill>
+                  <a:schemeClr val="bg1">
+                    <a:lumMod val="95000"/>
+                  </a:schemeClr>
+                </a:solidFill>
+                <a:latin typeface="나눔바른고딕" panose="020B0603020101020101" pitchFamily="50" charset="-127"/>
+                <a:ea typeface="나눔바른고딕" panose="020B0603020101020101" pitchFamily="50" charset="-127"/>
+              </a:rPr>
+              <a:t>:</a:t>
+            </a:r>
+          </a:p>
+          <a:p>
+            <a:r>
+              <a:rPr lang="en-US" altLang="ko-KR" sz="2400" dirty="0">
+                <a:solidFill>
+                  <a:schemeClr val="bg1">
+                    <a:lumMod val="95000"/>
+                  </a:schemeClr>
+                </a:solidFill>
+                <a:latin typeface="나눔바른고딕" panose="020B0603020101020101" pitchFamily="50" charset="-127"/>
+                <a:ea typeface="나눔바른고딕" panose="020B0603020101020101" pitchFamily="50" charset="-127"/>
+              </a:rPr>
+              <a:t>	</a:t>
+            </a:r>
+            <a:r>
+              <a:rPr lang="ko-KR" altLang="en-US" sz="2400" dirty="0">
+                <a:solidFill>
+                  <a:schemeClr val="bg1">
+                    <a:lumMod val="95000"/>
+                  </a:schemeClr>
+                </a:solidFill>
+                <a:latin typeface="나눔바른고딕" panose="020B0603020101020101" pitchFamily="50" charset="-127"/>
+                <a:ea typeface="나눔바른고딕" panose="020B0603020101020101" pitchFamily="50" charset="-127"/>
+              </a:rPr>
+              <a:t>조건식</a:t>
+            </a:r>
+            <a:r>
+              <a:rPr lang="en-US" altLang="ko-KR" sz="2400" dirty="0">
+                <a:solidFill>
+                  <a:schemeClr val="bg1">
+                    <a:lumMod val="95000"/>
+                  </a:schemeClr>
+                </a:solidFill>
+                <a:latin typeface="나눔바른고딕" panose="020B0603020101020101" pitchFamily="50" charset="-127"/>
+                <a:ea typeface="나눔바른고딕" panose="020B0603020101020101" pitchFamily="50" charset="-127"/>
+              </a:rPr>
+              <a:t>1</a:t>
+            </a:r>
+            <a:r>
+              <a:rPr lang="ko-KR" altLang="en-US" sz="2400" dirty="0">
+                <a:solidFill>
+                  <a:schemeClr val="bg1">
+                    <a:lumMod val="95000"/>
+                  </a:schemeClr>
+                </a:solidFill>
+                <a:latin typeface="나눔바른고딕" panose="020B0603020101020101" pitchFamily="50" charset="-127"/>
+                <a:ea typeface="나눔바른고딕" panose="020B0603020101020101" pitchFamily="50" charset="-127"/>
+              </a:rPr>
+              <a:t>이 </a:t>
+            </a:r>
+            <a:r>
+              <a:rPr lang="ko-KR" altLang="en-US" sz="2400" dirty="0">
+                <a:solidFill>
+                  <a:schemeClr val="accent3"/>
+                </a:solidFill>
+                <a:latin typeface="나눔바른고딕" panose="020B0603020101020101" pitchFamily="50" charset="-127"/>
+                <a:ea typeface="나눔바른고딕" panose="020B0603020101020101" pitchFamily="50" charset="-127"/>
+              </a:rPr>
+              <a:t>참</a:t>
+            </a:r>
+            <a:r>
+              <a:rPr lang="ko-KR" altLang="en-US" sz="2400" dirty="0">
+                <a:solidFill>
+                  <a:schemeClr val="bg1">
+                    <a:lumMod val="95000"/>
+                  </a:schemeClr>
+                </a:solidFill>
+                <a:latin typeface="나눔바른고딕" panose="020B0603020101020101" pitchFamily="50" charset="-127"/>
+                <a:ea typeface="나눔바른고딕" panose="020B0603020101020101" pitchFamily="50" charset="-127"/>
+              </a:rPr>
+              <a:t>일 때 실행되는 명령</a:t>
+            </a:r>
+            <a:endParaRPr lang="en-US" altLang="ko-KR" sz="2400" dirty="0">
+              <a:solidFill>
+                <a:schemeClr val="bg1">
+                  <a:lumMod val="95000"/>
+                </a:schemeClr>
+              </a:solidFill>
+              <a:latin typeface="나눔바른고딕" panose="020B0603020101020101" pitchFamily="50" charset="-127"/>
+              <a:ea typeface="나눔바른고딕" panose="020B0603020101020101" pitchFamily="50" charset="-127"/>
+            </a:endParaRPr>
+          </a:p>
+          <a:p>
+            <a:r>
+              <a:rPr lang="en-US" altLang="ko-KR" sz="2400" dirty="0" err="1">
+                <a:solidFill>
+                  <a:schemeClr val="accent6">
+                    <a:lumMod val="75000"/>
+                  </a:schemeClr>
+                </a:solidFill>
+                <a:latin typeface="나눔바른고딕" panose="020B0603020101020101" pitchFamily="50" charset="-127"/>
+                <a:ea typeface="나눔바른고딕" panose="020B0603020101020101" pitchFamily="50" charset="-127"/>
+              </a:rPr>
+              <a:t>elif</a:t>
+            </a:r>
+            <a:r>
+              <a:rPr lang="en-US" altLang="ko-KR" sz="2400" dirty="0">
+                <a:solidFill>
+                  <a:schemeClr val="accent6">
+                    <a:lumMod val="75000"/>
+                  </a:schemeClr>
+                </a:solidFill>
+                <a:latin typeface="나눔바른고딕" panose="020B0603020101020101" pitchFamily="50" charset="-127"/>
+                <a:ea typeface="나눔바른고딕" panose="020B0603020101020101" pitchFamily="50" charset="-127"/>
+              </a:rPr>
+              <a:t> </a:t>
+            </a:r>
+            <a:r>
+              <a:rPr lang="ko-KR" altLang="en-US" sz="2400" dirty="0">
+                <a:solidFill>
+                  <a:schemeClr val="accent4"/>
+                </a:solidFill>
+                <a:latin typeface="나눔바른고딕" panose="020B0603020101020101" pitchFamily="50" charset="-127"/>
+                <a:ea typeface="나눔바른고딕" panose="020B0603020101020101" pitchFamily="50" charset="-127"/>
+              </a:rPr>
+              <a:t>조건식</a:t>
+            </a:r>
+            <a:r>
+              <a:rPr lang="en-US" altLang="ko-KR" sz="2400" dirty="0">
+                <a:solidFill>
+                  <a:schemeClr val="accent4"/>
+                </a:solidFill>
+                <a:latin typeface="나눔바른고딕" panose="020B0603020101020101" pitchFamily="50" charset="-127"/>
+                <a:ea typeface="나눔바른고딕" panose="020B0603020101020101" pitchFamily="50" charset="-127"/>
+              </a:rPr>
+              <a:t>2</a:t>
+            </a:r>
+            <a:r>
+              <a:rPr lang="en-US" altLang="ko-KR" sz="2400" dirty="0">
+                <a:solidFill>
+                  <a:schemeClr val="bg1">
+                    <a:lumMod val="95000"/>
+                  </a:schemeClr>
+                </a:solidFill>
+                <a:latin typeface="나눔바른고딕" panose="020B0603020101020101" pitchFamily="50" charset="-127"/>
+                <a:ea typeface="나눔바른고딕" panose="020B0603020101020101" pitchFamily="50" charset="-127"/>
+              </a:rPr>
+              <a:t>:</a:t>
+            </a:r>
+          </a:p>
+          <a:p>
+            <a:r>
+              <a:rPr lang="en-US" altLang="ko-KR" sz="2400" dirty="0">
+                <a:solidFill>
+                  <a:schemeClr val="bg1">
+                    <a:lumMod val="95000"/>
+                  </a:schemeClr>
+                </a:solidFill>
+                <a:latin typeface="나눔바른고딕" panose="020B0603020101020101" pitchFamily="50" charset="-127"/>
+                <a:ea typeface="나눔바른고딕" panose="020B0603020101020101" pitchFamily="50" charset="-127"/>
+              </a:rPr>
+              <a:t>	</a:t>
+            </a:r>
+            <a:r>
+              <a:rPr lang="ko-KR" altLang="en-US" sz="2400" dirty="0">
+                <a:solidFill>
+                  <a:schemeClr val="bg1">
+                    <a:lumMod val="95000"/>
+                  </a:schemeClr>
+                </a:solidFill>
+                <a:latin typeface="나눔바른고딕" panose="020B0603020101020101" pitchFamily="50" charset="-127"/>
+                <a:ea typeface="나눔바른고딕" panose="020B0603020101020101" pitchFamily="50" charset="-127"/>
+              </a:rPr>
+              <a:t>조건식</a:t>
+            </a:r>
+            <a:r>
+              <a:rPr lang="en-US" altLang="ko-KR" sz="2400" dirty="0">
+                <a:solidFill>
+                  <a:schemeClr val="bg1">
+                    <a:lumMod val="95000"/>
+                  </a:schemeClr>
+                </a:solidFill>
+                <a:latin typeface="나눔바른고딕" panose="020B0603020101020101" pitchFamily="50" charset="-127"/>
+                <a:ea typeface="나눔바른고딕" panose="020B0603020101020101" pitchFamily="50" charset="-127"/>
+              </a:rPr>
+              <a:t>1</a:t>
+            </a:r>
+            <a:r>
+              <a:rPr lang="ko-KR" altLang="en-US" sz="2400" dirty="0">
+                <a:solidFill>
+                  <a:schemeClr val="bg1">
+                    <a:lumMod val="95000"/>
+                  </a:schemeClr>
+                </a:solidFill>
+                <a:latin typeface="나눔바른고딕" panose="020B0603020101020101" pitchFamily="50" charset="-127"/>
+                <a:ea typeface="나눔바른고딕" panose="020B0603020101020101" pitchFamily="50" charset="-127"/>
+              </a:rPr>
+              <a:t>이 </a:t>
+            </a:r>
+            <a:r>
+              <a:rPr lang="ko-KR" altLang="en-US" sz="2400" dirty="0">
+                <a:solidFill>
+                  <a:schemeClr val="accent2"/>
+                </a:solidFill>
+                <a:latin typeface="나눔바른고딕" panose="020B0603020101020101" pitchFamily="50" charset="-127"/>
+                <a:ea typeface="나눔바른고딕" panose="020B0603020101020101" pitchFamily="50" charset="-127"/>
+              </a:rPr>
+              <a:t>거짓</a:t>
+            </a:r>
+            <a:r>
+              <a:rPr lang="en-US" altLang="ko-KR" sz="2400" dirty="0">
+                <a:solidFill>
+                  <a:schemeClr val="bg1">
+                    <a:lumMod val="95000"/>
+                  </a:schemeClr>
+                </a:solidFill>
+                <a:latin typeface="나눔바른고딕" panose="020B0603020101020101" pitchFamily="50" charset="-127"/>
+                <a:ea typeface="나눔바른고딕" panose="020B0603020101020101" pitchFamily="50" charset="-127"/>
+              </a:rPr>
+              <a:t>, </a:t>
+            </a:r>
+            <a:r>
+              <a:rPr lang="ko-KR" altLang="en-US" sz="2400" dirty="0">
+                <a:solidFill>
+                  <a:schemeClr val="bg1">
+                    <a:lumMod val="95000"/>
+                  </a:schemeClr>
+                </a:solidFill>
+                <a:latin typeface="나눔바른고딕" panose="020B0603020101020101" pitchFamily="50" charset="-127"/>
+                <a:ea typeface="나눔바른고딕" panose="020B0603020101020101" pitchFamily="50" charset="-127"/>
+              </a:rPr>
+              <a:t>조건식</a:t>
+            </a:r>
+            <a:r>
+              <a:rPr lang="en-US" altLang="ko-KR" sz="2400" dirty="0">
+                <a:solidFill>
+                  <a:schemeClr val="bg1">
+                    <a:lumMod val="95000"/>
+                  </a:schemeClr>
+                </a:solidFill>
+                <a:latin typeface="나눔바른고딕" panose="020B0603020101020101" pitchFamily="50" charset="-127"/>
+                <a:ea typeface="나눔바른고딕" panose="020B0603020101020101" pitchFamily="50" charset="-127"/>
+              </a:rPr>
+              <a:t>2</a:t>
+            </a:r>
+            <a:r>
+              <a:rPr lang="ko-KR" altLang="en-US" sz="2400" dirty="0">
+                <a:solidFill>
+                  <a:schemeClr val="bg1">
+                    <a:lumMod val="95000"/>
+                  </a:schemeClr>
+                </a:solidFill>
+                <a:latin typeface="나눔바른고딕" panose="020B0603020101020101" pitchFamily="50" charset="-127"/>
+                <a:ea typeface="나눔바른고딕" panose="020B0603020101020101" pitchFamily="50" charset="-127"/>
+              </a:rPr>
+              <a:t>가 </a:t>
+            </a:r>
+            <a:r>
+              <a:rPr lang="ko-KR" altLang="en-US" sz="2400" dirty="0">
+                <a:solidFill>
+                  <a:schemeClr val="accent3"/>
+                </a:solidFill>
+                <a:latin typeface="나눔바른고딕" panose="020B0603020101020101" pitchFamily="50" charset="-127"/>
+                <a:ea typeface="나눔바른고딕" panose="020B0603020101020101" pitchFamily="50" charset="-127"/>
+              </a:rPr>
+              <a:t>참</a:t>
+            </a:r>
+            <a:r>
+              <a:rPr lang="ko-KR" altLang="en-US" sz="2400" dirty="0">
+                <a:solidFill>
+                  <a:schemeClr val="bg1">
+                    <a:lumMod val="95000"/>
+                  </a:schemeClr>
+                </a:solidFill>
+                <a:latin typeface="나눔바른고딕" panose="020B0603020101020101" pitchFamily="50" charset="-127"/>
+                <a:ea typeface="나눔바른고딕" panose="020B0603020101020101" pitchFamily="50" charset="-127"/>
+              </a:rPr>
+              <a:t>일 때</a:t>
+            </a:r>
+            <a:endParaRPr lang="en-US" altLang="ko-KR" sz="2400" dirty="0">
+              <a:solidFill>
+                <a:schemeClr val="bg1">
+                  <a:lumMod val="95000"/>
+                </a:schemeClr>
+              </a:solidFill>
+              <a:latin typeface="나눔바른고딕" panose="020B0603020101020101" pitchFamily="50" charset="-127"/>
+              <a:ea typeface="나눔바른고딕" panose="020B0603020101020101" pitchFamily="50" charset="-127"/>
+            </a:endParaRPr>
+          </a:p>
+          <a:p>
+            <a:r>
+              <a:rPr lang="en-US" altLang="ko-KR" sz="2400" dirty="0">
+                <a:solidFill>
+                  <a:schemeClr val="bg1">
+                    <a:lumMod val="95000"/>
+                  </a:schemeClr>
+                </a:solidFill>
+                <a:latin typeface="나눔바른고딕" panose="020B0603020101020101" pitchFamily="50" charset="-127"/>
+                <a:ea typeface="나눔바른고딕" panose="020B0603020101020101" pitchFamily="50" charset="-127"/>
+              </a:rPr>
+              <a:t>	</a:t>
+            </a:r>
+            <a:r>
+              <a:rPr lang="ko-KR" altLang="en-US" sz="2400" dirty="0">
+                <a:solidFill>
+                  <a:schemeClr val="bg1">
+                    <a:lumMod val="95000"/>
+                  </a:schemeClr>
+                </a:solidFill>
+                <a:latin typeface="나눔바른고딕" panose="020B0603020101020101" pitchFamily="50" charset="-127"/>
+                <a:ea typeface="나눔바른고딕" panose="020B0603020101020101" pitchFamily="50" charset="-127"/>
+              </a:rPr>
+              <a:t>실행되는 명령</a:t>
+            </a:r>
+            <a:endParaRPr lang="en-US" altLang="ko-KR" sz="2400" dirty="0">
+              <a:solidFill>
+                <a:schemeClr val="bg1">
+                  <a:lumMod val="95000"/>
+                </a:schemeClr>
+              </a:solidFill>
+              <a:latin typeface="나눔바른고딕" panose="020B0603020101020101" pitchFamily="50" charset="-127"/>
+              <a:ea typeface="나눔바른고딕" panose="020B0603020101020101" pitchFamily="50" charset="-127"/>
+            </a:endParaRPr>
+          </a:p>
+          <a:p>
+            <a:r>
+              <a:rPr lang="en-US" altLang="ko-KR" sz="2400" dirty="0">
+                <a:solidFill>
+                  <a:schemeClr val="accent6">
+                    <a:lumMod val="75000"/>
+                  </a:schemeClr>
+                </a:solidFill>
+                <a:latin typeface="나눔바른고딕" panose="020B0603020101020101" pitchFamily="50" charset="-127"/>
+                <a:ea typeface="나눔바른고딕" panose="020B0603020101020101" pitchFamily="50" charset="-127"/>
+              </a:rPr>
+              <a:t>else</a:t>
+            </a:r>
+            <a:r>
+              <a:rPr lang="en-US" altLang="ko-KR" sz="2400" dirty="0">
+                <a:solidFill>
+                  <a:schemeClr val="bg1">
+                    <a:lumMod val="95000"/>
+                  </a:schemeClr>
+                </a:solidFill>
+                <a:latin typeface="나눔바른고딕" panose="020B0603020101020101" pitchFamily="50" charset="-127"/>
+                <a:ea typeface="나눔바른고딕" panose="020B0603020101020101" pitchFamily="50" charset="-127"/>
+              </a:rPr>
+              <a:t>:</a:t>
+            </a:r>
+          </a:p>
+          <a:p>
+            <a:r>
+              <a:rPr lang="en-US" altLang="ko-KR" sz="2400" dirty="0">
+                <a:solidFill>
+                  <a:schemeClr val="bg1">
+                    <a:lumMod val="95000"/>
+                  </a:schemeClr>
+                </a:solidFill>
+                <a:latin typeface="나눔바른고딕" panose="020B0603020101020101" pitchFamily="50" charset="-127"/>
+                <a:ea typeface="나눔바른고딕" panose="020B0603020101020101" pitchFamily="50" charset="-127"/>
+              </a:rPr>
+              <a:t>	</a:t>
+            </a:r>
+            <a:r>
+              <a:rPr lang="ko-KR" altLang="en-US" sz="2400" dirty="0">
+                <a:solidFill>
+                  <a:schemeClr val="bg1">
+                    <a:lumMod val="95000"/>
+                  </a:schemeClr>
+                </a:solidFill>
+                <a:latin typeface="나눔바른고딕" panose="020B0603020101020101" pitchFamily="50" charset="-127"/>
+                <a:ea typeface="나눔바른고딕" panose="020B0603020101020101" pitchFamily="50" charset="-127"/>
+              </a:rPr>
+              <a:t>조건식</a:t>
+            </a:r>
+            <a:r>
+              <a:rPr lang="en-US" altLang="ko-KR" sz="2400" dirty="0">
+                <a:solidFill>
+                  <a:schemeClr val="bg1">
+                    <a:lumMod val="95000"/>
+                  </a:schemeClr>
+                </a:solidFill>
+                <a:latin typeface="나눔바른고딕" panose="020B0603020101020101" pitchFamily="50" charset="-127"/>
+                <a:ea typeface="나눔바른고딕" panose="020B0603020101020101" pitchFamily="50" charset="-127"/>
+              </a:rPr>
+              <a:t>1, </a:t>
+            </a:r>
+            <a:r>
+              <a:rPr lang="ko-KR" altLang="en-US" sz="2400" dirty="0">
+                <a:solidFill>
+                  <a:schemeClr val="bg1">
+                    <a:lumMod val="95000"/>
+                  </a:schemeClr>
+                </a:solidFill>
+                <a:latin typeface="나눔바른고딕" panose="020B0603020101020101" pitchFamily="50" charset="-127"/>
+                <a:ea typeface="나눔바른고딕" panose="020B0603020101020101" pitchFamily="50" charset="-127"/>
+              </a:rPr>
+              <a:t>조건식</a:t>
+            </a:r>
+            <a:r>
+              <a:rPr lang="en-US" altLang="ko-KR" sz="2400" dirty="0">
+                <a:solidFill>
+                  <a:schemeClr val="bg1">
+                    <a:lumMod val="95000"/>
+                  </a:schemeClr>
+                </a:solidFill>
+                <a:latin typeface="나눔바른고딕" panose="020B0603020101020101" pitchFamily="50" charset="-127"/>
+                <a:ea typeface="나눔바른고딕" panose="020B0603020101020101" pitchFamily="50" charset="-127"/>
+              </a:rPr>
+              <a:t>2</a:t>
+            </a:r>
+            <a:r>
+              <a:rPr lang="ko-KR" altLang="en-US" sz="2400" dirty="0">
+                <a:solidFill>
+                  <a:schemeClr val="bg1">
+                    <a:lumMod val="95000"/>
+                  </a:schemeClr>
+                </a:solidFill>
+                <a:latin typeface="나눔바른고딕" panose="020B0603020101020101" pitchFamily="50" charset="-127"/>
+                <a:ea typeface="나눔바른고딕" panose="020B0603020101020101" pitchFamily="50" charset="-127"/>
+              </a:rPr>
+              <a:t>가 </a:t>
+            </a:r>
+            <a:r>
+              <a:rPr lang="ko-KR" altLang="en-US" sz="2400" dirty="0">
+                <a:solidFill>
+                  <a:schemeClr val="accent2"/>
+                </a:solidFill>
+                <a:latin typeface="나눔바른고딕" panose="020B0603020101020101" pitchFamily="50" charset="-127"/>
+                <a:ea typeface="나눔바른고딕" panose="020B0603020101020101" pitchFamily="50" charset="-127"/>
+              </a:rPr>
+              <a:t>거짓</a:t>
+            </a:r>
+            <a:r>
+              <a:rPr lang="ko-KR" altLang="en-US" sz="2400" dirty="0">
+                <a:solidFill>
+                  <a:schemeClr val="bg1">
+                    <a:lumMod val="95000"/>
+                  </a:schemeClr>
+                </a:solidFill>
+                <a:latin typeface="나눔바른고딕" panose="020B0603020101020101" pitchFamily="50" charset="-127"/>
+                <a:ea typeface="나눔바른고딕" panose="020B0603020101020101" pitchFamily="50" charset="-127"/>
+              </a:rPr>
+              <a:t>일 때</a:t>
+            </a:r>
+            <a:endParaRPr lang="en-US" altLang="ko-KR" sz="2400" dirty="0">
+              <a:solidFill>
+                <a:schemeClr val="bg1">
+                  <a:lumMod val="95000"/>
+                </a:schemeClr>
+              </a:solidFill>
+              <a:latin typeface="나눔바른고딕" panose="020B0603020101020101" pitchFamily="50" charset="-127"/>
+              <a:ea typeface="나눔바른고딕" panose="020B0603020101020101" pitchFamily="50" charset="-127"/>
+            </a:endParaRPr>
+          </a:p>
+          <a:p>
+            <a:r>
+              <a:rPr lang="en-US" altLang="ko-KR" sz="2400" dirty="0">
+                <a:solidFill>
+                  <a:schemeClr val="bg1">
+                    <a:lumMod val="95000"/>
+                  </a:schemeClr>
+                </a:solidFill>
+                <a:latin typeface="나눔바른고딕" panose="020B0603020101020101" pitchFamily="50" charset="-127"/>
+                <a:ea typeface="나눔바른고딕" panose="020B0603020101020101" pitchFamily="50" charset="-127"/>
+              </a:rPr>
+              <a:t>	</a:t>
+            </a:r>
+            <a:r>
+              <a:rPr lang="ko-KR" altLang="en-US" sz="2400" dirty="0">
+                <a:solidFill>
+                  <a:schemeClr val="bg1">
+                    <a:lumMod val="95000"/>
+                  </a:schemeClr>
+                </a:solidFill>
+                <a:latin typeface="나눔바른고딕" panose="020B0603020101020101" pitchFamily="50" charset="-127"/>
+                <a:ea typeface="나눔바른고딕" panose="020B0603020101020101" pitchFamily="50" charset="-127"/>
+              </a:rPr>
+              <a:t>실행되는 명령</a:t>
+            </a:r>
+            <a:endParaRPr lang="en-US" altLang="ko-KR" sz="2400" dirty="0">
+              <a:solidFill>
+                <a:schemeClr val="bg1">
+                  <a:lumMod val="95000"/>
+                </a:schemeClr>
+              </a:solidFill>
+              <a:latin typeface="나눔바른고딕" panose="020B0603020101020101" pitchFamily="50" charset="-127"/>
+              <a:ea typeface="나눔바른고딕" panose="020B0603020101020101" pitchFamily="50" charset="-127"/>
+            </a:endParaRPr>
+          </a:p>
+        </p:txBody>
+      </p:sp>
+    </p:spTree>
+    <p:extLst>
+      <p:ext uri="{BB962C8B-B14F-4D97-AF65-F5344CB8AC3E}">
+        <p14:creationId xmlns:p14="http://schemas.microsoft.com/office/powerpoint/2010/main" val="4054232883"/>
+      </p:ext>
+    </p:extLst>
+  </p:cSld>
+  <p:clrMapOvr>
+    <a:masterClrMapping/>
+  </p:clrMapOvr>
+</p:sld>
+</file>
+
+<file path=ppt/slides/slide14.xml><?xml version="1.0" encoding="utf-8"?>
+<p:sld xmlns:a="http://schemas.openxmlformats.org/drawingml/2006/main" xmlns:r="http://schemas.openxmlformats.org/officeDocument/2006/relationships" xmlns:p="http://schemas.openxmlformats.org/presentationml/2006/main">
+  <p:cSld>
+    <p:bg>
+      <p:bgPr>
+        <a:solidFill>
+          <a:schemeClr val="tx1">
+            <a:lumMod val="85000"/>
+            <a:lumOff val="15000"/>
+          </a:schemeClr>
+        </a:solidFill>
+        <a:effectLst/>
+      </p:bgPr>
+    </p:bg>
+    <p:spTree>
+      <p:nvGrpSpPr>
+        <p:cNvPr id="1" name=""/>
+        <p:cNvGrpSpPr/>
+        <p:nvPr/>
+      </p:nvGrpSpPr>
+      <p:grpSpPr>
+        <a:xfrm>
+          <a:off x="0" y="0"/>
+          <a:ext cx="0" cy="0"/>
+          <a:chOff x="0" y="0"/>
+          <a:chExt cx="0" cy="0"/>
+        </a:xfrm>
+      </p:grpSpPr>
+      <p:sp>
+        <p:nvSpPr>
+          <p:cNvPr id="3" name="TextBox 2">
+            <a:extLst>
+              <a:ext uri="{FF2B5EF4-FFF2-40B4-BE49-F238E27FC236}">
+                <a16:creationId xmlns:a16="http://schemas.microsoft.com/office/drawing/2014/main" id="{C328775F-63B7-4EB7-A87C-C8DD8899CD3D}"/>
+              </a:ext>
+            </a:extLst>
+          </p:cNvPr>
+          <p:cNvSpPr txBox="1"/>
+          <p:nvPr/>
+        </p:nvSpPr>
+        <p:spPr>
+          <a:xfrm>
+            <a:off x="2334800" y="2988688"/>
+            <a:ext cx="1281120" cy="584775"/>
+          </a:xfrm>
+          <a:prstGeom prst="rect">
+            <a:avLst/>
+          </a:prstGeom>
+          <a:noFill/>
+        </p:spPr>
+        <p:txBody>
+          <a:bodyPr wrap="none" rtlCol="0">
+            <a:spAutoFit/>
+          </a:bodyPr>
+          <a:lstStyle/>
+          <a:p>
+            <a:pPr algn="ctr"/>
+            <a:r>
+              <a:rPr lang="ko-KR" altLang="en-US" sz="3200" dirty="0" err="1">
+                <a:solidFill>
+                  <a:schemeClr val="bg1">
+                    <a:lumMod val="95000"/>
+                  </a:schemeClr>
+                </a:solidFill>
+                <a:latin typeface="나눔바른고딕" panose="020B0603020101020101" pitchFamily="50" charset="-127"/>
+                <a:ea typeface="나눔바른고딕" panose="020B0603020101020101" pitchFamily="50" charset="-127"/>
+              </a:rPr>
+              <a:t>조건문</a:t>
+            </a:r>
+            <a:endParaRPr lang="en-US" altLang="ko-KR" sz="3200" dirty="0">
+              <a:solidFill>
+                <a:schemeClr val="bg1">
+                  <a:lumMod val="95000"/>
+                </a:schemeClr>
+              </a:solidFill>
+              <a:latin typeface="나눔바른고딕" panose="020B0603020101020101" pitchFamily="50" charset="-127"/>
+              <a:ea typeface="나눔바른고딕" panose="020B0603020101020101" pitchFamily="50" charset="-127"/>
+            </a:endParaRPr>
+          </a:p>
+        </p:txBody>
+      </p:sp>
+      <p:sp>
+        <p:nvSpPr>
+          <p:cNvPr id="5" name="TextBox 4">
+            <a:extLst>
+              <a:ext uri="{FF2B5EF4-FFF2-40B4-BE49-F238E27FC236}">
+                <a16:creationId xmlns:a16="http://schemas.microsoft.com/office/drawing/2014/main" id="{C7A58FF8-2763-4DAF-97A8-A2FADB2D0241}"/>
+              </a:ext>
+            </a:extLst>
+          </p:cNvPr>
+          <p:cNvSpPr txBox="1"/>
+          <p:nvPr/>
+        </p:nvSpPr>
+        <p:spPr>
+          <a:xfrm>
+            <a:off x="5663952" y="332656"/>
+            <a:ext cx="4361771" cy="707886"/>
+          </a:xfrm>
+          <a:prstGeom prst="rect">
+            <a:avLst/>
+          </a:prstGeom>
+          <a:noFill/>
+        </p:spPr>
+        <p:txBody>
+          <a:bodyPr wrap="none" rtlCol="0">
+            <a:spAutoFit/>
+          </a:bodyPr>
+          <a:lstStyle/>
+          <a:p>
+            <a:r>
+              <a:rPr lang="en-US" altLang="ko-KR" sz="2000" dirty="0">
+                <a:solidFill>
+                  <a:schemeClr val="accent6">
+                    <a:lumMod val="75000"/>
+                  </a:schemeClr>
+                </a:solidFill>
+                <a:latin typeface="나눔바른고딕" panose="020B0603020101020101" pitchFamily="50" charset="-127"/>
+                <a:ea typeface="나눔바른고딕" panose="020B0603020101020101" pitchFamily="50" charset="-127"/>
+              </a:rPr>
+              <a:t>if</a:t>
+            </a:r>
+            <a:r>
+              <a:rPr lang="ko-KR" altLang="en-US" sz="2000" dirty="0">
+                <a:solidFill>
+                  <a:schemeClr val="bg1">
+                    <a:lumMod val="95000"/>
+                  </a:schemeClr>
+                </a:solidFill>
+                <a:latin typeface="나눔바른고딕" panose="020B0603020101020101" pitchFamily="50" charset="-127"/>
+                <a:ea typeface="나눔바른고딕" panose="020B0603020101020101" pitchFamily="50" charset="-127"/>
+              </a:rPr>
+              <a:t> </a:t>
+            </a:r>
+            <a:r>
+              <a:rPr lang="ko-KR" altLang="en-US" sz="2000" dirty="0">
+                <a:solidFill>
+                  <a:schemeClr val="accent1"/>
+                </a:solidFill>
+                <a:latin typeface="나눔바른고딕" panose="020B0603020101020101" pitchFamily="50" charset="-127"/>
+                <a:ea typeface="나눔바른고딕" panose="020B0603020101020101" pitchFamily="50" charset="-127"/>
+              </a:rPr>
+              <a:t>조건식</a:t>
+            </a:r>
+            <a:r>
+              <a:rPr lang="en-US" altLang="ko-KR" sz="2000" dirty="0">
+                <a:solidFill>
+                  <a:schemeClr val="bg1">
+                    <a:lumMod val="95000"/>
+                  </a:schemeClr>
+                </a:solidFill>
+                <a:latin typeface="나눔바른고딕" panose="020B0603020101020101" pitchFamily="50" charset="-127"/>
+                <a:ea typeface="나눔바른고딕" panose="020B0603020101020101" pitchFamily="50" charset="-127"/>
+              </a:rPr>
+              <a:t>:</a:t>
+            </a:r>
+          </a:p>
+          <a:p>
+            <a:r>
+              <a:rPr lang="en-US" altLang="ko-KR" sz="2000" dirty="0">
+                <a:solidFill>
+                  <a:schemeClr val="bg1">
+                    <a:lumMod val="95000"/>
+                  </a:schemeClr>
+                </a:solidFill>
+                <a:latin typeface="나눔바른고딕" panose="020B0603020101020101" pitchFamily="50" charset="-127"/>
+                <a:ea typeface="나눔바른고딕" panose="020B0603020101020101" pitchFamily="50" charset="-127"/>
+              </a:rPr>
+              <a:t>	</a:t>
+            </a:r>
+            <a:r>
+              <a:rPr lang="ko-KR" altLang="en-US" sz="2000" dirty="0">
+                <a:solidFill>
+                  <a:schemeClr val="bg1">
+                    <a:lumMod val="95000"/>
+                  </a:schemeClr>
+                </a:solidFill>
+                <a:latin typeface="나눔바른고딕" panose="020B0603020101020101" pitchFamily="50" charset="-127"/>
+                <a:ea typeface="나눔바른고딕" panose="020B0603020101020101" pitchFamily="50" charset="-127"/>
+              </a:rPr>
+              <a:t>조건식이 </a:t>
+            </a:r>
+            <a:r>
+              <a:rPr lang="ko-KR" altLang="en-US" sz="2000" dirty="0">
+                <a:solidFill>
+                  <a:schemeClr val="accent3"/>
+                </a:solidFill>
+                <a:latin typeface="나눔바른고딕" panose="020B0603020101020101" pitchFamily="50" charset="-127"/>
+                <a:ea typeface="나눔바른고딕" panose="020B0603020101020101" pitchFamily="50" charset="-127"/>
+              </a:rPr>
+              <a:t>참</a:t>
+            </a:r>
+            <a:r>
+              <a:rPr lang="ko-KR" altLang="en-US" sz="2000" dirty="0">
+                <a:solidFill>
+                  <a:schemeClr val="bg1">
+                    <a:lumMod val="95000"/>
+                  </a:schemeClr>
+                </a:solidFill>
+                <a:latin typeface="나눔바른고딕" panose="020B0603020101020101" pitchFamily="50" charset="-127"/>
+                <a:ea typeface="나눔바른고딕" panose="020B0603020101020101" pitchFamily="50" charset="-127"/>
+              </a:rPr>
+              <a:t>일 때 실행되는 명령</a:t>
+            </a:r>
+            <a:endParaRPr lang="en-US" altLang="ko-KR" sz="2000" dirty="0">
+              <a:solidFill>
+                <a:schemeClr val="bg1">
+                  <a:lumMod val="95000"/>
+                </a:schemeClr>
+              </a:solidFill>
+              <a:latin typeface="나눔바른고딕" panose="020B0603020101020101" pitchFamily="50" charset="-127"/>
+              <a:ea typeface="나눔바른고딕" panose="020B0603020101020101" pitchFamily="50" charset="-127"/>
+            </a:endParaRPr>
+          </a:p>
+        </p:txBody>
+      </p:sp>
+      <p:sp>
+        <p:nvSpPr>
+          <p:cNvPr id="6" name="TextBox 5">
+            <a:extLst>
+              <a:ext uri="{FF2B5EF4-FFF2-40B4-BE49-F238E27FC236}">
+                <a16:creationId xmlns:a16="http://schemas.microsoft.com/office/drawing/2014/main" id="{45627909-095D-4F57-BDBD-08BC2CC6C50C}"/>
+              </a:ext>
+            </a:extLst>
+          </p:cNvPr>
+          <p:cNvSpPr txBox="1"/>
+          <p:nvPr/>
+        </p:nvSpPr>
+        <p:spPr>
+          <a:xfrm>
+            <a:off x="5663952" y="1717068"/>
+            <a:ext cx="4591000" cy="1323439"/>
+          </a:xfrm>
+          <a:prstGeom prst="rect">
+            <a:avLst/>
+          </a:prstGeom>
+          <a:noFill/>
+        </p:spPr>
+        <p:txBody>
+          <a:bodyPr wrap="none" rtlCol="0">
+            <a:spAutoFit/>
+          </a:bodyPr>
+          <a:lstStyle/>
+          <a:p>
+            <a:r>
+              <a:rPr lang="en-US" altLang="ko-KR" sz="2000" dirty="0">
+                <a:solidFill>
+                  <a:schemeClr val="accent6">
+                    <a:lumMod val="75000"/>
+                  </a:schemeClr>
+                </a:solidFill>
+                <a:latin typeface="나눔바른고딕" panose="020B0603020101020101" pitchFamily="50" charset="-127"/>
+                <a:ea typeface="나눔바른고딕" panose="020B0603020101020101" pitchFamily="50" charset="-127"/>
+              </a:rPr>
+              <a:t>if</a:t>
+            </a:r>
+            <a:r>
+              <a:rPr lang="ko-KR" altLang="en-US" sz="2000" dirty="0">
+                <a:solidFill>
+                  <a:schemeClr val="bg1">
+                    <a:lumMod val="95000"/>
+                  </a:schemeClr>
+                </a:solidFill>
+                <a:latin typeface="나눔바른고딕" panose="020B0603020101020101" pitchFamily="50" charset="-127"/>
+                <a:ea typeface="나눔바른고딕" panose="020B0603020101020101" pitchFamily="50" charset="-127"/>
+              </a:rPr>
+              <a:t> </a:t>
+            </a:r>
+            <a:r>
+              <a:rPr lang="ko-KR" altLang="en-US" sz="2000" dirty="0">
+                <a:solidFill>
+                  <a:schemeClr val="accent1"/>
+                </a:solidFill>
+                <a:latin typeface="나눔바른고딕" panose="020B0603020101020101" pitchFamily="50" charset="-127"/>
+                <a:ea typeface="나눔바른고딕" panose="020B0603020101020101" pitchFamily="50" charset="-127"/>
+              </a:rPr>
+              <a:t>조건식</a:t>
+            </a:r>
+            <a:r>
+              <a:rPr lang="en-US" altLang="ko-KR" sz="2000" dirty="0">
+                <a:solidFill>
+                  <a:schemeClr val="bg1">
+                    <a:lumMod val="95000"/>
+                  </a:schemeClr>
+                </a:solidFill>
+                <a:latin typeface="나눔바른고딕" panose="020B0603020101020101" pitchFamily="50" charset="-127"/>
+                <a:ea typeface="나눔바른고딕" panose="020B0603020101020101" pitchFamily="50" charset="-127"/>
+              </a:rPr>
+              <a:t>:</a:t>
+            </a:r>
+          </a:p>
+          <a:p>
+            <a:r>
+              <a:rPr lang="en-US" altLang="ko-KR" sz="2000" dirty="0">
+                <a:solidFill>
+                  <a:schemeClr val="bg1">
+                    <a:lumMod val="95000"/>
+                  </a:schemeClr>
+                </a:solidFill>
+                <a:latin typeface="나눔바른고딕" panose="020B0603020101020101" pitchFamily="50" charset="-127"/>
+                <a:ea typeface="나눔바른고딕" panose="020B0603020101020101" pitchFamily="50" charset="-127"/>
+              </a:rPr>
+              <a:t>	</a:t>
+            </a:r>
+            <a:r>
+              <a:rPr lang="ko-KR" altLang="en-US" sz="2000" dirty="0">
+                <a:solidFill>
+                  <a:schemeClr val="bg1">
+                    <a:lumMod val="95000"/>
+                  </a:schemeClr>
+                </a:solidFill>
+                <a:latin typeface="나눔바른고딕" panose="020B0603020101020101" pitchFamily="50" charset="-127"/>
+                <a:ea typeface="나눔바른고딕" panose="020B0603020101020101" pitchFamily="50" charset="-127"/>
+              </a:rPr>
+              <a:t>조건식이 </a:t>
+            </a:r>
+            <a:r>
+              <a:rPr lang="ko-KR" altLang="en-US" sz="2000" dirty="0">
+                <a:solidFill>
+                  <a:schemeClr val="accent3"/>
+                </a:solidFill>
+                <a:latin typeface="나눔바른고딕" panose="020B0603020101020101" pitchFamily="50" charset="-127"/>
+                <a:ea typeface="나눔바른고딕" panose="020B0603020101020101" pitchFamily="50" charset="-127"/>
+              </a:rPr>
+              <a:t>참</a:t>
+            </a:r>
+            <a:r>
+              <a:rPr lang="ko-KR" altLang="en-US" sz="2000" dirty="0">
+                <a:solidFill>
+                  <a:schemeClr val="bg1">
+                    <a:lumMod val="95000"/>
+                  </a:schemeClr>
+                </a:solidFill>
+                <a:latin typeface="나눔바른고딕" panose="020B0603020101020101" pitchFamily="50" charset="-127"/>
+                <a:ea typeface="나눔바른고딕" panose="020B0603020101020101" pitchFamily="50" charset="-127"/>
+              </a:rPr>
+              <a:t>일 때 실행되는 명령</a:t>
+            </a:r>
+            <a:endParaRPr lang="en-US" altLang="ko-KR" sz="2000" dirty="0">
+              <a:solidFill>
+                <a:schemeClr val="bg1">
+                  <a:lumMod val="95000"/>
+                </a:schemeClr>
+              </a:solidFill>
+              <a:latin typeface="나눔바른고딕" panose="020B0603020101020101" pitchFamily="50" charset="-127"/>
+              <a:ea typeface="나눔바른고딕" panose="020B0603020101020101" pitchFamily="50" charset="-127"/>
+            </a:endParaRPr>
+          </a:p>
+          <a:p>
+            <a:r>
+              <a:rPr lang="en-US" altLang="ko-KR" sz="2000" dirty="0">
+                <a:solidFill>
+                  <a:schemeClr val="accent6">
+                    <a:lumMod val="75000"/>
+                  </a:schemeClr>
+                </a:solidFill>
+                <a:latin typeface="나눔바른고딕" panose="020B0603020101020101" pitchFamily="50" charset="-127"/>
+                <a:ea typeface="나눔바른고딕" panose="020B0603020101020101" pitchFamily="50" charset="-127"/>
+              </a:rPr>
+              <a:t>else</a:t>
+            </a:r>
+            <a:r>
+              <a:rPr lang="en-US" altLang="ko-KR" sz="2000" dirty="0">
+                <a:solidFill>
+                  <a:schemeClr val="bg1">
+                    <a:lumMod val="95000"/>
+                  </a:schemeClr>
+                </a:solidFill>
+                <a:latin typeface="나눔바른고딕" panose="020B0603020101020101" pitchFamily="50" charset="-127"/>
+                <a:ea typeface="나눔바른고딕" panose="020B0603020101020101" pitchFamily="50" charset="-127"/>
+              </a:rPr>
+              <a:t>:</a:t>
+            </a:r>
+          </a:p>
+          <a:p>
+            <a:r>
+              <a:rPr lang="en-US" altLang="ko-KR" sz="2000" dirty="0">
+                <a:solidFill>
+                  <a:schemeClr val="bg1">
+                    <a:lumMod val="95000"/>
+                  </a:schemeClr>
+                </a:solidFill>
+                <a:latin typeface="나눔바른고딕" panose="020B0603020101020101" pitchFamily="50" charset="-127"/>
+                <a:ea typeface="나눔바른고딕" panose="020B0603020101020101" pitchFamily="50" charset="-127"/>
+              </a:rPr>
+              <a:t>	</a:t>
+            </a:r>
+            <a:r>
+              <a:rPr lang="ko-KR" altLang="en-US" sz="2000" dirty="0">
+                <a:solidFill>
+                  <a:schemeClr val="bg1">
+                    <a:lumMod val="95000"/>
+                  </a:schemeClr>
+                </a:solidFill>
+                <a:latin typeface="나눔바른고딕" panose="020B0603020101020101" pitchFamily="50" charset="-127"/>
+                <a:ea typeface="나눔바른고딕" panose="020B0603020101020101" pitchFamily="50" charset="-127"/>
+              </a:rPr>
+              <a:t>조건식이 </a:t>
+            </a:r>
+            <a:r>
+              <a:rPr lang="ko-KR" altLang="en-US" sz="2000" dirty="0">
+                <a:solidFill>
+                  <a:schemeClr val="accent2"/>
+                </a:solidFill>
+                <a:latin typeface="나눔바른고딕" panose="020B0603020101020101" pitchFamily="50" charset="-127"/>
+                <a:ea typeface="나눔바른고딕" panose="020B0603020101020101" pitchFamily="50" charset="-127"/>
+              </a:rPr>
+              <a:t>거짓</a:t>
+            </a:r>
+            <a:r>
+              <a:rPr lang="ko-KR" altLang="en-US" sz="2000" dirty="0">
+                <a:solidFill>
+                  <a:schemeClr val="bg1">
+                    <a:lumMod val="95000"/>
+                  </a:schemeClr>
+                </a:solidFill>
+                <a:latin typeface="나눔바른고딕" panose="020B0603020101020101" pitchFamily="50" charset="-127"/>
+                <a:ea typeface="나눔바른고딕" panose="020B0603020101020101" pitchFamily="50" charset="-127"/>
+              </a:rPr>
+              <a:t>일 때 실행되는 명령</a:t>
+            </a:r>
+            <a:endParaRPr lang="en-US" altLang="ko-KR" sz="2000" dirty="0">
+              <a:solidFill>
+                <a:schemeClr val="bg1">
+                  <a:lumMod val="95000"/>
+                </a:schemeClr>
+              </a:solidFill>
+              <a:latin typeface="나눔바른고딕" panose="020B0603020101020101" pitchFamily="50" charset="-127"/>
+              <a:ea typeface="나눔바른고딕" panose="020B0603020101020101" pitchFamily="50" charset="-127"/>
+            </a:endParaRPr>
+          </a:p>
+        </p:txBody>
+      </p:sp>
+      <p:sp>
+        <p:nvSpPr>
+          <p:cNvPr id="8" name="TextBox 7">
+            <a:extLst>
+              <a:ext uri="{FF2B5EF4-FFF2-40B4-BE49-F238E27FC236}">
+                <a16:creationId xmlns:a16="http://schemas.microsoft.com/office/drawing/2014/main" id="{635077B0-CFE9-4EBE-8286-9B0FAAB39810}"/>
+              </a:ext>
+            </a:extLst>
+          </p:cNvPr>
+          <p:cNvSpPr txBox="1"/>
+          <p:nvPr/>
+        </p:nvSpPr>
+        <p:spPr>
+          <a:xfrm>
+            <a:off x="5663952" y="3717033"/>
+            <a:ext cx="4736874" cy="2554545"/>
+          </a:xfrm>
+          <a:prstGeom prst="rect">
+            <a:avLst/>
+          </a:prstGeom>
+          <a:noFill/>
+        </p:spPr>
+        <p:txBody>
+          <a:bodyPr wrap="none" rtlCol="0">
+            <a:spAutoFit/>
+          </a:bodyPr>
+          <a:lstStyle/>
+          <a:p>
+            <a:r>
+              <a:rPr lang="en-US" altLang="ko-KR" sz="2000" dirty="0">
+                <a:solidFill>
+                  <a:schemeClr val="accent6">
+                    <a:lumMod val="75000"/>
+                  </a:schemeClr>
+                </a:solidFill>
+                <a:latin typeface="나눔바른고딕" panose="020B0603020101020101" pitchFamily="50" charset="-127"/>
+                <a:ea typeface="나눔바른고딕" panose="020B0603020101020101" pitchFamily="50" charset="-127"/>
+              </a:rPr>
+              <a:t>if</a:t>
+            </a:r>
+            <a:r>
+              <a:rPr lang="ko-KR" altLang="en-US" sz="2000" dirty="0">
+                <a:solidFill>
+                  <a:schemeClr val="bg1">
+                    <a:lumMod val="95000"/>
+                  </a:schemeClr>
+                </a:solidFill>
+                <a:latin typeface="나눔바른고딕" panose="020B0603020101020101" pitchFamily="50" charset="-127"/>
+                <a:ea typeface="나눔바른고딕" panose="020B0603020101020101" pitchFamily="50" charset="-127"/>
+              </a:rPr>
+              <a:t> </a:t>
+            </a:r>
+            <a:r>
+              <a:rPr lang="ko-KR" altLang="en-US" sz="2000" dirty="0">
+                <a:solidFill>
+                  <a:schemeClr val="accent1"/>
+                </a:solidFill>
+                <a:latin typeface="나눔바른고딕" panose="020B0603020101020101" pitchFamily="50" charset="-127"/>
+                <a:ea typeface="나눔바른고딕" panose="020B0603020101020101" pitchFamily="50" charset="-127"/>
+              </a:rPr>
+              <a:t>조건식</a:t>
+            </a:r>
+            <a:r>
+              <a:rPr lang="en-US" altLang="ko-KR" sz="2000" dirty="0">
+                <a:solidFill>
+                  <a:schemeClr val="accent1"/>
+                </a:solidFill>
+                <a:latin typeface="나눔바른고딕" panose="020B0603020101020101" pitchFamily="50" charset="-127"/>
+                <a:ea typeface="나눔바른고딕" panose="020B0603020101020101" pitchFamily="50" charset="-127"/>
+              </a:rPr>
+              <a:t>1</a:t>
+            </a:r>
+            <a:r>
+              <a:rPr lang="en-US" altLang="ko-KR" sz="2000" dirty="0">
+                <a:solidFill>
+                  <a:schemeClr val="bg1">
+                    <a:lumMod val="95000"/>
+                  </a:schemeClr>
+                </a:solidFill>
+                <a:latin typeface="나눔바른고딕" panose="020B0603020101020101" pitchFamily="50" charset="-127"/>
+                <a:ea typeface="나눔바른고딕" panose="020B0603020101020101" pitchFamily="50" charset="-127"/>
+              </a:rPr>
+              <a:t>:</a:t>
+            </a:r>
+          </a:p>
+          <a:p>
+            <a:r>
+              <a:rPr lang="en-US" altLang="ko-KR" sz="2000" dirty="0">
+                <a:solidFill>
+                  <a:schemeClr val="bg1">
+                    <a:lumMod val="95000"/>
+                  </a:schemeClr>
+                </a:solidFill>
+                <a:latin typeface="나눔바른고딕" panose="020B0603020101020101" pitchFamily="50" charset="-127"/>
+                <a:ea typeface="나눔바른고딕" panose="020B0603020101020101" pitchFamily="50" charset="-127"/>
+              </a:rPr>
+              <a:t>	</a:t>
+            </a:r>
+            <a:r>
+              <a:rPr lang="ko-KR" altLang="en-US" sz="2000" dirty="0">
+                <a:solidFill>
+                  <a:schemeClr val="bg1">
+                    <a:lumMod val="95000"/>
+                  </a:schemeClr>
+                </a:solidFill>
+                <a:latin typeface="나눔바른고딕" panose="020B0603020101020101" pitchFamily="50" charset="-127"/>
+                <a:ea typeface="나눔바른고딕" panose="020B0603020101020101" pitchFamily="50" charset="-127"/>
+              </a:rPr>
+              <a:t>조건식</a:t>
+            </a:r>
+            <a:r>
+              <a:rPr lang="en-US" altLang="ko-KR" sz="2000" dirty="0">
+                <a:solidFill>
+                  <a:schemeClr val="bg1">
+                    <a:lumMod val="95000"/>
+                  </a:schemeClr>
+                </a:solidFill>
+                <a:latin typeface="나눔바른고딕" panose="020B0603020101020101" pitchFamily="50" charset="-127"/>
+                <a:ea typeface="나눔바른고딕" panose="020B0603020101020101" pitchFamily="50" charset="-127"/>
+              </a:rPr>
+              <a:t>1</a:t>
+            </a:r>
+            <a:r>
+              <a:rPr lang="ko-KR" altLang="en-US" sz="2000" dirty="0">
+                <a:solidFill>
+                  <a:schemeClr val="bg1">
+                    <a:lumMod val="95000"/>
+                  </a:schemeClr>
+                </a:solidFill>
+                <a:latin typeface="나눔바른고딕" panose="020B0603020101020101" pitchFamily="50" charset="-127"/>
+                <a:ea typeface="나눔바른고딕" panose="020B0603020101020101" pitchFamily="50" charset="-127"/>
+              </a:rPr>
+              <a:t>이 </a:t>
+            </a:r>
+            <a:r>
+              <a:rPr lang="ko-KR" altLang="en-US" sz="2000" dirty="0">
+                <a:solidFill>
+                  <a:schemeClr val="accent3"/>
+                </a:solidFill>
+                <a:latin typeface="나눔바른고딕" panose="020B0603020101020101" pitchFamily="50" charset="-127"/>
+                <a:ea typeface="나눔바른고딕" panose="020B0603020101020101" pitchFamily="50" charset="-127"/>
+              </a:rPr>
+              <a:t>참</a:t>
+            </a:r>
+            <a:r>
+              <a:rPr lang="ko-KR" altLang="en-US" sz="2000" dirty="0">
+                <a:solidFill>
+                  <a:schemeClr val="bg1">
+                    <a:lumMod val="95000"/>
+                  </a:schemeClr>
+                </a:solidFill>
+                <a:latin typeface="나눔바른고딕" panose="020B0603020101020101" pitchFamily="50" charset="-127"/>
+                <a:ea typeface="나눔바른고딕" panose="020B0603020101020101" pitchFamily="50" charset="-127"/>
+              </a:rPr>
+              <a:t>일 때 실행되는 명령</a:t>
+            </a:r>
+            <a:endParaRPr lang="en-US" altLang="ko-KR" sz="2000" dirty="0">
+              <a:solidFill>
+                <a:schemeClr val="bg1">
+                  <a:lumMod val="95000"/>
+                </a:schemeClr>
+              </a:solidFill>
+              <a:latin typeface="나눔바른고딕" panose="020B0603020101020101" pitchFamily="50" charset="-127"/>
+              <a:ea typeface="나눔바른고딕" panose="020B0603020101020101" pitchFamily="50" charset="-127"/>
+            </a:endParaRPr>
+          </a:p>
+          <a:p>
+            <a:r>
+              <a:rPr lang="en-US" altLang="ko-KR" sz="2000" dirty="0" err="1">
+                <a:solidFill>
+                  <a:schemeClr val="accent6">
+                    <a:lumMod val="75000"/>
+                  </a:schemeClr>
+                </a:solidFill>
+                <a:latin typeface="나눔바른고딕" panose="020B0603020101020101" pitchFamily="50" charset="-127"/>
+                <a:ea typeface="나눔바른고딕" panose="020B0603020101020101" pitchFamily="50" charset="-127"/>
+              </a:rPr>
+              <a:t>elif</a:t>
+            </a:r>
+            <a:r>
+              <a:rPr lang="en-US" altLang="ko-KR" sz="2000" dirty="0">
+                <a:solidFill>
+                  <a:schemeClr val="accent6">
+                    <a:lumMod val="75000"/>
+                  </a:schemeClr>
+                </a:solidFill>
+                <a:latin typeface="나눔바른고딕" panose="020B0603020101020101" pitchFamily="50" charset="-127"/>
+                <a:ea typeface="나눔바른고딕" panose="020B0603020101020101" pitchFamily="50" charset="-127"/>
+              </a:rPr>
+              <a:t> </a:t>
+            </a:r>
+            <a:r>
+              <a:rPr lang="ko-KR" altLang="en-US" sz="2000" dirty="0">
+                <a:solidFill>
+                  <a:schemeClr val="accent4"/>
+                </a:solidFill>
+                <a:latin typeface="나눔바른고딕" panose="020B0603020101020101" pitchFamily="50" charset="-127"/>
+                <a:ea typeface="나눔바른고딕" panose="020B0603020101020101" pitchFamily="50" charset="-127"/>
+              </a:rPr>
+              <a:t>조건식</a:t>
+            </a:r>
+            <a:r>
+              <a:rPr lang="en-US" altLang="ko-KR" sz="2000" dirty="0">
+                <a:solidFill>
+                  <a:schemeClr val="accent4"/>
+                </a:solidFill>
+                <a:latin typeface="나눔바른고딕" panose="020B0603020101020101" pitchFamily="50" charset="-127"/>
+                <a:ea typeface="나눔바른고딕" panose="020B0603020101020101" pitchFamily="50" charset="-127"/>
+              </a:rPr>
+              <a:t>2</a:t>
+            </a:r>
+            <a:r>
+              <a:rPr lang="en-US" altLang="ko-KR" sz="2000" dirty="0">
+                <a:solidFill>
+                  <a:schemeClr val="bg1">
+                    <a:lumMod val="95000"/>
+                  </a:schemeClr>
+                </a:solidFill>
+                <a:latin typeface="나눔바른고딕" panose="020B0603020101020101" pitchFamily="50" charset="-127"/>
+                <a:ea typeface="나눔바른고딕" panose="020B0603020101020101" pitchFamily="50" charset="-127"/>
+              </a:rPr>
+              <a:t>:</a:t>
+            </a:r>
+          </a:p>
+          <a:p>
+            <a:r>
+              <a:rPr lang="en-US" altLang="ko-KR" sz="2000" dirty="0">
+                <a:solidFill>
+                  <a:schemeClr val="bg1">
+                    <a:lumMod val="95000"/>
+                  </a:schemeClr>
+                </a:solidFill>
+                <a:latin typeface="나눔바른고딕" panose="020B0603020101020101" pitchFamily="50" charset="-127"/>
+                <a:ea typeface="나눔바른고딕" panose="020B0603020101020101" pitchFamily="50" charset="-127"/>
+              </a:rPr>
+              <a:t>	</a:t>
+            </a:r>
+            <a:r>
+              <a:rPr lang="ko-KR" altLang="en-US" sz="2000" dirty="0">
+                <a:solidFill>
+                  <a:schemeClr val="bg1">
+                    <a:lumMod val="95000"/>
+                  </a:schemeClr>
+                </a:solidFill>
+                <a:latin typeface="나눔바른고딕" panose="020B0603020101020101" pitchFamily="50" charset="-127"/>
+                <a:ea typeface="나눔바른고딕" panose="020B0603020101020101" pitchFamily="50" charset="-127"/>
+              </a:rPr>
+              <a:t>조건식</a:t>
+            </a:r>
+            <a:r>
+              <a:rPr lang="en-US" altLang="ko-KR" sz="2000" dirty="0">
+                <a:solidFill>
+                  <a:schemeClr val="bg1">
+                    <a:lumMod val="95000"/>
+                  </a:schemeClr>
+                </a:solidFill>
+                <a:latin typeface="나눔바른고딕" panose="020B0603020101020101" pitchFamily="50" charset="-127"/>
+                <a:ea typeface="나눔바른고딕" panose="020B0603020101020101" pitchFamily="50" charset="-127"/>
+              </a:rPr>
+              <a:t>1</a:t>
+            </a:r>
+            <a:r>
+              <a:rPr lang="ko-KR" altLang="en-US" sz="2000" dirty="0">
+                <a:solidFill>
+                  <a:schemeClr val="bg1">
+                    <a:lumMod val="95000"/>
+                  </a:schemeClr>
+                </a:solidFill>
+                <a:latin typeface="나눔바른고딕" panose="020B0603020101020101" pitchFamily="50" charset="-127"/>
+                <a:ea typeface="나눔바른고딕" panose="020B0603020101020101" pitchFamily="50" charset="-127"/>
+              </a:rPr>
+              <a:t>이 </a:t>
+            </a:r>
+            <a:r>
+              <a:rPr lang="ko-KR" altLang="en-US" sz="2000" dirty="0">
+                <a:solidFill>
+                  <a:schemeClr val="accent2"/>
+                </a:solidFill>
+                <a:latin typeface="나눔바른고딕" panose="020B0603020101020101" pitchFamily="50" charset="-127"/>
+                <a:ea typeface="나눔바른고딕" panose="020B0603020101020101" pitchFamily="50" charset="-127"/>
+              </a:rPr>
+              <a:t>거짓</a:t>
+            </a:r>
+            <a:r>
+              <a:rPr lang="en-US" altLang="ko-KR" sz="2000" dirty="0">
+                <a:solidFill>
+                  <a:schemeClr val="bg1">
+                    <a:lumMod val="95000"/>
+                  </a:schemeClr>
+                </a:solidFill>
+                <a:latin typeface="나눔바른고딕" panose="020B0603020101020101" pitchFamily="50" charset="-127"/>
+                <a:ea typeface="나눔바른고딕" panose="020B0603020101020101" pitchFamily="50" charset="-127"/>
+              </a:rPr>
+              <a:t>, </a:t>
+            </a:r>
+            <a:r>
+              <a:rPr lang="ko-KR" altLang="en-US" sz="2000" dirty="0">
+                <a:solidFill>
+                  <a:schemeClr val="bg1">
+                    <a:lumMod val="95000"/>
+                  </a:schemeClr>
+                </a:solidFill>
+                <a:latin typeface="나눔바른고딕" panose="020B0603020101020101" pitchFamily="50" charset="-127"/>
+                <a:ea typeface="나눔바른고딕" panose="020B0603020101020101" pitchFamily="50" charset="-127"/>
+              </a:rPr>
+              <a:t>조건식</a:t>
+            </a:r>
+            <a:r>
+              <a:rPr lang="en-US" altLang="ko-KR" sz="2000" dirty="0">
+                <a:solidFill>
+                  <a:schemeClr val="bg1">
+                    <a:lumMod val="95000"/>
+                  </a:schemeClr>
+                </a:solidFill>
+                <a:latin typeface="나눔바른고딕" panose="020B0603020101020101" pitchFamily="50" charset="-127"/>
+                <a:ea typeface="나눔바른고딕" panose="020B0603020101020101" pitchFamily="50" charset="-127"/>
+              </a:rPr>
+              <a:t>2</a:t>
+            </a:r>
+            <a:r>
+              <a:rPr lang="ko-KR" altLang="en-US" sz="2000" dirty="0">
+                <a:solidFill>
+                  <a:schemeClr val="bg1">
+                    <a:lumMod val="95000"/>
+                  </a:schemeClr>
+                </a:solidFill>
+                <a:latin typeface="나눔바른고딕" panose="020B0603020101020101" pitchFamily="50" charset="-127"/>
+                <a:ea typeface="나눔바른고딕" panose="020B0603020101020101" pitchFamily="50" charset="-127"/>
+              </a:rPr>
+              <a:t>가 </a:t>
+            </a:r>
+            <a:r>
+              <a:rPr lang="ko-KR" altLang="en-US" sz="2000" dirty="0">
+                <a:solidFill>
+                  <a:schemeClr val="accent3"/>
+                </a:solidFill>
+                <a:latin typeface="나눔바른고딕" panose="020B0603020101020101" pitchFamily="50" charset="-127"/>
+                <a:ea typeface="나눔바른고딕" panose="020B0603020101020101" pitchFamily="50" charset="-127"/>
+              </a:rPr>
+              <a:t>참</a:t>
+            </a:r>
+            <a:r>
+              <a:rPr lang="ko-KR" altLang="en-US" sz="2000" dirty="0">
+                <a:solidFill>
+                  <a:schemeClr val="bg1">
+                    <a:lumMod val="95000"/>
+                  </a:schemeClr>
+                </a:solidFill>
+                <a:latin typeface="나눔바른고딕" panose="020B0603020101020101" pitchFamily="50" charset="-127"/>
+                <a:ea typeface="나눔바른고딕" panose="020B0603020101020101" pitchFamily="50" charset="-127"/>
+              </a:rPr>
+              <a:t>일 때</a:t>
+            </a:r>
+            <a:endParaRPr lang="en-US" altLang="ko-KR" sz="2000" dirty="0">
+              <a:solidFill>
+                <a:schemeClr val="bg1">
+                  <a:lumMod val="95000"/>
+                </a:schemeClr>
+              </a:solidFill>
+              <a:latin typeface="나눔바른고딕" panose="020B0603020101020101" pitchFamily="50" charset="-127"/>
+              <a:ea typeface="나눔바른고딕" panose="020B0603020101020101" pitchFamily="50" charset="-127"/>
+            </a:endParaRPr>
+          </a:p>
+          <a:p>
+            <a:r>
+              <a:rPr lang="en-US" altLang="ko-KR" sz="2000" dirty="0">
+                <a:solidFill>
+                  <a:schemeClr val="bg1">
+                    <a:lumMod val="95000"/>
+                  </a:schemeClr>
+                </a:solidFill>
+                <a:latin typeface="나눔바른고딕" panose="020B0603020101020101" pitchFamily="50" charset="-127"/>
+                <a:ea typeface="나눔바른고딕" panose="020B0603020101020101" pitchFamily="50" charset="-127"/>
+              </a:rPr>
+              <a:t>	</a:t>
+            </a:r>
+            <a:r>
+              <a:rPr lang="ko-KR" altLang="en-US" sz="2000" dirty="0">
+                <a:solidFill>
+                  <a:schemeClr val="bg1">
+                    <a:lumMod val="95000"/>
+                  </a:schemeClr>
+                </a:solidFill>
+                <a:latin typeface="나눔바른고딕" panose="020B0603020101020101" pitchFamily="50" charset="-127"/>
+                <a:ea typeface="나눔바른고딕" panose="020B0603020101020101" pitchFamily="50" charset="-127"/>
+              </a:rPr>
+              <a:t>실행되는 명령</a:t>
+            </a:r>
+            <a:endParaRPr lang="en-US" altLang="ko-KR" sz="2000" dirty="0">
+              <a:solidFill>
+                <a:schemeClr val="bg1">
+                  <a:lumMod val="95000"/>
+                </a:schemeClr>
+              </a:solidFill>
+              <a:latin typeface="나눔바른고딕" panose="020B0603020101020101" pitchFamily="50" charset="-127"/>
+              <a:ea typeface="나눔바른고딕" panose="020B0603020101020101" pitchFamily="50" charset="-127"/>
+            </a:endParaRPr>
+          </a:p>
+          <a:p>
+            <a:r>
+              <a:rPr lang="en-US" altLang="ko-KR" sz="2000" dirty="0">
+                <a:solidFill>
+                  <a:schemeClr val="accent6">
+                    <a:lumMod val="75000"/>
+                  </a:schemeClr>
+                </a:solidFill>
+                <a:latin typeface="나눔바른고딕" panose="020B0603020101020101" pitchFamily="50" charset="-127"/>
+                <a:ea typeface="나눔바른고딕" panose="020B0603020101020101" pitchFamily="50" charset="-127"/>
+              </a:rPr>
+              <a:t>else</a:t>
+            </a:r>
+            <a:r>
+              <a:rPr lang="en-US" altLang="ko-KR" sz="2000" dirty="0">
+                <a:solidFill>
+                  <a:schemeClr val="bg1">
+                    <a:lumMod val="95000"/>
+                  </a:schemeClr>
+                </a:solidFill>
+                <a:latin typeface="나눔바른고딕" panose="020B0603020101020101" pitchFamily="50" charset="-127"/>
+                <a:ea typeface="나눔바른고딕" panose="020B0603020101020101" pitchFamily="50" charset="-127"/>
+              </a:rPr>
+              <a:t>:</a:t>
+            </a:r>
+          </a:p>
+          <a:p>
+            <a:r>
+              <a:rPr lang="en-US" altLang="ko-KR" sz="2000" dirty="0">
+                <a:solidFill>
+                  <a:schemeClr val="bg1">
+                    <a:lumMod val="95000"/>
+                  </a:schemeClr>
+                </a:solidFill>
+                <a:latin typeface="나눔바른고딕" panose="020B0603020101020101" pitchFamily="50" charset="-127"/>
+                <a:ea typeface="나눔바른고딕" panose="020B0603020101020101" pitchFamily="50" charset="-127"/>
+              </a:rPr>
+              <a:t>	</a:t>
+            </a:r>
+            <a:r>
+              <a:rPr lang="ko-KR" altLang="en-US" sz="2000" dirty="0">
+                <a:solidFill>
+                  <a:schemeClr val="bg1">
+                    <a:lumMod val="95000"/>
+                  </a:schemeClr>
+                </a:solidFill>
+                <a:latin typeface="나눔바른고딕" panose="020B0603020101020101" pitchFamily="50" charset="-127"/>
+                <a:ea typeface="나눔바른고딕" panose="020B0603020101020101" pitchFamily="50" charset="-127"/>
+              </a:rPr>
+              <a:t>조건식</a:t>
+            </a:r>
+            <a:r>
+              <a:rPr lang="en-US" altLang="ko-KR" sz="2000" dirty="0">
+                <a:solidFill>
+                  <a:schemeClr val="bg1">
+                    <a:lumMod val="95000"/>
+                  </a:schemeClr>
+                </a:solidFill>
+                <a:latin typeface="나눔바른고딕" panose="020B0603020101020101" pitchFamily="50" charset="-127"/>
+                <a:ea typeface="나눔바른고딕" panose="020B0603020101020101" pitchFamily="50" charset="-127"/>
+              </a:rPr>
+              <a:t>1, </a:t>
+            </a:r>
+            <a:r>
+              <a:rPr lang="ko-KR" altLang="en-US" sz="2000" dirty="0">
+                <a:solidFill>
+                  <a:schemeClr val="bg1">
+                    <a:lumMod val="95000"/>
+                  </a:schemeClr>
+                </a:solidFill>
+                <a:latin typeface="나눔바른고딕" panose="020B0603020101020101" pitchFamily="50" charset="-127"/>
+                <a:ea typeface="나눔바른고딕" panose="020B0603020101020101" pitchFamily="50" charset="-127"/>
+              </a:rPr>
+              <a:t>조건식</a:t>
+            </a:r>
+            <a:r>
+              <a:rPr lang="en-US" altLang="ko-KR" sz="2000" dirty="0">
+                <a:solidFill>
+                  <a:schemeClr val="bg1">
+                    <a:lumMod val="95000"/>
+                  </a:schemeClr>
+                </a:solidFill>
+                <a:latin typeface="나눔바른고딕" panose="020B0603020101020101" pitchFamily="50" charset="-127"/>
+                <a:ea typeface="나눔바른고딕" panose="020B0603020101020101" pitchFamily="50" charset="-127"/>
+              </a:rPr>
+              <a:t>2</a:t>
+            </a:r>
+            <a:r>
+              <a:rPr lang="ko-KR" altLang="en-US" sz="2000" dirty="0">
+                <a:solidFill>
+                  <a:schemeClr val="bg1">
+                    <a:lumMod val="95000"/>
+                  </a:schemeClr>
+                </a:solidFill>
+                <a:latin typeface="나눔바른고딕" panose="020B0603020101020101" pitchFamily="50" charset="-127"/>
+                <a:ea typeface="나눔바른고딕" panose="020B0603020101020101" pitchFamily="50" charset="-127"/>
+              </a:rPr>
+              <a:t>가 </a:t>
+            </a:r>
+            <a:r>
+              <a:rPr lang="ko-KR" altLang="en-US" sz="2000" dirty="0">
+                <a:solidFill>
+                  <a:schemeClr val="accent2"/>
+                </a:solidFill>
+                <a:latin typeface="나눔바른고딕" panose="020B0603020101020101" pitchFamily="50" charset="-127"/>
+                <a:ea typeface="나눔바른고딕" panose="020B0603020101020101" pitchFamily="50" charset="-127"/>
+              </a:rPr>
+              <a:t>거짓</a:t>
+            </a:r>
+            <a:r>
+              <a:rPr lang="ko-KR" altLang="en-US" sz="2000" dirty="0">
+                <a:solidFill>
+                  <a:schemeClr val="bg1">
+                    <a:lumMod val="95000"/>
+                  </a:schemeClr>
+                </a:solidFill>
+                <a:latin typeface="나눔바른고딕" panose="020B0603020101020101" pitchFamily="50" charset="-127"/>
+                <a:ea typeface="나눔바른고딕" panose="020B0603020101020101" pitchFamily="50" charset="-127"/>
+              </a:rPr>
+              <a:t>일 때</a:t>
+            </a:r>
+            <a:endParaRPr lang="en-US" altLang="ko-KR" sz="2000" dirty="0">
+              <a:solidFill>
+                <a:schemeClr val="bg1">
+                  <a:lumMod val="95000"/>
+                </a:schemeClr>
+              </a:solidFill>
+              <a:latin typeface="나눔바른고딕" panose="020B0603020101020101" pitchFamily="50" charset="-127"/>
+              <a:ea typeface="나눔바른고딕" panose="020B0603020101020101" pitchFamily="50" charset="-127"/>
+            </a:endParaRPr>
+          </a:p>
+          <a:p>
+            <a:r>
+              <a:rPr lang="en-US" altLang="ko-KR" sz="2000" dirty="0">
+                <a:solidFill>
+                  <a:schemeClr val="bg1">
+                    <a:lumMod val="95000"/>
+                  </a:schemeClr>
+                </a:solidFill>
+                <a:latin typeface="나눔바른고딕" panose="020B0603020101020101" pitchFamily="50" charset="-127"/>
+                <a:ea typeface="나눔바른고딕" panose="020B0603020101020101" pitchFamily="50" charset="-127"/>
+              </a:rPr>
+              <a:t>	</a:t>
+            </a:r>
+            <a:r>
+              <a:rPr lang="ko-KR" altLang="en-US" sz="2000" dirty="0">
+                <a:solidFill>
+                  <a:schemeClr val="bg1">
+                    <a:lumMod val="95000"/>
+                  </a:schemeClr>
+                </a:solidFill>
+                <a:latin typeface="나눔바른고딕" panose="020B0603020101020101" pitchFamily="50" charset="-127"/>
+                <a:ea typeface="나눔바른고딕" panose="020B0603020101020101" pitchFamily="50" charset="-127"/>
+              </a:rPr>
+              <a:t>실행되는 명령</a:t>
+            </a:r>
+            <a:endParaRPr lang="en-US" altLang="ko-KR" sz="2000" dirty="0">
+              <a:solidFill>
+                <a:schemeClr val="bg1">
+                  <a:lumMod val="95000"/>
+                </a:schemeClr>
+              </a:solidFill>
+              <a:latin typeface="나눔바른고딕" panose="020B0603020101020101" pitchFamily="50" charset="-127"/>
+              <a:ea typeface="나눔바른고딕" panose="020B0603020101020101" pitchFamily="50" charset="-127"/>
+            </a:endParaRPr>
+          </a:p>
+        </p:txBody>
+      </p:sp>
+    </p:spTree>
+    <p:extLst>
+      <p:ext uri="{BB962C8B-B14F-4D97-AF65-F5344CB8AC3E}">
+        <p14:creationId xmlns:p14="http://schemas.microsoft.com/office/powerpoint/2010/main" val="2220945899"/>
+      </p:ext>
+    </p:extLst>
+  </p:cSld>
+  <p:clrMapOvr>
+    <a:masterClrMapping/>
+  </p:clrMapOvr>
+</p:sld>
+</file>
+
+<file path=ppt/slides/slide15.xml><?xml version="1.0" encoding="utf-8"?>
+<p:sld xmlns:a="http://schemas.openxmlformats.org/drawingml/2006/main" xmlns:r="http://schemas.openxmlformats.org/officeDocument/2006/relationships" xmlns:p="http://schemas.openxmlformats.org/presentationml/2006/main">
+  <p:cSld>
+    <p:bg>
+      <p:bgPr>
+        <a:solidFill>
+          <a:schemeClr val="tx1">
+            <a:lumMod val="85000"/>
+            <a:lumOff val="15000"/>
+          </a:schemeClr>
+        </a:solidFill>
+        <a:effectLst/>
+      </p:bgPr>
+    </p:bg>
+    <p:spTree>
+      <p:nvGrpSpPr>
+        <p:cNvPr id="1" name=""/>
+        <p:cNvGrpSpPr/>
+        <p:nvPr/>
+      </p:nvGrpSpPr>
+      <p:grpSpPr>
+        <a:xfrm>
+          <a:off x="0" y="0"/>
+          <a:ext cx="0" cy="0"/>
+          <a:chOff x="0" y="0"/>
+          <a:chExt cx="0" cy="0"/>
+        </a:xfrm>
+      </p:grpSpPr>
+      <p:sp>
+        <p:nvSpPr>
+          <p:cNvPr id="2" name="TextBox 1">
+            <a:extLst>
+              <a:ext uri="{FF2B5EF4-FFF2-40B4-BE49-F238E27FC236}">
+                <a16:creationId xmlns:a16="http://schemas.microsoft.com/office/drawing/2014/main" id="{0B332A50-CC0E-4C7E-B47E-E7CFBA7B423B}"/>
+              </a:ext>
+            </a:extLst>
+          </p:cNvPr>
+          <p:cNvSpPr txBox="1"/>
+          <p:nvPr/>
+        </p:nvSpPr>
+        <p:spPr>
+          <a:xfrm>
             <a:off x="2816900" y="3098749"/>
             <a:ext cx="6558207" cy="660502"/>
           </a:xfrm>
@@ -3451,7 +6821,7 @@
 </p:sld>
 </file>
 
-<file path=ppt/slides/slide11.xml><?xml version="1.0" encoding="utf-8"?>
+<file path=ppt/slides/slide16.xml><?xml version="1.0" encoding="utf-8"?>
 <p:sld xmlns:a="http://schemas.openxmlformats.org/drawingml/2006/main" xmlns:r="http://schemas.openxmlformats.org/officeDocument/2006/relationships" xmlns:p="http://schemas.openxmlformats.org/presentationml/2006/main">
   <p:cSld>
     <p:bg>
@@ -3545,7 +6915,7 @@
 </p:sld>
 </file>
 
-<file path=ppt/slides/slide12.xml><?xml version="1.0" encoding="utf-8"?>
+<file path=ppt/slides/slide17.xml><?xml version="1.0" encoding="utf-8"?>
 <p:sld xmlns:a="http://schemas.openxmlformats.org/drawingml/2006/main" xmlns:r="http://schemas.openxmlformats.org/officeDocument/2006/relationships" xmlns:p="http://schemas.openxmlformats.org/presentationml/2006/main">
   <p:cSld>
     <p:bg>
@@ -3996,7 +7366,7 @@
 </p:sld>
 </file>
 
-<file path=ppt/slides/slide13.xml><?xml version="1.0" encoding="utf-8"?>
+<file path=ppt/slides/slide18.xml><?xml version="1.0" encoding="utf-8"?>
 <p:sld xmlns:a="http://schemas.openxmlformats.org/drawingml/2006/main" xmlns:r="http://schemas.openxmlformats.org/officeDocument/2006/relationships" xmlns:p="http://schemas.openxmlformats.org/presentationml/2006/main">
   <p:cSld>
     <p:bg>
@@ -4396,7 +7766,7 @@
 </p:sld>
 </file>
 
-<file path=ppt/slides/slide14.xml><?xml version="1.0" encoding="utf-8"?>
+<file path=ppt/slides/slide19.xml><?xml version="1.0" encoding="utf-8"?>
 <p:sld xmlns:a="http://schemas.openxmlformats.org/drawingml/2006/main" xmlns:r="http://schemas.openxmlformats.org/officeDocument/2006/relationships" xmlns:p="http://schemas.openxmlformats.org/presentationml/2006/main">
   <p:cSld>
     <p:bg>
@@ -4831,7 +8201,101 @@
 </p:sld>
 </file>
 
-<file path=ppt/slides/slide15.xml><?xml version="1.0" encoding="utf-8"?>
+<file path=ppt/slides/slide2.xml><?xml version="1.0" encoding="utf-8"?>
+<p:sld xmlns:a="http://schemas.openxmlformats.org/drawingml/2006/main" xmlns:r="http://schemas.openxmlformats.org/officeDocument/2006/relationships" xmlns:p="http://schemas.openxmlformats.org/presentationml/2006/main">
+  <p:cSld>
+    <p:bg>
+      <p:bgPr>
+        <a:solidFill>
+          <a:schemeClr val="tx1">
+            <a:lumMod val="85000"/>
+            <a:lumOff val="15000"/>
+          </a:schemeClr>
+        </a:solidFill>
+        <a:effectLst/>
+      </p:bgPr>
+    </p:bg>
+    <p:spTree>
+      <p:nvGrpSpPr>
+        <p:cNvPr id="1" name=""/>
+        <p:cNvGrpSpPr/>
+        <p:nvPr/>
+      </p:nvGrpSpPr>
+      <p:grpSpPr>
+        <a:xfrm>
+          <a:off x="0" y="0"/>
+          <a:ext cx="0" cy="0"/>
+          <a:chOff x="0" y="0"/>
+          <a:chExt cx="0" cy="0"/>
+        </a:xfrm>
+      </p:grpSpPr>
+      <p:sp>
+        <p:nvSpPr>
+          <p:cNvPr id="2" name="TextBox 1">
+            <a:extLst>
+              <a:ext uri="{FF2B5EF4-FFF2-40B4-BE49-F238E27FC236}">
+                <a16:creationId xmlns:a16="http://schemas.microsoft.com/office/drawing/2014/main" id="{0B332A50-CC0E-4C7E-B47E-E7CFBA7B423B}"/>
+              </a:ext>
+            </a:extLst>
+          </p:cNvPr>
+          <p:cNvSpPr txBox="1"/>
+          <p:nvPr/>
+        </p:nvSpPr>
+        <p:spPr>
+          <a:xfrm>
+            <a:off x="5371291" y="3102283"/>
+            <a:ext cx="1449436" cy="660502"/>
+          </a:xfrm>
+          <a:prstGeom prst="rect">
+            <a:avLst/>
+          </a:prstGeom>
+          <a:noFill/>
+        </p:spPr>
+        <p:txBody>
+          <a:bodyPr wrap="none" rtlCol="0">
+            <a:spAutoFit/>
+          </a:bodyPr>
+          <a:lstStyle/>
+          <a:p>
+            <a:pPr algn="ctr"/>
+            <a:r>
+              <a:rPr lang="ko-KR" altLang="en-US" sz="3692" dirty="0" err="1">
+                <a:solidFill>
+                  <a:schemeClr val="bg1">
+                    <a:lumMod val="95000"/>
+                  </a:schemeClr>
+                </a:solidFill>
+                <a:latin typeface="나눔바른고딕" panose="020B0603020101020101" pitchFamily="50" charset="-127"/>
+                <a:ea typeface="나눔바른고딕" panose="020B0603020101020101" pitchFamily="50" charset="-127"/>
+              </a:rPr>
+              <a:t>제어문</a:t>
+            </a:r>
+            <a:endParaRPr lang="en-US" altLang="ko-KR" sz="3692" dirty="0">
+              <a:solidFill>
+                <a:schemeClr val="bg1">
+                  <a:lumMod val="95000"/>
+                </a:schemeClr>
+              </a:solidFill>
+              <a:latin typeface="나눔바른고딕" panose="020B0603020101020101" pitchFamily="50" charset="-127"/>
+              <a:ea typeface="나눔바른고딕" panose="020B0603020101020101" pitchFamily="50" charset="-127"/>
+            </a:endParaRPr>
+          </a:p>
+        </p:txBody>
+      </p:sp>
+    </p:spTree>
+    <p:extLst>
+      <p:ext uri="{BB962C8B-B14F-4D97-AF65-F5344CB8AC3E}">
+        <p14:creationId xmlns:p14="http://schemas.microsoft.com/office/powerpoint/2010/main" val="420801499"/>
+      </p:ext>
+    </p:extLst>
+  </p:cSld>
+  <p:clrMapOvr>
+    <a:masterClrMapping/>
+  </p:clrMapOvr>
+</p:sld>
+</file>
+
+<file path=ppt/slides/slide20.xml><?xml version="1.0" encoding="utf-8"?>
 <p:sld xmlns:a="http://schemas.openxmlformats.org/drawingml/2006/main" xmlns:r="http://schemas.openxmlformats.org/officeDocument/2006/relationships" xmlns:p="http://schemas.openxmlformats.org/presentationml/2006/main">
   <p:cSld>
     <p:bg>
@@ -4925,7 +8389,7 @@
 </p:sld>
 </file>
 
-<file path=ppt/slides/slide16.xml><?xml version="1.0" encoding="utf-8"?>
+<file path=ppt/slides/slide21.xml><?xml version="1.0" encoding="utf-8"?>
 <p:sld xmlns:a="http://schemas.openxmlformats.org/drawingml/2006/main" xmlns:r="http://schemas.openxmlformats.org/officeDocument/2006/relationships" xmlns:p="http://schemas.openxmlformats.org/presentationml/2006/main">
   <p:cSld>
     <p:bg>
@@ -5305,7 +8769,7 @@
 </p:sld>
 </file>
 
-<file path=ppt/slides/slide17.xml><?xml version="1.0" encoding="utf-8"?>
+<file path=ppt/slides/slide22.xml><?xml version="1.0" encoding="utf-8"?>
 <p:sld xmlns:a="http://schemas.openxmlformats.org/drawingml/2006/main" xmlns:r="http://schemas.openxmlformats.org/officeDocument/2006/relationships" xmlns:p="http://schemas.openxmlformats.org/presentationml/2006/main">
   <p:cSld>
     <p:bg>
@@ -5621,7 +9085,7 @@
 </p:sld>
 </file>
 
-<file path=ppt/slides/slide18.xml><?xml version="1.0" encoding="utf-8"?>
+<file path=ppt/slides/slide23.xml><?xml version="1.0" encoding="utf-8"?>
 <p:sld xmlns:a="http://schemas.openxmlformats.org/drawingml/2006/main" xmlns:r="http://schemas.openxmlformats.org/officeDocument/2006/relationships" xmlns:p="http://schemas.openxmlformats.org/presentationml/2006/main">
   <p:cSld>
     <p:bg>
@@ -5710,100 +9174,6 @@
 </p:sld>
 </file>
 
-<file path=ppt/slides/slide2.xml><?xml version="1.0" encoding="utf-8"?>
-<p:sld xmlns:a="http://schemas.openxmlformats.org/drawingml/2006/main" xmlns:r="http://schemas.openxmlformats.org/officeDocument/2006/relationships" xmlns:p="http://schemas.openxmlformats.org/presentationml/2006/main">
-  <p:cSld>
-    <p:bg>
-      <p:bgPr>
-        <a:solidFill>
-          <a:schemeClr val="tx1">
-            <a:lumMod val="85000"/>
-            <a:lumOff val="15000"/>
-          </a:schemeClr>
-        </a:solidFill>
-        <a:effectLst/>
-      </p:bgPr>
-    </p:bg>
-    <p:spTree>
-      <p:nvGrpSpPr>
-        <p:cNvPr id="1" name=""/>
-        <p:cNvGrpSpPr/>
-        <p:nvPr/>
-      </p:nvGrpSpPr>
-      <p:grpSpPr>
-        <a:xfrm>
-          <a:off x="0" y="0"/>
-          <a:ext cx="0" cy="0"/>
-          <a:chOff x="0" y="0"/>
-          <a:chExt cx="0" cy="0"/>
-        </a:xfrm>
-      </p:grpSpPr>
-      <p:sp>
-        <p:nvSpPr>
-          <p:cNvPr id="2" name="TextBox 1">
-            <a:extLst>
-              <a:ext uri="{FF2B5EF4-FFF2-40B4-BE49-F238E27FC236}">
-                <a16:creationId xmlns:a16="http://schemas.microsoft.com/office/drawing/2014/main" id="{0B332A50-CC0E-4C7E-B47E-E7CFBA7B423B}"/>
-              </a:ext>
-            </a:extLst>
-          </p:cNvPr>
-          <p:cNvSpPr txBox="1"/>
-          <p:nvPr/>
-        </p:nvSpPr>
-        <p:spPr>
-          <a:xfrm>
-            <a:off x="4686007" y="3102283"/>
-            <a:ext cx="2820003" cy="660502"/>
-          </a:xfrm>
-          <a:prstGeom prst="rect">
-            <a:avLst/>
-          </a:prstGeom>
-          <a:noFill/>
-        </p:spPr>
-        <p:txBody>
-          <a:bodyPr wrap="none" rtlCol="0">
-            <a:spAutoFit/>
-          </a:bodyPr>
-          <a:lstStyle/>
-          <a:p>
-            <a:pPr algn="ctr"/>
-            <a:r>
-              <a:rPr lang="ko-KR" altLang="en-US" sz="3692" dirty="0">
-                <a:solidFill>
-                  <a:schemeClr val="bg1">
-                    <a:lumMod val="95000"/>
-                  </a:schemeClr>
-                </a:solidFill>
-                <a:latin typeface="나눔바른고딕" panose="020B0603020101020101" pitchFamily="50" charset="-127"/>
-                <a:ea typeface="나눔바른고딕" panose="020B0603020101020101" pitchFamily="50" charset="-127"/>
-              </a:rPr>
-              <a:t>연산과 연산자</a:t>
-            </a:r>
-            <a:endParaRPr lang="en-US" altLang="ko-KR" sz="3692" dirty="0">
-              <a:solidFill>
-                <a:schemeClr val="bg1">
-                  <a:lumMod val="95000"/>
-                </a:schemeClr>
-              </a:solidFill>
-              <a:latin typeface="나눔바른고딕" panose="020B0603020101020101" pitchFamily="50" charset="-127"/>
-              <a:ea typeface="나눔바른고딕" panose="020B0603020101020101" pitchFamily="50" charset="-127"/>
-            </a:endParaRPr>
-          </a:p>
-        </p:txBody>
-      </p:sp>
-    </p:spTree>
-    <p:extLst>
-      <p:ext uri="{BB962C8B-B14F-4D97-AF65-F5344CB8AC3E}">
-        <p14:creationId xmlns:p14="http://schemas.microsoft.com/office/powerpoint/2010/main" val="420801499"/>
-      </p:ext>
-    </p:extLst>
-  </p:cSld>
-  <p:clrMapOvr>
-    <a:masterClrMapping/>
-  </p:clrMapOvr>
-</p:sld>
-</file>
-
 <file path=ppt/slides/slide3.xml><?xml version="1.0" encoding="utf-8"?>
 <p:sld xmlns:a="http://schemas.openxmlformats.org/drawingml/2006/main" xmlns:r="http://schemas.openxmlformats.org/officeDocument/2006/relationships" xmlns:p="http://schemas.openxmlformats.org/presentationml/2006/main">
   <p:cSld>
@@ -5846,8 +9216,8 @@
         </p:nvSpPr>
         <p:spPr>
           <a:xfrm>
-            <a:off x="5423380" y="2768498"/>
-            <a:ext cx="1345240" cy="660502"/>
+            <a:off x="3842821" y="2768498"/>
+            <a:ext cx="4506363" cy="660502"/>
           </a:xfrm>
           <a:prstGeom prst="rect">
             <a:avLst/>
@@ -5871,20 +9241,17 @@
                 <a:latin typeface="나눔바른고딕" panose="020B0603020101020101" pitchFamily="50" charset="-127"/>
                 <a:ea typeface="나눔바른고딕" panose="020B0603020101020101" pitchFamily="50" charset="-127"/>
               </a:rPr>
-              <a:t>연산</a:t>
-            </a:r>
-            <a:r>
-              <a:rPr lang="en-US" altLang="ko-KR" sz="3692" dirty="0">
-                <a:solidFill>
-                  <a:schemeClr val="bg1">
-                    <a:lumMod val="95000"/>
-                  </a:schemeClr>
-                </a:solidFill>
-                <a:latin typeface="나눔바른고딕" panose="020B0603020101020101" pitchFamily="50" charset="-127"/>
-                <a:ea typeface="나눔바른고딕" panose="020B0603020101020101" pitchFamily="50" charset="-127"/>
-              </a:rPr>
-              <a:t>?</a:t>
-            </a:r>
+              <a:t>프로그램은 기본적으로</a:t>
+            </a:r>
+            <a:endParaRPr lang="en-US" altLang="ko-KR" sz="3692" dirty="0">
+              <a:solidFill>
+                <a:schemeClr val="bg1">
+                  <a:lumMod val="95000"/>
+                </a:schemeClr>
+              </a:solidFill>
+              <a:latin typeface="나눔바른고딕" panose="020B0603020101020101" pitchFamily="50" charset="-127"/>
+              <a:ea typeface="나눔바른고딕" panose="020B0603020101020101" pitchFamily="50" charset="-127"/>
+            </a:endParaRPr>
           </a:p>
         </p:txBody>
       </p:sp>
@@ -5902,8 +9269,8 @@
         </p:nvSpPr>
         <p:spPr>
           <a:xfrm>
-            <a:off x="3038117" y="3429000"/>
-            <a:ext cx="6115777" cy="523220"/>
+            <a:off x="3799545" y="3429000"/>
+            <a:ext cx="4592925" cy="523220"/>
           </a:xfrm>
           <a:prstGeom prst="rect">
             <a:avLst/>
@@ -5920,18 +9287,6 @@
             <a:r>
               <a:rPr lang="ko-KR" altLang="en-US" sz="2800" dirty="0">
                 <a:solidFill>
-                  <a:schemeClr val="bg1">
-                    <a:lumMod val="95000"/>
-                  </a:schemeClr>
-                </a:solidFill>
-                <a:latin typeface="나눔바른고딕" panose="020B0603020101020101" pitchFamily="50" charset="-127"/>
-                <a:ea typeface="나눔바른고딕" panose="020B0603020101020101" pitchFamily="50" charset="-127"/>
-              </a:rPr>
-              <a:t>수나 식을 일정한 </a:t>
-            </a:r>
-            <a:r>
-              <a:rPr lang="ko-KR" altLang="en-US" sz="2800" dirty="0">
-                <a:solidFill>
                   <a:schemeClr val="accent6">
                     <a:lumMod val="75000"/>
                   </a:schemeClr>
@@ -5939,7 +9294,7 @@
                 <a:latin typeface="나눔바른고딕" panose="020B0603020101020101" pitchFamily="50" charset="-127"/>
                 <a:ea typeface="나눔바른고딕" panose="020B0603020101020101" pitchFamily="50" charset="-127"/>
               </a:rPr>
-              <a:t>규칙에 따라 계산하는 것</a:t>
+              <a:t>위에서 아래로 순차적으로 실행</a:t>
             </a:r>
             <a:endParaRPr lang="en-US" altLang="ko-KR" sz="2800" dirty="0">
               <a:solidFill>
@@ -6086,8 +9441,8 @@
         </p:nvSpPr>
         <p:spPr>
           <a:xfrm>
-            <a:off x="4896811" y="3102283"/>
-            <a:ext cx="2398413" cy="660502"/>
+            <a:off x="4686017" y="3102283"/>
+            <a:ext cx="2820003" cy="660502"/>
           </a:xfrm>
           <a:prstGeom prst="rect">
             <a:avLst/>
@@ -6111,7 +9466,7 @@
                 <a:latin typeface="나눔바른고딕" panose="020B0603020101020101" pitchFamily="50" charset="-127"/>
                 <a:ea typeface="나눔바른고딕" panose="020B0603020101020101" pitchFamily="50" charset="-127"/>
               </a:rPr>
-              <a:t>연산의 종류</a:t>
+              <a:t>제어문의 종류</a:t>
             </a:r>
             <a:endParaRPr lang="en-US" altLang="ko-KR" sz="3692" dirty="0">
               <a:solidFill>
@@ -6180,8 +9535,8 @@
         </p:nvSpPr>
         <p:spPr>
           <a:xfrm>
-            <a:off x="5160487" y="2204864"/>
-            <a:ext cx="1871025" cy="660502"/>
+            <a:off x="2922419" y="3098749"/>
+            <a:ext cx="1449436" cy="660502"/>
           </a:xfrm>
           <a:prstGeom prst="rect">
             <a:avLst/>
@@ -6196,22 +9551,18 @@
           <a:p>
             <a:pPr algn="ctr"/>
             <a:r>
-              <a:rPr lang="ko-KR" altLang="en-US" sz="3692" dirty="0">
-                <a:solidFill>
-                  <a:schemeClr val="bg1">
-                    <a:lumMod val="95000"/>
-                  </a:schemeClr>
-                </a:solidFill>
-                <a:latin typeface="나눔바른고딕" panose="020B0603020101020101" pitchFamily="50" charset="-127"/>
-                <a:ea typeface="나눔바른고딕" panose="020B0603020101020101" pitchFamily="50" charset="-127"/>
-              </a:rPr>
-              <a:t>산술연산</a:t>
+              <a:rPr lang="ko-KR" altLang="en-US" sz="3692" dirty="0" err="1">
+                <a:solidFill>
+                  <a:schemeClr val="accent1"/>
+                </a:solidFill>
+                <a:latin typeface="나눔바른고딕" panose="020B0603020101020101" pitchFamily="50" charset="-127"/>
+                <a:ea typeface="나눔바른고딕" panose="020B0603020101020101" pitchFamily="50" charset="-127"/>
+              </a:rPr>
+              <a:t>조건문</a:t>
             </a:r>
             <a:endParaRPr lang="en-US" altLang="ko-KR" sz="3692" dirty="0">
               <a:solidFill>
-                <a:schemeClr val="bg1">
-                  <a:lumMod val="95000"/>
-                </a:schemeClr>
+                <a:schemeClr val="accent1"/>
               </a:solidFill>
               <a:latin typeface="나눔바른고딕" panose="020B0603020101020101" pitchFamily="50" charset="-127"/>
               <a:ea typeface="나눔바른고딕" panose="020B0603020101020101" pitchFamily="50" charset="-127"/>
@@ -6233,8 +9584,8 @@
         </p:nvSpPr>
         <p:spPr>
           <a:xfrm>
-            <a:off x="3289462" y="3992635"/>
-            <a:ext cx="1871026" cy="660502"/>
+            <a:off x="7609351" y="3098749"/>
+            <a:ext cx="1449436" cy="660502"/>
           </a:xfrm>
           <a:prstGeom prst="rect">
             <a:avLst/>
@@ -6249,74 +9600,21 @@
           <a:p>
             <a:pPr algn="ctr"/>
             <a:r>
-              <a:rPr lang="ko-KR" altLang="en-US" sz="3692" dirty="0">
-                <a:solidFill>
-                  <a:schemeClr val="bg1">
-                    <a:lumMod val="95000"/>
-                  </a:schemeClr>
-                </a:solidFill>
-                <a:latin typeface="나눔바른고딕" panose="020B0603020101020101" pitchFamily="50" charset="-127"/>
-                <a:ea typeface="나눔바른고딕" panose="020B0603020101020101" pitchFamily="50" charset="-127"/>
-              </a:rPr>
-              <a:t>비교연산</a:t>
+              <a:rPr lang="ko-KR" altLang="en-US" sz="3692" dirty="0" err="1">
+                <a:solidFill>
+                  <a:schemeClr val="accent6">
+                    <a:lumMod val="75000"/>
+                  </a:schemeClr>
+                </a:solidFill>
+                <a:latin typeface="나눔바른고딕" panose="020B0603020101020101" pitchFamily="50" charset="-127"/>
+                <a:ea typeface="나눔바른고딕" panose="020B0603020101020101" pitchFamily="50" charset="-127"/>
+              </a:rPr>
+              <a:t>반복문</a:t>
             </a:r>
             <a:endParaRPr lang="en-US" altLang="ko-KR" sz="3692" dirty="0">
               <a:solidFill>
-                <a:schemeClr val="bg1">
-                  <a:lumMod val="95000"/>
-                </a:schemeClr>
-              </a:solidFill>
-              <a:latin typeface="나눔바른고딕" panose="020B0603020101020101" pitchFamily="50" charset="-127"/>
-              <a:ea typeface="나눔바른고딕" panose="020B0603020101020101" pitchFamily="50" charset="-127"/>
-            </a:endParaRPr>
-          </a:p>
-        </p:txBody>
-      </p:sp>
-      <p:sp>
-        <p:nvSpPr>
-          <p:cNvPr id="4" name="TextBox 3">
-            <a:extLst>
-              <a:ext uri="{FF2B5EF4-FFF2-40B4-BE49-F238E27FC236}">
-                <a16:creationId xmlns:a16="http://schemas.microsoft.com/office/drawing/2014/main" id="{BD6FAB86-A8CC-46C6-99CA-D381FE2EB4A2}"/>
-              </a:ext>
-            </a:extLst>
-          </p:cNvPr>
-          <p:cNvSpPr txBox="1"/>
-          <p:nvPr/>
-        </p:nvSpPr>
-        <p:spPr>
-          <a:xfrm>
-            <a:off x="7031512" y="3992635"/>
-            <a:ext cx="1871026" cy="660502"/>
-          </a:xfrm>
-          <a:prstGeom prst="rect">
-            <a:avLst/>
-          </a:prstGeom>
-          <a:noFill/>
-        </p:spPr>
-        <p:txBody>
-          <a:bodyPr wrap="none" rtlCol="0">
-            <a:spAutoFit/>
-          </a:bodyPr>
-          <a:lstStyle/>
-          <a:p>
-            <a:pPr algn="ctr"/>
-            <a:r>
-              <a:rPr lang="ko-KR" altLang="en-US" sz="3692" dirty="0">
-                <a:solidFill>
-                  <a:schemeClr val="bg1">
-                    <a:lumMod val="95000"/>
-                  </a:schemeClr>
-                </a:solidFill>
-                <a:latin typeface="나눔바른고딕" panose="020B0603020101020101" pitchFamily="50" charset="-127"/>
-                <a:ea typeface="나눔바른고딕" panose="020B0603020101020101" pitchFamily="50" charset="-127"/>
-              </a:rPr>
-              <a:t>논리연산</a:t>
-            </a:r>
-            <a:endParaRPr lang="en-US" altLang="ko-KR" sz="3692" dirty="0">
-              <a:solidFill>
-                <a:schemeClr val="bg1">
-                  <a:lumMod val="95000"/>
+                <a:schemeClr val="accent6">
+                  <a:lumMod val="75000"/>
                 </a:schemeClr>
               </a:solidFill>
               <a:latin typeface="나눔바른고딕" panose="020B0603020101020101" pitchFamily="50" charset="-127"/>
@@ -6380,8 +9678,8 @@
         </p:nvSpPr>
         <p:spPr>
           <a:xfrm>
-            <a:off x="5160494" y="3102283"/>
-            <a:ext cx="1871026" cy="660502"/>
+            <a:off x="5371290" y="3102283"/>
+            <a:ext cx="1449436" cy="660502"/>
           </a:xfrm>
           <a:prstGeom prst="rect">
             <a:avLst/>
@@ -6396,21 +9694,86 @@
           <a:p>
             <a:pPr algn="ctr"/>
             <a:r>
-              <a:rPr lang="ko-KR" altLang="en-US" sz="3692" dirty="0">
-                <a:solidFill>
-                  <a:schemeClr val="bg1">
-                    <a:lumMod val="95000"/>
-                  </a:schemeClr>
-                </a:solidFill>
-                <a:latin typeface="나눔바른고딕" panose="020B0603020101020101" pitchFamily="50" charset="-127"/>
-                <a:ea typeface="나눔바른고딕" panose="020B0603020101020101" pitchFamily="50" charset="-127"/>
-              </a:rPr>
-              <a:t>산술연산</a:t>
+              <a:rPr lang="ko-KR" altLang="en-US" sz="3692" dirty="0" err="1">
+                <a:solidFill>
+                  <a:schemeClr val="bg1">
+                    <a:lumMod val="95000"/>
+                  </a:schemeClr>
+                </a:solidFill>
+                <a:latin typeface="나눔바른고딕" panose="020B0603020101020101" pitchFamily="50" charset="-127"/>
+                <a:ea typeface="나눔바른고딕" panose="020B0603020101020101" pitchFamily="50" charset="-127"/>
+              </a:rPr>
+              <a:t>조건문</a:t>
             </a:r>
             <a:endParaRPr lang="en-US" altLang="ko-KR" sz="3692" dirty="0">
               <a:solidFill>
                 <a:schemeClr val="bg1">
                   <a:lumMod val="95000"/>
+                </a:schemeClr>
+              </a:solidFill>
+              <a:latin typeface="나눔바른고딕" panose="020B0603020101020101" pitchFamily="50" charset="-127"/>
+              <a:ea typeface="나눔바른고딕" panose="020B0603020101020101" pitchFamily="50" charset="-127"/>
+            </a:endParaRPr>
+          </a:p>
+        </p:txBody>
+      </p:sp>
+      <p:sp>
+        <p:nvSpPr>
+          <p:cNvPr id="3" name="TextBox 2">
+            <a:extLst>
+              <a:ext uri="{FF2B5EF4-FFF2-40B4-BE49-F238E27FC236}">
+                <a16:creationId xmlns:a16="http://schemas.microsoft.com/office/drawing/2014/main" id="{C0E52353-523E-4C8D-AE9B-8B35643C991A}"/>
+              </a:ext>
+            </a:extLst>
+          </p:cNvPr>
+          <p:cNvSpPr txBox="1"/>
+          <p:nvPr/>
+        </p:nvSpPr>
+        <p:spPr>
+          <a:xfrm>
+            <a:off x="3592750" y="3717032"/>
+            <a:ext cx="5006499" cy="461665"/>
+          </a:xfrm>
+          <a:prstGeom prst="rect">
+            <a:avLst/>
+          </a:prstGeom>
+          <a:noFill/>
+        </p:spPr>
+        <p:txBody>
+          <a:bodyPr wrap="none" rtlCol="0">
+            <a:spAutoFit/>
+          </a:bodyPr>
+          <a:lstStyle/>
+          <a:p>
+            <a:pPr algn="ctr"/>
+            <a:r>
+              <a:rPr lang="en-US" altLang="ko-KR" sz="2400" dirty="0">
+                <a:solidFill>
+                  <a:schemeClr val="accent6">
+                    <a:lumMod val="75000"/>
+                  </a:schemeClr>
+                </a:solidFill>
+                <a:latin typeface="나눔바른고딕" panose="020B0603020101020101" pitchFamily="50" charset="-127"/>
+                <a:ea typeface="나눔바른고딕" panose="020B0603020101020101" pitchFamily="50" charset="-127"/>
+              </a:rPr>
+              <a:t>: </a:t>
+            </a:r>
+            <a:r>
+              <a:rPr lang="ko-KR" altLang="en-US" sz="2400" dirty="0">
+                <a:solidFill>
+                  <a:schemeClr val="accent6">
+                    <a:lumMod val="75000"/>
+                  </a:schemeClr>
+                </a:solidFill>
+                <a:latin typeface="나눔바른고딕" panose="020B0603020101020101" pitchFamily="50" charset="-127"/>
+                <a:ea typeface="나눔바른고딕" panose="020B0603020101020101" pitchFamily="50" charset="-127"/>
+              </a:rPr>
+              <a:t>조건에 따라서 실행할 명령이 달라진다</a:t>
+            </a:r>
+            <a:endParaRPr lang="en-US" altLang="ko-KR" sz="2400" dirty="0">
+              <a:solidFill>
+                <a:schemeClr val="accent6">
+                  <a:lumMod val="75000"/>
                 </a:schemeClr>
               </a:solidFill>
               <a:latin typeface="나눔바른고딕" panose="020B0603020101020101" pitchFamily="50" charset="-127"/>
@@ -6429,6 +9792,84 @@
   <p:clrMapOvr>
     <a:masterClrMapping/>
   </p:clrMapOvr>
+  <p:timing>
+    <p:tnLst>
+      <p:par>
+        <p:cTn id="1" dur="indefinite" restart="never" nodeType="tmRoot">
+          <p:childTnLst>
+            <p:seq concurrent="1" nextAc="seek">
+              <p:cTn id="2" dur="indefinite" nodeType="mainSeq">
+                <p:childTnLst>
+                  <p:par>
+                    <p:cTn id="3" fill="hold">
+                      <p:stCondLst>
+                        <p:cond delay="indefinite"/>
+                      </p:stCondLst>
+                      <p:childTnLst>
+                        <p:par>
+                          <p:cTn id="4" fill="hold">
+                            <p:stCondLst>
+                              <p:cond delay="0"/>
+                            </p:stCondLst>
+                            <p:childTnLst>
+                              <p:par>
+                                <p:cTn id="5" presetID="1" presetClass="entr" presetSubtype="0" fill="hold" grpId="0" nodeType="clickEffect">
+                                  <p:stCondLst>
+                                    <p:cond delay="0"/>
+                                  </p:stCondLst>
+                                  <p:childTnLst>
+                                    <p:set>
+                                      <p:cBhvr>
+                                        <p:cTn id="6" dur="1" fill="hold">
+                                          <p:stCondLst>
+                                            <p:cond delay="0"/>
+                                          </p:stCondLst>
+                                        </p:cTn>
+                                        <p:tgtEl>
+                                          <p:spTgt spid="3"/>
+                                        </p:tgtEl>
+                                        <p:attrNameLst>
+                                          <p:attrName>style.visibility</p:attrName>
+                                        </p:attrNameLst>
+                                      </p:cBhvr>
+                                      <p:to>
+                                        <p:strVal val="visible"/>
+                                      </p:to>
+                                    </p:set>
+                                  </p:childTnLst>
+                                </p:cTn>
+                              </p:par>
+                            </p:childTnLst>
+                          </p:cTn>
+                        </p:par>
+                      </p:childTnLst>
+                    </p:cTn>
+                  </p:par>
+                </p:childTnLst>
+              </p:cTn>
+              <p:prevCondLst>
+                <p:cond evt="onPrev" delay="0">
+                  <p:tgtEl>
+                    <p:sldTgt/>
+                  </p:tgtEl>
+                </p:cond>
+              </p:prevCondLst>
+              <p:nextCondLst>
+                <p:cond evt="onNext" delay="0">
+                  <p:tgtEl>
+                    <p:sldTgt/>
+                  </p:tgtEl>
+                </p:cond>
+              </p:nextCondLst>
+            </p:seq>
+          </p:childTnLst>
+        </p:cTn>
+      </p:par>
+    </p:tnLst>
+    <p:bldLst>
+      <p:bldP spid="3" grpId="0"/>
+    </p:bldLst>
+  </p:timing>
 </p:sld>
 </file>
 
@@ -6460,360 +9901,40 @@
           <a:chExt cx="0" cy="0"/>
         </a:xfrm>
       </p:grpSpPr>
-      <p:graphicFrame>
-        <p:nvGraphicFramePr>
-          <p:cNvPr id="3" name="표 2">
+      <p:pic>
+        <p:nvPicPr>
+          <p:cNvPr id="4" name="그림 3">
             <a:extLst>
               <a:ext uri="{FF2B5EF4-FFF2-40B4-BE49-F238E27FC236}">
-                <a16:creationId xmlns:a16="http://schemas.microsoft.com/office/drawing/2014/main" id="{75D35AD5-67F6-48FD-81BD-FBD3E5B6EA91}"/>
+                <a16:creationId xmlns:a16="http://schemas.microsoft.com/office/drawing/2014/main" id="{DE6A083D-DA43-4097-BB13-A1F1A1ECB657}"/>
               </a:ext>
             </a:extLst>
           </p:cNvPr>
-          <p:cNvGraphicFramePr>
-            <a:graphicFrameLocks noGrp="1"/>
-          </p:cNvGraphicFramePr>
-          <p:nvPr>
-            <p:extLst>
-              <p:ext uri="{D42A27DB-BD31-4B8C-83A1-F6EECF244321}">
-                <p14:modId xmlns:p14="http://schemas.microsoft.com/office/powerpoint/2010/main" val="705573907"/>
-              </p:ext>
-            </p:extLst>
-          </p:nvPr>
-        </p:nvGraphicFramePr>
-        <p:xfrm>
-          <a:off x="3048000" y="1645412"/>
-          <a:ext cx="6096000" cy="3567176"/>
-        </p:xfrm>
-        <a:graphic>
-          <a:graphicData uri="http://schemas.openxmlformats.org/drawingml/2006/table">
-            <a:tbl>
-              <a:tblPr firstRow="1" bandRow="1">
-                <a:tableStyleId>{5C22544A-7EE6-4342-B048-85BDC9FD1C3A}</a:tableStyleId>
-              </a:tblPr>
-              <a:tblGrid>
-                <a:gridCol w="3048000">
-                  <a:extLst>
-                    <a:ext uri="{9D8B030D-6E8A-4147-A177-3AD203B41FA5}">
-                      <a16:colId xmlns:a16="http://schemas.microsoft.com/office/drawing/2014/main" val="20000"/>
-                    </a:ext>
-                  </a:extLst>
-                </a:gridCol>
-                <a:gridCol w="3048000">
-                  <a:extLst>
-                    <a:ext uri="{9D8B030D-6E8A-4147-A177-3AD203B41FA5}">
-                      <a16:colId xmlns:a16="http://schemas.microsoft.com/office/drawing/2014/main" val="20001"/>
-                    </a:ext>
-                  </a:extLst>
-                </a:gridCol>
-              </a:tblGrid>
-              <a:tr h="370840">
-                <a:tc>
-                  <a:txBody>
-                    <a:bodyPr/>
-                    <a:lstStyle/>
-                    <a:p>
-                      <a:pPr algn="ctr" latinLnBrk="1"/>
-                      <a:r>
-                        <a:rPr lang="ko-KR" altLang="en-US" dirty="0"/>
-                        <a:t>연산자</a:t>
-                      </a:r>
-                      <a:r>
-                        <a:rPr lang="en-US" altLang="ko-KR" dirty="0"/>
-                        <a:t>(</a:t>
-                      </a:r>
-                      <a:r>
-                        <a:rPr lang="ko-KR" altLang="en-US" dirty="0"/>
-                        <a:t>연산기호</a:t>
-                      </a:r>
-                      <a:r>
-                        <a:rPr lang="en-US" altLang="ko-KR" dirty="0"/>
-                        <a:t>)</a:t>
-                      </a:r>
-                      <a:endParaRPr lang="ko-KR" altLang="en-US" dirty="0"/>
-                    </a:p>
-                  </a:txBody>
-                  <a:tcPr/>
-                </a:tc>
-                <a:tc>
-                  <a:txBody>
-                    <a:bodyPr/>
-                    <a:lstStyle/>
-                    <a:p>
-                      <a:pPr algn="ctr" latinLnBrk="1"/>
-                      <a:r>
-                        <a:rPr lang="ko-KR" altLang="en-US" dirty="0"/>
-                        <a:t>설명</a:t>
-                      </a:r>
-                    </a:p>
-                  </a:txBody>
-                  <a:tcPr/>
-                </a:tc>
-                <a:extLst>
-                  <a:ext uri="{0D108BD9-81ED-4DB2-BD59-A6C34878D82A}">
-                    <a16:rowId xmlns:a16="http://schemas.microsoft.com/office/drawing/2014/main" val="10000"/>
-                  </a:ext>
-                </a:extLst>
-              </a:tr>
-              <a:tr h="370840">
-                <a:tc>
-                  <a:txBody>
-                    <a:bodyPr/>
-                    <a:lstStyle/>
-                    <a:p>
-                      <a:pPr algn="ctr" latinLnBrk="1"/>
-                      <a:r>
-                        <a:rPr lang="en-US" altLang="ko-KR" dirty="0"/>
-                        <a:t>+</a:t>
-                      </a:r>
-                      <a:endParaRPr lang="ko-KR" altLang="en-US" dirty="0"/>
-                    </a:p>
-                  </a:txBody>
-                  <a:tcPr/>
-                </a:tc>
-                <a:tc>
-                  <a:txBody>
-                    <a:bodyPr/>
-                    <a:lstStyle/>
-                    <a:p>
-                      <a:pPr algn="ctr" latinLnBrk="1"/>
-                      <a:r>
-                        <a:rPr lang="ko-KR" altLang="en-US" dirty="0"/>
-                        <a:t>더하기</a:t>
-                      </a:r>
-                    </a:p>
-                  </a:txBody>
-                  <a:tcPr/>
-                </a:tc>
-                <a:extLst>
-                  <a:ext uri="{0D108BD9-81ED-4DB2-BD59-A6C34878D82A}">
-                    <a16:rowId xmlns:a16="http://schemas.microsoft.com/office/drawing/2014/main" val="10001"/>
-                  </a:ext>
-                </a:extLst>
-              </a:tr>
-              <a:tr h="370840">
-                <a:tc>
-                  <a:txBody>
-                    <a:bodyPr/>
-                    <a:lstStyle/>
-                    <a:p>
-                      <a:pPr algn="ctr" latinLnBrk="1"/>
-                      <a:r>
-                        <a:rPr lang="en-US" altLang="ko-KR" dirty="0"/>
-                        <a:t>-</a:t>
-                      </a:r>
-                      <a:endParaRPr lang="ko-KR" altLang="en-US" dirty="0"/>
-                    </a:p>
-                  </a:txBody>
-                  <a:tcPr/>
-                </a:tc>
-                <a:tc>
-                  <a:txBody>
-                    <a:bodyPr/>
-                    <a:lstStyle/>
-                    <a:p>
-                      <a:pPr algn="ctr" latinLnBrk="1"/>
-                      <a:r>
-                        <a:rPr lang="ko-KR" altLang="en-US" dirty="0"/>
-                        <a:t>빼기</a:t>
-                      </a:r>
-                    </a:p>
-                  </a:txBody>
-                  <a:tcPr/>
-                </a:tc>
-                <a:extLst>
-                  <a:ext uri="{0D108BD9-81ED-4DB2-BD59-A6C34878D82A}">
-                    <a16:rowId xmlns:a16="http://schemas.microsoft.com/office/drawing/2014/main" val="10002"/>
-                  </a:ext>
-                </a:extLst>
-              </a:tr>
-              <a:tr h="370840">
-                <a:tc>
-                  <a:txBody>
-                    <a:bodyPr/>
-                    <a:lstStyle/>
-                    <a:p>
-                      <a:pPr algn="ctr" latinLnBrk="1"/>
-                      <a:r>
-                        <a:rPr lang="en-US" altLang="ko-KR" dirty="0"/>
-                        <a:t>*</a:t>
-                      </a:r>
-                      <a:endParaRPr lang="ko-KR" altLang="en-US" dirty="0"/>
-                    </a:p>
-                  </a:txBody>
-                  <a:tcPr/>
-                </a:tc>
-                <a:tc>
-                  <a:txBody>
-                    <a:bodyPr/>
-                    <a:lstStyle/>
-                    <a:p>
-                      <a:pPr algn="ctr" latinLnBrk="1"/>
-                      <a:r>
-                        <a:rPr lang="ko-KR" altLang="en-US" dirty="0"/>
-                        <a:t>곱하기</a:t>
-                      </a:r>
-                    </a:p>
-                  </a:txBody>
-                  <a:tcPr/>
-                </a:tc>
-                <a:extLst>
-                  <a:ext uri="{0D108BD9-81ED-4DB2-BD59-A6C34878D82A}">
-                    <a16:rowId xmlns:a16="http://schemas.microsoft.com/office/drawing/2014/main" val="10003"/>
-                  </a:ext>
-                </a:extLst>
-              </a:tr>
-              <a:tr h="370840">
-                <a:tc>
-                  <a:txBody>
-                    <a:bodyPr/>
-                    <a:lstStyle/>
-                    <a:p>
-                      <a:pPr algn="ctr" latinLnBrk="1"/>
-                      <a:r>
-                        <a:rPr lang="en-US" altLang="ko-KR" dirty="0"/>
-                        <a:t>/</a:t>
-                      </a:r>
-                      <a:endParaRPr lang="ko-KR" altLang="en-US" dirty="0"/>
-                    </a:p>
-                  </a:txBody>
-                  <a:tcPr/>
-                </a:tc>
-                <a:tc>
-                  <a:txBody>
-                    <a:bodyPr/>
-                    <a:lstStyle/>
-                    <a:p>
-                      <a:pPr algn="ctr" latinLnBrk="1"/>
-                      <a:r>
-                        <a:rPr lang="ko-KR" altLang="en-US" dirty="0"/>
-                        <a:t>나누기</a:t>
-                      </a:r>
-                    </a:p>
-                  </a:txBody>
-                  <a:tcPr/>
-                </a:tc>
-                <a:extLst>
-                  <a:ext uri="{0D108BD9-81ED-4DB2-BD59-A6C34878D82A}">
-                    <a16:rowId xmlns:a16="http://schemas.microsoft.com/office/drawing/2014/main" val="10004"/>
-                  </a:ext>
-                </a:extLst>
-              </a:tr>
-              <a:tr h="370840">
-                <a:tc>
-                  <a:txBody>
-                    <a:bodyPr/>
-                    <a:lstStyle/>
-                    <a:p>
-                      <a:pPr algn="ctr" latinLnBrk="1"/>
-                      <a:r>
-                        <a:rPr lang="en-US" altLang="ko-KR" dirty="0"/>
-                        <a:t>//</a:t>
-                      </a:r>
-                      <a:endParaRPr lang="ko-KR" altLang="en-US" dirty="0"/>
-                    </a:p>
-                  </a:txBody>
-                  <a:tcPr/>
-                </a:tc>
-                <a:tc>
-                  <a:txBody>
-                    <a:bodyPr/>
-                    <a:lstStyle/>
-                    <a:p>
-                      <a:pPr algn="ctr" latinLnBrk="1"/>
-                      <a:r>
-                        <a:rPr lang="ko-KR" altLang="en-US" dirty="0"/>
-                        <a:t>몫</a:t>
-                      </a:r>
-                    </a:p>
-                  </a:txBody>
-                  <a:tcPr/>
-                </a:tc>
-                <a:extLst>
-                  <a:ext uri="{0D108BD9-81ED-4DB2-BD59-A6C34878D82A}">
-                    <a16:rowId xmlns:a16="http://schemas.microsoft.com/office/drawing/2014/main" val="10005"/>
-                  </a:ext>
-                </a:extLst>
-              </a:tr>
-              <a:tr h="370840">
-                <a:tc>
-                  <a:txBody>
-                    <a:bodyPr/>
-                    <a:lstStyle/>
-                    <a:p>
-                      <a:pPr algn="ctr" latinLnBrk="1"/>
-                      <a:r>
-                        <a:rPr lang="en-US" altLang="ko-KR" dirty="0"/>
-                        <a:t>%</a:t>
-                      </a:r>
-                      <a:endParaRPr lang="ko-KR" altLang="en-US" dirty="0"/>
-                    </a:p>
-                  </a:txBody>
-                  <a:tcPr/>
-                </a:tc>
-                <a:tc>
-                  <a:txBody>
-                    <a:bodyPr/>
-                    <a:lstStyle/>
-                    <a:p>
-                      <a:pPr algn="ctr" latinLnBrk="1"/>
-                      <a:r>
-                        <a:rPr lang="ko-KR" altLang="en-US" dirty="0"/>
-                        <a:t>나머지</a:t>
-                      </a:r>
-                    </a:p>
-                  </a:txBody>
-                  <a:tcPr/>
-                </a:tc>
-                <a:extLst>
-                  <a:ext uri="{0D108BD9-81ED-4DB2-BD59-A6C34878D82A}">
-                    <a16:rowId xmlns:a16="http://schemas.microsoft.com/office/drawing/2014/main" val="2560016316"/>
-                  </a:ext>
-                </a:extLst>
-              </a:tr>
-              <a:tr h="370840">
-                <a:tc>
-                  <a:txBody>
-                    <a:bodyPr/>
-                    <a:lstStyle/>
-                    <a:p>
-                      <a:pPr algn="ctr" latinLnBrk="1"/>
-                      <a:r>
-                        <a:rPr lang="en-US" altLang="ko-KR" dirty="0"/>
-                        <a:t>**</a:t>
-                      </a:r>
-                      <a:endParaRPr lang="ko-KR" altLang="en-US" dirty="0"/>
-                    </a:p>
-                  </a:txBody>
-                  <a:tcPr/>
-                </a:tc>
-                <a:tc>
-                  <a:txBody>
-                    <a:bodyPr/>
-                    <a:lstStyle/>
-                    <a:p>
-                      <a:pPr algn="ctr" latinLnBrk="1"/>
-                      <a:r>
-                        <a:rPr lang="ko-KR" altLang="en-US" dirty="0"/>
-                        <a:t>제곱</a:t>
-                      </a:r>
-                    </a:p>
-                  </a:txBody>
-                  <a:tcPr/>
-                </a:tc>
-                <a:extLst>
-                  <a:ext uri="{0D108BD9-81ED-4DB2-BD59-A6C34878D82A}">
-                    <a16:rowId xmlns:a16="http://schemas.microsoft.com/office/drawing/2014/main" val="3468429741"/>
-                  </a:ext>
-                </a:extLst>
-              </a:tr>
-            </a:tbl>
-          </a:graphicData>
-        </a:graphic>
-      </p:graphicFrame>
+          <p:cNvPicPr>
+            <a:picLocks noChangeAspect="1"/>
+          </p:cNvPicPr>
+          <p:nvPr/>
+        </p:nvPicPr>
+        <p:blipFill>
+          <a:blip r:embed="rId2"/>
+          <a:stretch>
+            <a:fillRect/>
+          </a:stretch>
+        </p:blipFill>
+        <p:spPr>
+          <a:xfrm>
+            <a:off x="3739882" y="1111719"/>
+            <a:ext cx="4712236" cy="4634562"/>
+          </a:xfrm>
+          <a:prstGeom prst="rect">
+            <a:avLst/>
+          </a:prstGeom>
+        </p:spPr>
+      </p:pic>
     </p:spTree>
     <p:extLst>
       <p:ext uri="{BB962C8B-B14F-4D97-AF65-F5344CB8AC3E}">
-        <p14:creationId xmlns:p14="http://schemas.microsoft.com/office/powerpoint/2010/main" val="3222604313"/>
+        <p14:creationId xmlns:p14="http://schemas.microsoft.com/office/powerpoint/2010/main" val="3114004909"/>
       </p:ext>
     </p:extLst>
   </p:cSld>
@@ -6865,8 +9986,8 @@
         </p:nvSpPr>
         <p:spPr>
           <a:xfrm>
-            <a:off x="5160487" y="3098749"/>
-            <a:ext cx="1871026" cy="660502"/>
+            <a:off x="3494967" y="3717032"/>
+            <a:ext cx="4129336" cy="830997"/>
           </a:xfrm>
           <a:prstGeom prst="rect">
             <a:avLst/>
@@ -6879,20 +10000,216 @@
           </a:bodyPr>
           <a:lstStyle/>
           <a:p>
-            <a:pPr algn="ctr"/>
-            <a:r>
-              <a:rPr lang="ko-KR" altLang="en-US" sz="3692" dirty="0">
-                <a:solidFill>
-                  <a:schemeClr val="bg1">
-                    <a:lumMod val="95000"/>
-                  </a:schemeClr>
-                </a:solidFill>
-                <a:latin typeface="나눔바른고딕" panose="020B0603020101020101" pitchFamily="50" charset="-127"/>
-                <a:ea typeface="나눔바른고딕" panose="020B0603020101020101" pitchFamily="50" charset="-127"/>
-              </a:rPr>
-              <a:t>숫자연산</a:t>
-            </a:r>
-            <a:endParaRPr lang="en-US" altLang="ko-KR" sz="3692" dirty="0">
+            <a:r>
+              <a:rPr lang="en-US" altLang="ko-KR" sz="2400" dirty="0">
+                <a:solidFill>
+                  <a:schemeClr val="accent6">
+                    <a:lumMod val="75000"/>
+                  </a:schemeClr>
+                </a:solidFill>
+                <a:latin typeface="나눔바른고딕" panose="020B0603020101020101" pitchFamily="50" charset="-127"/>
+                <a:ea typeface="나눔바른고딕" panose="020B0603020101020101" pitchFamily="50" charset="-127"/>
+              </a:rPr>
+              <a:t>if</a:t>
+            </a:r>
+            <a:r>
+              <a:rPr lang="ko-KR" altLang="en-US" sz="2400" dirty="0">
+                <a:solidFill>
+                  <a:schemeClr val="bg1">
+                    <a:lumMod val="95000"/>
+                  </a:schemeClr>
+                </a:solidFill>
+                <a:latin typeface="나눔바른고딕" panose="020B0603020101020101" pitchFamily="50" charset="-127"/>
+                <a:ea typeface="나눔바른고딕" panose="020B0603020101020101" pitchFamily="50" charset="-127"/>
+              </a:rPr>
+              <a:t> </a:t>
+            </a:r>
+            <a:r>
+              <a:rPr lang="en-US" altLang="ko-KR" sz="2400" dirty="0">
+                <a:solidFill>
+                  <a:schemeClr val="accent1"/>
+                </a:solidFill>
+                <a:latin typeface="나눔바른고딕" panose="020B0603020101020101" pitchFamily="50" charset="-127"/>
+                <a:ea typeface="나눔바른고딕" panose="020B0603020101020101" pitchFamily="50" charset="-127"/>
+              </a:rPr>
+              <a:t>distance &gt;= 200</a:t>
+            </a:r>
+            <a:r>
+              <a:rPr lang="en-US" altLang="ko-KR" sz="2400" dirty="0">
+                <a:solidFill>
+                  <a:schemeClr val="bg1">
+                    <a:lumMod val="95000"/>
+                  </a:schemeClr>
+                </a:solidFill>
+                <a:latin typeface="나눔바른고딕" panose="020B0603020101020101" pitchFamily="50" charset="-127"/>
+                <a:ea typeface="나눔바른고딕" panose="020B0603020101020101" pitchFamily="50" charset="-127"/>
+              </a:rPr>
+              <a:t>:</a:t>
+            </a:r>
+          </a:p>
+          <a:p>
+            <a:r>
+              <a:rPr lang="en-US" altLang="ko-KR" sz="2400" dirty="0">
+                <a:solidFill>
+                  <a:schemeClr val="bg1">
+                    <a:lumMod val="95000"/>
+                  </a:schemeClr>
+                </a:solidFill>
+                <a:latin typeface="나눔바른고딕" panose="020B0603020101020101" pitchFamily="50" charset="-127"/>
+                <a:ea typeface="나눔바른고딕" panose="020B0603020101020101" pitchFamily="50" charset="-127"/>
+              </a:rPr>
+              <a:t>	print("</a:t>
+            </a:r>
+            <a:r>
+              <a:rPr lang="ko-KR" altLang="en-US" sz="2400" dirty="0">
+                <a:solidFill>
+                  <a:schemeClr val="bg1">
+                    <a:lumMod val="95000"/>
+                  </a:schemeClr>
+                </a:solidFill>
+                <a:latin typeface="나눔바른고딕" panose="020B0603020101020101" pitchFamily="50" charset="-127"/>
+                <a:ea typeface="나눔바른고딕" panose="020B0603020101020101" pitchFamily="50" charset="-127"/>
+              </a:rPr>
+              <a:t>저격소총 쏘기</a:t>
+            </a:r>
+            <a:r>
+              <a:rPr lang="en-US" altLang="ko-KR" sz="2400" dirty="0">
+                <a:solidFill>
+                  <a:schemeClr val="bg1">
+                    <a:lumMod val="95000"/>
+                  </a:schemeClr>
+                </a:solidFill>
+                <a:latin typeface="나눔바른고딕" panose="020B0603020101020101" pitchFamily="50" charset="-127"/>
+                <a:ea typeface="나눔바른고딕" panose="020B0603020101020101" pitchFamily="50" charset="-127"/>
+              </a:rPr>
+              <a:t>!")</a:t>
+            </a:r>
+          </a:p>
+        </p:txBody>
+      </p:sp>
+      <p:sp>
+        <p:nvSpPr>
+          <p:cNvPr id="3" name="TextBox 2">
+            <a:extLst>
+              <a:ext uri="{FF2B5EF4-FFF2-40B4-BE49-F238E27FC236}">
+                <a16:creationId xmlns:a16="http://schemas.microsoft.com/office/drawing/2014/main" id="{08A1525D-D82F-4202-A4E5-355420042614}"/>
+              </a:ext>
+            </a:extLst>
+          </p:cNvPr>
+          <p:cNvSpPr txBox="1"/>
+          <p:nvPr/>
+        </p:nvSpPr>
+        <p:spPr>
+          <a:xfrm>
+            <a:off x="3494967" y="1332797"/>
+            <a:ext cx="5202065" cy="830997"/>
+          </a:xfrm>
+          <a:prstGeom prst="rect">
+            <a:avLst/>
+          </a:prstGeom>
+          <a:noFill/>
+        </p:spPr>
+        <p:txBody>
+          <a:bodyPr wrap="none" rtlCol="0">
+            <a:spAutoFit/>
+          </a:bodyPr>
+          <a:lstStyle/>
+          <a:p>
+            <a:r>
+              <a:rPr lang="ko-KR" altLang="en-US" sz="2400" dirty="0">
+                <a:solidFill>
+                  <a:schemeClr val="accent6">
+                    <a:lumMod val="75000"/>
+                  </a:schemeClr>
+                </a:solidFill>
+                <a:latin typeface="나눔바른고딕" panose="020B0603020101020101" pitchFamily="50" charset="-127"/>
+                <a:ea typeface="나눔바른고딕" panose="020B0603020101020101" pitchFamily="50" charset="-127"/>
+              </a:rPr>
+              <a:t>만약에</a:t>
+            </a:r>
+            <a:r>
+              <a:rPr lang="ko-KR" altLang="en-US" sz="2400" dirty="0">
+                <a:solidFill>
+                  <a:schemeClr val="bg1">
+                    <a:lumMod val="95000"/>
+                  </a:schemeClr>
+                </a:solidFill>
+                <a:latin typeface="나눔바른고딕" panose="020B0603020101020101" pitchFamily="50" charset="-127"/>
+                <a:ea typeface="나눔바른고딕" panose="020B0603020101020101" pitchFamily="50" charset="-127"/>
+              </a:rPr>
+              <a:t> 적과의 거리가 </a:t>
+            </a:r>
+            <a:r>
+              <a:rPr lang="en-US" altLang="ko-KR" sz="2400" dirty="0">
+                <a:solidFill>
+                  <a:schemeClr val="accent1"/>
+                </a:solidFill>
+                <a:latin typeface="나눔바른고딕" panose="020B0603020101020101" pitchFamily="50" charset="-127"/>
+                <a:ea typeface="나눔바른고딕" panose="020B0603020101020101" pitchFamily="50" charset="-127"/>
+              </a:rPr>
+              <a:t>200m </a:t>
+            </a:r>
+            <a:r>
+              <a:rPr lang="ko-KR" altLang="en-US" sz="2400" dirty="0">
+                <a:solidFill>
+                  <a:schemeClr val="accent1"/>
+                </a:solidFill>
+                <a:latin typeface="나눔바른고딕" panose="020B0603020101020101" pitchFamily="50" charset="-127"/>
+                <a:ea typeface="나눔바른고딕" panose="020B0603020101020101" pitchFamily="50" charset="-127"/>
+              </a:rPr>
+              <a:t>이상</a:t>
+            </a:r>
+            <a:r>
+              <a:rPr lang="ko-KR" altLang="en-US" sz="2400" dirty="0">
+                <a:solidFill>
+                  <a:schemeClr val="bg1">
+                    <a:lumMod val="95000"/>
+                  </a:schemeClr>
+                </a:solidFill>
+                <a:latin typeface="나눔바른고딕" panose="020B0603020101020101" pitchFamily="50" charset="-127"/>
+                <a:ea typeface="나눔바른고딕" panose="020B0603020101020101" pitchFamily="50" charset="-127"/>
+              </a:rPr>
+              <a:t>이라면</a:t>
+            </a:r>
+            <a:r>
+              <a:rPr lang="en-US" altLang="ko-KR" sz="2400" dirty="0">
+                <a:solidFill>
+                  <a:schemeClr val="bg1">
+                    <a:lumMod val="95000"/>
+                  </a:schemeClr>
+                </a:solidFill>
+                <a:latin typeface="나눔바른고딕" panose="020B0603020101020101" pitchFamily="50" charset="-127"/>
+                <a:ea typeface="나눔바른고딕" panose="020B0603020101020101" pitchFamily="50" charset="-127"/>
+              </a:rPr>
+              <a:t>:</a:t>
+            </a:r>
+          </a:p>
+          <a:p>
+            <a:r>
+              <a:rPr lang="en-US" altLang="ko-KR" sz="2400" dirty="0">
+                <a:solidFill>
+                  <a:schemeClr val="bg1">
+                    <a:lumMod val="95000"/>
+                  </a:schemeClr>
+                </a:solidFill>
+                <a:latin typeface="나눔바른고딕" panose="020B0603020101020101" pitchFamily="50" charset="-127"/>
+                <a:ea typeface="나눔바른고딕" panose="020B0603020101020101" pitchFamily="50" charset="-127"/>
+              </a:rPr>
+              <a:t>	- </a:t>
+            </a:r>
+            <a:r>
+              <a:rPr lang="ko-KR" altLang="en-US" sz="2400" dirty="0">
+                <a:solidFill>
+                  <a:schemeClr val="bg1">
+                    <a:lumMod val="95000"/>
+                  </a:schemeClr>
+                </a:solidFill>
+                <a:latin typeface="나눔바른고딕" panose="020B0603020101020101" pitchFamily="50" charset="-127"/>
+                <a:ea typeface="나눔바른고딕" panose="020B0603020101020101" pitchFamily="50" charset="-127"/>
+              </a:rPr>
+              <a:t>저격소총을 쏜다</a:t>
+            </a:r>
+            <a:endParaRPr lang="en-US" altLang="ko-KR" sz="2400" dirty="0">
               <a:solidFill>
                 <a:schemeClr val="bg1">
                   <a:lumMod val="95000"/>
@@ -6904,16 +10221,169 @@
           </a:p>
         </p:txBody>
       </p:sp>
+      <p:pic>
+        <p:nvPicPr>
+          <p:cNvPr id="5" name="그림 4">
+            <a:extLst>
+              <a:ext uri="{FF2B5EF4-FFF2-40B4-BE49-F238E27FC236}">
+                <a16:creationId xmlns:a16="http://schemas.microsoft.com/office/drawing/2014/main" id="{411097C6-52A1-4F91-B327-FD0B6B1A8B9B}"/>
+              </a:ext>
+            </a:extLst>
+          </p:cNvPr>
+          <p:cNvPicPr>
+            <a:picLocks noChangeAspect="1"/>
+          </p:cNvPicPr>
+          <p:nvPr/>
+        </p:nvPicPr>
+        <p:blipFill>
+          <a:blip r:embed="rId2"/>
+          <a:stretch>
+            <a:fillRect/>
+          </a:stretch>
+        </p:blipFill>
+        <p:spPr>
+          <a:xfrm>
+            <a:off x="7735090" y="3049339"/>
+            <a:ext cx="2249342" cy="2476341"/>
+          </a:xfrm>
+          <a:prstGeom prst="rect">
+            <a:avLst/>
+          </a:prstGeom>
+        </p:spPr>
+      </p:pic>
     </p:spTree>
     <p:extLst>
       <p:ext uri="{BB962C8B-B14F-4D97-AF65-F5344CB8AC3E}">
-        <p14:creationId xmlns:p14="http://schemas.microsoft.com/office/powerpoint/2010/main" val="2397365537"/>
+        <p14:creationId xmlns:p14="http://schemas.microsoft.com/office/powerpoint/2010/main" val="3695103407"/>
       </p:ext>
     </p:extLst>
   </p:cSld>
   <p:clrMapOvr>
     <a:masterClrMapping/>
   </p:clrMapOvr>
+  <p:timing>
+    <p:tnLst>
+      <p:par>
+        <p:cTn id="1" dur="indefinite" restart="never" nodeType="tmRoot">
+          <p:childTnLst>
+            <p:seq concurrent="1" nextAc="seek">
+              <p:cTn id="2" dur="indefinite" nodeType="mainSeq">
+                <p:childTnLst>
+                  <p:par>
+                    <p:cTn id="3" fill="hold">
+                      <p:stCondLst>
+                        <p:cond delay="indefinite"/>
+                      </p:stCondLst>
+                      <p:childTnLst>
+                        <p:par>
+                          <p:cTn id="4" fill="hold">
+                            <p:stCondLst>
+                              <p:cond delay="0"/>
+                            </p:stCondLst>
+                            <p:childTnLst>
+                              <p:par>
+                                <p:cTn id="5" presetID="1" presetClass="entr" presetSubtype="0" fill="hold" grpId="0" nodeType="clickEffect">
+                                  <p:stCondLst>
+                                    <p:cond delay="0"/>
+                                  </p:stCondLst>
+                                  <p:childTnLst>
+                                    <p:set>
+                                      <p:cBhvr>
+                                        <p:cTn id="6" dur="1" fill="hold">
+                                          <p:stCondLst>
+                                            <p:cond delay="0"/>
+                                          </p:stCondLst>
+                                        </p:cTn>
+                                        <p:tgtEl>
+                                          <p:spTgt spid="2"/>
+                                        </p:tgtEl>
+                                        <p:attrNameLst>
+                                          <p:attrName>style.visibility</p:attrName>
+                                        </p:attrNameLst>
+                                      </p:cBhvr>
+                                      <p:to>
+                                        <p:strVal val="visible"/>
+                                      </p:to>
+                                    </p:set>
+                                  </p:childTnLst>
+                                </p:cTn>
+                              </p:par>
+                            </p:childTnLst>
+                          </p:cTn>
+                        </p:par>
+                      </p:childTnLst>
+                    </p:cTn>
+                  </p:par>
+                  <p:par>
+                    <p:cTn id="7" fill="hold">
+                      <p:stCondLst>
+                        <p:cond delay="indefinite"/>
+                      </p:stCondLst>
+                      <p:childTnLst>
+                        <p:par>
+                          <p:cTn id="8" fill="hold">
+                            <p:stCondLst>
+                              <p:cond delay="0"/>
+                            </p:stCondLst>
+                            <p:childTnLst>
+                              <p:par>
+                                <p:cTn id="9" presetID="1" presetClass="entr" presetSubtype="0" fill="hold" nodeType="clickEffect">
+                                  <p:stCondLst>
+                                    <p:cond delay="0"/>
+                                  </p:stCondLst>
+                                  <p:childTnLst>
+                                    <p:set>
+                                      <p:cBhvr>
+                                        <p:cTn id="10" dur="1" fill="hold">
+                                          <p:stCondLst>
+                                            <p:cond delay="0"/>
+                                          </p:stCondLst>
+                                        </p:cTn>
+                                        <p:tgtEl>
+                                          <p:spTgt spid="5"/>
+                                        </p:tgtEl>
+                                        <p:attrNameLst>
+                                          <p:attrName>style.visibility</p:attrName>
+                                        </p:attrNameLst>
+                                      </p:cBhvr>
+                                      <p:to>
+                                        <p:strVal val="visible"/>
+                                      </p:to>
+                                    </p:set>
+                                  </p:childTnLst>
+                                </p:cTn>
+                              </p:par>
+                            </p:childTnLst>
+                          </p:cTn>
+                        </p:par>
+                      </p:childTnLst>
+                    </p:cTn>
+                  </p:par>
+                </p:childTnLst>
+              </p:cTn>
+              <p:prevCondLst>
+                <p:cond evt="onPrev" delay="0">
+                  <p:tgtEl>
+                    <p:sldTgt/>
+                  </p:tgtEl>
+                </p:cond>
+              </p:prevCondLst>
+              <p:nextCondLst>
+                <p:cond evt="onNext" delay="0">
+                  <p:tgtEl>
+                    <p:sldTgt/>
+                  </p:tgtEl>
+                </p:cond>
+              </p:nextCondLst>
+            </p:seq>
+          </p:childTnLst>
+        </p:cTn>
+      </p:par>
+    </p:tnLst>
+    <p:bldLst>
+      <p:bldP spid="2" grpId="0"/>
+    </p:bldLst>
+  </p:timing>
 </p:sld>
 </file>
 
@@ -6947,10 +10417,10 @@
       </p:grpSpPr>
       <p:sp>
         <p:nvSpPr>
-          <p:cNvPr id="2" name="TextBox 1">
+          <p:cNvPr id="3" name="TextBox 2">
             <a:extLst>
               <a:ext uri="{FF2B5EF4-FFF2-40B4-BE49-F238E27FC236}">
-                <a16:creationId xmlns:a16="http://schemas.microsoft.com/office/drawing/2014/main" id="{0B332A50-CC0E-4C7E-B47E-E7CFBA7B423B}"/>
+                <a16:creationId xmlns:a16="http://schemas.microsoft.com/office/drawing/2014/main" id="{08A1525D-D82F-4202-A4E5-355420042614}"/>
               </a:ext>
             </a:extLst>
           </p:cNvPr>
@@ -6959,8 +10429,8 @@
         </p:nvSpPr>
         <p:spPr>
           <a:xfrm>
-            <a:off x="4949692" y="3098749"/>
-            <a:ext cx="2292615" cy="660502"/>
+            <a:off x="3276318" y="2951947"/>
+            <a:ext cx="5639364" cy="954107"/>
           </a:xfrm>
           <a:prstGeom prst="rect">
             <a:avLst/>
@@ -6973,20 +10443,101 @@
           </a:bodyPr>
           <a:lstStyle/>
           <a:p>
-            <a:pPr algn="ctr"/>
-            <a:r>
-              <a:rPr lang="ko-KR" altLang="en-US" sz="3692" dirty="0">
-                <a:solidFill>
-                  <a:schemeClr val="bg1">
-                    <a:lumMod val="95000"/>
-                  </a:schemeClr>
-                </a:solidFill>
-                <a:latin typeface="나눔바른고딕" panose="020B0603020101020101" pitchFamily="50" charset="-127"/>
-                <a:ea typeface="나눔바른고딕" panose="020B0603020101020101" pitchFamily="50" charset="-127"/>
-              </a:rPr>
-              <a:t>문자열연산</a:t>
-            </a:r>
-            <a:endParaRPr lang="en-US" altLang="ko-KR" sz="3692" dirty="0">
+            <a:r>
+              <a:rPr lang="en-US" altLang="ko-KR" sz="2800" dirty="0">
+                <a:solidFill>
+                  <a:schemeClr val="accent6">
+                    <a:lumMod val="75000"/>
+                  </a:schemeClr>
+                </a:solidFill>
+                <a:latin typeface="나눔바른고딕" panose="020B0603020101020101" pitchFamily="50" charset="-127"/>
+                <a:ea typeface="나눔바른고딕" panose="020B0603020101020101" pitchFamily="50" charset="-127"/>
+              </a:rPr>
+              <a:t>if</a:t>
+            </a:r>
+            <a:r>
+              <a:rPr lang="ko-KR" altLang="en-US" sz="2800" dirty="0">
+                <a:solidFill>
+                  <a:schemeClr val="bg1">
+                    <a:lumMod val="95000"/>
+                  </a:schemeClr>
+                </a:solidFill>
+                <a:latin typeface="나눔바른고딕" panose="020B0603020101020101" pitchFamily="50" charset="-127"/>
+                <a:ea typeface="나눔바른고딕" panose="020B0603020101020101" pitchFamily="50" charset="-127"/>
+              </a:rPr>
+              <a:t> </a:t>
+            </a:r>
+            <a:r>
+              <a:rPr lang="ko-KR" altLang="en-US" sz="2800" dirty="0">
+                <a:solidFill>
+                  <a:schemeClr val="accent1"/>
+                </a:solidFill>
+                <a:latin typeface="나눔바른고딕" panose="020B0603020101020101" pitchFamily="50" charset="-127"/>
+                <a:ea typeface="나눔바른고딕" panose="020B0603020101020101" pitchFamily="50" charset="-127"/>
+              </a:rPr>
+              <a:t>조건식</a:t>
+            </a:r>
+            <a:r>
+              <a:rPr lang="en-US" altLang="ko-KR" sz="2800" dirty="0">
+                <a:solidFill>
+                  <a:schemeClr val="bg1">
+                    <a:lumMod val="95000"/>
+                  </a:schemeClr>
+                </a:solidFill>
+                <a:latin typeface="나눔바른고딕" panose="020B0603020101020101" pitchFamily="50" charset="-127"/>
+                <a:ea typeface="나눔바른고딕" panose="020B0603020101020101" pitchFamily="50" charset="-127"/>
+              </a:rPr>
+              <a:t>:</a:t>
+            </a:r>
+          </a:p>
+          <a:p>
+            <a:r>
+              <a:rPr lang="en-US" altLang="ko-KR" sz="2800" dirty="0">
+                <a:solidFill>
+                  <a:schemeClr val="bg1">
+                    <a:lumMod val="95000"/>
+                  </a:schemeClr>
+                </a:solidFill>
+                <a:latin typeface="나눔바른고딕" panose="020B0603020101020101" pitchFamily="50" charset="-127"/>
+                <a:ea typeface="나눔바른고딕" panose="020B0603020101020101" pitchFamily="50" charset="-127"/>
+              </a:rPr>
+              <a:t>	</a:t>
+            </a:r>
+            <a:r>
+              <a:rPr lang="ko-KR" altLang="en-US" sz="2800" dirty="0">
+                <a:solidFill>
+                  <a:schemeClr val="bg1">
+                    <a:lumMod val="95000"/>
+                  </a:schemeClr>
+                </a:solidFill>
+                <a:latin typeface="나눔바른고딕" panose="020B0603020101020101" pitchFamily="50" charset="-127"/>
+                <a:ea typeface="나눔바른고딕" panose="020B0603020101020101" pitchFamily="50" charset="-127"/>
+              </a:rPr>
+              <a:t>조건식이 </a:t>
+            </a:r>
+            <a:r>
+              <a:rPr lang="ko-KR" altLang="en-US" sz="2800" dirty="0">
+                <a:solidFill>
+                  <a:schemeClr val="accent3"/>
+                </a:solidFill>
+                <a:latin typeface="나눔바른고딕" panose="020B0603020101020101" pitchFamily="50" charset="-127"/>
+                <a:ea typeface="나눔바른고딕" panose="020B0603020101020101" pitchFamily="50" charset="-127"/>
+              </a:rPr>
+              <a:t>참</a:t>
+            </a:r>
+            <a:r>
+              <a:rPr lang="ko-KR" altLang="en-US" sz="2800" dirty="0">
+                <a:solidFill>
+                  <a:schemeClr val="bg1">
+                    <a:lumMod val="95000"/>
+                  </a:schemeClr>
+                </a:solidFill>
+                <a:latin typeface="나눔바른고딕" panose="020B0603020101020101" pitchFamily="50" charset="-127"/>
+                <a:ea typeface="나눔바른고딕" panose="020B0603020101020101" pitchFamily="50" charset="-127"/>
+              </a:rPr>
+              <a:t>일 때 실행되는 명령</a:t>
+            </a:r>
+            <a:endParaRPr lang="en-US" altLang="ko-KR" sz="2800" dirty="0">
               <a:solidFill>
                 <a:schemeClr val="bg1">
                   <a:lumMod val="95000"/>
@@ -7001,7 +10552,7 @@
     </p:spTree>
     <p:extLst>
       <p:ext uri="{BB962C8B-B14F-4D97-AF65-F5344CB8AC3E}">
-        <p14:creationId xmlns:p14="http://schemas.microsoft.com/office/powerpoint/2010/main" val="2220945899"/>
+        <p14:creationId xmlns:p14="http://schemas.microsoft.com/office/powerpoint/2010/main" val="749210512"/>
       </p:ext>
     </p:extLst>
   </p:cSld>

--- a/파이썬기초(PPT)/NEW_2021버전/파이썬 기초 6강_조건문.pptx
+++ b/파이썬기초(PPT)/NEW_2021버전/파이썬 기초 6강_조건문.pptx
@@ -5,32 +5,25 @@
     <p:sldMasterId id="2147483648" r:id="rId1"/>
   </p:sldMasterIdLst>
   <p:handoutMasterIdLst>
-    <p:handoutMasterId r:id="rId25"/>
+    <p:handoutMasterId r:id="rId18"/>
   </p:handoutMasterIdLst>
   <p:sldIdLst>
     <p:sldId id="292" r:id="rId2"/>
     <p:sldId id="347" r:id="rId3"/>
-    <p:sldId id="332" r:id="rId4"/>
-    <p:sldId id="333" r:id="rId5"/>
-    <p:sldId id="348" r:id="rId6"/>
-    <p:sldId id="331" r:id="rId7"/>
-    <p:sldId id="354" r:id="rId8"/>
-    <p:sldId id="355" r:id="rId9"/>
-    <p:sldId id="357" r:id="rId10"/>
-    <p:sldId id="356" r:id="rId11"/>
-    <p:sldId id="358" r:id="rId12"/>
-    <p:sldId id="359" r:id="rId13"/>
-    <p:sldId id="360" r:id="rId14"/>
-    <p:sldId id="349" r:id="rId15"/>
-    <p:sldId id="350" r:id="rId16"/>
-    <p:sldId id="344" r:id="rId17"/>
-    <p:sldId id="351" r:id="rId18"/>
-    <p:sldId id="335" r:id="rId19"/>
-    <p:sldId id="336" r:id="rId20"/>
-    <p:sldId id="352" r:id="rId21"/>
-    <p:sldId id="346" r:id="rId22"/>
-    <p:sldId id="353" r:id="rId23"/>
-    <p:sldId id="338" r:id="rId24"/>
+    <p:sldId id="361" r:id="rId4"/>
+    <p:sldId id="332" r:id="rId5"/>
+    <p:sldId id="333" r:id="rId6"/>
+    <p:sldId id="348" r:id="rId7"/>
+    <p:sldId id="331" r:id="rId8"/>
+    <p:sldId id="354" r:id="rId9"/>
+    <p:sldId id="355" r:id="rId10"/>
+    <p:sldId id="357" r:id="rId11"/>
+    <p:sldId id="356" r:id="rId12"/>
+    <p:sldId id="358" r:id="rId13"/>
+    <p:sldId id="359" r:id="rId14"/>
+    <p:sldId id="360" r:id="rId15"/>
+    <p:sldId id="349" r:id="rId16"/>
+    <p:sldId id="338" r:id="rId17"/>
   </p:sldIdLst>
   <p:sldSz cx="12192000" cy="6858000"/>
   <p:notesSz cx="10020300" cy="6888163"/>
@@ -478,7 +471,7 @@
           <a:p>
             <a:fld id="{FB30EDBD-1C2D-4C1E-B459-B60219FAB484}" type="datetimeFigureOut">
               <a:rPr lang="ko-KR" altLang="en-US" smtClean="0"/>
-              <a:t>2021-03-03</a:t>
+              <a:t>2021-03-04</a:t>
             </a:fld>
             <a:endParaRPr lang="ko-KR" altLang="en-US"/>
           </a:p>
@@ -641,7 +634,7 @@
           <a:p>
             <a:fld id="{FB30EDBD-1C2D-4C1E-B459-B60219FAB484}" type="datetimeFigureOut">
               <a:rPr lang="ko-KR" altLang="en-US" smtClean="0"/>
-              <a:t>2021-03-03</a:t>
+              <a:t>2021-03-04</a:t>
             </a:fld>
             <a:endParaRPr lang="ko-KR" altLang="en-US"/>
           </a:p>
@@ -814,7 +807,7 @@
           <a:p>
             <a:fld id="{FB30EDBD-1C2D-4C1E-B459-B60219FAB484}" type="datetimeFigureOut">
               <a:rPr lang="ko-KR" altLang="en-US" smtClean="0"/>
-              <a:t>2021-03-03</a:t>
+              <a:t>2021-03-04</a:t>
             </a:fld>
             <a:endParaRPr lang="ko-KR" altLang="en-US"/>
           </a:p>
@@ -977,7 +970,7 @@
           <a:p>
             <a:fld id="{FB30EDBD-1C2D-4C1E-B459-B60219FAB484}" type="datetimeFigureOut">
               <a:rPr lang="ko-KR" altLang="en-US" smtClean="0"/>
-              <a:t>2021-03-03</a:t>
+              <a:t>2021-03-04</a:t>
             </a:fld>
             <a:endParaRPr lang="ko-KR" altLang="en-US"/>
           </a:p>
@@ -1217,7 +1210,7 @@
           <a:p>
             <a:fld id="{FB30EDBD-1C2D-4C1E-B459-B60219FAB484}" type="datetimeFigureOut">
               <a:rPr lang="ko-KR" altLang="en-US" smtClean="0"/>
-              <a:t>2021-03-03</a:t>
+              <a:t>2021-03-04</a:t>
             </a:fld>
             <a:endParaRPr lang="ko-KR" altLang="en-US"/>
           </a:p>
@@ -1497,7 +1490,7 @@
           <a:p>
             <a:fld id="{FB30EDBD-1C2D-4C1E-B459-B60219FAB484}" type="datetimeFigureOut">
               <a:rPr lang="ko-KR" altLang="en-US" smtClean="0"/>
-              <a:t>2021-03-03</a:t>
+              <a:t>2021-03-04</a:t>
             </a:fld>
             <a:endParaRPr lang="ko-KR" altLang="en-US"/>
           </a:p>
@@ -1911,7 +1904,7 @@
           <a:p>
             <a:fld id="{FB30EDBD-1C2D-4C1E-B459-B60219FAB484}" type="datetimeFigureOut">
               <a:rPr lang="ko-KR" altLang="en-US" smtClean="0"/>
-              <a:t>2021-03-03</a:t>
+              <a:t>2021-03-04</a:t>
             </a:fld>
             <a:endParaRPr lang="ko-KR" altLang="en-US"/>
           </a:p>
@@ -2023,7 +2016,7 @@
           <a:p>
             <a:fld id="{FB30EDBD-1C2D-4C1E-B459-B60219FAB484}" type="datetimeFigureOut">
               <a:rPr lang="ko-KR" altLang="en-US" smtClean="0"/>
-              <a:t>2021-03-03</a:t>
+              <a:t>2021-03-04</a:t>
             </a:fld>
             <a:endParaRPr lang="ko-KR" altLang="en-US"/>
           </a:p>
@@ -2113,7 +2106,7 @@
           <a:p>
             <a:fld id="{FB30EDBD-1C2D-4C1E-B459-B60219FAB484}" type="datetimeFigureOut">
               <a:rPr lang="ko-KR" altLang="en-US" smtClean="0"/>
-              <a:t>2021-03-03</a:t>
+              <a:t>2021-03-04</a:t>
             </a:fld>
             <a:endParaRPr lang="ko-KR" altLang="en-US"/>
           </a:p>
@@ -2383,7 +2376,7 @@
           <a:p>
             <a:fld id="{FB30EDBD-1C2D-4C1E-B459-B60219FAB484}" type="datetimeFigureOut">
               <a:rPr lang="ko-KR" altLang="en-US" smtClean="0"/>
-              <a:t>2021-03-03</a:t>
+              <a:t>2021-03-04</a:t>
             </a:fld>
             <a:endParaRPr lang="ko-KR" altLang="en-US"/>
           </a:p>
@@ -2630,7 +2623,7 @@
           <a:p>
             <a:fld id="{FB30EDBD-1C2D-4C1E-B459-B60219FAB484}" type="datetimeFigureOut">
               <a:rPr lang="ko-KR" altLang="en-US" smtClean="0"/>
-              <a:t>2021-03-03</a:t>
+              <a:t>2021-03-04</a:t>
             </a:fld>
             <a:endParaRPr lang="ko-KR" altLang="en-US"/>
           </a:p>
@@ -2836,7 +2829,7 @@
           <a:p>
             <a:fld id="{FB30EDBD-1C2D-4C1E-B459-B60219FAB484}" type="datetimeFigureOut">
               <a:rPr lang="ko-KR" altLang="en-US" smtClean="0"/>
-              <a:t>2021-03-03</a:t>
+              <a:t>2021-03-04</a:t>
             </a:fld>
             <a:endParaRPr lang="ko-KR" altLang="en-US"/>
           </a:p>
@@ -3296,6 +3289,704 @@
       </p:grpSpPr>
       <p:sp>
         <p:nvSpPr>
+          <p:cNvPr id="3" name="TextBox 2">
+            <a:extLst>
+              <a:ext uri="{FF2B5EF4-FFF2-40B4-BE49-F238E27FC236}">
+                <a16:creationId xmlns:a16="http://schemas.microsoft.com/office/drawing/2014/main" id="{08A1525D-D82F-4202-A4E5-355420042614}"/>
+              </a:ext>
+            </a:extLst>
+          </p:cNvPr>
+          <p:cNvSpPr txBox="1"/>
+          <p:nvPr/>
+        </p:nvSpPr>
+        <p:spPr>
+          <a:xfrm>
+            <a:off x="3276318" y="2951947"/>
+            <a:ext cx="5639364" cy="954107"/>
+          </a:xfrm>
+          <a:prstGeom prst="rect">
+            <a:avLst/>
+          </a:prstGeom>
+          <a:noFill/>
+        </p:spPr>
+        <p:txBody>
+          <a:bodyPr wrap="none" rtlCol="0">
+            <a:spAutoFit/>
+          </a:bodyPr>
+          <a:lstStyle/>
+          <a:p>
+            <a:r>
+              <a:rPr lang="en-US" altLang="ko-KR" sz="2800" dirty="0">
+                <a:solidFill>
+                  <a:schemeClr val="accent6">
+                    <a:lumMod val="75000"/>
+                  </a:schemeClr>
+                </a:solidFill>
+                <a:latin typeface="나눔바른고딕" panose="020B0603020101020101" pitchFamily="50" charset="-127"/>
+                <a:ea typeface="나눔바른고딕" panose="020B0603020101020101" pitchFamily="50" charset="-127"/>
+              </a:rPr>
+              <a:t>if</a:t>
+            </a:r>
+            <a:r>
+              <a:rPr lang="ko-KR" altLang="en-US" sz="2800" dirty="0">
+                <a:solidFill>
+                  <a:schemeClr val="bg1">
+                    <a:lumMod val="95000"/>
+                  </a:schemeClr>
+                </a:solidFill>
+                <a:latin typeface="나눔바른고딕" panose="020B0603020101020101" pitchFamily="50" charset="-127"/>
+                <a:ea typeface="나눔바른고딕" panose="020B0603020101020101" pitchFamily="50" charset="-127"/>
+              </a:rPr>
+              <a:t> </a:t>
+            </a:r>
+            <a:r>
+              <a:rPr lang="ko-KR" altLang="en-US" sz="2800" dirty="0">
+                <a:solidFill>
+                  <a:schemeClr val="accent1"/>
+                </a:solidFill>
+                <a:latin typeface="나눔바른고딕" panose="020B0603020101020101" pitchFamily="50" charset="-127"/>
+                <a:ea typeface="나눔바른고딕" panose="020B0603020101020101" pitchFamily="50" charset="-127"/>
+              </a:rPr>
+              <a:t>조건식</a:t>
+            </a:r>
+            <a:r>
+              <a:rPr lang="en-US" altLang="ko-KR" sz="2800" dirty="0">
+                <a:solidFill>
+                  <a:schemeClr val="bg1">
+                    <a:lumMod val="95000"/>
+                  </a:schemeClr>
+                </a:solidFill>
+                <a:latin typeface="나눔바른고딕" panose="020B0603020101020101" pitchFamily="50" charset="-127"/>
+                <a:ea typeface="나눔바른고딕" panose="020B0603020101020101" pitchFamily="50" charset="-127"/>
+              </a:rPr>
+              <a:t>:</a:t>
+            </a:r>
+          </a:p>
+          <a:p>
+            <a:r>
+              <a:rPr lang="en-US" altLang="ko-KR" sz="2800" dirty="0">
+                <a:solidFill>
+                  <a:schemeClr val="bg1">
+                    <a:lumMod val="95000"/>
+                  </a:schemeClr>
+                </a:solidFill>
+                <a:latin typeface="나눔바른고딕" panose="020B0603020101020101" pitchFamily="50" charset="-127"/>
+                <a:ea typeface="나눔바른고딕" panose="020B0603020101020101" pitchFamily="50" charset="-127"/>
+              </a:rPr>
+              <a:t>	</a:t>
+            </a:r>
+            <a:r>
+              <a:rPr lang="ko-KR" altLang="en-US" sz="2800" dirty="0">
+                <a:solidFill>
+                  <a:schemeClr val="bg1">
+                    <a:lumMod val="95000"/>
+                  </a:schemeClr>
+                </a:solidFill>
+                <a:latin typeface="나눔바른고딕" panose="020B0603020101020101" pitchFamily="50" charset="-127"/>
+                <a:ea typeface="나눔바른고딕" panose="020B0603020101020101" pitchFamily="50" charset="-127"/>
+              </a:rPr>
+              <a:t>조건식이 </a:t>
+            </a:r>
+            <a:r>
+              <a:rPr lang="ko-KR" altLang="en-US" sz="2800" dirty="0">
+                <a:solidFill>
+                  <a:schemeClr val="accent3"/>
+                </a:solidFill>
+                <a:latin typeface="나눔바른고딕" panose="020B0603020101020101" pitchFamily="50" charset="-127"/>
+                <a:ea typeface="나눔바른고딕" panose="020B0603020101020101" pitchFamily="50" charset="-127"/>
+              </a:rPr>
+              <a:t>참</a:t>
+            </a:r>
+            <a:r>
+              <a:rPr lang="ko-KR" altLang="en-US" sz="2800" dirty="0">
+                <a:solidFill>
+                  <a:schemeClr val="bg1">
+                    <a:lumMod val="95000"/>
+                  </a:schemeClr>
+                </a:solidFill>
+                <a:latin typeface="나눔바른고딕" panose="020B0603020101020101" pitchFamily="50" charset="-127"/>
+                <a:ea typeface="나눔바른고딕" panose="020B0603020101020101" pitchFamily="50" charset="-127"/>
+              </a:rPr>
+              <a:t>일 때 실행되는 명령</a:t>
+            </a:r>
+            <a:endParaRPr lang="en-US" altLang="ko-KR" sz="2800" dirty="0">
+              <a:solidFill>
+                <a:schemeClr val="bg1">
+                  <a:lumMod val="95000"/>
+                </a:schemeClr>
+              </a:solidFill>
+              <a:latin typeface="나눔바른고딕" panose="020B0603020101020101" pitchFamily="50" charset="-127"/>
+              <a:ea typeface="나눔바른고딕" panose="020B0603020101020101" pitchFamily="50" charset="-127"/>
+            </a:endParaRPr>
+          </a:p>
+        </p:txBody>
+      </p:sp>
+      <p:cxnSp>
+        <p:nvCxnSpPr>
+          <p:cNvPr id="4" name="직선 화살표 연결선 3">
+            <a:extLst>
+              <a:ext uri="{FF2B5EF4-FFF2-40B4-BE49-F238E27FC236}">
+                <a16:creationId xmlns:a16="http://schemas.microsoft.com/office/drawing/2014/main" id="{CB3A6864-9F2D-431A-925F-59658B90DF34}"/>
+              </a:ext>
+            </a:extLst>
+          </p:cNvPr>
+          <p:cNvCxnSpPr>
+            <a:cxnSpLocks/>
+          </p:cNvCxnSpPr>
+          <p:nvPr/>
+        </p:nvCxnSpPr>
+        <p:spPr>
+          <a:xfrm flipH="1">
+            <a:off x="4871864" y="2636912"/>
+            <a:ext cx="504056" cy="504056"/>
+          </a:xfrm>
+          <a:prstGeom prst="straightConnector1">
+            <a:avLst/>
+          </a:prstGeom>
+          <a:ln w="19050">
+            <a:tailEnd type="triangle"/>
+          </a:ln>
+        </p:spPr>
+        <p:style>
+          <a:lnRef idx="1">
+            <a:schemeClr val="accent1"/>
+          </a:lnRef>
+          <a:fillRef idx="0">
+            <a:schemeClr val="accent1"/>
+          </a:fillRef>
+          <a:effectRef idx="0">
+            <a:schemeClr val="accent1"/>
+          </a:effectRef>
+          <a:fontRef idx="minor">
+            <a:schemeClr val="tx1"/>
+          </a:fontRef>
+        </p:style>
+      </p:cxnSp>
+      <p:sp>
+        <p:nvSpPr>
+          <p:cNvPr id="6" name="TextBox 5">
+            <a:extLst>
+              <a:ext uri="{FF2B5EF4-FFF2-40B4-BE49-F238E27FC236}">
+                <a16:creationId xmlns:a16="http://schemas.microsoft.com/office/drawing/2014/main" id="{B7807558-D1C1-4CA7-882E-7434ADD32C73}"/>
+              </a:ext>
+            </a:extLst>
+          </p:cNvPr>
+          <p:cNvSpPr txBox="1"/>
+          <p:nvPr/>
+        </p:nvSpPr>
+        <p:spPr>
+          <a:xfrm>
+            <a:off x="3359696" y="2166568"/>
+            <a:ext cx="4095993" cy="461665"/>
+          </a:xfrm>
+          <a:prstGeom prst="rect">
+            <a:avLst/>
+          </a:prstGeom>
+          <a:noFill/>
+        </p:spPr>
+        <p:txBody>
+          <a:bodyPr wrap="none" rtlCol="0">
+            <a:spAutoFit/>
+          </a:bodyPr>
+          <a:lstStyle/>
+          <a:p>
+            <a:pPr algn="ctr"/>
+            <a:r>
+              <a:rPr lang="ko-KR" altLang="en-US" sz="2400" dirty="0">
+                <a:solidFill>
+                  <a:schemeClr val="bg1">
+                    <a:lumMod val="85000"/>
+                  </a:schemeClr>
+                </a:solidFill>
+                <a:latin typeface="나눔바른고딕" panose="020B0603020101020101" pitchFamily="50" charset="-127"/>
+                <a:ea typeface="나눔바른고딕" panose="020B0603020101020101" pitchFamily="50" charset="-127"/>
+              </a:rPr>
+              <a:t>명령블록이 시작된다는 의미</a:t>
+            </a:r>
+            <a:endParaRPr lang="en-US" altLang="ko-KR" sz="2400" dirty="0">
+              <a:solidFill>
+                <a:schemeClr val="bg1">
+                  <a:lumMod val="85000"/>
+                </a:schemeClr>
+              </a:solidFill>
+              <a:latin typeface="나눔바른고딕" panose="020B0603020101020101" pitchFamily="50" charset="-127"/>
+              <a:ea typeface="나눔바른고딕" panose="020B0603020101020101" pitchFamily="50" charset="-127"/>
+            </a:endParaRPr>
+          </a:p>
+        </p:txBody>
+      </p:sp>
+      <p:cxnSp>
+        <p:nvCxnSpPr>
+          <p:cNvPr id="8" name="직선 연결선 7">
+            <a:extLst>
+              <a:ext uri="{FF2B5EF4-FFF2-40B4-BE49-F238E27FC236}">
+                <a16:creationId xmlns:a16="http://schemas.microsoft.com/office/drawing/2014/main" id="{1FD98912-9B61-4DF0-B3AF-D99780EF13D0}"/>
+              </a:ext>
+            </a:extLst>
+          </p:cNvPr>
+          <p:cNvCxnSpPr/>
+          <p:nvPr/>
+        </p:nvCxnSpPr>
+        <p:spPr>
+          <a:xfrm>
+            <a:off x="3359696" y="3906054"/>
+            <a:ext cx="936104" cy="0"/>
+          </a:xfrm>
+          <a:prstGeom prst="line">
+            <a:avLst/>
+          </a:prstGeom>
+          <a:ln w="19050"/>
+        </p:spPr>
+        <p:style>
+          <a:lnRef idx="1">
+            <a:schemeClr val="accent1"/>
+          </a:lnRef>
+          <a:fillRef idx="0">
+            <a:schemeClr val="accent1"/>
+          </a:fillRef>
+          <a:effectRef idx="0">
+            <a:schemeClr val="accent1"/>
+          </a:effectRef>
+          <a:fontRef idx="minor">
+            <a:schemeClr val="tx1"/>
+          </a:fontRef>
+        </p:style>
+      </p:cxnSp>
+      <p:cxnSp>
+        <p:nvCxnSpPr>
+          <p:cNvPr id="9" name="직선 화살표 연결선 8">
+            <a:extLst>
+              <a:ext uri="{FF2B5EF4-FFF2-40B4-BE49-F238E27FC236}">
+                <a16:creationId xmlns:a16="http://schemas.microsoft.com/office/drawing/2014/main" id="{906B4675-47CE-4E16-9944-2B24149879DB}"/>
+              </a:ext>
+            </a:extLst>
+          </p:cNvPr>
+          <p:cNvCxnSpPr>
+            <a:cxnSpLocks/>
+          </p:cNvCxnSpPr>
+          <p:nvPr/>
+        </p:nvCxnSpPr>
+        <p:spPr>
+          <a:xfrm flipV="1">
+            <a:off x="3827748" y="4005064"/>
+            <a:ext cx="0" cy="576063"/>
+          </a:xfrm>
+          <a:prstGeom prst="straightConnector1">
+            <a:avLst/>
+          </a:prstGeom>
+          <a:ln w="19050">
+            <a:tailEnd type="triangle"/>
+          </a:ln>
+        </p:spPr>
+        <p:style>
+          <a:lnRef idx="1">
+            <a:schemeClr val="accent1"/>
+          </a:lnRef>
+          <a:fillRef idx="0">
+            <a:schemeClr val="accent1"/>
+          </a:fillRef>
+          <a:effectRef idx="0">
+            <a:schemeClr val="accent1"/>
+          </a:effectRef>
+          <a:fontRef idx="minor">
+            <a:schemeClr val="tx1"/>
+          </a:fontRef>
+        </p:style>
+      </p:cxnSp>
+      <p:sp>
+        <p:nvSpPr>
+          <p:cNvPr id="12" name="TextBox 11">
+            <a:extLst>
+              <a:ext uri="{FF2B5EF4-FFF2-40B4-BE49-F238E27FC236}">
+                <a16:creationId xmlns:a16="http://schemas.microsoft.com/office/drawing/2014/main" id="{15AB72C3-0D4B-419C-AF8F-FD31FF6FBD65}"/>
+              </a:ext>
+            </a:extLst>
+          </p:cNvPr>
+          <p:cNvSpPr txBox="1"/>
+          <p:nvPr/>
+        </p:nvSpPr>
+        <p:spPr>
+          <a:xfrm>
+            <a:off x="1495154" y="4581107"/>
+            <a:ext cx="4665188" cy="461665"/>
+          </a:xfrm>
+          <a:prstGeom prst="rect">
+            <a:avLst/>
+          </a:prstGeom>
+          <a:noFill/>
+        </p:spPr>
+        <p:txBody>
+          <a:bodyPr wrap="none" rtlCol="0">
+            <a:spAutoFit/>
+          </a:bodyPr>
+          <a:lstStyle/>
+          <a:p>
+            <a:pPr algn="ctr"/>
+            <a:r>
+              <a:rPr lang="ko-KR" altLang="en-US" sz="2400" dirty="0">
+                <a:solidFill>
+                  <a:schemeClr val="bg1">
+                    <a:lumMod val="85000"/>
+                  </a:schemeClr>
+                </a:solidFill>
+                <a:latin typeface="나눔바른고딕" panose="020B0603020101020101" pitchFamily="50" charset="-127"/>
+                <a:ea typeface="나눔바른고딕" panose="020B0603020101020101" pitchFamily="50" charset="-127"/>
+              </a:rPr>
+              <a:t>들여쓰기 </a:t>
+            </a:r>
+            <a:r>
+              <a:rPr lang="en-US" altLang="ko-KR" sz="2400" dirty="0">
+                <a:solidFill>
+                  <a:schemeClr val="bg1">
+                    <a:lumMod val="85000"/>
+                  </a:schemeClr>
+                </a:solidFill>
+                <a:latin typeface="나눔바른고딕" panose="020B0603020101020101" pitchFamily="50" charset="-127"/>
+                <a:ea typeface="나눔바른고딕" panose="020B0603020101020101" pitchFamily="50" charset="-127"/>
+              </a:rPr>
+              <a:t>: </a:t>
+            </a:r>
+            <a:r>
+              <a:rPr lang="ko-KR" altLang="en-US" sz="2400" dirty="0">
+                <a:solidFill>
+                  <a:schemeClr val="bg1">
+                    <a:lumMod val="85000"/>
+                  </a:schemeClr>
+                </a:solidFill>
+                <a:latin typeface="나눔바른고딕" panose="020B0603020101020101" pitchFamily="50" charset="-127"/>
+                <a:ea typeface="나눔바른고딕" panose="020B0603020101020101" pitchFamily="50" charset="-127"/>
+              </a:rPr>
+              <a:t>띄어쓰기 </a:t>
+            </a:r>
+            <a:r>
+              <a:rPr lang="en-US" altLang="ko-KR" sz="2400" dirty="0">
+                <a:solidFill>
+                  <a:schemeClr val="bg1">
+                    <a:lumMod val="85000"/>
+                  </a:schemeClr>
+                </a:solidFill>
+                <a:latin typeface="나눔바른고딕" panose="020B0603020101020101" pitchFamily="50" charset="-127"/>
+                <a:ea typeface="나눔바른고딕" panose="020B0603020101020101" pitchFamily="50" charset="-127"/>
+              </a:rPr>
+              <a:t>4</a:t>
+            </a:r>
+            <a:r>
+              <a:rPr lang="ko-KR" altLang="en-US" sz="2400" dirty="0">
+                <a:solidFill>
+                  <a:schemeClr val="bg1">
+                    <a:lumMod val="85000"/>
+                  </a:schemeClr>
+                </a:solidFill>
+                <a:latin typeface="나눔바른고딕" panose="020B0603020101020101" pitchFamily="50" charset="-127"/>
+                <a:ea typeface="나눔바른고딕" panose="020B0603020101020101" pitchFamily="50" charset="-127"/>
+              </a:rPr>
+              <a:t>칸</a:t>
+            </a:r>
+            <a:r>
+              <a:rPr lang="en-US" altLang="ko-KR" sz="2400" dirty="0">
+                <a:solidFill>
+                  <a:schemeClr val="bg1">
+                    <a:lumMod val="85000"/>
+                  </a:schemeClr>
+                </a:solidFill>
+                <a:latin typeface="나눔바른고딕" panose="020B0603020101020101" pitchFamily="50" charset="-127"/>
+                <a:ea typeface="나눔바른고딕" panose="020B0603020101020101" pitchFamily="50" charset="-127"/>
+              </a:rPr>
+              <a:t>, </a:t>
+            </a:r>
+            <a:r>
+              <a:rPr lang="ko-KR" altLang="en-US" sz="2400" dirty="0">
+                <a:solidFill>
+                  <a:schemeClr val="bg1">
+                    <a:lumMod val="85000"/>
+                  </a:schemeClr>
+                </a:solidFill>
+                <a:latin typeface="나눔바른고딕" panose="020B0603020101020101" pitchFamily="50" charset="-127"/>
+                <a:ea typeface="나눔바른고딕" panose="020B0603020101020101" pitchFamily="50" charset="-127"/>
+              </a:rPr>
+              <a:t>탭</a:t>
+            </a:r>
+            <a:r>
+              <a:rPr lang="en-US" altLang="ko-KR" sz="2400" dirty="0">
+                <a:solidFill>
+                  <a:schemeClr val="bg1">
+                    <a:lumMod val="85000"/>
+                  </a:schemeClr>
+                </a:solidFill>
+                <a:latin typeface="나눔바른고딕" panose="020B0603020101020101" pitchFamily="50" charset="-127"/>
+                <a:ea typeface="나눔바른고딕" panose="020B0603020101020101" pitchFamily="50" charset="-127"/>
+              </a:rPr>
+              <a:t>(Tab)</a:t>
+            </a:r>
+          </a:p>
+        </p:txBody>
+      </p:sp>
+    </p:spTree>
+    <p:extLst>
+      <p:ext uri="{BB962C8B-B14F-4D97-AF65-F5344CB8AC3E}">
+        <p14:creationId xmlns:p14="http://schemas.microsoft.com/office/powerpoint/2010/main" val="749210512"/>
+      </p:ext>
+    </p:extLst>
+  </p:cSld>
+  <p:clrMapOvr>
+    <a:masterClrMapping/>
+  </p:clrMapOvr>
+  <p:timing>
+    <p:tnLst>
+      <p:par>
+        <p:cTn id="1" dur="indefinite" restart="never" nodeType="tmRoot">
+          <p:childTnLst>
+            <p:seq concurrent="1" nextAc="seek">
+              <p:cTn id="2" dur="indefinite" nodeType="mainSeq">
+                <p:childTnLst>
+                  <p:par>
+                    <p:cTn id="3" fill="hold">
+                      <p:stCondLst>
+                        <p:cond delay="indefinite"/>
+                      </p:stCondLst>
+                      <p:childTnLst>
+                        <p:par>
+                          <p:cTn id="4" fill="hold">
+                            <p:stCondLst>
+                              <p:cond delay="0"/>
+                            </p:stCondLst>
+                            <p:childTnLst>
+                              <p:par>
+                                <p:cTn id="5" presetID="1" presetClass="entr" presetSubtype="0" fill="hold" nodeType="clickEffect">
+                                  <p:stCondLst>
+                                    <p:cond delay="0"/>
+                                  </p:stCondLst>
+                                  <p:childTnLst>
+                                    <p:set>
+                                      <p:cBhvr>
+                                        <p:cTn id="6" dur="1" fill="hold">
+                                          <p:stCondLst>
+                                            <p:cond delay="0"/>
+                                          </p:stCondLst>
+                                        </p:cTn>
+                                        <p:tgtEl>
+                                          <p:spTgt spid="4"/>
+                                        </p:tgtEl>
+                                        <p:attrNameLst>
+                                          <p:attrName>style.visibility</p:attrName>
+                                        </p:attrNameLst>
+                                      </p:cBhvr>
+                                      <p:to>
+                                        <p:strVal val="visible"/>
+                                      </p:to>
+                                    </p:set>
+                                  </p:childTnLst>
+                                </p:cTn>
+                              </p:par>
+                              <p:par>
+                                <p:cTn id="7" presetID="1" presetClass="entr" presetSubtype="0" fill="hold" grpId="0" nodeType="withEffect">
+                                  <p:stCondLst>
+                                    <p:cond delay="0"/>
+                                  </p:stCondLst>
+                                  <p:childTnLst>
+                                    <p:set>
+                                      <p:cBhvr>
+                                        <p:cTn id="8" dur="1" fill="hold">
+                                          <p:stCondLst>
+                                            <p:cond delay="0"/>
+                                          </p:stCondLst>
+                                        </p:cTn>
+                                        <p:tgtEl>
+                                          <p:spTgt spid="6"/>
+                                        </p:tgtEl>
+                                        <p:attrNameLst>
+                                          <p:attrName>style.visibility</p:attrName>
+                                        </p:attrNameLst>
+                                      </p:cBhvr>
+                                      <p:to>
+                                        <p:strVal val="visible"/>
+                                      </p:to>
+                                    </p:set>
+                                  </p:childTnLst>
+                                </p:cTn>
+                              </p:par>
+                            </p:childTnLst>
+                          </p:cTn>
+                        </p:par>
+                      </p:childTnLst>
+                    </p:cTn>
+                  </p:par>
+                  <p:par>
+                    <p:cTn id="9" fill="hold">
+                      <p:stCondLst>
+                        <p:cond delay="indefinite"/>
+                      </p:stCondLst>
+                      <p:childTnLst>
+                        <p:par>
+                          <p:cTn id="10" fill="hold">
+                            <p:stCondLst>
+                              <p:cond delay="0"/>
+                            </p:stCondLst>
+                            <p:childTnLst>
+                              <p:par>
+                                <p:cTn id="11" presetID="1" presetClass="entr" presetSubtype="0" fill="hold" nodeType="clickEffect">
+                                  <p:stCondLst>
+                                    <p:cond delay="0"/>
+                                  </p:stCondLst>
+                                  <p:childTnLst>
+                                    <p:set>
+                                      <p:cBhvr>
+                                        <p:cTn id="12" dur="1" fill="hold">
+                                          <p:stCondLst>
+                                            <p:cond delay="0"/>
+                                          </p:stCondLst>
+                                        </p:cTn>
+                                        <p:tgtEl>
+                                          <p:spTgt spid="8"/>
+                                        </p:tgtEl>
+                                        <p:attrNameLst>
+                                          <p:attrName>style.visibility</p:attrName>
+                                        </p:attrNameLst>
+                                      </p:cBhvr>
+                                      <p:to>
+                                        <p:strVal val="visible"/>
+                                      </p:to>
+                                    </p:set>
+                                  </p:childTnLst>
+                                </p:cTn>
+                              </p:par>
+                            </p:childTnLst>
+                          </p:cTn>
+                        </p:par>
+                      </p:childTnLst>
+                    </p:cTn>
+                  </p:par>
+                  <p:par>
+                    <p:cTn id="13" fill="hold">
+                      <p:stCondLst>
+                        <p:cond delay="indefinite"/>
+                      </p:stCondLst>
+                      <p:childTnLst>
+                        <p:par>
+                          <p:cTn id="14" fill="hold">
+                            <p:stCondLst>
+                              <p:cond delay="0"/>
+                            </p:stCondLst>
+                            <p:childTnLst>
+                              <p:par>
+                                <p:cTn id="15" presetID="1" presetClass="entr" presetSubtype="0" fill="hold" grpId="0" nodeType="clickEffect">
+                                  <p:stCondLst>
+                                    <p:cond delay="0"/>
+                                  </p:stCondLst>
+                                  <p:childTnLst>
+                                    <p:set>
+                                      <p:cBhvr>
+                                        <p:cTn id="16" dur="1" fill="hold">
+                                          <p:stCondLst>
+                                            <p:cond delay="0"/>
+                                          </p:stCondLst>
+                                        </p:cTn>
+                                        <p:tgtEl>
+                                          <p:spTgt spid="12"/>
+                                        </p:tgtEl>
+                                        <p:attrNameLst>
+                                          <p:attrName>style.visibility</p:attrName>
+                                        </p:attrNameLst>
+                                      </p:cBhvr>
+                                      <p:to>
+                                        <p:strVal val="visible"/>
+                                      </p:to>
+                                    </p:set>
+                                  </p:childTnLst>
+                                </p:cTn>
+                              </p:par>
+                              <p:par>
+                                <p:cTn id="17" presetID="1" presetClass="entr" presetSubtype="0" fill="hold" nodeType="withEffect">
+                                  <p:stCondLst>
+                                    <p:cond delay="0"/>
+                                  </p:stCondLst>
+                                  <p:childTnLst>
+                                    <p:set>
+                                      <p:cBhvr>
+                                        <p:cTn id="18" dur="1" fill="hold">
+                                          <p:stCondLst>
+                                            <p:cond delay="0"/>
+                                          </p:stCondLst>
+                                        </p:cTn>
+                                        <p:tgtEl>
+                                          <p:spTgt spid="9"/>
+                                        </p:tgtEl>
+                                        <p:attrNameLst>
+                                          <p:attrName>style.visibility</p:attrName>
+                                        </p:attrNameLst>
+                                      </p:cBhvr>
+                                      <p:to>
+                                        <p:strVal val="visible"/>
+                                      </p:to>
+                                    </p:set>
+                                  </p:childTnLst>
+                                </p:cTn>
+                              </p:par>
+                            </p:childTnLst>
+                          </p:cTn>
+                        </p:par>
+                      </p:childTnLst>
+                    </p:cTn>
+                  </p:par>
+                </p:childTnLst>
+              </p:cTn>
+              <p:prevCondLst>
+                <p:cond evt="onPrev" delay="0">
+                  <p:tgtEl>
+                    <p:sldTgt/>
+                  </p:tgtEl>
+                </p:cond>
+              </p:prevCondLst>
+              <p:nextCondLst>
+                <p:cond evt="onNext" delay="0">
+                  <p:tgtEl>
+                    <p:sldTgt/>
+                  </p:tgtEl>
+                </p:cond>
+              </p:nextCondLst>
+            </p:seq>
+          </p:childTnLst>
+        </p:cTn>
+      </p:par>
+    </p:tnLst>
+    <p:bldLst>
+      <p:bldP spid="6" grpId="0"/>
+      <p:bldP spid="12" grpId="0"/>
+    </p:bldLst>
+  </p:timing>
+</p:sld>
+</file>
+
+<file path=ppt/slides/slide11.xml><?xml version="1.0" encoding="utf-8"?>
+<p:sld xmlns:a="http://schemas.openxmlformats.org/drawingml/2006/main" xmlns:r="http://schemas.openxmlformats.org/officeDocument/2006/relationships" xmlns:p="http://schemas.openxmlformats.org/presentationml/2006/main">
+  <p:cSld>
+    <p:bg>
+      <p:bgPr>
+        <a:solidFill>
+          <a:schemeClr val="tx1">
+            <a:lumMod val="85000"/>
+            <a:lumOff val="15000"/>
+          </a:schemeClr>
+        </a:solidFill>
+        <a:effectLst/>
+      </p:bgPr>
+    </p:bg>
+    <p:spTree>
+      <p:nvGrpSpPr>
+        <p:cNvPr id="1" name=""/>
+        <p:cNvGrpSpPr/>
+        <p:nvPr/>
+      </p:nvGrpSpPr>
+      <p:grpSpPr>
+        <a:xfrm>
+          <a:off x="0" y="0"/>
+          <a:ext cx="0" cy="0"/>
+          <a:chOff x="0" y="0"/>
+          <a:chExt cx="0" cy="0"/>
+        </a:xfrm>
+      </p:grpSpPr>
+      <p:sp>
+        <p:nvSpPr>
           <p:cNvPr id="2" name="TextBox 1">
             <a:extLst>
               <a:ext uri="{FF2B5EF4-FFF2-40B4-BE49-F238E27FC236}">
@@ -3834,7 +4525,7 @@
 </p:sld>
 </file>
 
-<file path=ppt/slides/slide11.xml><?xml version="1.0" encoding="utf-8"?>
+<file path=ppt/slides/slide12.xml><?xml version="1.0" encoding="utf-8"?>
 <p:sld xmlns:a="http://schemas.openxmlformats.org/drawingml/2006/main" xmlns:r="http://schemas.openxmlformats.org/officeDocument/2006/relationships" xmlns:p="http://schemas.openxmlformats.org/presentationml/2006/main">
   <p:cSld>
     <p:bg>
@@ -4092,7 +4783,7 @@
 </p:sld>
 </file>
 
-<file path=ppt/slides/slide12.xml><?xml version="1.0" encoding="utf-8"?>
+<file path=ppt/slides/slide13.xml><?xml version="1.0" encoding="utf-8"?>
 <p:sld xmlns:a="http://schemas.openxmlformats.org/drawingml/2006/main" xmlns:r="http://schemas.openxmlformats.org/officeDocument/2006/relationships" xmlns:p="http://schemas.openxmlformats.org/presentationml/2006/main">
   <p:cSld>
     <p:bg>
@@ -5013,7 +5704,7 @@
 </p:sld>
 </file>
 
-<file path=ppt/slides/slide13.xml><?xml version="1.0" encoding="utf-8"?>
+<file path=ppt/slides/slide14.xml><?xml version="1.0" encoding="utf-8"?>
 <p:sld xmlns:a="http://schemas.openxmlformats.org/drawingml/2006/main" xmlns:r="http://schemas.openxmlformats.org/officeDocument/2006/relationships" xmlns:p="http://schemas.openxmlformats.org/presentationml/2006/main">
   <p:cSld>
     <p:bg>
@@ -5620,7 +6311,7 @@
 </p:sld>
 </file>
 
-<file path=ppt/slides/slide14.xml><?xml version="1.0" encoding="utf-8"?>
+<file path=ppt/slides/slide15.xml><?xml version="1.0" encoding="utf-8"?>
 <p:sld xmlns:a="http://schemas.openxmlformats.org/drawingml/2006/main" xmlns:r="http://schemas.openxmlformats.org/officeDocument/2006/relationships" xmlns:p="http://schemas.openxmlformats.org/presentationml/2006/main">
   <p:cSld>
     <p:bg>
@@ -6631,196 +7322,6 @@
 </p:sld>
 </file>
 
-<file path=ppt/slides/slide15.xml><?xml version="1.0" encoding="utf-8"?>
-<p:sld xmlns:a="http://schemas.openxmlformats.org/drawingml/2006/main" xmlns:r="http://schemas.openxmlformats.org/officeDocument/2006/relationships" xmlns:p="http://schemas.openxmlformats.org/presentationml/2006/main">
-  <p:cSld>
-    <p:bg>
-      <p:bgPr>
-        <a:solidFill>
-          <a:schemeClr val="tx1">
-            <a:lumMod val="85000"/>
-            <a:lumOff val="15000"/>
-          </a:schemeClr>
-        </a:solidFill>
-        <a:effectLst/>
-      </p:bgPr>
-    </p:bg>
-    <p:spTree>
-      <p:nvGrpSpPr>
-        <p:cNvPr id="1" name=""/>
-        <p:cNvGrpSpPr/>
-        <p:nvPr/>
-      </p:nvGrpSpPr>
-      <p:grpSpPr>
-        <a:xfrm>
-          <a:off x="0" y="0"/>
-          <a:ext cx="0" cy="0"/>
-          <a:chOff x="0" y="0"/>
-          <a:chExt cx="0" cy="0"/>
-        </a:xfrm>
-      </p:grpSpPr>
-      <p:sp>
-        <p:nvSpPr>
-          <p:cNvPr id="2" name="TextBox 1">
-            <a:extLst>
-              <a:ext uri="{FF2B5EF4-FFF2-40B4-BE49-F238E27FC236}">
-                <a16:creationId xmlns:a16="http://schemas.microsoft.com/office/drawing/2014/main" id="{0B332A50-CC0E-4C7E-B47E-E7CFBA7B423B}"/>
-              </a:ext>
-            </a:extLst>
-          </p:cNvPr>
-          <p:cNvSpPr txBox="1"/>
-          <p:nvPr/>
-        </p:nvSpPr>
-        <p:spPr>
-          <a:xfrm>
-            <a:off x="2816900" y="3098749"/>
-            <a:ext cx="6558207" cy="660502"/>
-          </a:xfrm>
-          <a:prstGeom prst="rect">
-            <a:avLst/>
-          </a:prstGeom>
-          <a:noFill/>
-        </p:spPr>
-        <p:txBody>
-          <a:bodyPr wrap="none" rtlCol="0">
-            <a:spAutoFit/>
-          </a:bodyPr>
-          <a:lstStyle/>
-          <a:p>
-            <a:pPr algn="ctr"/>
-            <a:r>
-              <a:rPr lang="en-US" altLang="ko-KR" sz="3692" dirty="0">
-                <a:solidFill>
-                  <a:schemeClr val="bg1">
-                    <a:lumMod val="95000"/>
-                  </a:schemeClr>
-                </a:solidFill>
-                <a:latin typeface="나눔바른고딕" panose="020B0603020101020101" pitchFamily="50" charset="-127"/>
-                <a:ea typeface="나눔바른고딕" panose="020B0603020101020101" pitchFamily="50" charset="-127"/>
-              </a:rPr>
-              <a:t>#</a:t>
-            </a:r>
-            <a:r>
-              <a:rPr lang="ko-KR" altLang="en-US" sz="3692" dirty="0" err="1">
-                <a:solidFill>
-                  <a:schemeClr val="bg1">
-                    <a:lumMod val="95000"/>
-                  </a:schemeClr>
-                </a:solidFill>
-                <a:latin typeface="나눔바른고딕" panose="020B0603020101020101" pitchFamily="50" charset="-127"/>
-                <a:ea typeface="나눔바른고딕" panose="020B0603020101020101" pitchFamily="50" charset="-127"/>
-              </a:rPr>
-              <a:t>내꺼하자</a:t>
-            </a:r>
-            <a:r>
-              <a:rPr lang="ko-KR" altLang="en-US" sz="3692" dirty="0">
-                <a:solidFill>
-                  <a:schemeClr val="bg1">
-                    <a:lumMod val="95000"/>
-                  </a:schemeClr>
-                </a:solidFill>
-                <a:latin typeface="나눔바른고딕" panose="020B0603020101020101" pitchFamily="50" charset="-127"/>
-                <a:ea typeface="나눔바른고딕" panose="020B0603020101020101" pitchFamily="50" charset="-127"/>
-              </a:rPr>
-              <a:t> </a:t>
-            </a:r>
-            <a:r>
-              <a:rPr lang="en-US" altLang="ko-KR" sz="3692" dirty="0">
-                <a:solidFill>
-                  <a:schemeClr val="bg1">
-                    <a:lumMod val="95000"/>
-                  </a:schemeClr>
-                </a:solidFill>
-                <a:latin typeface="나눔바른고딕" panose="020B0603020101020101" pitchFamily="50" charset="-127"/>
-                <a:ea typeface="나눔바른고딕" panose="020B0603020101020101" pitchFamily="50" charset="-127"/>
-              </a:rPr>
-              <a:t>#</a:t>
-            </a:r>
-            <a:r>
-              <a:rPr lang="ko-KR" altLang="en-US" sz="3692" dirty="0">
-                <a:solidFill>
-                  <a:schemeClr val="bg1">
-                    <a:lumMod val="95000"/>
-                  </a:schemeClr>
-                </a:solidFill>
-                <a:latin typeface="나눔바른고딕" panose="020B0603020101020101" pitchFamily="50" charset="-127"/>
-                <a:ea typeface="나눔바른고딕" panose="020B0603020101020101" pitchFamily="50" charset="-127"/>
-              </a:rPr>
-              <a:t>오늘부터</a:t>
-            </a:r>
-            <a:r>
-              <a:rPr lang="en-US" altLang="ko-KR" sz="3692" dirty="0">
-                <a:solidFill>
-                  <a:schemeClr val="bg1">
-                    <a:lumMod val="95000"/>
-                  </a:schemeClr>
-                </a:solidFill>
-                <a:latin typeface="나눔바른고딕" panose="020B0603020101020101" pitchFamily="50" charset="-127"/>
-                <a:ea typeface="나눔바른고딕" panose="020B0603020101020101" pitchFamily="50" charset="-127"/>
-              </a:rPr>
-              <a:t>1</a:t>
-            </a:r>
-            <a:r>
-              <a:rPr lang="ko-KR" altLang="en-US" sz="3692" dirty="0">
-                <a:solidFill>
-                  <a:schemeClr val="bg1">
-                    <a:lumMod val="95000"/>
-                  </a:schemeClr>
-                </a:solidFill>
-                <a:latin typeface="나눔바른고딕" panose="020B0603020101020101" pitchFamily="50" charset="-127"/>
-                <a:ea typeface="나눔바른고딕" panose="020B0603020101020101" pitchFamily="50" charset="-127"/>
-              </a:rPr>
-              <a:t>일 </a:t>
-            </a:r>
-            <a:r>
-              <a:rPr lang="en-US" altLang="ko-KR" sz="3692" dirty="0">
-                <a:solidFill>
-                  <a:schemeClr val="bg1">
-                    <a:lumMod val="95000"/>
-                  </a:schemeClr>
-                </a:solidFill>
-                <a:latin typeface="나눔바른고딕" panose="020B0603020101020101" pitchFamily="50" charset="-127"/>
-                <a:ea typeface="나눔바른고딕" panose="020B0603020101020101" pitchFamily="50" charset="-127"/>
-              </a:rPr>
-              <a:t>#</a:t>
-            </a:r>
-            <a:r>
-              <a:rPr lang="ko-KR" altLang="en-US" sz="3692" dirty="0" err="1">
-                <a:solidFill>
-                  <a:schemeClr val="bg1">
-                    <a:lumMod val="95000"/>
-                  </a:schemeClr>
-                </a:solidFill>
-                <a:latin typeface="나눔바른고딕" panose="020B0603020101020101" pitchFamily="50" charset="-127"/>
-                <a:ea typeface="나눔바른고딕" panose="020B0603020101020101" pitchFamily="50" charset="-127"/>
-              </a:rPr>
-              <a:t>내여친</a:t>
-            </a:r>
-            <a:endParaRPr lang="en-US" altLang="ko-KR" sz="3692" dirty="0">
-              <a:solidFill>
-                <a:schemeClr val="bg1">
-                  <a:lumMod val="95000"/>
-                </a:schemeClr>
-              </a:solidFill>
-              <a:latin typeface="나눔바른고딕" panose="020B0603020101020101" pitchFamily="50" charset="-127"/>
-              <a:ea typeface="나눔바른고딕" panose="020B0603020101020101" pitchFamily="50" charset="-127"/>
-            </a:endParaRPr>
-          </a:p>
-        </p:txBody>
-      </p:sp>
-    </p:spTree>
-    <p:extLst>
-      <p:ext uri="{BB962C8B-B14F-4D97-AF65-F5344CB8AC3E}">
-        <p14:creationId xmlns:p14="http://schemas.microsoft.com/office/powerpoint/2010/main" val="2161052614"/>
-      </p:ext>
-    </p:extLst>
-  </p:cSld>
-  <p:clrMapOvr>
-    <a:masterClrMapping/>
-  </p:clrMapOvr>
-</p:sld>
-</file>
-
 <file path=ppt/slides/slide16.xml><?xml version="1.0" encoding="utf-8"?>
 <p:sld xmlns:a="http://schemas.openxmlformats.org/drawingml/2006/main" xmlns:r="http://schemas.openxmlformats.org/officeDocument/2006/relationships" xmlns:p="http://schemas.openxmlformats.org/presentationml/2006/main">
   <p:cSld>
@@ -6863,8 +7364,8 @@
         </p:nvSpPr>
         <p:spPr>
           <a:xfrm>
-            <a:off x="5160492" y="3098749"/>
-            <a:ext cx="1871026" cy="660502"/>
+            <a:off x="4849209" y="3073874"/>
+            <a:ext cx="2509020" cy="717440"/>
           </a:xfrm>
           <a:prstGeom prst="rect">
             <a:avLst/>
@@ -6877,24 +7378,19 @@
           </a:bodyPr>
           <a:lstStyle/>
           <a:p>
-            <a:pPr algn="ctr"/>
-            <a:r>
-              <a:rPr lang="ko-KR" altLang="en-US" sz="3692" dirty="0">
-                <a:solidFill>
-                  <a:schemeClr val="bg1">
-                    <a:lumMod val="95000"/>
-                  </a:schemeClr>
-                </a:solidFill>
-                <a:latin typeface="나눔바른고딕" panose="020B0603020101020101" pitchFamily="50" charset="-127"/>
-                <a:ea typeface="나눔바른고딕" panose="020B0603020101020101" pitchFamily="50" charset="-127"/>
-              </a:rPr>
-              <a:t>비교연산</a:t>
-            </a:r>
-            <a:endParaRPr lang="en-US" altLang="ko-KR" sz="3692" dirty="0">
+            <a:r>
+              <a:rPr lang="ko-KR" altLang="en-US" sz="4062">
+                <a:solidFill>
+                  <a:schemeClr val="bg1"/>
+                </a:solidFill>
+                <a:latin typeface="나눔바른고딕" panose="020B0603020101020101" pitchFamily="50" charset="-127"/>
+                <a:ea typeface="나눔바른고딕" panose="020B0603020101020101" pitchFamily="50" charset="-127"/>
+              </a:rPr>
+              <a:t>감사합니다</a:t>
+            </a:r>
+            <a:endParaRPr lang="en-US" altLang="ko-KR" sz="4062" dirty="0">
               <a:solidFill>
-                <a:schemeClr val="bg1">
-                  <a:lumMod val="95000"/>
-                </a:schemeClr>
+                <a:schemeClr val="bg1"/>
               </a:solidFill>
               <a:latin typeface="나눔바른고딕" panose="020B0603020101020101" pitchFamily="50" charset="-127"/>
               <a:ea typeface="나눔바른고딕" panose="020B0603020101020101" pitchFamily="50" charset="-127"/>
@@ -6905,7 +7401,7 @@
     </p:spTree>
     <p:extLst>
       <p:ext uri="{BB962C8B-B14F-4D97-AF65-F5344CB8AC3E}">
-        <p14:creationId xmlns:p14="http://schemas.microsoft.com/office/powerpoint/2010/main" val="3028852703"/>
+        <p14:creationId xmlns:p14="http://schemas.microsoft.com/office/powerpoint/2010/main" val="1178316166"/>
       </p:ext>
     </p:extLst>
   </p:cSld>
@@ -6915,458 +7411,7 @@
 </p:sld>
 </file>
 
-<file path=ppt/slides/slide17.xml><?xml version="1.0" encoding="utf-8"?>
-<p:sld xmlns:a="http://schemas.openxmlformats.org/drawingml/2006/main" xmlns:r="http://schemas.openxmlformats.org/officeDocument/2006/relationships" xmlns:p="http://schemas.openxmlformats.org/presentationml/2006/main">
-  <p:cSld>
-    <p:bg>
-      <p:bgPr>
-        <a:solidFill>
-          <a:schemeClr val="tx1">
-            <a:lumMod val="85000"/>
-            <a:lumOff val="15000"/>
-          </a:schemeClr>
-        </a:solidFill>
-        <a:effectLst/>
-      </p:bgPr>
-    </p:bg>
-    <p:spTree>
-      <p:nvGrpSpPr>
-        <p:cNvPr id="1" name=""/>
-        <p:cNvGrpSpPr/>
-        <p:nvPr/>
-      </p:nvGrpSpPr>
-      <p:grpSpPr>
-        <a:xfrm>
-          <a:off x="0" y="0"/>
-          <a:ext cx="0" cy="0"/>
-          <a:chOff x="0" y="0"/>
-          <a:chExt cx="0" cy="0"/>
-        </a:xfrm>
-      </p:grpSpPr>
-      <p:graphicFrame>
-        <p:nvGraphicFramePr>
-          <p:cNvPr id="3" name="표 2">
-            <a:extLst>
-              <a:ext uri="{FF2B5EF4-FFF2-40B4-BE49-F238E27FC236}">
-                <a16:creationId xmlns:a16="http://schemas.microsoft.com/office/drawing/2014/main" id="{7E7BFB86-73DE-48DC-9C91-4502602712F0}"/>
-              </a:ext>
-            </a:extLst>
-          </p:cNvPr>
-          <p:cNvGraphicFramePr>
-            <a:graphicFrameLocks noGrp="1"/>
-          </p:cNvGraphicFramePr>
-          <p:nvPr>
-            <p:extLst>
-              <p:ext uri="{D42A27DB-BD31-4B8C-83A1-F6EECF244321}">
-                <p14:modId xmlns:p14="http://schemas.microsoft.com/office/powerpoint/2010/main" val="1013860602"/>
-              </p:ext>
-            </p:extLst>
-          </p:nvPr>
-        </p:nvGraphicFramePr>
-        <p:xfrm>
-          <a:off x="2663788" y="1868361"/>
-          <a:ext cx="6864424" cy="3121279"/>
-        </p:xfrm>
-        <a:graphic>
-          <a:graphicData uri="http://schemas.openxmlformats.org/drawingml/2006/table">
-            <a:tbl>
-              <a:tblPr firstRow="1" bandRow="1">
-                <a:tableStyleId>{5C22544A-7EE6-4342-B048-85BDC9FD1C3A}</a:tableStyleId>
-              </a:tblPr>
-              <a:tblGrid>
-                <a:gridCol w="3432212">
-                  <a:extLst>
-                    <a:ext uri="{9D8B030D-6E8A-4147-A177-3AD203B41FA5}">
-                      <a16:colId xmlns:a16="http://schemas.microsoft.com/office/drawing/2014/main" val="20000"/>
-                    </a:ext>
-                  </a:extLst>
-                </a:gridCol>
-                <a:gridCol w="3432212">
-                  <a:extLst>
-                    <a:ext uri="{9D8B030D-6E8A-4147-A177-3AD203B41FA5}">
-                      <a16:colId xmlns:a16="http://schemas.microsoft.com/office/drawing/2014/main" val="20001"/>
-                    </a:ext>
-                  </a:extLst>
-                </a:gridCol>
-              </a:tblGrid>
-              <a:tr h="370840">
-                <a:tc>
-                  <a:txBody>
-                    <a:bodyPr/>
-                    <a:lstStyle/>
-                    <a:p>
-                      <a:pPr algn="ctr" latinLnBrk="1"/>
-                      <a:r>
-                        <a:rPr lang="ko-KR" altLang="en-US" dirty="0"/>
-                        <a:t>연산자</a:t>
-                      </a:r>
-                      <a:r>
-                        <a:rPr lang="en-US" altLang="ko-KR" dirty="0"/>
-                        <a:t>(</a:t>
-                      </a:r>
-                      <a:r>
-                        <a:rPr lang="ko-KR" altLang="en-US" dirty="0"/>
-                        <a:t>연산기호</a:t>
-                      </a:r>
-                      <a:r>
-                        <a:rPr lang="en-US" altLang="ko-KR" dirty="0"/>
-                        <a:t>)</a:t>
-                      </a:r>
-                      <a:endParaRPr lang="ko-KR" altLang="en-US" dirty="0"/>
-                    </a:p>
-                  </a:txBody>
-                  <a:tcPr/>
-                </a:tc>
-                <a:tc>
-                  <a:txBody>
-                    <a:bodyPr/>
-                    <a:lstStyle/>
-                    <a:p>
-                      <a:pPr algn="ctr" latinLnBrk="1"/>
-                      <a:r>
-                        <a:rPr lang="ko-KR" altLang="en-US" dirty="0"/>
-                        <a:t>설명</a:t>
-                      </a:r>
-                      <a:r>
-                        <a:rPr lang="en-US" altLang="ko-KR" dirty="0"/>
-                        <a:t>(</a:t>
-                      </a:r>
-                      <a:r>
-                        <a:rPr lang="ko-KR" altLang="en-US" dirty="0"/>
-                        <a:t>왼쪽이 오른쪽보다</a:t>
-                      </a:r>
-                      <a:r>
-                        <a:rPr lang="en-US" altLang="ko-KR" dirty="0"/>
-                        <a:t>)</a:t>
-                      </a:r>
-                      <a:endParaRPr lang="ko-KR" altLang="en-US" dirty="0"/>
-                    </a:p>
-                  </a:txBody>
-                  <a:tcPr/>
-                </a:tc>
-                <a:extLst>
-                  <a:ext uri="{0D108BD9-81ED-4DB2-BD59-A6C34878D82A}">
-                    <a16:rowId xmlns:a16="http://schemas.microsoft.com/office/drawing/2014/main" val="10000"/>
-                  </a:ext>
-                </a:extLst>
-              </a:tr>
-              <a:tr h="370840">
-                <a:tc>
-                  <a:txBody>
-                    <a:bodyPr/>
-                    <a:lstStyle/>
-                    <a:p>
-                      <a:pPr algn="ctr" latinLnBrk="1"/>
-                      <a:r>
-                        <a:rPr lang="en-US" altLang="ko-KR" dirty="0"/>
-                        <a:t>&gt;</a:t>
-                      </a:r>
-                      <a:endParaRPr lang="ko-KR" altLang="en-US" dirty="0"/>
-                    </a:p>
-                  </a:txBody>
-                  <a:tcPr/>
-                </a:tc>
-                <a:tc>
-                  <a:txBody>
-                    <a:bodyPr/>
-                    <a:lstStyle/>
-                    <a:p>
-                      <a:pPr algn="ctr" latinLnBrk="1"/>
-                      <a:r>
-                        <a:rPr lang="ko-KR" altLang="en-US" dirty="0"/>
-                        <a:t>크다</a:t>
-                      </a:r>
-                    </a:p>
-                  </a:txBody>
-                  <a:tcPr/>
-                </a:tc>
-                <a:extLst>
-                  <a:ext uri="{0D108BD9-81ED-4DB2-BD59-A6C34878D82A}">
-                    <a16:rowId xmlns:a16="http://schemas.microsoft.com/office/drawing/2014/main" val="10001"/>
-                  </a:ext>
-                </a:extLst>
-              </a:tr>
-              <a:tr h="370840">
-                <a:tc>
-                  <a:txBody>
-                    <a:bodyPr/>
-                    <a:lstStyle/>
-                    <a:p>
-                      <a:pPr algn="ctr" latinLnBrk="1"/>
-                      <a:r>
-                        <a:rPr lang="en-US" altLang="ko-KR" dirty="0"/>
-                        <a:t>&lt;</a:t>
-                      </a:r>
-                      <a:endParaRPr lang="ko-KR" altLang="en-US" dirty="0"/>
-                    </a:p>
-                  </a:txBody>
-                  <a:tcPr/>
-                </a:tc>
-                <a:tc>
-                  <a:txBody>
-                    <a:bodyPr/>
-                    <a:lstStyle/>
-                    <a:p>
-                      <a:pPr algn="ctr" latinLnBrk="1"/>
-                      <a:r>
-                        <a:rPr lang="ko-KR" altLang="en-US" dirty="0"/>
-                        <a:t>작다</a:t>
-                      </a:r>
-                    </a:p>
-                  </a:txBody>
-                  <a:tcPr/>
-                </a:tc>
-                <a:extLst>
-                  <a:ext uri="{0D108BD9-81ED-4DB2-BD59-A6C34878D82A}">
-                    <a16:rowId xmlns:a16="http://schemas.microsoft.com/office/drawing/2014/main" val="10002"/>
-                  </a:ext>
-                </a:extLst>
-              </a:tr>
-              <a:tr h="370840">
-                <a:tc>
-                  <a:txBody>
-                    <a:bodyPr/>
-                    <a:lstStyle/>
-                    <a:p>
-                      <a:pPr algn="ctr" latinLnBrk="1"/>
-                      <a:r>
-                        <a:rPr lang="en-US" altLang="ko-KR" dirty="0"/>
-                        <a:t>&gt;=</a:t>
-                      </a:r>
-                      <a:endParaRPr lang="ko-KR" altLang="en-US" dirty="0"/>
-                    </a:p>
-                  </a:txBody>
-                  <a:tcPr/>
-                </a:tc>
-                <a:tc>
-                  <a:txBody>
-                    <a:bodyPr/>
-                    <a:lstStyle/>
-                    <a:p>
-                      <a:pPr algn="ctr" latinLnBrk="1"/>
-                      <a:r>
-                        <a:rPr lang="ko-KR" altLang="en-US" dirty="0"/>
-                        <a:t>크거나 같다</a:t>
-                      </a:r>
-                    </a:p>
-                  </a:txBody>
-                  <a:tcPr/>
-                </a:tc>
-                <a:extLst>
-                  <a:ext uri="{0D108BD9-81ED-4DB2-BD59-A6C34878D82A}">
-                    <a16:rowId xmlns:a16="http://schemas.microsoft.com/office/drawing/2014/main" val="10003"/>
-                  </a:ext>
-                </a:extLst>
-              </a:tr>
-              <a:tr h="370840">
-                <a:tc>
-                  <a:txBody>
-                    <a:bodyPr/>
-                    <a:lstStyle/>
-                    <a:p>
-                      <a:pPr algn="ctr" latinLnBrk="1"/>
-                      <a:r>
-                        <a:rPr lang="en-US" altLang="ko-KR" dirty="0"/>
-                        <a:t>&lt;=</a:t>
-                      </a:r>
-                      <a:endParaRPr lang="ko-KR" altLang="en-US" dirty="0"/>
-                    </a:p>
-                  </a:txBody>
-                  <a:tcPr/>
-                </a:tc>
-                <a:tc>
-                  <a:txBody>
-                    <a:bodyPr/>
-                    <a:lstStyle/>
-                    <a:p>
-                      <a:pPr algn="ctr" latinLnBrk="1"/>
-                      <a:r>
-                        <a:rPr lang="ko-KR" altLang="en-US" dirty="0"/>
-                        <a:t>작거나 같다</a:t>
-                      </a:r>
-                    </a:p>
-                  </a:txBody>
-                  <a:tcPr/>
-                </a:tc>
-                <a:extLst>
-                  <a:ext uri="{0D108BD9-81ED-4DB2-BD59-A6C34878D82A}">
-                    <a16:rowId xmlns:a16="http://schemas.microsoft.com/office/drawing/2014/main" val="10004"/>
-                  </a:ext>
-                </a:extLst>
-              </a:tr>
-              <a:tr h="370840">
-                <a:tc>
-                  <a:txBody>
-                    <a:bodyPr/>
-                    <a:lstStyle/>
-                    <a:p>
-                      <a:pPr algn="ctr" latinLnBrk="1"/>
-                      <a:r>
-                        <a:rPr lang="en-US" altLang="ko-KR" dirty="0"/>
-                        <a:t>==</a:t>
-                      </a:r>
-                      <a:endParaRPr lang="ko-KR" altLang="en-US" dirty="0"/>
-                    </a:p>
-                  </a:txBody>
-                  <a:tcPr/>
-                </a:tc>
-                <a:tc>
-                  <a:txBody>
-                    <a:bodyPr/>
-                    <a:lstStyle/>
-                    <a:p>
-                      <a:pPr algn="ctr" latinLnBrk="1"/>
-                      <a:r>
-                        <a:rPr lang="ko-KR" altLang="en-US" dirty="0"/>
-                        <a:t>같다</a:t>
-                      </a:r>
-                    </a:p>
-                  </a:txBody>
-                  <a:tcPr/>
-                </a:tc>
-                <a:extLst>
-                  <a:ext uri="{0D108BD9-81ED-4DB2-BD59-A6C34878D82A}">
-                    <a16:rowId xmlns:a16="http://schemas.microsoft.com/office/drawing/2014/main" val="10005"/>
-                  </a:ext>
-                </a:extLst>
-              </a:tr>
-              <a:tr h="370840">
-                <a:tc>
-                  <a:txBody>
-                    <a:bodyPr/>
-                    <a:lstStyle/>
-                    <a:p>
-                      <a:pPr algn="ctr" latinLnBrk="1"/>
-                      <a:r>
-                        <a:rPr lang="en-US" altLang="ko-KR" dirty="0"/>
-                        <a:t>!=</a:t>
-                      </a:r>
-                      <a:endParaRPr lang="ko-KR" altLang="en-US" dirty="0"/>
-                    </a:p>
-                  </a:txBody>
-                  <a:tcPr/>
-                </a:tc>
-                <a:tc>
-                  <a:txBody>
-                    <a:bodyPr/>
-                    <a:lstStyle/>
-                    <a:p>
-                      <a:pPr algn="ctr" latinLnBrk="1"/>
-                      <a:r>
-                        <a:rPr lang="ko-KR" altLang="en-US" dirty="0"/>
-                        <a:t>다르다</a:t>
-                      </a:r>
-                    </a:p>
-                  </a:txBody>
-                  <a:tcPr/>
-                </a:tc>
-                <a:extLst>
-                  <a:ext uri="{0D108BD9-81ED-4DB2-BD59-A6C34878D82A}">
-                    <a16:rowId xmlns:a16="http://schemas.microsoft.com/office/drawing/2014/main" val="10006"/>
-                  </a:ext>
-                </a:extLst>
-              </a:tr>
-            </a:tbl>
-          </a:graphicData>
-        </a:graphic>
-      </p:graphicFrame>
-    </p:spTree>
-    <p:extLst>
-      <p:ext uri="{BB962C8B-B14F-4D97-AF65-F5344CB8AC3E}">
-        <p14:creationId xmlns:p14="http://schemas.microsoft.com/office/powerpoint/2010/main" val="3778949169"/>
-      </p:ext>
-    </p:extLst>
-  </p:cSld>
-  <p:clrMapOvr>
-    <a:masterClrMapping/>
-  </p:clrMapOvr>
-  <p:timing>
-    <p:tnLst>
-      <p:par>
-        <p:cTn id="1" dur="indefinite" restart="never" nodeType="tmRoot">
-          <p:childTnLst>
-            <p:seq concurrent="1" nextAc="seek">
-              <p:cTn id="2" dur="indefinite" nodeType="mainSeq">
-                <p:childTnLst>
-                  <p:par>
-                    <p:cTn id="3" fill="hold">
-                      <p:stCondLst>
-                        <p:cond delay="indefinite"/>
-                      </p:stCondLst>
-                      <p:childTnLst>
-                        <p:par>
-                          <p:cTn id="4" fill="hold">
-                            <p:stCondLst>
-                              <p:cond delay="0"/>
-                            </p:stCondLst>
-                            <p:childTnLst>
-                              <p:par>
-                                <p:cTn id="5" presetID="10" presetClass="entr" presetSubtype="0" fill="hold" nodeType="clickEffect">
-                                  <p:stCondLst>
-                                    <p:cond delay="0"/>
-                                  </p:stCondLst>
-                                  <p:childTnLst>
-                                    <p:set>
-                                      <p:cBhvr>
-                                        <p:cTn id="6" dur="1" fill="hold">
-                                          <p:stCondLst>
-                                            <p:cond delay="0"/>
-                                          </p:stCondLst>
-                                        </p:cTn>
-                                        <p:tgtEl>
-                                          <p:spTgt spid="3"/>
-                                        </p:tgtEl>
-                                        <p:attrNameLst>
-                                          <p:attrName>style.visibility</p:attrName>
-                                        </p:attrNameLst>
-                                      </p:cBhvr>
-                                      <p:to>
-                                        <p:strVal val="visible"/>
-                                      </p:to>
-                                    </p:set>
-                                    <p:animEffect transition="in" filter="fade">
-                                      <p:cBhvr>
-                                        <p:cTn id="7" dur="500"/>
-                                        <p:tgtEl>
-                                          <p:spTgt spid="3"/>
-                                        </p:tgtEl>
-                                      </p:cBhvr>
-                                    </p:animEffect>
-                                  </p:childTnLst>
-                                </p:cTn>
-                              </p:par>
-                            </p:childTnLst>
-                          </p:cTn>
-                        </p:par>
-                      </p:childTnLst>
-                    </p:cTn>
-                  </p:par>
-                </p:childTnLst>
-              </p:cTn>
-              <p:prevCondLst>
-                <p:cond evt="onPrev" delay="0">
-                  <p:tgtEl>
-                    <p:sldTgt/>
-                  </p:tgtEl>
-                </p:cond>
-              </p:prevCondLst>
-              <p:nextCondLst>
-                <p:cond evt="onNext" delay="0">
-                  <p:tgtEl>
-                    <p:sldTgt/>
-                  </p:tgtEl>
-                </p:cond>
-              </p:nextCondLst>
-            </p:seq>
-          </p:childTnLst>
-        </p:cTn>
-      </p:par>
-    </p:tnLst>
-  </p:timing>
-</p:sld>
-</file>
-
-<file path=ppt/slides/slide18.xml><?xml version="1.0" encoding="utf-8"?>
+<file path=ppt/slides/slide2.xml><?xml version="1.0" encoding="utf-8"?>
 <p:sld xmlns:a="http://schemas.openxmlformats.org/drawingml/2006/main" xmlns:r="http://schemas.openxmlformats.org/officeDocument/2006/relationships" xmlns:p="http://schemas.openxmlformats.org/presentationml/2006/main">
   <p:cSld>
     <p:bg>
@@ -7408,8 +7453,8 @@
         </p:nvSpPr>
         <p:spPr>
           <a:xfrm>
-            <a:off x="5371282" y="1988840"/>
-            <a:ext cx="1449436" cy="660502"/>
+            <a:off x="5294347" y="3102283"/>
+            <a:ext cx="1603324" cy="660502"/>
           </a:xfrm>
           <a:prstGeom prst="rect">
             <a:avLst/>
@@ -7422,6 +7467,7 @@
           </a:bodyPr>
           <a:lstStyle/>
           <a:p>
+            <a:pPr algn="ctr"/>
             <a:r>
               <a:rPr lang="ko-KR" altLang="en-US" sz="3692" dirty="0" err="1">
                 <a:solidFill>
@@ -7432,7 +7478,7 @@
                 <a:latin typeface="나눔바른고딕" panose="020B0603020101020101" pitchFamily="50" charset="-127"/>
                 <a:ea typeface="나눔바른고딕" panose="020B0603020101020101" pitchFamily="50" charset="-127"/>
               </a:rPr>
-              <a:t>불린형</a:t>
+              <a:t>조건문</a:t>
             </a:r>
             <a:endParaRPr lang="en-US" altLang="ko-KR" sz="3692" dirty="0">
               <a:solidFill>
@@ -7446,762 +7492,20 @@
           </a:p>
         </p:txBody>
       </p:sp>
-      <p:sp>
-        <p:nvSpPr>
-          <p:cNvPr id="3" name="TextBox 2">
-            <a:extLst>
-              <a:ext uri="{FF2B5EF4-FFF2-40B4-BE49-F238E27FC236}">
-                <a16:creationId xmlns:a16="http://schemas.microsoft.com/office/drawing/2014/main" id="{49607707-B4DF-4EA6-B583-6DB58C459034}"/>
-              </a:ext>
-            </a:extLst>
-          </p:cNvPr>
-          <p:cNvSpPr txBox="1"/>
-          <p:nvPr/>
-        </p:nvSpPr>
-        <p:spPr>
-          <a:xfrm>
-            <a:off x="2567608" y="3488578"/>
-            <a:ext cx="1163460" cy="1228670"/>
-          </a:xfrm>
-          <a:prstGeom prst="rect">
-            <a:avLst/>
-          </a:prstGeom>
-          <a:noFill/>
-        </p:spPr>
-        <p:txBody>
-          <a:bodyPr wrap="none" rtlCol="0">
-            <a:spAutoFit/>
-          </a:bodyPr>
-          <a:lstStyle/>
-          <a:p>
-            <a:r>
-              <a:rPr lang="en-US" altLang="ko-KR" sz="3692" dirty="0">
-                <a:solidFill>
-                  <a:schemeClr val="accent6">
-                    <a:lumMod val="75000"/>
-                  </a:schemeClr>
-                </a:solidFill>
-                <a:latin typeface="나눔바른고딕" panose="020B0603020101020101" pitchFamily="50" charset="-127"/>
-                <a:ea typeface="나눔바른고딕" panose="020B0603020101020101" pitchFamily="50" charset="-127"/>
-              </a:rPr>
-              <a:t>True</a:t>
-            </a:r>
-          </a:p>
-          <a:p>
-            <a:pPr algn="ctr"/>
-            <a:r>
-              <a:rPr lang="en-US" altLang="ko-KR" sz="3692" dirty="0">
-                <a:solidFill>
-                  <a:schemeClr val="accent6">
-                    <a:lumMod val="75000"/>
-                  </a:schemeClr>
-                </a:solidFill>
-                <a:latin typeface="나눔바른고딕" panose="020B0603020101020101" pitchFamily="50" charset="-127"/>
-                <a:ea typeface="나눔바른고딕" panose="020B0603020101020101" pitchFamily="50" charset="-127"/>
-              </a:rPr>
-              <a:t>(1)</a:t>
-            </a:r>
-          </a:p>
-        </p:txBody>
-      </p:sp>
-      <p:sp>
-        <p:nvSpPr>
-          <p:cNvPr id="4" name="TextBox 3">
-            <a:extLst>
-              <a:ext uri="{FF2B5EF4-FFF2-40B4-BE49-F238E27FC236}">
-                <a16:creationId xmlns:a16="http://schemas.microsoft.com/office/drawing/2014/main" id="{632232A8-6926-4AC0-B351-00EF9C1BD328}"/>
-              </a:ext>
-            </a:extLst>
-          </p:cNvPr>
-          <p:cNvSpPr txBox="1"/>
-          <p:nvPr/>
-        </p:nvSpPr>
-        <p:spPr>
-          <a:xfrm>
-            <a:off x="8616280" y="3488578"/>
-            <a:ext cx="1307409" cy="1228670"/>
-          </a:xfrm>
-          <a:prstGeom prst="rect">
-            <a:avLst/>
-          </a:prstGeom>
-          <a:noFill/>
-        </p:spPr>
-        <p:txBody>
-          <a:bodyPr wrap="none" rtlCol="0">
-            <a:spAutoFit/>
-          </a:bodyPr>
-          <a:lstStyle/>
-          <a:p>
-            <a:r>
-              <a:rPr lang="en-US" altLang="ko-KR" sz="3692" dirty="0">
-                <a:solidFill>
-                  <a:schemeClr val="accent1"/>
-                </a:solidFill>
-                <a:latin typeface="나눔바른고딕" panose="020B0603020101020101" pitchFamily="50" charset="-127"/>
-                <a:ea typeface="나눔바른고딕" panose="020B0603020101020101" pitchFamily="50" charset="-127"/>
-              </a:rPr>
-              <a:t>False</a:t>
-            </a:r>
-          </a:p>
-          <a:p>
-            <a:pPr algn="ctr"/>
-            <a:r>
-              <a:rPr lang="en-US" altLang="ko-KR" sz="3692" dirty="0">
-                <a:solidFill>
-                  <a:schemeClr val="accent1"/>
-                </a:solidFill>
-                <a:latin typeface="나눔바른고딕" panose="020B0603020101020101" pitchFamily="50" charset="-127"/>
-                <a:ea typeface="나눔바른고딕" panose="020B0603020101020101" pitchFamily="50" charset="-127"/>
-              </a:rPr>
-              <a:t>(0)</a:t>
-            </a:r>
-          </a:p>
-        </p:txBody>
-      </p:sp>
-      <p:sp>
-        <p:nvSpPr>
-          <p:cNvPr id="9" name="TextBox 8">
-            <a:extLst>
-              <a:ext uri="{FF2B5EF4-FFF2-40B4-BE49-F238E27FC236}">
-                <a16:creationId xmlns:a16="http://schemas.microsoft.com/office/drawing/2014/main" id="{4499A1D2-60C2-4043-9929-6F1C8DC452DF}"/>
-              </a:ext>
-            </a:extLst>
-          </p:cNvPr>
-          <p:cNvSpPr txBox="1"/>
-          <p:nvPr/>
-        </p:nvSpPr>
-        <p:spPr>
-          <a:xfrm>
-            <a:off x="5132250" y="2630534"/>
-            <a:ext cx="1927501" cy="584775"/>
-          </a:xfrm>
-          <a:prstGeom prst="rect">
-            <a:avLst/>
-          </a:prstGeom>
-          <a:noFill/>
-        </p:spPr>
-        <p:txBody>
-          <a:bodyPr wrap="square" rtlCol="0">
-            <a:spAutoFit/>
-          </a:bodyPr>
-          <a:lstStyle/>
-          <a:p>
-            <a:r>
-              <a:rPr lang="en-US" altLang="ko-KR" sz="3200" dirty="0">
-                <a:solidFill>
-                  <a:schemeClr val="accent6">
-                    <a:lumMod val="75000"/>
-                  </a:schemeClr>
-                </a:solidFill>
-                <a:latin typeface="나눔바른고딕" panose="020B0603020101020101" pitchFamily="50" charset="-127"/>
-                <a:ea typeface="나눔바른고딕" panose="020B0603020101020101" pitchFamily="50" charset="-127"/>
-              </a:rPr>
-              <a:t>(Boolean)</a:t>
-            </a:r>
-          </a:p>
-        </p:txBody>
-      </p:sp>
     </p:spTree>
     <p:extLst>
       <p:ext uri="{BB962C8B-B14F-4D97-AF65-F5344CB8AC3E}">
-        <p14:creationId xmlns:p14="http://schemas.microsoft.com/office/powerpoint/2010/main" val="3221181672"/>
+        <p14:creationId xmlns:p14="http://schemas.microsoft.com/office/powerpoint/2010/main" val="420801499"/>
       </p:ext>
     </p:extLst>
   </p:cSld>
   <p:clrMapOvr>
     <a:masterClrMapping/>
   </p:clrMapOvr>
-  <p:timing>
-    <p:tnLst>
-      <p:par>
-        <p:cTn id="1" dur="indefinite" restart="never" nodeType="tmRoot">
-          <p:childTnLst>
-            <p:seq concurrent="1" nextAc="seek">
-              <p:cTn id="2" dur="indefinite" nodeType="mainSeq">
-                <p:childTnLst>
-                  <p:par>
-                    <p:cTn id="3" fill="hold">
-                      <p:stCondLst>
-                        <p:cond delay="indefinite"/>
-                      </p:stCondLst>
-                      <p:childTnLst>
-                        <p:par>
-                          <p:cTn id="4" fill="hold">
-                            <p:stCondLst>
-                              <p:cond delay="0"/>
-                            </p:stCondLst>
-                            <p:childTnLst>
-                              <p:par>
-                                <p:cTn id="5" presetID="1" presetClass="entr" presetSubtype="0" fill="hold" grpId="0" nodeType="clickEffect">
-                                  <p:stCondLst>
-                                    <p:cond delay="0"/>
-                                  </p:stCondLst>
-                                  <p:childTnLst>
-                                    <p:set>
-                                      <p:cBhvr>
-                                        <p:cTn id="6" dur="1" fill="hold">
-                                          <p:stCondLst>
-                                            <p:cond delay="0"/>
-                                          </p:stCondLst>
-                                        </p:cTn>
-                                        <p:tgtEl>
-                                          <p:spTgt spid="9"/>
-                                        </p:tgtEl>
-                                        <p:attrNameLst>
-                                          <p:attrName>style.visibility</p:attrName>
-                                        </p:attrNameLst>
-                                      </p:cBhvr>
-                                      <p:to>
-                                        <p:strVal val="visible"/>
-                                      </p:to>
-                                    </p:set>
-                                  </p:childTnLst>
-                                </p:cTn>
-                              </p:par>
-                            </p:childTnLst>
-                          </p:cTn>
-                        </p:par>
-                      </p:childTnLst>
-                    </p:cTn>
-                  </p:par>
-                  <p:par>
-                    <p:cTn id="7" fill="hold">
-                      <p:stCondLst>
-                        <p:cond delay="indefinite"/>
-                      </p:stCondLst>
-                      <p:childTnLst>
-                        <p:par>
-                          <p:cTn id="8" fill="hold">
-                            <p:stCondLst>
-                              <p:cond delay="0"/>
-                            </p:stCondLst>
-                            <p:childTnLst>
-                              <p:par>
-                                <p:cTn id="9" presetID="1" presetClass="entr" presetSubtype="0" fill="hold" grpId="0" nodeType="clickEffect">
-                                  <p:stCondLst>
-                                    <p:cond delay="0"/>
-                                  </p:stCondLst>
-                                  <p:childTnLst>
-                                    <p:set>
-                                      <p:cBhvr>
-                                        <p:cTn id="10" dur="1" fill="hold">
-                                          <p:stCondLst>
-                                            <p:cond delay="0"/>
-                                          </p:stCondLst>
-                                        </p:cTn>
-                                        <p:tgtEl>
-                                          <p:spTgt spid="3"/>
-                                        </p:tgtEl>
-                                        <p:attrNameLst>
-                                          <p:attrName>style.visibility</p:attrName>
-                                        </p:attrNameLst>
-                                      </p:cBhvr>
-                                      <p:to>
-                                        <p:strVal val="visible"/>
-                                      </p:to>
-                                    </p:set>
-                                  </p:childTnLst>
-                                </p:cTn>
-                              </p:par>
-                              <p:par>
-                                <p:cTn id="11" presetID="1" presetClass="entr" presetSubtype="0" fill="hold" grpId="0" nodeType="withEffect">
-                                  <p:stCondLst>
-                                    <p:cond delay="0"/>
-                                  </p:stCondLst>
-                                  <p:childTnLst>
-                                    <p:set>
-                                      <p:cBhvr>
-                                        <p:cTn id="12" dur="1" fill="hold">
-                                          <p:stCondLst>
-                                            <p:cond delay="0"/>
-                                          </p:stCondLst>
-                                        </p:cTn>
-                                        <p:tgtEl>
-                                          <p:spTgt spid="4"/>
-                                        </p:tgtEl>
-                                        <p:attrNameLst>
-                                          <p:attrName>style.visibility</p:attrName>
-                                        </p:attrNameLst>
-                                      </p:cBhvr>
-                                      <p:to>
-                                        <p:strVal val="visible"/>
-                                      </p:to>
-                                    </p:set>
-                                  </p:childTnLst>
-                                </p:cTn>
-                              </p:par>
-                            </p:childTnLst>
-                          </p:cTn>
-                        </p:par>
-                      </p:childTnLst>
-                    </p:cTn>
-                  </p:par>
-                </p:childTnLst>
-              </p:cTn>
-              <p:prevCondLst>
-                <p:cond evt="onPrev" delay="0">
-                  <p:tgtEl>
-                    <p:sldTgt/>
-                  </p:tgtEl>
-                </p:cond>
-              </p:prevCondLst>
-              <p:nextCondLst>
-                <p:cond evt="onNext" delay="0">
-                  <p:tgtEl>
-                    <p:sldTgt/>
-                  </p:tgtEl>
-                </p:cond>
-              </p:nextCondLst>
-            </p:seq>
-          </p:childTnLst>
-        </p:cTn>
-      </p:par>
-    </p:tnLst>
-    <p:bldLst>
-      <p:bldP spid="3" grpId="0"/>
-      <p:bldP spid="4" grpId="0"/>
-      <p:bldP spid="9" grpId="0"/>
-    </p:bldLst>
-  </p:timing>
 </p:sld>
 </file>
 
-<file path=ppt/slides/slide19.xml><?xml version="1.0" encoding="utf-8"?>
-<p:sld xmlns:a="http://schemas.openxmlformats.org/drawingml/2006/main" xmlns:r="http://schemas.openxmlformats.org/officeDocument/2006/relationships" xmlns:p="http://schemas.openxmlformats.org/presentationml/2006/main">
-  <p:cSld>
-    <p:bg>
-      <p:bgPr>
-        <a:solidFill>
-          <a:schemeClr val="tx1">
-            <a:lumMod val="85000"/>
-            <a:lumOff val="15000"/>
-          </a:schemeClr>
-        </a:solidFill>
-        <a:effectLst/>
-      </p:bgPr>
-    </p:bg>
-    <p:spTree>
-      <p:nvGrpSpPr>
-        <p:cNvPr id="1" name=""/>
-        <p:cNvGrpSpPr/>
-        <p:nvPr/>
-      </p:nvGrpSpPr>
-      <p:grpSpPr>
-        <a:xfrm>
-          <a:off x="0" y="0"/>
-          <a:ext cx="0" cy="0"/>
-          <a:chOff x="0" y="0"/>
-          <a:chExt cx="0" cy="0"/>
-        </a:xfrm>
-      </p:grpSpPr>
-      <p:graphicFrame>
-        <p:nvGraphicFramePr>
-          <p:cNvPr id="3" name="표 2">
-            <a:extLst>
-              <a:ext uri="{FF2B5EF4-FFF2-40B4-BE49-F238E27FC236}">
-                <a16:creationId xmlns:a16="http://schemas.microsoft.com/office/drawing/2014/main" id="{AF8B125F-A951-4993-AD16-5D0B19F34E04}"/>
-              </a:ext>
-            </a:extLst>
-          </p:cNvPr>
-          <p:cNvGraphicFramePr>
-            <a:graphicFrameLocks noGrp="1"/>
-          </p:cNvGraphicFramePr>
-          <p:nvPr>
-            <p:extLst>
-              <p:ext uri="{D42A27DB-BD31-4B8C-83A1-F6EECF244321}">
-                <p14:modId xmlns:p14="http://schemas.microsoft.com/office/powerpoint/2010/main" val="2398246296"/>
-              </p:ext>
-            </p:extLst>
-          </p:nvPr>
-        </p:nvGraphicFramePr>
-        <p:xfrm>
-          <a:off x="3048000" y="1868360"/>
-          <a:ext cx="6096000" cy="3121279"/>
-        </p:xfrm>
-        <a:graphic>
-          <a:graphicData uri="http://schemas.openxmlformats.org/drawingml/2006/table">
-            <a:tbl>
-              <a:tblPr firstRow="1" bandRow="1">
-                <a:tableStyleId>{5C22544A-7EE6-4342-B048-85BDC9FD1C3A}</a:tableStyleId>
-              </a:tblPr>
-              <a:tblGrid>
-                <a:gridCol w="3048000">
-                  <a:extLst>
-                    <a:ext uri="{9D8B030D-6E8A-4147-A177-3AD203B41FA5}">
-                      <a16:colId xmlns:a16="http://schemas.microsoft.com/office/drawing/2014/main" val="20000"/>
-                    </a:ext>
-                  </a:extLst>
-                </a:gridCol>
-                <a:gridCol w="3048000">
-                  <a:extLst>
-                    <a:ext uri="{9D8B030D-6E8A-4147-A177-3AD203B41FA5}">
-                      <a16:colId xmlns:a16="http://schemas.microsoft.com/office/drawing/2014/main" val="20001"/>
-                    </a:ext>
-                  </a:extLst>
-                </a:gridCol>
-              </a:tblGrid>
-              <a:tr h="370840">
-                <a:tc>
-                  <a:txBody>
-                    <a:bodyPr/>
-                    <a:lstStyle/>
-                    <a:p>
-                      <a:pPr algn="ctr" latinLnBrk="1"/>
-                      <a:r>
-                        <a:rPr lang="ko-KR" altLang="en-US" dirty="0"/>
-                        <a:t>예시</a:t>
-                      </a:r>
-                    </a:p>
-                  </a:txBody>
-                  <a:tcPr/>
-                </a:tc>
-                <a:tc>
-                  <a:txBody>
-                    <a:bodyPr/>
-                    <a:lstStyle/>
-                    <a:p>
-                      <a:pPr algn="ctr" latinLnBrk="1"/>
-                      <a:r>
-                        <a:rPr lang="ko-KR" altLang="en-US" dirty="0"/>
-                        <a:t>결과</a:t>
-                      </a:r>
-                    </a:p>
-                  </a:txBody>
-                  <a:tcPr/>
-                </a:tc>
-                <a:extLst>
-                  <a:ext uri="{0D108BD9-81ED-4DB2-BD59-A6C34878D82A}">
-                    <a16:rowId xmlns:a16="http://schemas.microsoft.com/office/drawing/2014/main" val="10000"/>
-                  </a:ext>
-                </a:extLst>
-              </a:tr>
-              <a:tr h="370840">
-                <a:tc>
-                  <a:txBody>
-                    <a:bodyPr/>
-                    <a:lstStyle/>
-                    <a:p>
-                      <a:pPr algn="ctr" latinLnBrk="1"/>
-                      <a:r>
-                        <a:rPr lang="en-US" altLang="ko-KR" sz="1800" dirty="0"/>
-                        <a:t>print(2</a:t>
-                      </a:r>
-                      <a:r>
-                        <a:rPr lang="en-US" altLang="ko-KR" sz="1800" baseline="0" dirty="0"/>
-                        <a:t> &gt; 3)</a:t>
-                      </a:r>
-                      <a:endParaRPr lang="ko-KR" altLang="en-US" sz="1800" dirty="0"/>
-                    </a:p>
-                  </a:txBody>
-                  <a:tcPr/>
-                </a:tc>
-                <a:tc>
-                  <a:txBody>
-                    <a:bodyPr/>
-                    <a:lstStyle/>
-                    <a:p>
-                      <a:pPr algn="ctr" latinLnBrk="1"/>
-                      <a:endParaRPr lang="ko-KR" altLang="en-US" dirty="0"/>
-                    </a:p>
-                  </a:txBody>
-                  <a:tcPr/>
-                </a:tc>
-                <a:extLst>
-                  <a:ext uri="{0D108BD9-81ED-4DB2-BD59-A6C34878D82A}">
-                    <a16:rowId xmlns:a16="http://schemas.microsoft.com/office/drawing/2014/main" val="10001"/>
-                  </a:ext>
-                </a:extLst>
-              </a:tr>
-              <a:tr h="370840">
-                <a:tc>
-                  <a:txBody>
-                    <a:bodyPr/>
-                    <a:lstStyle/>
-                    <a:p>
-                      <a:pPr algn="ctr" latinLnBrk="1"/>
-                      <a:r>
-                        <a:rPr lang="en-US" altLang="ko-KR" sz="1800" dirty="0"/>
-                        <a:t>print(15</a:t>
-                      </a:r>
-                      <a:r>
-                        <a:rPr lang="en-US" altLang="ko-KR" sz="1800" baseline="0" dirty="0"/>
-                        <a:t> &lt; 30)</a:t>
-                      </a:r>
-                      <a:endParaRPr lang="ko-KR" altLang="en-US" sz="1800" dirty="0"/>
-                    </a:p>
-                  </a:txBody>
-                  <a:tcPr/>
-                </a:tc>
-                <a:tc>
-                  <a:txBody>
-                    <a:bodyPr/>
-                    <a:lstStyle/>
-                    <a:p>
-                      <a:pPr algn="ctr" latinLnBrk="1"/>
-                      <a:endParaRPr lang="ko-KR" altLang="en-US" dirty="0"/>
-                    </a:p>
-                  </a:txBody>
-                  <a:tcPr/>
-                </a:tc>
-                <a:extLst>
-                  <a:ext uri="{0D108BD9-81ED-4DB2-BD59-A6C34878D82A}">
-                    <a16:rowId xmlns:a16="http://schemas.microsoft.com/office/drawing/2014/main" val="10002"/>
-                  </a:ext>
-                </a:extLst>
-              </a:tr>
-              <a:tr h="370840">
-                <a:tc>
-                  <a:txBody>
-                    <a:bodyPr/>
-                    <a:lstStyle/>
-                    <a:p>
-                      <a:pPr algn="ctr" latinLnBrk="1"/>
-                      <a:r>
-                        <a:rPr lang="en-US" altLang="ko-KR" sz="1800" dirty="0"/>
-                        <a:t>print(1.5</a:t>
-                      </a:r>
-                      <a:r>
-                        <a:rPr lang="en-US" altLang="ko-KR" sz="1800" baseline="0" dirty="0"/>
-                        <a:t> &gt;= 0)</a:t>
-                      </a:r>
-                      <a:endParaRPr lang="ko-KR" altLang="en-US" sz="1800" dirty="0"/>
-                    </a:p>
-                  </a:txBody>
-                  <a:tcPr/>
-                </a:tc>
-                <a:tc>
-                  <a:txBody>
-                    <a:bodyPr/>
-                    <a:lstStyle/>
-                    <a:p>
-                      <a:pPr algn="ctr" latinLnBrk="1"/>
-                      <a:endParaRPr lang="ko-KR" altLang="en-US" dirty="0"/>
-                    </a:p>
-                  </a:txBody>
-                  <a:tcPr/>
-                </a:tc>
-                <a:extLst>
-                  <a:ext uri="{0D108BD9-81ED-4DB2-BD59-A6C34878D82A}">
-                    <a16:rowId xmlns:a16="http://schemas.microsoft.com/office/drawing/2014/main" val="10003"/>
-                  </a:ext>
-                </a:extLst>
-              </a:tr>
-              <a:tr h="370840">
-                <a:tc>
-                  <a:txBody>
-                    <a:bodyPr/>
-                    <a:lstStyle/>
-                    <a:p>
-                      <a:pPr algn="ctr" latinLnBrk="1"/>
-                      <a:r>
-                        <a:rPr lang="en-US" altLang="ko-KR" sz="1800" dirty="0"/>
-                        <a:t>print(3&lt;=3)</a:t>
-                      </a:r>
-                      <a:endParaRPr lang="ko-KR" altLang="en-US" sz="1800" dirty="0"/>
-                    </a:p>
-                  </a:txBody>
-                  <a:tcPr/>
-                </a:tc>
-                <a:tc>
-                  <a:txBody>
-                    <a:bodyPr/>
-                    <a:lstStyle/>
-                    <a:p>
-                      <a:pPr algn="ctr" latinLnBrk="1"/>
-                      <a:endParaRPr lang="ko-KR" altLang="en-US" dirty="0"/>
-                    </a:p>
-                  </a:txBody>
-                  <a:tcPr/>
-                </a:tc>
-                <a:extLst>
-                  <a:ext uri="{0D108BD9-81ED-4DB2-BD59-A6C34878D82A}">
-                    <a16:rowId xmlns:a16="http://schemas.microsoft.com/office/drawing/2014/main" val="10004"/>
-                  </a:ext>
-                </a:extLst>
-              </a:tr>
-              <a:tr h="370840">
-                <a:tc>
-                  <a:txBody>
-                    <a:bodyPr/>
-                    <a:lstStyle/>
-                    <a:p>
-                      <a:pPr algn="ctr" latinLnBrk="1"/>
-                      <a:r>
-                        <a:rPr lang="en-US" altLang="ko-KR" sz="1800" dirty="0"/>
-                        <a:t>print(“</a:t>
-                      </a:r>
-                      <a:r>
-                        <a:rPr lang="ko-KR" altLang="en-US" sz="1800" dirty="0" err="1"/>
-                        <a:t>야나두</a:t>
-                      </a:r>
-                      <a:r>
-                        <a:rPr lang="en-US" altLang="ko-KR" sz="1800" dirty="0"/>
-                        <a:t>”==“</a:t>
-                      </a:r>
-                      <a:r>
-                        <a:rPr lang="ko-KR" altLang="en-US" sz="1800" dirty="0" err="1"/>
-                        <a:t>야너두</a:t>
-                      </a:r>
-                      <a:r>
-                        <a:rPr lang="en-US" altLang="ko-KR" sz="1800" dirty="0"/>
-                        <a:t>”)</a:t>
-                      </a:r>
-                      <a:endParaRPr lang="ko-KR" altLang="en-US" sz="1800" dirty="0"/>
-                    </a:p>
-                  </a:txBody>
-                  <a:tcPr/>
-                </a:tc>
-                <a:tc>
-                  <a:txBody>
-                    <a:bodyPr/>
-                    <a:lstStyle/>
-                    <a:p>
-                      <a:pPr algn="ctr" latinLnBrk="1"/>
-                      <a:endParaRPr lang="ko-KR" altLang="en-US" dirty="0"/>
-                    </a:p>
-                  </a:txBody>
-                  <a:tcPr/>
-                </a:tc>
-                <a:extLst>
-                  <a:ext uri="{0D108BD9-81ED-4DB2-BD59-A6C34878D82A}">
-                    <a16:rowId xmlns:a16="http://schemas.microsoft.com/office/drawing/2014/main" val="10005"/>
-                  </a:ext>
-                </a:extLst>
-              </a:tr>
-              <a:tr h="370840">
-                <a:tc>
-                  <a:txBody>
-                    <a:bodyPr/>
-                    <a:lstStyle/>
-                    <a:p>
-                      <a:pPr algn="ctr" latinLnBrk="1"/>
-                      <a:r>
-                        <a:rPr lang="en-US" altLang="ko-KR" sz="1800" dirty="0"/>
-                        <a:t>print(10 != 10)</a:t>
-                      </a:r>
-                      <a:endParaRPr lang="ko-KR" altLang="en-US" sz="1800" dirty="0"/>
-                    </a:p>
-                  </a:txBody>
-                  <a:tcPr/>
-                </a:tc>
-                <a:tc>
-                  <a:txBody>
-                    <a:bodyPr/>
-                    <a:lstStyle/>
-                    <a:p>
-                      <a:pPr algn="ctr" latinLnBrk="1"/>
-                      <a:endParaRPr lang="ko-KR" altLang="en-US" dirty="0"/>
-                    </a:p>
-                  </a:txBody>
-                  <a:tcPr/>
-                </a:tc>
-                <a:extLst>
-                  <a:ext uri="{0D108BD9-81ED-4DB2-BD59-A6C34878D82A}">
-                    <a16:rowId xmlns:a16="http://schemas.microsoft.com/office/drawing/2014/main" val="10006"/>
-                  </a:ext>
-                </a:extLst>
-              </a:tr>
-            </a:tbl>
-          </a:graphicData>
-        </a:graphic>
-      </p:graphicFrame>
-    </p:spTree>
-    <p:extLst>
-      <p:ext uri="{BB962C8B-B14F-4D97-AF65-F5344CB8AC3E}">
-        <p14:creationId xmlns:p14="http://schemas.microsoft.com/office/powerpoint/2010/main" val="4245652775"/>
-      </p:ext>
-    </p:extLst>
-  </p:cSld>
-  <p:clrMapOvr>
-    <a:masterClrMapping/>
-  </p:clrMapOvr>
-  <p:timing>
-    <p:tnLst>
-      <p:par>
-        <p:cTn id="1" dur="indefinite" restart="never" nodeType="tmRoot">
-          <p:childTnLst>
-            <p:seq concurrent="1" nextAc="seek">
-              <p:cTn id="2" dur="indefinite" nodeType="mainSeq">
-                <p:childTnLst>
-                  <p:par>
-                    <p:cTn id="3" fill="hold">
-                      <p:stCondLst>
-                        <p:cond delay="indefinite"/>
-                      </p:stCondLst>
-                      <p:childTnLst>
-                        <p:par>
-                          <p:cTn id="4" fill="hold">
-                            <p:stCondLst>
-                              <p:cond delay="0"/>
-                            </p:stCondLst>
-                            <p:childTnLst>
-                              <p:par>
-                                <p:cTn id="5" presetID="10" presetClass="entr" presetSubtype="0" fill="hold" nodeType="clickEffect">
-                                  <p:stCondLst>
-                                    <p:cond delay="0"/>
-                                  </p:stCondLst>
-                                  <p:childTnLst>
-                                    <p:set>
-                                      <p:cBhvr>
-                                        <p:cTn id="6" dur="1" fill="hold">
-                                          <p:stCondLst>
-                                            <p:cond delay="0"/>
-                                          </p:stCondLst>
-                                        </p:cTn>
-                                        <p:tgtEl>
-                                          <p:spTgt spid="3"/>
-                                        </p:tgtEl>
-                                        <p:attrNameLst>
-                                          <p:attrName>style.visibility</p:attrName>
-                                        </p:attrNameLst>
-                                      </p:cBhvr>
-                                      <p:to>
-                                        <p:strVal val="visible"/>
-                                      </p:to>
-                                    </p:set>
-                                    <p:animEffect transition="in" filter="fade">
-                                      <p:cBhvr>
-                                        <p:cTn id="7" dur="500"/>
-                                        <p:tgtEl>
-                                          <p:spTgt spid="3"/>
-                                        </p:tgtEl>
-                                      </p:cBhvr>
-                                    </p:animEffect>
-                                  </p:childTnLst>
-                                </p:cTn>
-                              </p:par>
-                            </p:childTnLst>
-                          </p:cTn>
-                        </p:par>
-                      </p:childTnLst>
-                    </p:cTn>
-                  </p:par>
-                </p:childTnLst>
-              </p:cTn>
-              <p:prevCondLst>
-                <p:cond evt="onPrev" delay="0">
-                  <p:tgtEl>
-                    <p:sldTgt/>
-                  </p:tgtEl>
-                </p:cond>
-              </p:prevCondLst>
-              <p:nextCondLst>
-                <p:cond evt="onNext" delay="0">
-                  <p:tgtEl>
-                    <p:sldTgt/>
-                  </p:tgtEl>
-                </p:cond>
-              </p:nextCondLst>
-            </p:seq>
-          </p:childTnLst>
-        </p:cTn>
-      </p:par>
-    </p:tnLst>
-  </p:timing>
-</p:sld>
-</file>
-
-<file path=ppt/slides/slide2.xml><?xml version="1.0" encoding="utf-8"?>
+<file path=ppt/slides/slide3.xml><?xml version="1.0" encoding="utf-8"?>
 <p:sld xmlns:a="http://schemas.openxmlformats.org/drawingml/2006/main" xmlns:r="http://schemas.openxmlformats.org/officeDocument/2006/relationships" xmlns:p="http://schemas.openxmlformats.org/presentationml/2006/main">
   <p:cSld>
     <p:bg>
@@ -8285,7 +7589,7 @@
     </p:spTree>
     <p:extLst>
       <p:ext uri="{BB962C8B-B14F-4D97-AF65-F5344CB8AC3E}">
-        <p14:creationId xmlns:p14="http://schemas.microsoft.com/office/powerpoint/2010/main" val="420801499"/>
+        <p14:creationId xmlns:p14="http://schemas.microsoft.com/office/powerpoint/2010/main" val="3702970249"/>
       </p:ext>
     </p:extLst>
   </p:cSld>
@@ -8295,886 +7599,7 @@
 </p:sld>
 </file>
 
-<file path=ppt/slides/slide20.xml><?xml version="1.0" encoding="utf-8"?>
-<p:sld xmlns:a="http://schemas.openxmlformats.org/drawingml/2006/main" xmlns:r="http://schemas.openxmlformats.org/officeDocument/2006/relationships" xmlns:p="http://schemas.openxmlformats.org/presentationml/2006/main">
-  <p:cSld>
-    <p:bg>
-      <p:bgPr>
-        <a:solidFill>
-          <a:schemeClr val="tx1">
-            <a:lumMod val="85000"/>
-            <a:lumOff val="15000"/>
-          </a:schemeClr>
-        </a:solidFill>
-        <a:effectLst/>
-      </p:bgPr>
-    </p:bg>
-    <p:spTree>
-      <p:nvGrpSpPr>
-        <p:cNvPr id="1" name=""/>
-        <p:cNvGrpSpPr/>
-        <p:nvPr/>
-      </p:nvGrpSpPr>
-      <p:grpSpPr>
-        <a:xfrm>
-          <a:off x="0" y="0"/>
-          <a:ext cx="0" cy="0"/>
-          <a:chOff x="0" y="0"/>
-          <a:chExt cx="0" cy="0"/>
-        </a:xfrm>
-      </p:grpSpPr>
-      <p:sp>
-        <p:nvSpPr>
-          <p:cNvPr id="2" name="TextBox 1">
-            <a:extLst>
-              <a:ext uri="{FF2B5EF4-FFF2-40B4-BE49-F238E27FC236}">
-                <a16:creationId xmlns:a16="http://schemas.microsoft.com/office/drawing/2014/main" id="{0B332A50-CC0E-4C7E-B47E-E7CFBA7B423B}"/>
-              </a:ext>
-            </a:extLst>
-          </p:cNvPr>
-          <p:cNvSpPr txBox="1"/>
-          <p:nvPr/>
-        </p:nvSpPr>
-        <p:spPr>
-          <a:xfrm>
-            <a:off x="5160491" y="3098749"/>
-            <a:ext cx="1871026" cy="660502"/>
-          </a:xfrm>
-          <a:prstGeom prst="rect">
-            <a:avLst/>
-          </a:prstGeom>
-          <a:noFill/>
-        </p:spPr>
-        <p:txBody>
-          <a:bodyPr wrap="none" rtlCol="0">
-            <a:spAutoFit/>
-          </a:bodyPr>
-          <a:lstStyle/>
-          <a:p>
-            <a:pPr algn="ctr"/>
-            <a:r>
-              <a:rPr lang="ko-KR" altLang="en-US" sz="3692" dirty="0">
-                <a:solidFill>
-                  <a:schemeClr val="bg1">
-                    <a:lumMod val="95000"/>
-                  </a:schemeClr>
-                </a:solidFill>
-                <a:latin typeface="나눔바른고딕" panose="020B0603020101020101" pitchFamily="50" charset="-127"/>
-                <a:ea typeface="나눔바른고딕" panose="020B0603020101020101" pitchFamily="50" charset="-127"/>
-              </a:rPr>
-              <a:t>논리연산</a:t>
-            </a:r>
-            <a:endParaRPr lang="en-US" altLang="ko-KR" sz="3692" dirty="0">
-              <a:solidFill>
-                <a:schemeClr val="bg1">
-                  <a:lumMod val="95000"/>
-                </a:schemeClr>
-              </a:solidFill>
-              <a:latin typeface="나눔바른고딕" panose="020B0603020101020101" pitchFamily="50" charset="-127"/>
-              <a:ea typeface="나눔바른고딕" panose="020B0603020101020101" pitchFamily="50" charset="-127"/>
-            </a:endParaRPr>
-          </a:p>
-        </p:txBody>
-      </p:sp>
-    </p:spTree>
-    <p:extLst>
-      <p:ext uri="{BB962C8B-B14F-4D97-AF65-F5344CB8AC3E}">
-        <p14:creationId xmlns:p14="http://schemas.microsoft.com/office/powerpoint/2010/main" val="2877033389"/>
-      </p:ext>
-    </p:extLst>
-  </p:cSld>
-  <p:clrMapOvr>
-    <a:masterClrMapping/>
-  </p:clrMapOvr>
-</p:sld>
-</file>
-
-<file path=ppt/slides/slide21.xml><?xml version="1.0" encoding="utf-8"?>
-<p:sld xmlns:a="http://schemas.openxmlformats.org/drawingml/2006/main" xmlns:r="http://schemas.openxmlformats.org/officeDocument/2006/relationships" xmlns:p="http://schemas.openxmlformats.org/presentationml/2006/main">
-  <p:cSld>
-    <p:bg>
-      <p:bgPr>
-        <a:solidFill>
-          <a:schemeClr val="tx1">
-            <a:lumMod val="85000"/>
-            <a:lumOff val="15000"/>
-          </a:schemeClr>
-        </a:solidFill>
-        <a:effectLst/>
-      </p:bgPr>
-    </p:bg>
-    <p:spTree>
-      <p:nvGrpSpPr>
-        <p:cNvPr id="1" name=""/>
-        <p:cNvGrpSpPr/>
-        <p:nvPr/>
-      </p:nvGrpSpPr>
-      <p:grpSpPr>
-        <a:xfrm>
-          <a:off x="0" y="0"/>
-          <a:ext cx="0" cy="0"/>
-          <a:chOff x="0" y="0"/>
-          <a:chExt cx="0" cy="0"/>
-        </a:xfrm>
-      </p:grpSpPr>
-      <p:graphicFrame>
-        <p:nvGraphicFramePr>
-          <p:cNvPr id="3" name="표 2">
-            <a:extLst>
-              <a:ext uri="{FF2B5EF4-FFF2-40B4-BE49-F238E27FC236}">
-                <a16:creationId xmlns:a16="http://schemas.microsoft.com/office/drawing/2014/main" id="{0336B2ED-1923-41C8-8B5B-0086F9B1CEBF}"/>
-              </a:ext>
-            </a:extLst>
-          </p:cNvPr>
-          <p:cNvGraphicFramePr>
-            <a:graphicFrameLocks noGrp="1"/>
-          </p:cNvGraphicFramePr>
-          <p:nvPr>
-            <p:extLst>
-              <p:ext uri="{D42A27DB-BD31-4B8C-83A1-F6EECF244321}">
-                <p14:modId xmlns:p14="http://schemas.microsoft.com/office/powerpoint/2010/main" val="2590161049"/>
-              </p:ext>
-            </p:extLst>
-          </p:nvPr>
-        </p:nvGraphicFramePr>
-        <p:xfrm>
-          <a:off x="2387588" y="2537206"/>
-          <a:ext cx="7416824" cy="1783588"/>
-        </p:xfrm>
-        <a:graphic>
-          <a:graphicData uri="http://schemas.openxmlformats.org/drawingml/2006/table">
-            <a:tbl>
-              <a:tblPr firstRow="1" bandRow="1">
-                <a:tableStyleId>{5C22544A-7EE6-4342-B048-85BDC9FD1C3A}</a:tableStyleId>
-              </a:tblPr>
-              <a:tblGrid>
-                <a:gridCol w="3708412">
-                  <a:extLst>
-                    <a:ext uri="{9D8B030D-6E8A-4147-A177-3AD203B41FA5}">
-                      <a16:colId xmlns:a16="http://schemas.microsoft.com/office/drawing/2014/main" val="20000"/>
-                    </a:ext>
-                  </a:extLst>
-                </a:gridCol>
-                <a:gridCol w="3708412">
-                  <a:extLst>
-                    <a:ext uri="{9D8B030D-6E8A-4147-A177-3AD203B41FA5}">
-                      <a16:colId xmlns:a16="http://schemas.microsoft.com/office/drawing/2014/main" val="20001"/>
-                    </a:ext>
-                  </a:extLst>
-                </a:gridCol>
-              </a:tblGrid>
-              <a:tr h="370840">
-                <a:tc>
-                  <a:txBody>
-                    <a:bodyPr/>
-                    <a:lstStyle/>
-                    <a:p>
-                      <a:pPr algn="ctr" latinLnBrk="1"/>
-                      <a:r>
-                        <a:rPr lang="ko-KR" altLang="en-US" dirty="0"/>
-                        <a:t>연산자</a:t>
-                      </a:r>
-                    </a:p>
-                  </a:txBody>
-                  <a:tcPr/>
-                </a:tc>
-                <a:tc>
-                  <a:txBody>
-                    <a:bodyPr/>
-                    <a:lstStyle/>
-                    <a:p>
-                      <a:pPr algn="ctr" latinLnBrk="1"/>
-                      <a:r>
-                        <a:rPr lang="ko-KR" altLang="en-US" dirty="0"/>
-                        <a:t>설명</a:t>
-                      </a:r>
-                    </a:p>
-                  </a:txBody>
-                  <a:tcPr/>
-                </a:tc>
-                <a:extLst>
-                  <a:ext uri="{0D108BD9-81ED-4DB2-BD59-A6C34878D82A}">
-                    <a16:rowId xmlns:a16="http://schemas.microsoft.com/office/drawing/2014/main" val="10000"/>
-                  </a:ext>
-                </a:extLst>
-              </a:tr>
-              <a:tr h="370840">
-                <a:tc>
-                  <a:txBody>
-                    <a:bodyPr/>
-                    <a:lstStyle/>
-                    <a:p>
-                      <a:pPr algn="ctr" latinLnBrk="1"/>
-                      <a:r>
-                        <a:rPr lang="en-US" altLang="ko-KR" dirty="0"/>
-                        <a:t>A and B</a:t>
-                      </a:r>
-                      <a:endParaRPr lang="ko-KR" altLang="en-US" dirty="0"/>
-                    </a:p>
-                  </a:txBody>
-                  <a:tcPr/>
-                </a:tc>
-                <a:tc>
-                  <a:txBody>
-                    <a:bodyPr/>
-                    <a:lstStyle/>
-                    <a:p>
-                      <a:pPr algn="ctr" latinLnBrk="1"/>
-                      <a:r>
-                        <a:rPr lang="en-US" altLang="ko-KR" sz="2000" dirty="0"/>
-                        <a:t>A,B</a:t>
-                      </a:r>
-                      <a:r>
-                        <a:rPr lang="ko-KR" altLang="en-US" sz="2000" dirty="0"/>
-                        <a:t> 모두 참이라면 </a:t>
-                      </a:r>
-                      <a:r>
-                        <a:rPr lang="en-US" altLang="ko-KR" sz="2000" dirty="0"/>
-                        <a:t>True</a:t>
-                      </a:r>
-                      <a:endParaRPr lang="ko-KR" altLang="en-US" sz="2000" dirty="0"/>
-                    </a:p>
-                  </a:txBody>
-                  <a:tcPr/>
-                </a:tc>
-                <a:extLst>
-                  <a:ext uri="{0D108BD9-81ED-4DB2-BD59-A6C34878D82A}">
-                    <a16:rowId xmlns:a16="http://schemas.microsoft.com/office/drawing/2014/main" val="10001"/>
-                  </a:ext>
-                </a:extLst>
-              </a:tr>
-              <a:tr h="370840">
-                <a:tc>
-                  <a:txBody>
-                    <a:bodyPr/>
-                    <a:lstStyle/>
-                    <a:p>
-                      <a:pPr algn="ctr" latinLnBrk="1"/>
-                      <a:r>
-                        <a:rPr lang="en-US" altLang="ko-KR" dirty="0"/>
-                        <a:t>A or B</a:t>
-                      </a:r>
-                      <a:endParaRPr lang="ko-KR" altLang="en-US" dirty="0"/>
-                    </a:p>
-                  </a:txBody>
-                  <a:tcPr/>
-                </a:tc>
-                <a:tc>
-                  <a:txBody>
-                    <a:bodyPr/>
-                    <a:lstStyle/>
-                    <a:p>
-                      <a:pPr algn="ctr" latinLnBrk="1"/>
-                      <a:r>
-                        <a:rPr lang="en-US" altLang="ko-KR" sz="2000" dirty="0"/>
-                        <a:t>A,B </a:t>
-                      </a:r>
-                      <a:r>
-                        <a:rPr lang="ko-KR" altLang="en-US" sz="2000" dirty="0"/>
-                        <a:t>중 하나라도 참이라면 </a:t>
-                      </a:r>
-                      <a:r>
-                        <a:rPr lang="en-US" altLang="ko-KR" sz="2000" dirty="0"/>
-                        <a:t>True</a:t>
-                      </a:r>
-                      <a:endParaRPr lang="ko-KR" altLang="en-US" sz="2000" dirty="0"/>
-                    </a:p>
-                  </a:txBody>
-                  <a:tcPr/>
-                </a:tc>
-                <a:extLst>
-                  <a:ext uri="{0D108BD9-81ED-4DB2-BD59-A6C34878D82A}">
-                    <a16:rowId xmlns:a16="http://schemas.microsoft.com/office/drawing/2014/main" val="10002"/>
-                  </a:ext>
-                </a:extLst>
-              </a:tr>
-              <a:tr h="370840">
-                <a:tc>
-                  <a:txBody>
-                    <a:bodyPr/>
-                    <a:lstStyle/>
-                    <a:p>
-                      <a:pPr marL="0" marR="0" indent="0" algn="ctr" defTabSz="914400" rtl="0" eaLnBrk="1" fontAlgn="auto" latinLnBrk="1" hangingPunct="1">
-                        <a:lnSpc>
-                          <a:spcPct val="100000"/>
-                        </a:lnSpc>
-                        <a:spcBef>
-                          <a:spcPts val="0"/>
-                        </a:spcBef>
-                        <a:spcAft>
-                          <a:spcPts val="0"/>
-                        </a:spcAft>
-                        <a:buClrTx/>
-                        <a:buSzTx/>
-                        <a:buFontTx/>
-                        <a:buNone/>
-                        <a:tabLst/>
-                        <a:defRPr/>
-                      </a:pPr>
-                      <a:r>
-                        <a:rPr lang="en-US" altLang="ko-KR" dirty="0"/>
-                        <a:t>not A</a:t>
-                      </a:r>
-                      <a:endParaRPr lang="ko-KR" altLang="en-US" dirty="0">
-                        <a:solidFill>
-                          <a:schemeClr val="accent6"/>
-                        </a:solidFill>
-                      </a:endParaRPr>
-                    </a:p>
-                  </a:txBody>
-                  <a:tcPr/>
-                </a:tc>
-                <a:tc>
-                  <a:txBody>
-                    <a:bodyPr/>
-                    <a:lstStyle/>
-                    <a:p>
-                      <a:pPr algn="ctr" latinLnBrk="1"/>
-                      <a:r>
-                        <a:rPr lang="en-US" altLang="ko-KR" sz="2000" dirty="0">
-                          <a:solidFill>
-                            <a:schemeClr val="tx1"/>
-                          </a:solidFill>
-                        </a:rPr>
-                        <a:t>A</a:t>
-                      </a:r>
-                      <a:r>
-                        <a:rPr lang="ko-KR" altLang="en-US" sz="2000" dirty="0">
-                          <a:solidFill>
-                            <a:schemeClr val="tx1"/>
-                          </a:solidFill>
-                        </a:rPr>
-                        <a:t> 가 참이라면 </a:t>
-                      </a:r>
-                      <a:r>
-                        <a:rPr lang="en-US" altLang="ko-KR" sz="2000" dirty="0">
-                          <a:solidFill>
-                            <a:schemeClr val="tx1"/>
-                          </a:solidFill>
-                        </a:rPr>
-                        <a:t>True</a:t>
-                      </a:r>
-                      <a:endParaRPr lang="ko-KR" altLang="en-US" sz="2000" dirty="0">
-                        <a:solidFill>
-                          <a:schemeClr val="tx1"/>
-                        </a:solidFill>
-                      </a:endParaRPr>
-                    </a:p>
-                  </a:txBody>
-                  <a:tcPr/>
-                </a:tc>
-                <a:extLst>
-                  <a:ext uri="{0D108BD9-81ED-4DB2-BD59-A6C34878D82A}">
-                    <a16:rowId xmlns:a16="http://schemas.microsoft.com/office/drawing/2014/main" val="10003"/>
-                  </a:ext>
-                </a:extLst>
-              </a:tr>
-            </a:tbl>
-          </a:graphicData>
-        </a:graphic>
-      </p:graphicFrame>
-    </p:spTree>
-    <p:extLst>
-      <p:ext uri="{BB962C8B-B14F-4D97-AF65-F5344CB8AC3E}">
-        <p14:creationId xmlns:p14="http://schemas.microsoft.com/office/powerpoint/2010/main" val="450208037"/>
-      </p:ext>
-    </p:extLst>
-  </p:cSld>
-  <p:clrMapOvr>
-    <a:masterClrMapping/>
-  </p:clrMapOvr>
-  <p:timing>
-    <p:tnLst>
-      <p:par>
-        <p:cTn id="1" dur="indefinite" restart="never" nodeType="tmRoot">
-          <p:childTnLst>
-            <p:seq concurrent="1" nextAc="seek">
-              <p:cTn id="2" dur="indefinite" nodeType="mainSeq">
-                <p:childTnLst>
-                  <p:par>
-                    <p:cTn id="3" fill="hold">
-                      <p:stCondLst>
-                        <p:cond delay="indefinite"/>
-                      </p:stCondLst>
-                      <p:childTnLst>
-                        <p:par>
-                          <p:cTn id="4" fill="hold">
-                            <p:stCondLst>
-                              <p:cond delay="0"/>
-                            </p:stCondLst>
-                            <p:childTnLst>
-                              <p:par>
-                                <p:cTn id="5" presetID="10" presetClass="entr" presetSubtype="0" fill="hold" nodeType="clickEffect">
-                                  <p:stCondLst>
-                                    <p:cond delay="0"/>
-                                  </p:stCondLst>
-                                  <p:childTnLst>
-                                    <p:set>
-                                      <p:cBhvr>
-                                        <p:cTn id="6" dur="1" fill="hold">
-                                          <p:stCondLst>
-                                            <p:cond delay="0"/>
-                                          </p:stCondLst>
-                                        </p:cTn>
-                                        <p:tgtEl>
-                                          <p:spTgt spid="3"/>
-                                        </p:tgtEl>
-                                        <p:attrNameLst>
-                                          <p:attrName>style.visibility</p:attrName>
-                                        </p:attrNameLst>
-                                      </p:cBhvr>
-                                      <p:to>
-                                        <p:strVal val="visible"/>
-                                      </p:to>
-                                    </p:set>
-                                    <p:animEffect transition="in" filter="fade">
-                                      <p:cBhvr>
-                                        <p:cTn id="7" dur="500"/>
-                                        <p:tgtEl>
-                                          <p:spTgt spid="3"/>
-                                        </p:tgtEl>
-                                      </p:cBhvr>
-                                    </p:animEffect>
-                                  </p:childTnLst>
-                                </p:cTn>
-                              </p:par>
-                            </p:childTnLst>
-                          </p:cTn>
-                        </p:par>
-                      </p:childTnLst>
-                    </p:cTn>
-                  </p:par>
-                </p:childTnLst>
-              </p:cTn>
-              <p:prevCondLst>
-                <p:cond evt="onPrev" delay="0">
-                  <p:tgtEl>
-                    <p:sldTgt/>
-                  </p:tgtEl>
-                </p:cond>
-              </p:prevCondLst>
-              <p:nextCondLst>
-                <p:cond evt="onNext" delay="0">
-                  <p:tgtEl>
-                    <p:sldTgt/>
-                  </p:tgtEl>
-                </p:cond>
-              </p:nextCondLst>
-            </p:seq>
-          </p:childTnLst>
-        </p:cTn>
-      </p:par>
-    </p:tnLst>
-  </p:timing>
-</p:sld>
-</file>
-
-<file path=ppt/slides/slide22.xml><?xml version="1.0" encoding="utf-8"?>
-<p:sld xmlns:a="http://schemas.openxmlformats.org/drawingml/2006/main" xmlns:r="http://schemas.openxmlformats.org/officeDocument/2006/relationships" xmlns:p="http://schemas.openxmlformats.org/presentationml/2006/main">
-  <p:cSld>
-    <p:bg>
-      <p:bgPr>
-        <a:solidFill>
-          <a:schemeClr val="tx1">
-            <a:lumMod val="85000"/>
-            <a:lumOff val="15000"/>
-          </a:schemeClr>
-        </a:solidFill>
-        <a:effectLst/>
-      </p:bgPr>
-    </p:bg>
-    <p:spTree>
-      <p:nvGrpSpPr>
-        <p:cNvPr id="1" name=""/>
-        <p:cNvGrpSpPr/>
-        <p:nvPr/>
-      </p:nvGrpSpPr>
-      <p:grpSpPr>
-        <a:xfrm>
-          <a:off x="0" y="0"/>
-          <a:ext cx="0" cy="0"/>
-          <a:chOff x="0" y="0"/>
-          <a:chExt cx="0" cy="0"/>
-        </a:xfrm>
-      </p:grpSpPr>
-      <p:graphicFrame>
-        <p:nvGraphicFramePr>
-          <p:cNvPr id="3" name="표 2">
-            <a:extLst>
-              <a:ext uri="{FF2B5EF4-FFF2-40B4-BE49-F238E27FC236}">
-                <a16:creationId xmlns:a16="http://schemas.microsoft.com/office/drawing/2014/main" id="{AF8B125F-A951-4993-AD16-5D0B19F34E04}"/>
-              </a:ext>
-            </a:extLst>
-          </p:cNvPr>
-          <p:cNvGraphicFramePr>
-            <a:graphicFrameLocks noGrp="1"/>
-          </p:cNvGraphicFramePr>
-          <p:nvPr>
-            <p:extLst>
-              <p:ext uri="{D42A27DB-BD31-4B8C-83A1-F6EECF244321}">
-                <p14:modId xmlns:p14="http://schemas.microsoft.com/office/powerpoint/2010/main" val="622018177"/>
-              </p:ext>
-            </p:extLst>
-          </p:nvPr>
-        </p:nvGraphicFramePr>
-        <p:xfrm>
-          <a:off x="3048000" y="2537206"/>
-          <a:ext cx="6096000" cy="1783588"/>
-        </p:xfrm>
-        <a:graphic>
-          <a:graphicData uri="http://schemas.openxmlformats.org/drawingml/2006/table">
-            <a:tbl>
-              <a:tblPr firstRow="1" bandRow="1">
-                <a:tableStyleId>{5C22544A-7EE6-4342-B048-85BDC9FD1C3A}</a:tableStyleId>
-              </a:tblPr>
-              <a:tblGrid>
-                <a:gridCol w="4632176">
-                  <a:extLst>
-                    <a:ext uri="{9D8B030D-6E8A-4147-A177-3AD203B41FA5}">
-                      <a16:colId xmlns:a16="http://schemas.microsoft.com/office/drawing/2014/main" val="20000"/>
-                    </a:ext>
-                  </a:extLst>
-                </a:gridCol>
-                <a:gridCol w="1463824">
-                  <a:extLst>
-                    <a:ext uri="{9D8B030D-6E8A-4147-A177-3AD203B41FA5}">
-                      <a16:colId xmlns:a16="http://schemas.microsoft.com/office/drawing/2014/main" val="20001"/>
-                    </a:ext>
-                  </a:extLst>
-                </a:gridCol>
-              </a:tblGrid>
-              <a:tr h="370840">
-                <a:tc>
-                  <a:txBody>
-                    <a:bodyPr/>
-                    <a:lstStyle/>
-                    <a:p>
-                      <a:pPr algn="ctr" latinLnBrk="1"/>
-                      <a:r>
-                        <a:rPr lang="ko-KR" altLang="en-US" dirty="0"/>
-                        <a:t>예시</a:t>
-                      </a:r>
-                    </a:p>
-                  </a:txBody>
-                  <a:tcPr/>
-                </a:tc>
-                <a:tc>
-                  <a:txBody>
-                    <a:bodyPr/>
-                    <a:lstStyle/>
-                    <a:p>
-                      <a:pPr algn="ctr" latinLnBrk="1"/>
-                      <a:r>
-                        <a:rPr lang="ko-KR" altLang="en-US" dirty="0"/>
-                        <a:t>결과</a:t>
-                      </a:r>
-                    </a:p>
-                  </a:txBody>
-                  <a:tcPr/>
-                </a:tc>
-                <a:extLst>
-                  <a:ext uri="{0D108BD9-81ED-4DB2-BD59-A6C34878D82A}">
-                    <a16:rowId xmlns:a16="http://schemas.microsoft.com/office/drawing/2014/main" val="10000"/>
-                  </a:ext>
-                </a:extLst>
-              </a:tr>
-              <a:tr h="370840">
-                <a:tc>
-                  <a:txBody>
-                    <a:bodyPr/>
-                    <a:lstStyle/>
-                    <a:p>
-                      <a:pPr algn="ctr" latinLnBrk="1"/>
-                      <a:r>
-                        <a:rPr lang="en-US" altLang="ko-KR" sz="1800" dirty="0"/>
-                        <a:t>print(4</a:t>
-                      </a:r>
-                      <a:r>
-                        <a:rPr lang="en-US" altLang="ko-KR" sz="1800" baseline="0" dirty="0"/>
-                        <a:t> &lt; 6 and 10 &gt;= 10)</a:t>
-                      </a:r>
-                      <a:endParaRPr lang="ko-KR" altLang="en-US" sz="1800" dirty="0"/>
-                    </a:p>
-                  </a:txBody>
-                  <a:tcPr/>
-                </a:tc>
-                <a:tc>
-                  <a:txBody>
-                    <a:bodyPr/>
-                    <a:lstStyle/>
-                    <a:p>
-                      <a:pPr algn="ctr" latinLnBrk="1"/>
-                      <a:endParaRPr lang="ko-KR" altLang="en-US" dirty="0"/>
-                    </a:p>
-                  </a:txBody>
-                  <a:tcPr/>
-                </a:tc>
-                <a:extLst>
-                  <a:ext uri="{0D108BD9-81ED-4DB2-BD59-A6C34878D82A}">
-                    <a16:rowId xmlns:a16="http://schemas.microsoft.com/office/drawing/2014/main" val="10001"/>
-                  </a:ext>
-                </a:extLst>
-              </a:tr>
-              <a:tr h="370840">
-                <a:tc>
-                  <a:txBody>
-                    <a:bodyPr/>
-                    <a:lstStyle/>
-                    <a:p>
-                      <a:pPr algn="ctr" latinLnBrk="1"/>
-                      <a:r>
-                        <a:rPr lang="en-US" altLang="ko-KR" sz="1800" dirty="0"/>
-                        <a:t>print("hi" != "hi" or "bye" == "bye")</a:t>
-                      </a:r>
-                      <a:endParaRPr lang="ko-KR" altLang="en-US" sz="1800" dirty="0"/>
-                    </a:p>
-                  </a:txBody>
-                  <a:tcPr/>
-                </a:tc>
-                <a:tc>
-                  <a:txBody>
-                    <a:bodyPr/>
-                    <a:lstStyle/>
-                    <a:p>
-                      <a:pPr algn="ctr" latinLnBrk="1"/>
-                      <a:endParaRPr lang="ko-KR" altLang="en-US" dirty="0"/>
-                    </a:p>
-                  </a:txBody>
-                  <a:tcPr/>
-                </a:tc>
-                <a:extLst>
-                  <a:ext uri="{0D108BD9-81ED-4DB2-BD59-A6C34878D82A}">
-                    <a16:rowId xmlns:a16="http://schemas.microsoft.com/office/drawing/2014/main" val="10002"/>
-                  </a:ext>
-                </a:extLst>
-              </a:tr>
-              <a:tr h="370840">
-                <a:tc>
-                  <a:txBody>
-                    <a:bodyPr/>
-                    <a:lstStyle/>
-                    <a:p>
-                      <a:pPr algn="ctr" latinLnBrk="1"/>
-                      <a:r>
-                        <a:rPr lang="en-US" altLang="ko-KR" sz="1800" dirty="0"/>
-                        <a:t>print(not 5==5</a:t>
-                      </a:r>
-                      <a:r>
-                        <a:rPr lang="en-US" altLang="ko-KR" sz="1800" baseline="0" dirty="0"/>
-                        <a:t>)</a:t>
-                      </a:r>
-                      <a:endParaRPr lang="ko-KR" altLang="en-US" sz="1800" dirty="0"/>
-                    </a:p>
-                  </a:txBody>
-                  <a:tcPr/>
-                </a:tc>
-                <a:tc>
-                  <a:txBody>
-                    <a:bodyPr/>
-                    <a:lstStyle/>
-                    <a:p>
-                      <a:pPr algn="ctr" latinLnBrk="1"/>
-                      <a:endParaRPr lang="ko-KR" altLang="en-US" dirty="0"/>
-                    </a:p>
-                  </a:txBody>
-                  <a:tcPr/>
-                </a:tc>
-                <a:extLst>
-                  <a:ext uri="{0D108BD9-81ED-4DB2-BD59-A6C34878D82A}">
-                    <a16:rowId xmlns:a16="http://schemas.microsoft.com/office/drawing/2014/main" val="10003"/>
-                  </a:ext>
-                </a:extLst>
-              </a:tr>
-            </a:tbl>
-          </a:graphicData>
-        </a:graphic>
-      </p:graphicFrame>
-    </p:spTree>
-    <p:extLst>
-      <p:ext uri="{BB962C8B-B14F-4D97-AF65-F5344CB8AC3E}">
-        <p14:creationId xmlns:p14="http://schemas.microsoft.com/office/powerpoint/2010/main" val="2639276599"/>
-      </p:ext>
-    </p:extLst>
-  </p:cSld>
-  <p:clrMapOvr>
-    <a:masterClrMapping/>
-  </p:clrMapOvr>
-  <p:timing>
-    <p:tnLst>
-      <p:par>
-        <p:cTn id="1" dur="indefinite" restart="never" nodeType="tmRoot">
-          <p:childTnLst>
-            <p:seq concurrent="1" nextAc="seek">
-              <p:cTn id="2" dur="indefinite" nodeType="mainSeq">
-                <p:childTnLst>
-                  <p:par>
-                    <p:cTn id="3" fill="hold">
-                      <p:stCondLst>
-                        <p:cond delay="indefinite"/>
-                      </p:stCondLst>
-                      <p:childTnLst>
-                        <p:par>
-                          <p:cTn id="4" fill="hold">
-                            <p:stCondLst>
-                              <p:cond delay="0"/>
-                            </p:stCondLst>
-                            <p:childTnLst>
-                              <p:par>
-                                <p:cTn id="5" presetID="10" presetClass="entr" presetSubtype="0" fill="hold" nodeType="clickEffect">
-                                  <p:stCondLst>
-                                    <p:cond delay="0"/>
-                                  </p:stCondLst>
-                                  <p:childTnLst>
-                                    <p:set>
-                                      <p:cBhvr>
-                                        <p:cTn id="6" dur="1" fill="hold">
-                                          <p:stCondLst>
-                                            <p:cond delay="0"/>
-                                          </p:stCondLst>
-                                        </p:cTn>
-                                        <p:tgtEl>
-                                          <p:spTgt spid="3"/>
-                                        </p:tgtEl>
-                                        <p:attrNameLst>
-                                          <p:attrName>style.visibility</p:attrName>
-                                        </p:attrNameLst>
-                                      </p:cBhvr>
-                                      <p:to>
-                                        <p:strVal val="visible"/>
-                                      </p:to>
-                                    </p:set>
-                                    <p:animEffect transition="in" filter="fade">
-                                      <p:cBhvr>
-                                        <p:cTn id="7" dur="500"/>
-                                        <p:tgtEl>
-                                          <p:spTgt spid="3"/>
-                                        </p:tgtEl>
-                                      </p:cBhvr>
-                                    </p:animEffect>
-                                  </p:childTnLst>
-                                </p:cTn>
-                              </p:par>
-                            </p:childTnLst>
-                          </p:cTn>
-                        </p:par>
-                      </p:childTnLst>
-                    </p:cTn>
-                  </p:par>
-                </p:childTnLst>
-              </p:cTn>
-              <p:prevCondLst>
-                <p:cond evt="onPrev" delay="0">
-                  <p:tgtEl>
-                    <p:sldTgt/>
-                  </p:tgtEl>
-                </p:cond>
-              </p:prevCondLst>
-              <p:nextCondLst>
-                <p:cond evt="onNext" delay="0">
-                  <p:tgtEl>
-                    <p:sldTgt/>
-                  </p:tgtEl>
-                </p:cond>
-              </p:nextCondLst>
-            </p:seq>
-          </p:childTnLst>
-        </p:cTn>
-      </p:par>
-    </p:tnLst>
-  </p:timing>
-</p:sld>
-</file>
-
-<file path=ppt/slides/slide23.xml><?xml version="1.0" encoding="utf-8"?>
-<p:sld xmlns:a="http://schemas.openxmlformats.org/drawingml/2006/main" xmlns:r="http://schemas.openxmlformats.org/officeDocument/2006/relationships" xmlns:p="http://schemas.openxmlformats.org/presentationml/2006/main">
-  <p:cSld>
-    <p:bg>
-      <p:bgPr>
-        <a:solidFill>
-          <a:schemeClr val="tx1">
-            <a:lumMod val="85000"/>
-            <a:lumOff val="15000"/>
-          </a:schemeClr>
-        </a:solidFill>
-        <a:effectLst/>
-      </p:bgPr>
-    </p:bg>
-    <p:spTree>
-      <p:nvGrpSpPr>
-        <p:cNvPr id="1" name=""/>
-        <p:cNvGrpSpPr/>
-        <p:nvPr/>
-      </p:nvGrpSpPr>
-      <p:grpSpPr>
-        <a:xfrm>
-          <a:off x="0" y="0"/>
-          <a:ext cx="0" cy="0"/>
-          <a:chOff x="0" y="0"/>
-          <a:chExt cx="0" cy="0"/>
-        </a:xfrm>
-      </p:grpSpPr>
-      <p:sp>
-        <p:nvSpPr>
-          <p:cNvPr id="2" name="TextBox 1">
-            <a:extLst>
-              <a:ext uri="{FF2B5EF4-FFF2-40B4-BE49-F238E27FC236}">
-                <a16:creationId xmlns:a16="http://schemas.microsoft.com/office/drawing/2014/main" id="{0B332A50-CC0E-4C7E-B47E-E7CFBA7B423B}"/>
-              </a:ext>
-            </a:extLst>
-          </p:cNvPr>
-          <p:cNvSpPr txBox="1"/>
-          <p:nvPr/>
-        </p:nvSpPr>
-        <p:spPr>
-          <a:xfrm>
-            <a:off x="4849209" y="3073874"/>
-            <a:ext cx="2509020" cy="717440"/>
-          </a:xfrm>
-          <a:prstGeom prst="rect">
-            <a:avLst/>
-          </a:prstGeom>
-          <a:noFill/>
-        </p:spPr>
-        <p:txBody>
-          <a:bodyPr wrap="none" rtlCol="0">
-            <a:spAutoFit/>
-          </a:bodyPr>
-          <a:lstStyle/>
-          <a:p>
-            <a:r>
-              <a:rPr lang="ko-KR" altLang="en-US" sz="4062">
-                <a:solidFill>
-                  <a:schemeClr val="bg1"/>
-                </a:solidFill>
-                <a:latin typeface="나눔바른고딕" panose="020B0603020101020101" pitchFamily="50" charset="-127"/>
-                <a:ea typeface="나눔바른고딕" panose="020B0603020101020101" pitchFamily="50" charset="-127"/>
-              </a:rPr>
-              <a:t>감사합니다</a:t>
-            </a:r>
-            <a:endParaRPr lang="en-US" altLang="ko-KR" sz="4062" dirty="0">
-              <a:solidFill>
-                <a:schemeClr val="bg1"/>
-              </a:solidFill>
-              <a:latin typeface="나눔바른고딕" panose="020B0603020101020101" pitchFamily="50" charset="-127"/>
-              <a:ea typeface="나눔바른고딕" panose="020B0603020101020101" pitchFamily="50" charset="-127"/>
-            </a:endParaRPr>
-          </a:p>
-        </p:txBody>
-      </p:sp>
-    </p:spTree>
-    <p:extLst>
-      <p:ext uri="{BB962C8B-B14F-4D97-AF65-F5344CB8AC3E}">
-        <p14:creationId xmlns:p14="http://schemas.microsoft.com/office/powerpoint/2010/main" val="1178316166"/>
-      </p:ext>
-    </p:extLst>
-  </p:cSld>
-  <p:clrMapOvr>
-    <a:masterClrMapping/>
-  </p:clrMapOvr>
-</p:sld>
-</file>
-
-<file path=ppt/slides/slide3.xml><?xml version="1.0" encoding="utf-8"?>
+<file path=ppt/slides/slide4.xml><?xml version="1.0" encoding="utf-8"?>
 <p:sld xmlns:a="http://schemas.openxmlformats.org/drawingml/2006/main" xmlns:r="http://schemas.openxmlformats.org/officeDocument/2006/relationships" xmlns:p="http://schemas.openxmlformats.org/presentationml/2006/main">
   <p:cSld>
     <p:bg>
@@ -9399,7 +7824,7 @@
 </p:sld>
 </file>
 
-<file path=ppt/slides/slide4.xml><?xml version="1.0" encoding="utf-8"?>
+<file path=ppt/slides/slide5.xml><?xml version="1.0" encoding="utf-8"?>
 <p:sld xmlns:a="http://schemas.openxmlformats.org/drawingml/2006/main" xmlns:r="http://schemas.openxmlformats.org/officeDocument/2006/relationships" xmlns:p="http://schemas.openxmlformats.org/presentationml/2006/main">
   <p:cSld>
     <p:bg>
@@ -9493,7 +7918,7 @@
 </p:sld>
 </file>
 
-<file path=ppt/slides/slide5.xml><?xml version="1.0" encoding="utf-8"?>
+<file path=ppt/slides/slide6.xml><?xml version="1.0" encoding="utf-8"?>
 <p:sld xmlns:a="http://schemas.openxmlformats.org/drawingml/2006/main" xmlns:r="http://schemas.openxmlformats.org/officeDocument/2006/relationships" xmlns:p="http://schemas.openxmlformats.org/presentationml/2006/main">
   <p:cSld>
     <p:bg>
@@ -9636,7 +8061,7 @@
 </p:sld>
 </file>
 
-<file path=ppt/slides/slide6.xml><?xml version="1.0" encoding="utf-8"?>
+<file path=ppt/slides/slide7.xml><?xml version="1.0" encoding="utf-8"?>
 <p:sld xmlns:a="http://schemas.openxmlformats.org/drawingml/2006/main" xmlns:r="http://schemas.openxmlformats.org/officeDocument/2006/relationships" xmlns:p="http://schemas.openxmlformats.org/presentationml/2006/main">
   <p:cSld>
     <p:bg>
@@ -9873,7 +8298,7 @@
 </p:sld>
 </file>
 
-<file path=ppt/slides/slide7.xml><?xml version="1.0" encoding="utf-8"?>
+<file path=ppt/slides/slide8.xml><?xml version="1.0" encoding="utf-8"?>
 <p:sld xmlns:a="http://schemas.openxmlformats.org/drawingml/2006/main" xmlns:r="http://schemas.openxmlformats.org/officeDocument/2006/relationships" xmlns:p="http://schemas.openxmlformats.org/presentationml/2006/main">
   <p:cSld>
     <p:bg>
@@ -9944,7 +8369,7 @@
 </p:sld>
 </file>
 
-<file path=ppt/slides/slide8.xml><?xml version="1.0" encoding="utf-8"?>
+<file path=ppt/slides/slide9.xml><?xml version="1.0" encoding="utf-8"?>
 <p:sld xmlns:a="http://schemas.openxmlformats.org/drawingml/2006/main" xmlns:r="http://schemas.openxmlformats.org/officeDocument/2006/relationships" xmlns:p="http://schemas.openxmlformats.org/presentationml/2006/main">
   <p:cSld>
     <p:bg>
@@ -10384,181 +8809,6 @@
       <p:bldP spid="2" grpId="0"/>
     </p:bldLst>
   </p:timing>
-</p:sld>
-</file>
-
-<file path=ppt/slides/slide9.xml><?xml version="1.0" encoding="utf-8"?>
-<p:sld xmlns:a="http://schemas.openxmlformats.org/drawingml/2006/main" xmlns:r="http://schemas.openxmlformats.org/officeDocument/2006/relationships" xmlns:p="http://schemas.openxmlformats.org/presentationml/2006/main">
-  <p:cSld>
-    <p:bg>
-      <p:bgPr>
-        <a:solidFill>
-          <a:schemeClr val="tx1">
-            <a:lumMod val="85000"/>
-            <a:lumOff val="15000"/>
-          </a:schemeClr>
-        </a:solidFill>
-        <a:effectLst/>
-      </p:bgPr>
-    </p:bg>
-    <p:spTree>
-      <p:nvGrpSpPr>
-        <p:cNvPr id="1" name=""/>
-        <p:cNvGrpSpPr/>
-        <p:nvPr/>
-      </p:nvGrpSpPr>
-      <p:grpSpPr>
-        <a:xfrm>
-          <a:off x="0" y="0"/>
-          <a:ext cx="0" cy="0"/>
-          <a:chOff x="0" y="0"/>
-          <a:chExt cx="0" cy="0"/>
-        </a:xfrm>
-      </p:grpSpPr>
-      <p:sp>
-        <p:nvSpPr>
-          <p:cNvPr id="3" name="TextBox 2">
-            <a:extLst>
-              <a:ext uri="{FF2B5EF4-FFF2-40B4-BE49-F238E27FC236}">
-                <a16:creationId xmlns:a16="http://schemas.microsoft.com/office/drawing/2014/main" id="{08A1525D-D82F-4202-A4E5-355420042614}"/>
-              </a:ext>
-            </a:extLst>
-          </p:cNvPr>
-          <p:cNvSpPr txBox="1"/>
-          <p:nvPr/>
-        </p:nvSpPr>
-        <p:spPr>
-          <a:xfrm>
-            <a:off x="3276318" y="2951947"/>
-            <a:ext cx="5639364" cy="954107"/>
-          </a:xfrm>
-          <a:prstGeom prst="rect">
-            <a:avLst/>
-          </a:prstGeom>
-          <a:noFill/>
-        </p:spPr>
-        <p:txBody>
-          <a:bodyPr wrap="none" rtlCol="0">
-            <a:spAutoFit/>
-          </a:bodyPr>
-          <a:lstStyle/>
-          <a:p>
-            <a:r>
-              <a:rPr lang="en-US" altLang="ko-KR" sz="2800" dirty="0">
-                <a:solidFill>
-                  <a:schemeClr val="accent6">
-                    <a:lumMod val="75000"/>
-                  </a:schemeClr>
-                </a:solidFill>
-                <a:latin typeface="나눔바른고딕" panose="020B0603020101020101" pitchFamily="50" charset="-127"/>
-                <a:ea typeface="나눔바른고딕" panose="020B0603020101020101" pitchFamily="50" charset="-127"/>
-              </a:rPr>
-              <a:t>if</a:t>
-            </a:r>
-            <a:r>
-              <a:rPr lang="ko-KR" altLang="en-US" sz="2800" dirty="0">
-                <a:solidFill>
-                  <a:schemeClr val="bg1">
-                    <a:lumMod val="95000"/>
-                  </a:schemeClr>
-                </a:solidFill>
-                <a:latin typeface="나눔바른고딕" panose="020B0603020101020101" pitchFamily="50" charset="-127"/>
-                <a:ea typeface="나눔바른고딕" panose="020B0603020101020101" pitchFamily="50" charset="-127"/>
-              </a:rPr>
-              <a:t> </a:t>
-            </a:r>
-            <a:r>
-              <a:rPr lang="ko-KR" altLang="en-US" sz="2800" dirty="0">
-                <a:solidFill>
-                  <a:schemeClr val="accent1"/>
-                </a:solidFill>
-                <a:latin typeface="나눔바른고딕" panose="020B0603020101020101" pitchFamily="50" charset="-127"/>
-                <a:ea typeface="나눔바른고딕" panose="020B0603020101020101" pitchFamily="50" charset="-127"/>
-              </a:rPr>
-              <a:t>조건식</a:t>
-            </a:r>
-            <a:r>
-              <a:rPr lang="en-US" altLang="ko-KR" sz="2800" dirty="0">
-                <a:solidFill>
-                  <a:schemeClr val="bg1">
-                    <a:lumMod val="95000"/>
-                  </a:schemeClr>
-                </a:solidFill>
-                <a:latin typeface="나눔바른고딕" panose="020B0603020101020101" pitchFamily="50" charset="-127"/>
-                <a:ea typeface="나눔바른고딕" panose="020B0603020101020101" pitchFamily="50" charset="-127"/>
-              </a:rPr>
-              <a:t>:</a:t>
-            </a:r>
-          </a:p>
-          <a:p>
-            <a:r>
-              <a:rPr lang="en-US" altLang="ko-KR" sz="2800" dirty="0">
-                <a:solidFill>
-                  <a:schemeClr val="bg1">
-                    <a:lumMod val="95000"/>
-                  </a:schemeClr>
-                </a:solidFill>
-                <a:latin typeface="나눔바른고딕" panose="020B0603020101020101" pitchFamily="50" charset="-127"/>
-                <a:ea typeface="나눔바른고딕" panose="020B0603020101020101" pitchFamily="50" charset="-127"/>
-              </a:rPr>
-              <a:t>	</a:t>
-            </a:r>
-            <a:r>
-              <a:rPr lang="ko-KR" altLang="en-US" sz="2800" dirty="0">
-                <a:solidFill>
-                  <a:schemeClr val="bg1">
-                    <a:lumMod val="95000"/>
-                  </a:schemeClr>
-                </a:solidFill>
-                <a:latin typeface="나눔바른고딕" panose="020B0603020101020101" pitchFamily="50" charset="-127"/>
-                <a:ea typeface="나눔바른고딕" panose="020B0603020101020101" pitchFamily="50" charset="-127"/>
-              </a:rPr>
-              <a:t>조건식이 </a:t>
-            </a:r>
-            <a:r>
-              <a:rPr lang="ko-KR" altLang="en-US" sz="2800" dirty="0">
-                <a:solidFill>
-                  <a:schemeClr val="accent3"/>
-                </a:solidFill>
-                <a:latin typeface="나눔바른고딕" panose="020B0603020101020101" pitchFamily="50" charset="-127"/>
-                <a:ea typeface="나눔바른고딕" panose="020B0603020101020101" pitchFamily="50" charset="-127"/>
-              </a:rPr>
-              <a:t>참</a:t>
-            </a:r>
-            <a:r>
-              <a:rPr lang="ko-KR" altLang="en-US" sz="2800" dirty="0">
-                <a:solidFill>
-                  <a:schemeClr val="bg1">
-                    <a:lumMod val="95000"/>
-                  </a:schemeClr>
-                </a:solidFill>
-                <a:latin typeface="나눔바른고딕" panose="020B0603020101020101" pitchFamily="50" charset="-127"/>
-                <a:ea typeface="나눔바른고딕" panose="020B0603020101020101" pitchFamily="50" charset="-127"/>
-              </a:rPr>
-              <a:t>일 때 실행되는 명령</a:t>
-            </a:r>
-            <a:endParaRPr lang="en-US" altLang="ko-KR" sz="2800" dirty="0">
-              <a:solidFill>
-                <a:schemeClr val="bg1">
-                  <a:lumMod val="95000"/>
-                </a:schemeClr>
-              </a:solidFill>
-              <a:latin typeface="나눔바른고딕" panose="020B0603020101020101" pitchFamily="50" charset="-127"/>
-              <a:ea typeface="나눔바른고딕" panose="020B0603020101020101" pitchFamily="50" charset="-127"/>
-            </a:endParaRPr>
-          </a:p>
-        </p:txBody>
-      </p:sp>
-    </p:spTree>
-    <p:extLst>
-      <p:ext uri="{BB962C8B-B14F-4D97-AF65-F5344CB8AC3E}">
-        <p14:creationId xmlns:p14="http://schemas.microsoft.com/office/powerpoint/2010/main" val="749210512"/>
-      </p:ext>
-    </p:extLst>
-  </p:cSld>
-  <p:clrMapOvr>
-    <a:masterClrMapping/>
-  </p:clrMapOvr>
 </p:sld>
 </file>
 

--- a/파이썬기초(PPT)/NEW_2021버전/파이썬 기초 6강_조건문.pptx
+++ b/파이썬기초(PPT)/NEW_2021버전/파이썬 기초 6강_조건문.pptx
@@ -5,25 +5,26 @@
     <p:sldMasterId id="2147483648" r:id="rId1"/>
   </p:sldMasterIdLst>
   <p:handoutMasterIdLst>
-    <p:handoutMasterId r:id="rId18"/>
+    <p:handoutMasterId r:id="rId19"/>
   </p:handoutMasterIdLst>
   <p:sldIdLst>
     <p:sldId id="292" r:id="rId2"/>
     <p:sldId id="347" r:id="rId3"/>
     <p:sldId id="361" r:id="rId4"/>
     <p:sldId id="332" r:id="rId5"/>
-    <p:sldId id="333" r:id="rId6"/>
-    <p:sldId id="348" r:id="rId7"/>
-    <p:sldId id="331" r:id="rId8"/>
-    <p:sldId id="354" r:id="rId9"/>
-    <p:sldId id="355" r:id="rId10"/>
-    <p:sldId id="357" r:id="rId11"/>
-    <p:sldId id="356" r:id="rId12"/>
-    <p:sldId id="358" r:id="rId13"/>
-    <p:sldId id="359" r:id="rId14"/>
-    <p:sldId id="360" r:id="rId15"/>
-    <p:sldId id="349" r:id="rId16"/>
-    <p:sldId id="338" r:id="rId17"/>
+    <p:sldId id="362" r:id="rId6"/>
+    <p:sldId id="333" r:id="rId7"/>
+    <p:sldId id="348" r:id="rId8"/>
+    <p:sldId id="331" r:id="rId9"/>
+    <p:sldId id="354" r:id="rId10"/>
+    <p:sldId id="355" r:id="rId11"/>
+    <p:sldId id="357" r:id="rId12"/>
+    <p:sldId id="356" r:id="rId13"/>
+    <p:sldId id="358" r:id="rId14"/>
+    <p:sldId id="359" r:id="rId15"/>
+    <p:sldId id="360" r:id="rId16"/>
+    <p:sldId id="349" r:id="rId17"/>
+    <p:sldId id="338" r:id="rId18"/>
   </p:sldIdLst>
   <p:sldSz cx="12192000" cy="6858000"/>
   <p:notesSz cx="10020300" cy="6888163"/>
@@ -471,7 +472,7 @@
           <a:p>
             <a:fld id="{FB30EDBD-1C2D-4C1E-B459-B60219FAB484}" type="datetimeFigureOut">
               <a:rPr lang="ko-KR" altLang="en-US" smtClean="0"/>
-              <a:t>2021-03-04</a:t>
+              <a:t>2021-03-09</a:t>
             </a:fld>
             <a:endParaRPr lang="ko-KR" altLang="en-US"/>
           </a:p>
@@ -634,7 +635,7 @@
           <a:p>
             <a:fld id="{FB30EDBD-1C2D-4C1E-B459-B60219FAB484}" type="datetimeFigureOut">
               <a:rPr lang="ko-KR" altLang="en-US" smtClean="0"/>
-              <a:t>2021-03-04</a:t>
+              <a:t>2021-03-09</a:t>
             </a:fld>
             <a:endParaRPr lang="ko-KR" altLang="en-US"/>
           </a:p>
@@ -807,7 +808,7 @@
           <a:p>
             <a:fld id="{FB30EDBD-1C2D-4C1E-B459-B60219FAB484}" type="datetimeFigureOut">
               <a:rPr lang="ko-KR" altLang="en-US" smtClean="0"/>
-              <a:t>2021-03-04</a:t>
+              <a:t>2021-03-09</a:t>
             </a:fld>
             <a:endParaRPr lang="ko-KR" altLang="en-US"/>
           </a:p>
@@ -970,7 +971,7 @@
           <a:p>
             <a:fld id="{FB30EDBD-1C2D-4C1E-B459-B60219FAB484}" type="datetimeFigureOut">
               <a:rPr lang="ko-KR" altLang="en-US" smtClean="0"/>
-              <a:t>2021-03-04</a:t>
+              <a:t>2021-03-09</a:t>
             </a:fld>
             <a:endParaRPr lang="ko-KR" altLang="en-US"/>
           </a:p>
@@ -1210,7 +1211,7 @@
           <a:p>
             <a:fld id="{FB30EDBD-1C2D-4C1E-B459-B60219FAB484}" type="datetimeFigureOut">
               <a:rPr lang="ko-KR" altLang="en-US" smtClean="0"/>
-              <a:t>2021-03-04</a:t>
+              <a:t>2021-03-09</a:t>
             </a:fld>
             <a:endParaRPr lang="ko-KR" altLang="en-US"/>
           </a:p>
@@ -1490,7 +1491,7 @@
           <a:p>
             <a:fld id="{FB30EDBD-1C2D-4C1E-B459-B60219FAB484}" type="datetimeFigureOut">
               <a:rPr lang="ko-KR" altLang="en-US" smtClean="0"/>
-              <a:t>2021-03-04</a:t>
+              <a:t>2021-03-09</a:t>
             </a:fld>
             <a:endParaRPr lang="ko-KR" altLang="en-US"/>
           </a:p>
@@ -1904,7 +1905,7 @@
           <a:p>
             <a:fld id="{FB30EDBD-1C2D-4C1E-B459-B60219FAB484}" type="datetimeFigureOut">
               <a:rPr lang="ko-KR" altLang="en-US" smtClean="0"/>
-              <a:t>2021-03-04</a:t>
+              <a:t>2021-03-09</a:t>
             </a:fld>
             <a:endParaRPr lang="ko-KR" altLang="en-US"/>
           </a:p>
@@ -2016,7 +2017,7 @@
           <a:p>
             <a:fld id="{FB30EDBD-1C2D-4C1E-B459-B60219FAB484}" type="datetimeFigureOut">
               <a:rPr lang="ko-KR" altLang="en-US" smtClean="0"/>
-              <a:t>2021-03-04</a:t>
+              <a:t>2021-03-09</a:t>
             </a:fld>
             <a:endParaRPr lang="ko-KR" altLang="en-US"/>
           </a:p>
@@ -2106,7 +2107,7 @@
           <a:p>
             <a:fld id="{FB30EDBD-1C2D-4C1E-B459-B60219FAB484}" type="datetimeFigureOut">
               <a:rPr lang="ko-KR" altLang="en-US" smtClean="0"/>
-              <a:t>2021-03-04</a:t>
+              <a:t>2021-03-09</a:t>
             </a:fld>
             <a:endParaRPr lang="ko-KR" altLang="en-US"/>
           </a:p>
@@ -2376,7 +2377,7 @@
           <a:p>
             <a:fld id="{FB30EDBD-1C2D-4C1E-B459-B60219FAB484}" type="datetimeFigureOut">
               <a:rPr lang="ko-KR" altLang="en-US" smtClean="0"/>
-              <a:t>2021-03-04</a:t>
+              <a:t>2021-03-09</a:t>
             </a:fld>
             <a:endParaRPr lang="ko-KR" altLang="en-US"/>
           </a:p>
@@ -2623,7 +2624,7 @@
           <a:p>
             <a:fld id="{FB30EDBD-1C2D-4C1E-B459-B60219FAB484}" type="datetimeFigureOut">
               <a:rPr lang="ko-KR" altLang="en-US" smtClean="0"/>
-              <a:t>2021-03-04</a:t>
+              <a:t>2021-03-09</a:t>
             </a:fld>
             <a:endParaRPr lang="ko-KR" altLang="en-US"/>
           </a:p>
@@ -2829,7 +2830,7 @@
           <a:p>
             <a:fld id="{FB30EDBD-1C2D-4C1E-B459-B60219FAB484}" type="datetimeFigureOut">
               <a:rPr lang="ko-KR" altLang="en-US" smtClean="0"/>
-              <a:t>2021-03-04</a:t>
+              <a:t>2021-03-09</a:t>
             </a:fld>
             <a:endParaRPr lang="ko-KR" altLang="en-US"/>
           </a:p>
@@ -3289,6 +3290,374 @@
       </p:grpSpPr>
       <p:sp>
         <p:nvSpPr>
+          <p:cNvPr id="2" name="TextBox 1">
+            <a:extLst>
+              <a:ext uri="{FF2B5EF4-FFF2-40B4-BE49-F238E27FC236}">
+                <a16:creationId xmlns:a16="http://schemas.microsoft.com/office/drawing/2014/main" id="{0B332A50-CC0E-4C7E-B47E-E7CFBA7B423B}"/>
+              </a:ext>
+            </a:extLst>
+          </p:cNvPr>
+          <p:cNvSpPr txBox="1"/>
+          <p:nvPr/>
+        </p:nvSpPr>
+        <p:spPr>
+          <a:xfrm>
+            <a:off x="3494967" y="3717032"/>
+            <a:ext cx="4129336" cy="830997"/>
+          </a:xfrm>
+          <a:prstGeom prst="rect">
+            <a:avLst/>
+          </a:prstGeom>
+          <a:noFill/>
+        </p:spPr>
+        <p:txBody>
+          <a:bodyPr wrap="none" rtlCol="0">
+            <a:spAutoFit/>
+          </a:bodyPr>
+          <a:lstStyle/>
+          <a:p>
+            <a:r>
+              <a:rPr lang="en-US" altLang="ko-KR" sz="2400" dirty="0">
+                <a:solidFill>
+                  <a:schemeClr val="accent6">
+                    <a:lumMod val="75000"/>
+                  </a:schemeClr>
+                </a:solidFill>
+                <a:latin typeface="나눔바른고딕" panose="020B0603020101020101" pitchFamily="50" charset="-127"/>
+                <a:ea typeface="나눔바른고딕" panose="020B0603020101020101" pitchFamily="50" charset="-127"/>
+              </a:rPr>
+              <a:t>if</a:t>
+            </a:r>
+            <a:r>
+              <a:rPr lang="ko-KR" altLang="en-US" sz="2400" dirty="0">
+                <a:solidFill>
+                  <a:schemeClr val="bg1">
+                    <a:lumMod val="95000"/>
+                  </a:schemeClr>
+                </a:solidFill>
+                <a:latin typeface="나눔바른고딕" panose="020B0603020101020101" pitchFamily="50" charset="-127"/>
+                <a:ea typeface="나눔바른고딕" panose="020B0603020101020101" pitchFamily="50" charset="-127"/>
+              </a:rPr>
+              <a:t> </a:t>
+            </a:r>
+            <a:r>
+              <a:rPr lang="en-US" altLang="ko-KR" sz="2400" dirty="0">
+                <a:solidFill>
+                  <a:schemeClr val="accent1"/>
+                </a:solidFill>
+                <a:latin typeface="나눔바른고딕" panose="020B0603020101020101" pitchFamily="50" charset="-127"/>
+                <a:ea typeface="나눔바른고딕" panose="020B0603020101020101" pitchFamily="50" charset="-127"/>
+              </a:rPr>
+              <a:t>distance &gt;= 200</a:t>
+            </a:r>
+            <a:r>
+              <a:rPr lang="en-US" altLang="ko-KR" sz="2400" dirty="0">
+                <a:solidFill>
+                  <a:schemeClr val="bg1">
+                    <a:lumMod val="95000"/>
+                  </a:schemeClr>
+                </a:solidFill>
+                <a:latin typeface="나눔바른고딕" panose="020B0603020101020101" pitchFamily="50" charset="-127"/>
+                <a:ea typeface="나눔바른고딕" panose="020B0603020101020101" pitchFamily="50" charset="-127"/>
+              </a:rPr>
+              <a:t>:</a:t>
+            </a:r>
+          </a:p>
+          <a:p>
+            <a:r>
+              <a:rPr lang="en-US" altLang="ko-KR" sz="2400" dirty="0">
+                <a:solidFill>
+                  <a:schemeClr val="bg1">
+                    <a:lumMod val="95000"/>
+                  </a:schemeClr>
+                </a:solidFill>
+                <a:latin typeface="나눔바른고딕" panose="020B0603020101020101" pitchFamily="50" charset="-127"/>
+                <a:ea typeface="나눔바른고딕" panose="020B0603020101020101" pitchFamily="50" charset="-127"/>
+              </a:rPr>
+              <a:t>	print("</a:t>
+            </a:r>
+            <a:r>
+              <a:rPr lang="ko-KR" altLang="en-US" sz="2400" dirty="0">
+                <a:solidFill>
+                  <a:schemeClr val="bg1">
+                    <a:lumMod val="95000"/>
+                  </a:schemeClr>
+                </a:solidFill>
+                <a:latin typeface="나눔바른고딕" panose="020B0603020101020101" pitchFamily="50" charset="-127"/>
+                <a:ea typeface="나눔바른고딕" panose="020B0603020101020101" pitchFamily="50" charset="-127"/>
+              </a:rPr>
+              <a:t>저격소총 쏘기</a:t>
+            </a:r>
+            <a:r>
+              <a:rPr lang="en-US" altLang="ko-KR" sz="2400" dirty="0">
+                <a:solidFill>
+                  <a:schemeClr val="bg1">
+                    <a:lumMod val="95000"/>
+                  </a:schemeClr>
+                </a:solidFill>
+                <a:latin typeface="나눔바른고딕" panose="020B0603020101020101" pitchFamily="50" charset="-127"/>
+                <a:ea typeface="나눔바른고딕" panose="020B0603020101020101" pitchFamily="50" charset="-127"/>
+              </a:rPr>
+              <a:t>!")</a:t>
+            </a:r>
+          </a:p>
+        </p:txBody>
+      </p:sp>
+      <p:sp>
+        <p:nvSpPr>
+          <p:cNvPr id="3" name="TextBox 2">
+            <a:extLst>
+              <a:ext uri="{FF2B5EF4-FFF2-40B4-BE49-F238E27FC236}">
+                <a16:creationId xmlns:a16="http://schemas.microsoft.com/office/drawing/2014/main" id="{08A1525D-D82F-4202-A4E5-355420042614}"/>
+              </a:ext>
+            </a:extLst>
+          </p:cNvPr>
+          <p:cNvSpPr txBox="1"/>
+          <p:nvPr/>
+        </p:nvSpPr>
+        <p:spPr>
+          <a:xfrm>
+            <a:off x="3494967" y="1332797"/>
+            <a:ext cx="5202065" cy="830997"/>
+          </a:xfrm>
+          <a:prstGeom prst="rect">
+            <a:avLst/>
+          </a:prstGeom>
+          <a:noFill/>
+        </p:spPr>
+        <p:txBody>
+          <a:bodyPr wrap="none" rtlCol="0">
+            <a:spAutoFit/>
+          </a:bodyPr>
+          <a:lstStyle/>
+          <a:p>
+            <a:r>
+              <a:rPr lang="ko-KR" altLang="en-US" sz="2400" dirty="0">
+                <a:solidFill>
+                  <a:schemeClr val="accent6">
+                    <a:lumMod val="75000"/>
+                  </a:schemeClr>
+                </a:solidFill>
+                <a:latin typeface="나눔바른고딕" panose="020B0603020101020101" pitchFamily="50" charset="-127"/>
+                <a:ea typeface="나눔바른고딕" panose="020B0603020101020101" pitchFamily="50" charset="-127"/>
+              </a:rPr>
+              <a:t>만약에</a:t>
+            </a:r>
+            <a:r>
+              <a:rPr lang="ko-KR" altLang="en-US" sz="2400" dirty="0">
+                <a:solidFill>
+                  <a:schemeClr val="bg1">
+                    <a:lumMod val="95000"/>
+                  </a:schemeClr>
+                </a:solidFill>
+                <a:latin typeface="나눔바른고딕" panose="020B0603020101020101" pitchFamily="50" charset="-127"/>
+                <a:ea typeface="나눔바른고딕" panose="020B0603020101020101" pitchFamily="50" charset="-127"/>
+              </a:rPr>
+              <a:t> 적과의 거리가 </a:t>
+            </a:r>
+            <a:r>
+              <a:rPr lang="en-US" altLang="ko-KR" sz="2400" dirty="0">
+                <a:solidFill>
+                  <a:schemeClr val="accent1"/>
+                </a:solidFill>
+                <a:latin typeface="나눔바른고딕" panose="020B0603020101020101" pitchFamily="50" charset="-127"/>
+                <a:ea typeface="나눔바른고딕" panose="020B0603020101020101" pitchFamily="50" charset="-127"/>
+              </a:rPr>
+              <a:t>200m </a:t>
+            </a:r>
+            <a:r>
+              <a:rPr lang="ko-KR" altLang="en-US" sz="2400" dirty="0">
+                <a:solidFill>
+                  <a:schemeClr val="accent1"/>
+                </a:solidFill>
+                <a:latin typeface="나눔바른고딕" panose="020B0603020101020101" pitchFamily="50" charset="-127"/>
+                <a:ea typeface="나눔바른고딕" panose="020B0603020101020101" pitchFamily="50" charset="-127"/>
+              </a:rPr>
+              <a:t>이상</a:t>
+            </a:r>
+            <a:r>
+              <a:rPr lang="ko-KR" altLang="en-US" sz="2400" dirty="0">
+                <a:solidFill>
+                  <a:schemeClr val="bg1">
+                    <a:lumMod val="95000"/>
+                  </a:schemeClr>
+                </a:solidFill>
+                <a:latin typeface="나눔바른고딕" panose="020B0603020101020101" pitchFamily="50" charset="-127"/>
+                <a:ea typeface="나눔바른고딕" panose="020B0603020101020101" pitchFamily="50" charset="-127"/>
+              </a:rPr>
+              <a:t>이라면</a:t>
+            </a:r>
+            <a:r>
+              <a:rPr lang="en-US" altLang="ko-KR" sz="2400" dirty="0">
+                <a:solidFill>
+                  <a:schemeClr val="bg1">
+                    <a:lumMod val="95000"/>
+                  </a:schemeClr>
+                </a:solidFill>
+                <a:latin typeface="나눔바른고딕" panose="020B0603020101020101" pitchFamily="50" charset="-127"/>
+                <a:ea typeface="나눔바른고딕" panose="020B0603020101020101" pitchFamily="50" charset="-127"/>
+              </a:rPr>
+              <a:t>:</a:t>
+            </a:r>
+          </a:p>
+          <a:p>
+            <a:r>
+              <a:rPr lang="en-US" altLang="ko-KR" sz="2400" dirty="0">
+                <a:solidFill>
+                  <a:schemeClr val="bg1">
+                    <a:lumMod val="95000"/>
+                  </a:schemeClr>
+                </a:solidFill>
+                <a:latin typeface="나눔바른고딕" panose="020B0603020101020101" pitchFamily="50" charset="-127"/>
+                <a:ea typeface="나눔바른고딕" panose="020B0603020101020101" pitchFamily="50" charset="-127"/>
+              </a:rPr>
+              <a:t>	- </a:t>
+            </a:r>
+            <a:r>
+              <a:rPr lang="ko-KR" altLang="en-US" sz="2400" dirty="0">
+                <a:solidFill>
+                  <a:schemeClr val="bg1">
+                    <a:lumMod val="95000"/>
+                  </a:schemeClr>
+                </a:solidFill>
+                <a:latin typeface="나눔바른고딕" panose="020B0603020101020101" pitchFamily="50" charset="-127"/>
+                <a:ea typeface="나눔바른고딕" panose="020B0603020101020101" pitchFamily="50" charset="-127"/>
+              </a:rPr>
+              <a:t>저격소총을 쏜다</a:t>
+            </a:r>
+            <a:endParaRPr lang="en-US" altLang="ko-KR" sz="2400" dirty="0">
+              <a:solidFill>
+                <a:schemeClr val="bg1">
+                  <a:lumMod val="95000"/>
+                </a:schemeClr>
+              </a:solidFill>
+              <a:latin typeface="나눔바른고딕" panose="020B0603020101020101" pitchFamily="50" charset="-127"/>
+              <a:ea typeface="나눔바른고딕" panose="020B0603020101020101" pitchFamily="50" charset="-127"/>
+            </a:endParaRPr>
+          </a:p>
+        </p:txBody>
+      </p:sp>
+    </p:spTree>
+    <p:extLst>
+      <p:ext uri="{BB962C8B-B14F-4D97-AF65-F5344CB8AC3E}">
+        <p14:creationId xmlns:p14="http://schemas.microsoft.com/office/powerpoint/2010/main" val="3695103407"/>
+      </p:ext>
+    </p:extLst>
+  </p:cSld>
+  <p:clrMapOvr>
+    <a:masterClrMapping/>
+  </p:clrMapOvr>
+  <p:timing>
+    <p:tnLst>
+      <p:par>
+        <p:cTn id="1" dur="indefinite" restart="never" nodeType="tmRoot">
+          <p:childTnLst>
+            <p:seq concurrent="1" nextAc="seek">
+              <p:cTn id="2" dur="indefinite" nodeType="mainSeq">
+                <p:childTnLst>
+                  <p:par>
+                    <p:cTn id="3" fill="hold">
+                      <p:stCondLst>
+                        <p:cond delay="indefinite"/>
+                      </p:stCondLst>
+                      <p:childTnLst>
+                        <p:par>
+                          <p:cTn id="4" fill="hold">
+                            <p:stCondLst>
+                              <p:cond delay="0"/>
+                            </p:stCondLst>
+                            <p:childTnLst>
+                              <p:par>
+                                <p:cTn id="5" presetID="1" presetClass="entr" presetSubtype="0" fill="hold" grpId="0" nodeType="clickEffect">
+                                  <p:stCondLst>
+                                    <p:cond delay="0"/>
+                                  </p:stCondLst>
+                                  <p:childTnLst>
+                                    <p:set>
+                                      <p:cBhvr>
+                                        <p:cTn id="6" dur="1" fill="hold">
+                                          <p:stCondLst>
+                                            <p:cond delay="0"/>
+                                          </p:stCondLst>
+                                        </p:cTn>
+                                        <p:tgtEl>
+                                          <p:spTgt spid="2"/>
+                                        </p:tgtEl>
+                                        <p:attrNameLst>
+                                          <p:attrName>style.visibility</p:attrName>
+                                        </p:attrNameLst>
+                                      </p:cBhvr>
+                                      <p:to>
+                                        <p:strVal val="visible"/>
+                                      </p:to>
+                                    </p:set>
+                                  </p:childTnLst>
+                                </p:cTn>
+                              </p:par>
+                            </p:childTnLst>
+                          </p:cTn>
+                        </p:par>
+                      </p:childTnLst>
+                    </p:cTn>
+                  </p:par>
+                </p:childTnLst>
+              </p:cTn>
+              <p:prevCondLst>
+                <p:cond evt="onPrev" delay="0">
+                  <p:tgtEl>
+                    <p:sldTgt/>
+                  </p:tgtEl>
+                </p:cond>
+              </p:prevCondLst>
+              <p:nextCondLst>
+                <p:cond evt="onNext" delay="0">
+                  <p:tgtEl>
+                    <p:sldTgt/>
+                  </p:tgtEl>
+                </p:cond>
+              </p:nextCondLst>
+            </p:seq>
+          </p:childTnLst>
+        </p:cTn>
+      </p:par>
+    </p:tnLst>
+    <p:bldLst>
+      <p:bldP spid="2" grpId="0"/>
+    </p:bldLst>
+  </p:timing>
+</p:sld>
+</file>
+
+<file path=ppt/slides/slide11.xml><?xml version="1.0" encoding="utf-8"?>
+<p:sld xmlns:a="http://schemas.openxmlformats.org/drawingml/2006/main" xmlns:r="http://schemas.openxmlformats.org/officeDocument/2006/relationships" xmlns:p="http://schemas.openxmlformats.org/presentationml/2006/main">
+  <p:cSld>
+    <p:bg>
+      <p:bgPr>
+        <a:solidFill>
+          <a:schemeClr val="tx1">
+            <a:lumMod val="85000"/>
+            <a:lumOff val="15000"/>
+          </a:schemeClr>
+        </a:solidFill>
+        <a:effectLst/>
+      </p:bgPr>
+    </p:bg>
+    <p:spTree>
+      <p:nvGrpSpPr>
+        <p:cNvPr id="1" name=""/>
+        <p:cNvGrpSpPr/>
+        <p:nvPr/>
+      </p:nvGrpSpPr>
+      <p:grpSpPr>
+        <a:xfrm>
+          <a:off x="0" y="0"/>
+          <a:ext cx="0" cy="0"/>
+          <a:chOff x="0" y="0"/>
+          <a:chExt cx="0" cy="0"/>
+        </a:xfrm>
+      </p:grpSpPr>
+      <p:sp>
+        <p:nvSpPr>
           <p:cNvPr id="3" name="TextBox 2">
             <a:extLst>
               <a:ext uri="{FF2B5EF4-FFF2-40B4-BE49-F238E27FC236}">
@@ -3302,7 +3671,7 @@
         <p:spPr>
           <a:xfrm>
             <a:off x="3276318" y="2951947"/>
-            <a:ext cx="5639364" cy="954107"/>
+            <a:ext cx="6204058" cy="954107"/>
           </a:xfrm>
           <a:prstGeom prst="rect">
             <a:avLst/>
@@ -3310,7 +3679,7 @@
           <a:noFill/>
         </p:spPr>
         <p:txBody>
-          <a:bodyPr wrap="none" rtlCol="0">
+          <a:bodyPr wrap="square" rtlCol="0">
             <a:spAutoFit/>
           </a:bodyPr>
           <a:lstStyle/>
@@ -3957,7 +4326,7 @@
 </p:sld>
 </file>
 
-<file path=ppt/slides/slide11.xml><?xml version="1.0" encoding="utf-8"?>
+<file path=ppt/slides/slide12.xml><?xml version="1.0" encoding="utf-8"?>
 <p:sld xmlns:a="http://schemas.openxmlformats.org/drawingml/2006/main" xmlns:r="http://schemas.openxmlformats.org/officeDocument/2006/relationships" xmlns:p="http://schemas.openxmlformats.org/presentationml/2006/main">
   <p:cSld>
     <p:bg>
@@ -4359,36 +4728,6 @@
           </a:p>
         </p:txBody>
       </p:sp>
-      <p:pic>
-        <p:nvPicPr>
-          <p:cNvPr id="5" name="그림 4">
-            <a:extLst>
-              <a:ext uri="{FF2B5EF4-FFF2-40B4-BE49-F238E27FC236}">
-                <a16:creationId xmlns:a16="http://schemas.microsoft.com/office/drawing/2014/main" id="{EE980892-CDF5-42AA-8275-1ADF7F7ED6F1}"/>
-              </a:ext>
-            </a:extLst>
-          </p:cNvPr>
-          <p:cNvPicPr>
-            <a:picLocks noChangeAspect="1"/>
-          </p:cNvPicPr>
-          <p:nvPr/>
-        </p:nvPicPr>
-        <p:blipFill>
-          <a:blip r:embed="rId2"/>
-          <a:stretch>
-            <a:fillRect/>
-          </a:stretch>
-        </p:blipFill>
-        <p:spPr>
-          <a:xfrm>
-            <a:off x="7392144" y="3861048"/>
-            <a:ext cx="2372056" cy="2391109"/>
-          </a:xfrm>
-          <a:prstGeom prst="rect">
-            <a:avLst/>
-          </a:prstGeom>
-        </p:spPr>
-      </p:pic>
     </p:spTree>
     <p:extLst>
       <p:ext uri="{BB962C8B-B14F-4D97-AF65-F5344CB8AC3E}">
@@ -4452,51 +4791,6 @@
                       </p:childTnLst>
                     </p:cTn>
                   </p:par>
-                  <p:par>
-                    <p:cTn id="7" fill="hold">
-                      <p:stCondLst>
-                        <p:cond delay="indefinite"/>
-                      </p:stCondLst>
-                      <p:childTnLst>
-                        <p:par>
-                          <p:cTn id="8" fill="hold">
-                            <p:stCondLst>
-                              <p:cond delay="0"/>
-                            </p:stCondLst>
-                            <p:childTnLst>
-                              <p:par>
-                                <p:cTn id="9" presetID="1" presetClass="entr" presetSubtype="0" fill="hold" nodeType="clickEffect">
-                                  <p:stCondLst>
-                                    <p:cond delay="0"/>
-                                  </p:stCondLst>
-                                  <p:childTnLst>
-                                    <p:set>
-                                      <p:cBhvr>
-                                        <p:cTn id="10" dur="1" fill="hold">
-                                          <p:stCondLst>
-                                            <p:cond delay="0"/>
-                                          </p:stCondLst>
-                                        </p:cTn>
-                                        <p:tgtEl>
-                                          <p:spTgt spid="5"/>
-                                        </p:tgtEl>
-                                        <p:attrNameLst>
-                                          <p:attrName>style.visibility</p:attrName>
-                                        </p:attrNameLst>
-                                      </p:cBhvr>
-                                      <p:to>
-                                        <p:strVal val="visible"/>
-                                      </p:to>
-                                    </p:set>
-                                  </p:childTnLst>
-                                </p:cTn>
-                              </p:par>
-                            </p:childTnLst>
-                          </p:cTn>
-                        </p:par>
-                      </p:childTnLst>
-                    </p:cTn>
-                  </p:par>
                 </p:childTnLst>
               </p:cTn>
               <p:prevCondLst>
@@ -4525,7 +4819,7 @@
 </p:sld>
 </file>
 
-<file path=ppt/slides/slide12.xml><?xml version="1.0" encoding="utf-8"?>
+<file path=ppt/slides/slide13.xml><?xml version="1.0" encoding="utf-8"?>
 <p:sld xmlns:a="http://schemas.openxmlformats.org/drawingml/2006/main" xmlns:r="http://schemas.openxmlformats.org/officeDocument/2006/relationships" xmlns:p="http://schemas.openxmlformats.org/presentationml/2006/main">
   <p:cSld>
     <p:bg>
@@ -4783,7 +5077,7 @@
 </p:sld>
 </file>
 
-<file path=ppt/slides/slide13.xml><?xml version="1.0" encoding="utf-8"?>
+<file path=ppt/slides/slide14.xml><?xml version="1.0" encoding="utf-8"?>
 <p:sld xmlns:a="http://schemas.openxmlformats.org/drawingml/2006/main" xmlns:r="http://schemas.openxmlformats.org/officeDocument/2006/relationships" xmlns:p="http://schemas.openxmlformats.org/presentationml/2006/main">
   <p:cSld>
     <p:bg>
@@ -4826,7 +5120,7 @@
         <p:spPr>
           <a:xfrm>
             <a:off x="3030096" y="3717032"/>
-            <a:ext cx="3900363" cy="1938992"/>
+            <a:ext cx="3807132" cy="1938992"/>
           </a:xfrm>
           <a:prstGeom prst="rect">
             <a:avLst/>
@@ -4871,7 +5165,7 @@
                 <a:latin typeface="나눔바른고딕" panose="020B0603020101020101" pitchFamily="50" charset="-127"/>
                 <a:ea typeface="나눔바른고딕" panose="020B0603020101020101" pitchFamily="50" charset="-127"/>
               </a:rPr>
-              <a:t>hp &lt;= 40</a:t>
+              <a:t> money &gt;= 20000</a:t>
             </a:r>
             <a:r>
               <a:rPr lang="en-US" altLang="ko-KR" sz="2000" dirty="0">
@@ -4897,19 +5191,19 @@
                 <a:latin typeface="나눔바른고딕" panose="020B0603020101020101" pitchFamily="50" charset="-127"/>
                 <a:ea typeface="나눔바른고딕" panose="020B0603020101020101" pitchFamily="50" charset="-127"/>
               </a:rPr>
-              <a:t>	</a:t>
-            </a:r>
-            <a:r>
-              <a:rPr lang="en-US" altLang="ko-KR" sz="2000" dirty="0" err="1">
-                <a:solidFill>
-                  <a:schemeClr val="bg1">
-                    <a:lumMod val="95000"/>
-                  </a:schemeClr>
-                </a:solidFill>
-                <a:latin typeface="나눔바른고딕" panose="020B0603020101020101" pitchFamily="50" charset="-127"/>
-                <a:ea typeface="나눔바른고딕" panose="020B0603020101020101" pitchFamily="50" charset="-127"/>
-              </a:rPr>
-              <a:t>medikit</a:t>
+              <a:t>	print("</a:t>
+            </a:r>
+            <a:r>
+              <a:rPr lang="ko-KR" altLang="en-US" sz="2000" dirty="0">
+                <a:solidFill>
+                  <a:schemeClr val="bg1">
+                    <a:lumMod val="95000"/>
+                  </a:schemeClr>
+                </a:solidFill>
+                <a:latin typeface="나눔바른고딕" panose="020B0603020101020101" pitchFamily="50" charset="-127"/>
+                <a:ea typeface="나눔바른고딕" panose="020B0603020101020101" pitchFamily="50" charset="-127"/>
+              </a:rPr>
+              <a:t>치킨에 맥주 먹기</a:t>
             </a:r>
             <a:r>
               <a:rPr lang="en-US" altLang="ko-KR" sz="2000" dirty="0">
@@ -4921,31 +5215,7 @@
                 <a:latin typeface="나눔바른고딕" panose="020B0603020101020101" pitchFamily="50" charset="-127"/>
                 <a:ea typeface="나눔바른고딕" panose="020B0603020101020101" pitchFamily="50" charset="-127"/>
               </a:rPr>
-              <a:t> = </a:t>
-            </a:r>
-            <a:r>
-              <a:rPr lang="en-US" altLang="ko-KR" sz="2000" dirty="0" err="1">
-                <a:solidFill>
-                  <a:schemeClr val="bg1">
-                    <a:lumMod val="95000"/>
-                  </a:schemeClr>
-                </a:solidFill>
-                <a:latin typeface="나눔바른고딕" panose="020B0603020101020101" pitchFamily="50" charset="-127"/>
-                <a:ea typeface="나눔바른고딕" panose="020B0603020101020101" pitchFamily="50" charset="-127"/>
-              </a:rPr>
-              <a:t>medikit</a:t>
-            </a:r>
-            <a:r>
-              <a:rPr lang="en-US" altLang="ko-KR" sz="2000" dirty="0">
-                <a:solidFill>
-                  <a:schemeClr val="bg1">
-                    <a:lumMod val="95000"/>
-                  </a:schemeClr>
-                </a:solidFill>
-                <a:latin typeface="나눔바른고딕" panose="020B0603020101020101" pitchFamily="50" charset="-127"/>
-                <a:ea typeface="나눔바른고딕" panose="020B0603020101020101" pitchFamily="50" charset="-127"/>
-              </a:rPr>
-              <a:t> -1</a:t>
+              <a:t>")</a:t>
             </a:r>
           </a:p>
           <a:p>
@@ -4981,7 +5251,7 @@
                 <a:latin typeface="나눔바른고딕" panose="020B0603020101020101" pitchFamily="50" charset="-127"/>
                 <a:ea typeface="나눔바른고딕" panose="020B0603020101020101" pitchFamily="50" charset="-127"/>
               </a:rPr>
-              <a:t>hp &lt;= 70</a:t>
+              <a:t>money &gt;= 10000</a:t>
             </a:r>
             <a:r>
               <a:rPr lang="en-US" altLang="ko-KR" sz="2000" dirty="0">
@@ -5007,7 +5277,31 @@
                 <a:latin typeface="나눔바른고딕" panose="020B0603020101020101" pitchFamily="50" charset="-127"/>
                 <a:ea typeface="나눔바른고딕" panose="020B0603020101020101" pitchFamily="50" charset="-127"/>
               </a:rPr>
-              <a:t>	bandage = bandage -1</a:t>
+              <a:t>	print("</a:t>
+            </a:r>
+            <a:r>
+              <a:rPr lang="ko-KR" altLang="en-US" sz="2000" dirty="0">
+                <a:solidFill>
+                  <a:schemeClr val="bg1">
+                    <a:lumMod val="95000"/>
+                  </a:schemeClr>
+                </a:solidFill>
+                <a:latin typeface="나눔바른고딕" panose="020B0603020101020101" pitchFamily="50" charset="-127"/>
+                <a:ea typeface="나눔바른고딕" panose="020B0603020101020101" pitchFamily="50" charset="-127"/>
+              </a:rPr>
+              <a:t>떡볶이 먹기</a:t>
+            </a:r>
+            <a:r>
+              <a:rPr lang="en-US" altLang="ko-KR" sz="2000" dirty="0">
+                <a:solidFill>
+                  <a:schemeClr val="bg1">
+                    <a:lumMod val="95000"/>
+                  </a:schemeClr>
+                </a:solidFill>
+                <a:latin typeface="나눔바른고딕" panose="020B0603020101020101" pitchFamily="50" charset="-127"/>
+                <a:ea typeface="나눔바른고딕" panose="020B0603020101020101" pitchFamily="50" charset="-127"/>
+              </a:rPr>
+              <a:t>")</a:t>
             </a:r>
           </a:p>
           <a:p>
@@ -5047,7 +5341,43 @@
                 <a:latin typeface="나눔바른고딕" panose="020B0603020101020101" pitchFamily="50" charset="-127"/>
                 <a:ea typeface="나눔바른고딕" panose="020B0603020101020101" pitchFamily="50" charset="-127"/>
               </a:rPr>
-              <a:t>	painkiller = painkiller -1</a:t>
+              <a:t>	print("</a:t>
+            </a:r>
+            <a:r>
+              <a:rPr lang="ko-KR" altLang="en-US" sz="2000" dirty="0">
+                <a:solidFill>
+                  <a:schemeClr val="bg1">
+                    <a:lumMod val="95000"/>
+                  </a:schemeClr>
+                </a:solidFill>
+                <a:latin typeface="나눔바른고딕" panose="020B0603020101020101" pitchFamily="50" charset="-127"/>
+                <a:ea typeface="나눔바른고딕" panose="020B0603020101020101" pitchFamily="50" charset="-127"/>
+              </a:rPr>
+              <a:t>편의점 </a:t>
+            </a:r>
+            <a:r>
+              <a:rPr lang="ko-KR" altLang="en-US" sz="2000" dirty="0" err="1">
+                <a:solidFill>
+                  <a:schemeClr val="bg1">
+                    <a:lumMod val="95000"/>
+                  </a:schemeClr>
+                </a:solidFill>
+                <a:latin typeface="나눔바른고딕" panose="020B0603020101020101" pitchFamily="50" charset="-127"/>
+                <a:ea typeface="나눔바른고딕" panose="020B0603020101020101" pitchFamily="50" charset="-127"/>
+              </a:rPr>
+              <a:t>김밥행</a:t>
+            </a:r>
+            <a:r>
+              <a:rPr lang="en-US" altLang="ko-KR" sz="2000" dirty="0">
+                <a:solidFill>
+                  <a:schemeClr val="bg1">
+                    <a:lumMod val="95000"/>
+                  </a:schemeClr>
+                </a:solidFill>
+                <a:latin typeface="나눔바른고딕" panose="020B0603020101020101" pitchFamily="50" charset="-127"/>
+                <a:ea typeface="나눔바른고딕" panose="020B0603020101020101" pitchFamily="50" charset="-127"/>
+              </a:rPr>
+              <a:t>")</a:t>
             </a:r>
           </a:p>
         </p:txBody>
@@ -5067,7 +5397,7 @@
         <p:spPr>
           <a:xfrm>
             <a:off x="3030096" y="980728"/>
-            <a:ext cx="4363695" cy="1938992"/>
+            <a:ext cx="4523995" cy="1938992"/>
           </a:xfrm>
           <a:prstGeom prst="rect">
             <a:avLst/>
@@ -5102,7 +5432,17 @@
                 <a:latin typeface="나눔바른고딕" panose="020B0603020101020101" pitchFamily="50" charset="-127"/>
                 <a:ea typeface="나눔바른고딕" panose="020B0603020101020101" pitchFamily="50" charset="-127"/>
               </a:rPr>
-              <a:t> 체력이 </a:t>
+              <a:t> 지갑에 </a:t>
+            </a:r>
+            <a:r>
+              <a:rPr lang="ko-KR" altLang="en-US" sz="2000" dirty="0">
+                <a:solidFill>
+                  <a:schemeClr val="accent1"/>
+                </a:solidFill>
+                <a:latin typeface="나눔바른고딕" panose="020B0603020101020101" pitchFamily="50" charset="-127"/>
+                <a:ea typeface="나눔바른고딕" panose="020B0603020101020101" pitchFamily="50" charset="-127"/>
+              </a:rPr>
+              <a:t>돈이 </a:t>
             </a:r>
             <a:r>
               <a:rPr lang="en-US" altLang="ko-KR" sz="2000" dirty="0">
@@ -5112,7 +5452,17 @@
                 <a:latin typeface="나눔바른고딕" panose="020B0603020101020101" pitchFamily="50" charset="-127"/>
                 <a:ea typeface="나눔바른고딕" panose="020B0603020101020101" pitchFamily="50" charset="-127"/>
               </a:rPr>
-              <a:t>40 </a:t>
+              <a:t>20000</a:t>
+            </a:r>
+            <a:r>
+              <a:rPr lang="ko-KR" altLang="en-US" sz="2000" dirty="0" err="1">
+                <a:solidFill>
+                  <a:schemeClr val="accent1"/>
+                </a:solidFill>
+                <a:latin typeface="나눔바른고딕" panose="020B0603020101020101" pitchFamily="50" charset="-127"/>
+                <a:ea typeface="나눔바른고딕" panose="020B0603020101020101" pitchFamily="50" charset="-127"/>
+              </a:rPr>
+              <a:t>원이상</a:t>
             </a:r>
             <a:r>
               <a:rPr lang="ko-KR" altLang="en-US" sz="2000" dirty="0">
@@ -5122,7 +5472,7 @@
                 <a:latin typeface="나눔바른고딕" panose="020B0603020101020101" pitchFamily="50" charset="-127"/>
                 <a:ea typeface="나눔바른고딕" panose="020B0603020101020101" pitchFamily="50" charset="-127"/>
               </a:rPr>
-              <a:t>이하</a:t>
+              <a:t> </a:t>
             </a:r>
             <a:r>
               <a:rPr lang="ko-KR" altLang="en-US" sz="2000" dirty="0">
@@ -5134,7 +5484,7 @@
                 <a:latin typeface="나눔바른고딕" panose="020B0603020101020101" pitchFamily="50" charset="-127"/>
                 <a:ea typeface="나눔바른고딕" panose="020B0603020101020101" pitchFamily="50" charset="-127"/>
               </a:rPr>
-              <a:t>라면</a:t>
+              <a:t>이라면</a:t>
             </a:r>
             <a:r>
               <a:rPr lang="en-US" altLang="ko-KR" sz="2000" dirty="0">
@@ -5172,17 +5522,20 @@
                 <a:latin typeface="나눔바른고딕" panose="020B0603020101020101" pitchFamily="50" charset="-127"/>
                 <a:ea typeface="나눔바른고딕" panose="020B0603020101020101" pitchFamily="50" charset="-127"/>
               </a:rPr>
-              <a:t>구급상자를 사용한다</a:t>
-            </a:r>
-            <a:endParaRPr lang="en-US" altLang="ko-KR" sz="2000" dirty="0">
-              <a:solidFill>
-                <a:schemeClr val="bg1">
-                  <a:lumMod val="95000"/>
-                </a:schemeClr>
-              </a:solidFill>
-              <a:latin typeface="나눔바른고딕" panose="020B0603020101020101" pitchFamily="50" charset="-127"/>
-              <a:ea typeface="나눔바른고딕" panose="020B0603020101020101" pitchFamily="50" charset="-127"/>
-            </a:endParaRPr>
+              <a:t>치킨에 맥주를 먹는다</a:t>
+            </a:r>
+            <a:r>
+              <a:rPr lang="en-US" altLang="ko-KR" sz="2000" dirty="0">
+                <a:solidFill>
+                  <a:schemeClr val="bg1">
+                    <a:lumMod val="95000"/>
+                  </a:schemeClr>
+                </a:solidFill>
+                <a:latin typeface="나눔바른고딕" panose="020B0603020101020101" pitchFamily="50" charset="-127"/>
+                <a:ea typeface="나눔바른고딕" panose="020B0603020101020101" pitchFamily="50" charset="-127"/>
+              </a:rPr>
+              <a:t>.</a:t>
+            </a:r>
           </a:p>
           <a:p>
             <a:r>
@@ -5222,17 +5575,99 @@
               <a:t> 만약에 </a:t>
             </a:r>
             <a:r>
+              <a:rPr lang="en-US" altLang="ko-KR" sz="2000" dirty="0">
+                <a:solidFill>
+                  <a:schemeClr val="accent1"/>
+                </a:solidFill>
+                <a:latin typeface="나눔바른고딕" panose="020B0603020101020101" pitchFamily="50" charset="-127"/>
+                <a:ea typeface="나눔바른고딕" panose="020B0603020101020101" pitchFamily="50" charset="-127"/>
+              </a:rPr>
+              <a:t>10000</a:t>
+            </a:r>
+            <a:r>
+              <a:rPr lang="ko-KR" altLang="en-US" sz="2000" dirty="0" err="1">
+                <a:solidFill>
+                  <a:schemeClr val="accent1"/>
+                </a:solidFill>
+                <a:latin typeface="나눔바른고딕" panose="020B0603020101020101" pitchFamily="50" charset="-127"/>
+                <a:ea typeface="나눔바른고딕" panose="020B0603020101020101" pitchFamily="50" charset="-127"/>
+              </a:rPr>
+              <a:t>원이상</a:t>
+            </a:r>
+            <a:r>
               <a:rPr lang="ko-KR" altLang="en-US" sz="2000" dirty="0">
                 <a:solidFill>
-                  <a:schemeClr val="bg1">
-                    <a:lumMod val="95000"/>
-                  </a:schemeClr>
-                </a:solidFill>
-                <a:latin typeface="나눔바른고딕" panose="020B0603020101020101" pitchFamily="50" charset="-127"/>
-                <a:ea typeface="나눔바른고딕" panose="020B0603020101020101" pitchFamily="50" charset="-127"/>
-              </a:rPr>
-              <a:t>체력이</a:t>
-            </a:r>
+                  <a:schemeClr val="accent1"/>
+                </a:solidFill>
+                <a:latin typeface="나눔바른고딕" panose="020B0603020101020101" pitchFamily="50" charset="-127"/>
+                <a:ea typeface="나눔바른고딕" panose="020B0603020101020101" pitchFamily="50" charset="-127"/>
+              </a:rPr>
+              <a:t> </a:t>
+            </a:r>
+            <a:r>
+              <a:rPr lang="ko-KR" altLang="en-US" sz="2000" dirty="0">
+                <a:solidFill>
+                  <a:schemeClr val="bg1">
+                    <a:lumMod val="95000"/>
+                  </a:schemeClr>
+                </a:solidFill>
+                <a:latin typeface="나눔바른고딕" panose="020B0603020101020101" pitchFamily="50" charset="-127"/>
+                <a:ea typeface="나눔바른고딕" panose="020B0603020101020101" pitchFamily="50" charset="-127"/>
+              </a:rPr>
+              <a:t>이라면</a:t>
+            </a:r>
+            <a:r>
+              <a:rPr lang="en-US" altLang="ko-KR" sz="2000" dirty="0">
+                <a:solidFill>
+                  <a:schemeClr val="bg1">
+                    <a:lumMod val="95000"/>
+                  </a:schemeClr>
+                </a:solidFill>
+                <a:latin typeface="나눔바른고딕" panose="020B0603020101020101" pitchFamily="50" charset="-127"/>
+                <a:ea typeface="나눔바른고딕" panose="020B0603020101020101" pitchFamily="50" charset="-127"/>
+              </a:rPr>
+              <a:t>:</a:t>
+            </a:r>
+          </a:p>
+          <a:p>
+            <a:r>
+              <a:rPr lang="en-US" altLang="ko-KR" sz="2000" dirty="0">
+                <a:solidFill>
+                  <a:schemeClr val="bg1">
+                    <a:lumMod val="95000"/>
+                  </a:schemeClr>
+                </a:solidFill>
+                <a:latin typeface="나눔바른고딕" panose="020B0603020101020101" pitchFamily="50" charset="-127"/>
+                <a:ea typeface="나눔바른고딕" panose="020B0603020101020101" pitchFamily="50" charset="-127"/>
+              </a:rPr>
+              <a:t>	- </a:t>
+            </a:r>
+            <a:r>
+              <a:rPr lang="ko-KR" altLang="en-US" sz="2000" dirty="0">
+                <a:solidFill>
+                  <a:schemeClr val="bg1">
+                    <a:lumMod val="95000"/>
+                  </a:schemeClr>
+                </a:solidFill>
+                <a:latin typeface="나눔바른고딕" panose="020B0603020101020101" pitchFamily="50" charset="-127"/>
+                <a:ea typeface="나눔바른고딕" panose="020B0603020101020101" pitchFamily="50" charset="-127"/>
+              </a:rPr>
+              <a:t>떡볶이를 먹는다</a:t>
+            </a:r>
+            <a:r>
+              <a:rPr lang="en-US" altLang="ko-KR" sz="2000" dirty="0">
+                <a:solidFill>
+                  <a:schemeClr val="bg1">
+                    <a:lumMod val="95000"/>
+                  </a:schemeClr>
+                </a:solidFill>
+                <a:latin typeface="나눔바른고딕" panose="020B0603020101020101" pitchFamily="50" charset="-127"/>
+                <a:ea typeface="나눔바른고딕" panose="020B0603020101020101" pitchFamily="50" charset="-127"/>
+              </a:rPr>
+              <a:t>.</a:t>
+            </a:r>
+          </a:p>
+          <a:p>
             <a:r>
               <a:rPr lang="ko-KR" altLang="en-US" sz="2000" dirty="0">
                 <a:solidFill>
@@ -5243,39 +5678,45 @@
                 <a:latin typeface="나눔바른고딕" panose="020B0603020101020101" pitchFamily="50" charset="-127"/>
                 <a:ea typeface="나눔바른고딕" panose="020B0603020101020101" pitchFamily="50" charset="-127"/>
               </a:rPr>
-              <a:t> </a:t>
+              <a:t>그게 아니라면</a:t>
             </a:r>
             <a:r>
               <a:rPr lang="en-US" altLang="ko-KR" sz="2000" dirty="0">
                 <a:solidFill>
-                  <a:schemeClr val="accent1"/>
-                </a:solidFill>
-                <a:latin typeface="나눔바른고딕" panose="020B0603020101020101" pitchFamily="50" charset="-127"/>
-                <a:ea typeface="나눔바른고딕" panose="020B0603020101020101" pitchFamily="50" charset="-127"/>
-              </a:rPr>
-              <a:t>70</a:t>
+                  <a:schemeClr val="bg1">
+                    <a:lumMod val="95000"/>
+                  </a:schemeClr>
+                </a:solidFill>
+                <a:latin typeface="나눔바른고딕" panose="020B0603020101020101" pitchFamily="50" charset="-127"/>
+                <a:ea typeface="나눔바른고딕" panose="020B0603020101020101" pitchFamily="50" charset="-127"/>
+              </a:rPr>
+              <a:t>:</a:t>
+            </a:r>
+          </a:p>
+          <a:p>
+            <a:r>
+              <a:rPr lang="en-US" altLang="ko-KR" sz="2000" dirty="0">
+                <a:solidFill>
+                  <a:schemeClr val="bg1">
+                    <a:lumMod val="95000"/>
+                  </a:schemeClr>
+                </a:solidFill>
+                <a:latin typeface="나눔바른고딕" panose="020B0603020101020101" pitchFamily="50" charset="-127"/>
+                <a:ea typeface="나눔바른고딕" panose="020B0603020101020101" pitchFamily="50" charset="-127"/>
+              </a:rPr>
+              <a:t>	- </a:t>
             </a:r>
             <a:r>
               <a:rPr lang="ko-KR" altLang="en-US" sz="2000" dirty="0">
                 <a:solidFill>
-                  <a:schemeClr val="accent1"/>
-                </a:solidFill>
-                <a:latin typeface="나눔바른고딕" panose="020B0603020101020101" pitchFamily="50" charset="-127"/>
-                <a:ea typeface="나눔바른고딕" panose="020B0603020101020101" pitchFamily="50" charset="-127"/>
-              </a:rPr>
-              <a:t>이하 </a:t>
-            </a:r>
-            <a:r>
-              <a:rPr lang="ko-KR" altLang="en-US" sz="2000" dirty="0">
-                <a:solidFill>
-                  <a:schemeClr val="bg1">
-                    <a:lumMod val="95000"/>
-                  </a:schemeClr>
-                </a:solidFill>
-                <a:latin typeface="나눔바른고딕" panose="020B0603020101020101" pitchFamily="50" charset="-127"/>
-                <a:ea typeface="나눔바른고딕" panose="020B0603020101020101" pitchFamily="50" charset="-127"/>
-              </a:rPr>
-              <a:t>라면</a:t>
+                  <a:schemeClr val="bg1">
+                    <a:lumMod val="95000"/>
+                  </a:schemeClr>
+                </a:solidFill>
+                <a:latin typeface="나눔바른고딕" panose="020B0603020101020101" pitchFamily="50" charset="-127"/>
+                <a:ea typeface="나눔바른고딕" panose="020B0603020101020101" pitchFamily="50" charset="-127"/>
+              </a:rPr>
+              <a:t>편의점 김밥을 먹는다</a:t>
             </a:r>
             <a:r>
               <a:rPr lang="en-US" altLang="ko-KR" sz="2000" dirty="0">
@@ -5287,197 +5728,11 @@
                 <a:latin typeface="나눔바른고딕" panose="020B0603020101020101" pitchFamily="50" charset="-127"/>
                 <a:ea typeface="나눔바른고딕" panose="020B0603020101020101" pitchFamily="50" charset="-127"/>
               </a:rPr>
-              <a:t>:</a:t>
-            </a:r>
-          </a:p>
-          <a:p>
-            <a:r>
-              <a:rPr lang="en-US" altLang="ko-KR" sz="2000" dirty="0">
-                <a:solidFill>
-                  <a:schemeClr val="bg1">
-                    <a:lumMod val="95000"/>
-                  </a:schemeClr>
-                </a:solidFill>
-                <a:latin typeface="나눔바른고딕" panose="020B0603020101020101" pitchFamily="50" charset="-127"/>
-                <a:ea typeface="나눔바른고딕" panose="020B0603020101020101" pitchFamily="50" charset="-127"/>
-              </a:rPr>
-              <a:t>	- </a:t>
-            </a:r>
-            <a:r>
-              <a:rPr lang="ko-KR" altLang="en-US" sz="2000" dirty="0">
-                <a:solidFill>
-                  <a:schemeClr val="bg1">
-                    <a:lumMod val="95000"/>
-                  </a:schemeClr>
-                </a:solidFill>
-                <a:latin typeface="나눔바른고딕" panose="020B0603020101020101" pitchFamily="50" charset="-127"/>
-                <a:ea typeface="나눔바른고딕" panose="020B0603020101020101" pitchFamily="50" charset="-127"/>
-              </a:rPr>
-              <a:t>붕대를 사용한다</a:t>
-            </a:r>
-            <a:endParaRPr lang="en-US" altLang="ko-KR" sz="2000" dirty="0">
-              <a:solidFill>
-                <a:schemeClr val="bg1">
-                  <a:lumMod val="95000"/>
-                </a:schemeClr>
-              </a:solidFill>
-              <a:latin typeface="나눔바른고딕" panose="020B0603020101020101" pitchFamily="50" charset="-127"/>
-              <a:ea typeface="나눔바른고딕" panose="020B0603020101020101" pitchFamily="50" charset="-127"/>
-            </a:endParaRPr>
-          </a:p>
-          <a:p>
-            <a:r>
-              <a:rPr lang="ko-KR" altLang="en-US" sz="2000" dirty="0">
-                <a:solidFill>
-                  <a:schemeClr val="accent6">
-                    <a:lumMod val="75000"/>
-                  </a:schemeClr>
-                </a:solidFill>
-                <a:latin typeface="나눔바른고딕" panose="020B0603020101020101" pitchFamily="50" charset="-127"/>
-                <a:ea typeface="나눔바른고딕" panose="020B0603020101020101" pitchFamily="50" charset="-127"/>
-              </a:rPr>
-              <a:t>그게 아니라면</a:t>
-            </a:r>
-            <a:r>
-              <a:rPr lang="en-US" altLang="ko-KR" sz="2000" dirty="0">
-                <a:solidFill>
-                  <a:schemeClr val="bg1">
-                    <a:lumMod val="95000"/>
-                  </a:schemeClr>
-                </a:solidFill>
-                <a:latin typeface="나눔바른고딕" panose="020B0603020101020101" pitchFamily="50" charset="-127"/>
-                <a:ea typeface="나눔바른고딕" panose="020B0603020101020101" pitchFamily="50" charset="-127"/>
-              </a:rPr>
-              <a:t>:</a:t>
-            </a:r>
-          </a:p>
-          <a:p>
-            <a:r>
-              <a:rPr lang="en-US" altLang="ko-KR" sz="2000" dirty="0">
-                <a:solidFill>
-                  <a:schemeClr val="bg1">
-                    <a:lumMod val="95000"/>
-                  </a:schemeClr>
-                </a:solidFill>
-                <a:latin typeface="나눔바른고딕" panose="020B0603020101020101" pitchFamily="50" charset="-127"/>
-                <a:ea typeface="나눔바른고딕" panose="020B0603020101020101" pitchFamily="50" charset="-127"/>
-              </a:rPr>
-              <a:t>	- </a:t>
-            </a:r>
-            <a:r>
-              <a:rPr lang="ko-KR" altLang="en-US" sz="2000" dirty="0">
-                <a:solidFill>
-                  <a:schemeClr val="bg1">
-                    <a:lumMod val="95000"/>
-                  </a:schemeClr>
-                </a:solidFill>
-                <a:latin typeface="나눔바른고딕" panose="020B0603020101020101" pitchFamily="50" charset="-127"/>
-                <a:ea typeface="나눔바른고딕" panose="020B0603020101020101" pitchFamily="50" charset="-127"/>
-              </a:rPr>
-              <a:t>진통제를 사용한다</a:t>
-            </a:r>
-            <a:endParaRPr lang="en-US" altLang="ko-KR" sz="2000" dirty="0">
-              <a:solidFill>
-                <a:schemeClr val="bg1">
-                  <a:lumMod val="95000"/>
-                </a:schemeClr>
-              </a:solidFill>
-              <a:latin typeface="나눔바른고딕" panose="020B0603020101020101" pitchFamily="50" charset="-127"/>
-              <a:ea typeface="나눔바른고딕" panose="020B0603020101020101" pitchFamily="50" charset="-127"/>
-            </a:endParaRPr>
+              <a:t>.</a:t>
+            </a:r>
           </a:p>
         </p:txBody>
       </p:sp>
-      <p:pic>
-        <p:nvPicPr>
-          <p:cNvPr id="5" name="그림 4">
-            <a:extLst>
-              <a:ext uri="{FF2B5EF4-FFF2-40B4-BE49-F238E27FC236}">
-                <a16:creationId xmlns:a16="http://schemas.microsoft.com/office/drawing/2014/main" id="{1E6F3D10-10BC-446B-BECD-441CB54125E0}"/>
-              </a:ext>
-            </a:extLst>
-          </p:cNvPr>
-          <p:cNvPicPr>
-            <a:picLocks noChangeAspect="1"/>
-          </p:cNvPicPr>
-          <p:nvPr/>
-        </p:nvPicPr>
-        <p:blipFill>
-          <a:blip r:embed="rId2"/>
-          <a:stretch>
-            <a:fillRect/>
-          </a:stretch>
-        </p:blipFill>
-        <p:spPr>
-          <a:xfrm>
-            <a:off x="6930459" y="3764559"/>
-            <a:ext cx="677709" cy="708262"/>
-          </a:xfrm>
-          <a:prstGeom prst="rect">
-            <a:avLst/>
-          </a:prstGeom>
-        </p:spPr>
-      </p:pic>
-      <p:pic>
-        <p:nvPicPr>
-          <p:cNvPr id="7" name="그림 6">
-            <a:extLst>
-              <a:ext uri="{FF2B5EF4-FFF2-40B4-BE49-F238E27FC236}">
-                <a16:creationId xmlns:a16="http://schemas.microsoft.com/office/drawing/2014/main" id="{E1F652DB-85BC-48CE-80C8-12AA29B06575}"/>
-              </a:ext>
-            </a:extLst>
-          </p:cNvPr>
-          <p:cNvPicPr>
-            <a:picLocks noChangeAspect="1"/>
-          </p:cNvPicPr>
-          <p:nvPr/>
-        </p:nvPicPr>
-        <p:blipFill>
-          <a:blip r:embed="rId3"/>
-          <a:stretch>
-            <a:fillRect/>
-          </a:stretch>
-        </p:blipFill>
-        <p:spPr>
-          <a:xfrm>
-            <a:off x="7054936" y="4522204"/>
-            <a:ext cx="677709" cy="615843"/>
-          </a:xfrm>
-          <a:prstGeom prst="rect">
-            <a:avLst/>
-          </a:prstGeom>
-        </p:spPr>
-      </p:pic>
-      <p:pic>
-        <p:nvPicPr>
-          <p:cNvPr id="9" name="그림 8">
-            <a:extLst>
-              <a:ext uri="{FF2B5EF4-FFF2-40B4-BE49-F238E27FC236}">
-                <a16:creationId xmlns:a16="http://schemas.microsoft.com/office/drawing/2014/main" id="{63864309-84F2-48F8-A0DB-AF54D2AF4A96}"/>
-              </a:ext>
-            </a:extLst>
-          </p:cNvPr>
-          <p:cNvPicPr>
-            <a:picLocks noChangeAspect="1"/>
-          </p:cNvPicPr>
-          <p:nvPr/>
-        </p:nvPicPr>
-        <p:blipFill>
-          <a:blip r:embed="rId4"/>
-          <a:stretch>
-            <a:fillRect/>
-          </a:stretch>
-        </p:blipFill>
-        <p:spPr>
-          <a:xfrm>
-            <a:off x="7073929" y="5229200"/>
-            <a:ext cx="606248" cy="645958"/>
-          </a:xfrm>
-          <a:prstGeom prst="rect">
-            <a:avLst/>
-          </a:prstGeom>
-        </p:spPr>
-      </p:pic>
     </p:spTree>
     <p:extLst>
       <p:ext uri="{BB962C8B-B14F-4D97-AF65-F5344CB8AC3E}">
@@ -5541,141 +5796,6 @@
                       </p:childTnLst>
                     </p:cTn>
                   </p:par>
-                  <p:par>
-                    <p:cTn id="7" fill="hold">
-                      <p:stCondLst>
-                        <p:cond delay="indefinite"/>
-                      </p:stCondLst>
-                      <p:childTnLst>
-                        <p:par>
-                          <p:cTn id="8" fill="hold">
-                            <p:stCondLst>
-                              <p:cond delay="0"/>
-                            </p:stCondLst>
-                            <p:childTnLst>
-                              <p:par>
-                                <p:cTn id="9" presetID="1" presetClass="entr" presetSubtype="0" fill="hold" nodeType="clickEffect">
-                                  <p:stCondLst>
-                                    <p:cond delay="0"/>
-                                  </p:stCondLst>
-                                  <p:childTnLst>
-                                    <p:set>
-                                      <p:cBhvr>
-                                        <p:cTn id="10" dur="1" fill="hold">
-                                          <p:stCondLst>
-                                            <p:cond delay="0"/>
-                                          </p:stCondLst>
-                                        </p:cTn>
-                                        <p:tgtEl>
-                                          <p:spTgt spid="5"/>
-                                        </p:tgtEl>
-                                        <p:attrNameLst>
-                                          <p:attrName>style.visibility</p:attrName>
-                                        </p:attrNameLst>
-                                      </p:cBhvr>
-                                      <p:to>
-                                        <p:strVal val="visible"/>
-                                      </p:to>
-                                    </p:set>
-                                  </p:childTnLst>
-                                </p:cTn>
-                              </p:par>
-                            </p:childTnLst>
-                          </p:cTn>
-                        </p:par>
-                      </p:childTnLst>
-                    </p:cTn>
-                  </p:par>
-                  <p:par>
-                    <p:cTn id="11" fill="hold">
-                      <p:stCondLst>
-                        <p:cond delay="indefinite"/>
-                      </p:stCondLst>
-                      <p:childTnLst>
-                        <p:par>
-                          <p:cTn id="12" fill="hold">
-                            <p:stCondLst>
-                              <p:cond delay="0"/>
-                            </p:stCondLst>
-                            <p:childTnLst>
-                              <p:par>
-                                <p:cTn id="13" presetID="1" presetClass="entr" presetSubtype="0" fill="hold" nodeType="clickEffect">
-                                  <p:stCondLst>
-                                    <p:cond delay="0"/>
-                                  </p:stCondLst>
-                                  <p:childTnLst>
-                                    <p:set>
-                                      <p:cBhvr>
-                                        <p:cTn id="14" dur="1" fill="hold">
-                                          <p:stCondLst>
-                                            <p:cond delay="0"/>
-                                          </p:stCondLst>
-                                        </p:cTn>
-                                        <p:tgtEl>
-                                          <p:spTgt spid="7"/>
-                                        </p:tgtEl>
-                                        <p:attrNameLst>
-                                          <p:attrName>style.visibility</p:attrName>
-                                        </p:attrNameLst>
-                                      </p:cBhvr>
-                                      <p:to>
-                                        <p:strVal val="visible"/>
-                                      </p:to>
-                                    </p:set>
-                                  </p:childTnLst>
-                                </p:cTn>
-                              </p:par>
-                            </p:childTnLst>
-                          </p:cTn>
-                        </p:par>
-                      </p:childTnLst>
-                    </p:cTn>
-                  </p:par>
-                  <p:par>
-                    <p:cTn id="15" fill="hold">
-                      <p:stCondLst>
-                        <p:cond delay="indefinite"/>
-                      </p:stCondLst>
-                      <p:childTnLst>
-                        <p:par>
-                          <p:cTn id="16" fill="hold">
-                            <p:stCondLst>
-                              <p:cond delay="0"/>
-                            </p:stCondLst>
-                            <p:childTnLst>
-                              <p:par>
-                                <p:cTn id="17" presetID="1" presetClass="entr" presetSubtype="0" fill="hold" nodeType="clickEffect">
-                                  <p:stCondLst>
-                                    <p:cond delay="0"/>
-                                  </p:stCondLst>
-                                  <p:childTnLst>
-                                    <p:set>
-                                      <p:cBhvr>
-                                        <p:cTn id="18" dur="1" fill="hold">
-                                          <p:stCondLst>
-                                            <p:cond delay="0"/>
-                                          </p:stCondLst>
-                                        </p:cTn>
-                                        <p:tgtEl>
-                                          <p:spTgt spid="9"/>
-                                        </p:tgtEl>
-                                        <p:attrNameLst>
-                                          <p:attrName>style.visibility</p:attrName>
-                                        </p:attrNameLst>
-                                      </p:cBhvr>
-                                      <p:to>
-                                        <p:strVal val="visible"/>
-                                      </p:to>
-                                    </p:set>
-                                  </p:childTnLst>
-                                </p:cTn>
-                              </p:par>
-                            </p:childTnLst>
-                          </p:cTn>
-                        </p:par>
-                      </p:childTnLst>
-                    </p:cTn>
-                  </p:par>
                 </p:childTnLst>
               </p:cTn>
               <p:prevCondLst>
@@ -5704,7 +5824,7 @@
 </p:sld>
 </file>
 
-<file path=ppt/slides/slide14.xml><?xml version="1.0" encoding="utf-8"?>
+<file path=ppt/slides/slide15.xml><?xml version="1.0" encoding="utf-8"?>
 <p:sld xmlns:a="http://schemas.openxmlformats.org/drawingml/2006/main" xmlns:r="http://schemas.openxmlformats.org/officeDocument/2006/relationships" xmlns:p="http://schemas.openxmlformats.org/presentationml/2006/main">
   <p:cSld>
     <p:bg>
@@ -6311,7 +6431,7 @@
 </p:sld>
 </file>
 
-<file path=ppt/slides/slide15.xml><?xml version="1.0" encoding="utf-8"?>
+<file path=ppt/slides/slide16.xml><?xml version="1.0" encoding="utf-8"?>
 <p:sld xmlns:a="http://schemas.openxmlformats.org/drawingml/2006/main" xmlns:r="http://schemas.openxmlformats.org/officeDocument/2006/relationships" xmlns:p="http://schemas.openxmlformats.org/presentationml/2006/main">
   <p:cSld>
     <p:bg>
@@ -7322,7 +7442,7 @@
 </p:sld>
 </file>
 
-<file path=ppt/slides/slide16.xml><?xml version="1.0" encoding="utf-8"?>
+<file path=ppt/slides/slide17.xml><?xml version="1.0" encoding="utf-8"?>
 <p:sld xmlns:a="http://schemas.openxmlformats.org/drawingml/2006/main" xmlns:r="http://schemas.openxmlformats.org/officeDocument/2006/relationships" xmlns:p="http://schemas.openxmlformats.org/presentationml/2006/main">
   <p:cSld>
     <p:bg>
@@ -7866,6 +7986,279 @@
         </p:nvSpPr>
         <p:spPr>
           <a:xfrm>
+            <a:off x="2940329" y="2644170"/>
+            <a:ext cx="6311343" cy="1569660"/>
+          </a:xfrm>
+          <a:prstGeom prst="rect">
+            <a:avLst/>
+          </a:prstGeom>
+          <a:noFill/>
+        </p:spPr>
+        <p:txBody>
+          <a:bodyPr wrap="none" rtlCol="0">
+            <a:spAutoFit/>
+          </a:bodyPr>
+          <a:lstStyle/>
+          <a:p>
+            <a:r>
+              <a:rPr lang="ko-KR" altLang="en-US" sz="3200" dirty="0">
+                <a:solidFill>
+                  <a:schemeClr val="accent6">
+                    <a:lumMod val="75000"/>
+                  </a:schemeClr>
+                </a:solidFill>
+                <a:latin typeface="나눔바른고딕" panose="020B0603020101020101" pitchFamily="50" charset="-127"/>
+                <a:ea typeface="나눔바른고딕" panose="020B0603020101020101" pitchFamily="50" charset="-127"/>
+              </a:rPr>
+              <a:t>명령어</a:t>
+            </a:r>
+            <a:r>
+              <a:rPr lang="en-US" altLang="ko-KR" sz="3200" dirty="0">
+                <a:solidFill>
+                  <a:schemeClr val="accent6">
+                    <a:lumMod val="75000"/>
+                  </a:schemeClr>
+                </a:solidFill>
+                <a:latin typeface="나눔바른고딕" panose="020B0603020101020101" pitchFamily="50" charset="-127"/>
+                <a:ea typeface="나눔바른고딕" panose="020B0603020101020101" pitchFamily="50" charset="-127"/>
+              </a:rPr>
+              <a:t>A</a:t>
+            </a:r>
+            <a:r>
+              <a:rPr lang="en-US" altLang="ko-KR" sz="3200" dirty="0">
+                <a:solidFill>
+                  <a:schemeClr val="bg1">
+                    <a:lumMod val="95000"/>
+                  </a:schemeClr>
+                </a:solidFill>
+                <a:latin typeface="나눔바른고딕" panose="020B0603020101020101" pitchFamily="50" charset="-127"/>
+                <a:ea typeface="나눔바른고딕" panose="020B0603020101020101" pitchFamily="50" charset="-127"/>
+              </a:rPr>
+              <a:t>, </a:t>
+            </a:r>
+            <a:r>
+              <a:rPr lang="ko-KR" altLang="en-US" sz="3200" dirty="0">
+                <a:solidFill>
+                  <a:schemeClr val="accent1"/>
+                </a:solidFill>
+                <a:latin typeface="나눔바른고딕" panose="020B0603020101020101" pitchFamily="50" charset="-127"/>
+                <a:ea typeface="나눔바른고딕" panose="020B0603020101020101" pitchFamily="50" charset="-127"/>
+              </a:rPr>
+              <a:t>명령어</a:t>
+            </a:r>
+            <a:r>
+              <a:rPr lang="en-US" altLang="ko-KR" sz="3200" dirty="0">
+                <a:solidFill>
+                  <a:schemeClr val="accent1"/>
+                </a:solidFill>
+                <a:latin typeface="나눔바른고딕" panose="020B0603020101020101" pitchFamily="50" charset="-127"/>
+                <a:ea typeface="나눔바른고딕" panose="020B0603020101020101" pitchFamily="50" charset="-127"/>
+              </a:rPr>
+              <a:t>B</a:t>
+            </a:r>
+            <a:r>
+              <a:rPr lang="en-US" altLang="ko-KR" sz="3200" dirty="0">
+                <a:solidFill>
+                  <a:schemeClr val="bg1">
+                    <a:lumMod val="95000"/>
+                  </a:schemeClr>
+                </a:solidFill>
+                <a:latin typeface="나눔바른고딕" panose="020B0603020101020101" pitchFamily="50" charset="-127"/>
+                <a:ea typeface="나눔바른고딕" panose="020B0603020101020101" pitchFamily="50" charset="-127"/>
+              </a:rPr>
+              <a:t> </a:t>
+            </a:r>
+            <a:r>
+              <a:rPr lang="ko-KR" altLang="en-US" sz="3200" dirty="0">
+                <a:solidFill>
+                  <a:schemeClr val="bg1">
+                    <a:lumMod val="95000"/>
+                  </a:schemeClr>
+                </a:solidFill>
+                <a:latin typeface="나눔바른고딕" panose="020B0603020101020101" pitchFamily="50" charset="-127"/>
+                <a:ea typeface="나눔바른고딕" panose="020B0603020101020101" pitchFamily="50" charset="-127"/>
+              </a:rPr>
+              <a:t>중 </a:t>
+            </a:r>
+            <a:r>
+              <a:rPr lang="ko-KR" altLang="en-US" sz="3200" dirty="0" err="1">
+                <a:solidFill>
+                  <a:schemeClr val="accent2"/>
+                </a:solidFill>
+                <a:latin typeface="나눔바른고딕" panose="020B0603020101020101" pitchFamily="50" charset="-127"/>
+                <a:ea typeface="나눔바른고딕" panose="020B0603020101020101" pitchFamily="50" charset="-127"/>
+              </a:rPr>
+              <a:t>한개만</a:t>
+            </a:r>
+            <a:r>
+              <a:rPr lang="ko-KR" altLang="en-US" sz="3200" dirty="0">
+                <a:solidFill>
+                  <a:schemeClr val="bg1">
+                    <a:lumMod val="95000"/>
+                  </a:schemeClr>
+                </a:solidFill>
+                <a:latin typeface="나눔바른고딕" panose="020B0603020101020101" pitchFamily="50" charset="-127"/>
+                <a:ea typeface="나눔바른고딕" panose="020B0603020101020101" pitchFamily="50" charset="-127"/>
+              </a:rPr>
+              <a:t> 실행하기</a:t>
+            </a:r>
+            <a:endParaRPr lang="en-US" altLang="ko-KR" sz="3200" dirty="0">
+              <a:solidFill>
+                <a:schemeClr val="bg1">
+                  <a:lumMod val="95000"/>
+                </a:schemeClr>
+              </a:solidFill>
+              <a:latin typeface="나눔바른고딕" panose="020B0603020101020101" pitchFamily="50" charset="-127"/>
+              <a:ea typeface="나눔바른고딕" panose="020B0603020101020101" pitchFamily="50" charset="-127"/>
+            </a:endParaRPr>
+          </a:p>
+          <a:p>
+            <a:endParaRPr lang="en-US" altLang="ko-KR" sz="3200" dirty="0">
+              <a:solidFill>
+                <a:schemeClr val="bg1">
+                  <a:lumMod val="95000"/>
+                </a:schemeClr>
+              </a:solidFill>
+              <a:latin typeface="나눔바른고딕" panose="020B0603020101020101" pitchFamily="50" charset="-127"/>
+              <a:ea typeface="나눔바른고딕" panose="020B0603020101020101" pitchFamily="50" charset="-127"/>
+            </a:endParaRPr>
+          </a:p>
+          <a:p>
+            <a:r>
+              <a:rPr lang="ko-KR" altLang="en-US" sz="3200" dirty="0">
+                <a:solidFill>
+                  <a:schemeClr val="accent6">
+                    <a:lumMod val="75000"/>
+                  </a:schemeClr>
+                </a:solidFill>
+                <a:latin typeface="나눔바른고딕" panose="020B0603020101020101" pitchFamily="50" charset="-127"/>
+                <a:ea typeface="나눔바른고딕" panose="020B0603020101020101" pitchFamily="50" charset="-127"/>
+              </a:rPr>
+              <a:t>명령어</a:t>
+            </a:r>
+            <a:r>
+              <a:rPr lang="en-US" altLang="ko-KR" sz="3200" dirty="0">
+                <a:solidFill>
+                  <a:schemeClr val="accent6">
+                    <a:lumMod val="75000"/>
+                  </a:schemeClr>
+                </a:solidFill>
+                <a:latin typeface="나눔바른고딕" panose="020B0603020101020101" pitchFamily="50" charset="-127"/>
+                <a:ea typeface="나눔바른고딕" panose="020B0603020101020101" pitchFamily="50" charset="-127"/>
+              </a:rPr>
+              <a:t>A</a:t>
+            </a:r>
+            <a:r>
+              <a:rPr lang="ko-KR" altLang="en-US" sz="3200" dirty="0">
+                <a:solidFill>
+                  <a:schemeClr val="bg1">
+                    <a:lumMod val="95000"/>
+                  </a:schemeClr>
+                </a:solidFill>
+                <a:latin typeface="나눔바른고딕" panose="020B0603020101020101" pitchFamily="50" charset="-127"/>
+                <a:ea typeface="나눔바른고딕" panose="020B0603020101020101" pitchFamily="50" charset="-127"/>
+              </a:rPr>
+              <a:t>를 </a:t>
+            </a:r>
+            <a:r>
+              <a:rPr lang="en-US" altLang="ko-KR" sz="3200" dirty="0">
+                <a:solidFill>
+                  <a:schemeClr val="accent2"/>
+                </a:solidFill>
+                <a:latin typeface="나눔바른고딕" panose="020B0603020101020101" pitchFamily="50" charset="-127"/>
+                <a:ea typeface="나눔바른고딕" panose="020B0603020101020101" pitchFamily="50" charset="-127"/>
+              </a:rPr>
+              <a:t>10</a:t>
+            </a:r>
+            <a:r>
+              <a:rPr lang="ko-KR" altLang="en-US" sz="3200" dirty="0">
+                <a:solidFill>
+                  <a:schemeClr val="accent2"/>
+                </a:solidFill>
+                <a:latin typeface="나눔바른고딕" panose="020B0603020101020101" pitchFamily="50" charset="-127"/>
+                <a:ea typeface="나눔바른고딕" panose="020B0603020101020101" pitchFamily="50" charset="-127"/>
+              </a:rPr>
+              <a:t>번</a:t>
+            </a:r>
+            <a:r>
+              <a:rPr lang="ko-KR" altLang="en-US" sz="3200" dirty="0">
+                <a:solidFill>
+                  <a:schemeClr val="bg1">
+                    <a:lumMod val="95000"/>
+                  </a:schemeClr>
+                </a:solidFill>
+                <a:latin typeface="나눔바른고딕" panose="020B0603020101020101" pitchFamily="50" charset="-127"/>
+                <a:ea typeface="나눔바른고딕" panose="020B0603020101020101" pitchFamily="50" charset="-127"/>
+              </a:rPr>
+              <a:t> 반복하기</a:t>
+            </a:r>
+            <a:endParaRPr lang="en-US" altLang="ko-KR" sz="3200" dirty="0">
+              <a:solidFill>
+                <a:schemeClr val="bg1">
+                  <a:lumMod val="95000"/>
+                </a:schemeClr>
+              </a:solidFill>
+              <a:latin typeface="나눔바른고딕" panose="020B0603020101020101" pitchFamily="50" charset="-127"/>
+              <a:ea typeface="나눔바른고딕" panose="020B0603020101020101" pitchFamily="50" charset="-127"/>
+            </a:endParaRPr>
+          </a:p>
+        </p:txBody>
+      </p:sp>
+    </p:spTree>
+    <p:extLst>
+      <p:ext uri="{BB962C8B-B14F-4D97-AF65-F5344CB8AC3E}">
+        <p14:creationId xmlns:p14="http://schemas.microsoft.com/office/powerpoint/2010/main" val="3905694731"/>
+      </p:ext>
+    </p:extLst>
+  </p:cSld>
+  <p:clrMapOvr>
+    <a:masterClrMapping/>
+  </p:clrMapOvr>
+</p:sld>
+</file>
+
+<file path=ppt/slides/slide6.xml><?xml version="1.0" encoding="utf-8"?>
+<p:sld xmlns:a="http://schemas.openxmlformats.org/drawingml/2006/main" xmlns:r="http://schemas.openxmlformats.org/officeDocument/2006/relationships" xmlns:p="http://schemas.openxmlformats.org/presentationml/2006/main">
+  <p:cSld>
+    <p:bg>
+      <p:bgPr>
+        <a:solidFill>
+          <a:schemeClr val="tx1">
+            <a:lumMod val="85000"/>
+            <a:lumOff val="15000"/>
+          </a:schemeClr>
+        </a:solidFill>
+        <a:effectLst/>
+      </p:bgPr>
+    </p:bg>
+    <p:spTree>
+      <p:nvGrpSpPr>
+        <p:cNvPr id="1" name=""/>
+        <p:cNvGrpSpPr/>
+        <p:nvPr/>
+      </p:nvGrpSpPr>
+      <p:grpSpPr>
+        <a:xfrm>
+          <a:off x="0" y="0"/>
+          <a:ext cx="0" cy="0"/>
+          <a:chOff x="0" y="0"/>
+          <a:chExt cx="0" cy="0"/>
+        </a:xfrm>
+      </p:grpSpPr>
+      <p:sp>
+        <p:nvSpPr>
+          <p:cNvPr id="2" name="TextBox 1">
+            <a:extLst>
+              <a:ext uri="{FF2B5EF4-FFF2-40B4-BE49-F238E27FC236}">
+                <a16:creationId xmlns:a16="http://schemas.microsoft.com/office/drawing/2014/main" id="{0B332A50-CC0E-4C7E-B47E-E7CFBA7B423B}"/>
+              </a:ext>
+            </a:extLst>
+          </p:cNvPr>
+          <p:cNvSpPr txBox="1"/>
+          <p:nvPr/>
+        </p:nvSpPr>
+        <p:spPr>
+          <a:xfrm>
             <a:off x="4686017" y="3102283"/>
             <a:ext cx="2820003" cy="660502"/>
           </a:xfrm>
@@ -7918,7 +8311,7 @@
 </p:sld>
 </file>
 
-<file path=ppt/slides/slide6.xml><?xml version="1.0" encoding="utf-8"?>
+<file path=ppt/slides/slide7.xml><?xml version="1.0" encoding="utf-8"?>
 <p:sld xmlns:a="http://schemas.openxmlformats.org/drawingml/2006/main" xmlns:r="http://schemas.openxmlformats.org/officeDocument/2006/relationships" xmlns:p="http://schemas.openxmlformats.org/presentationml/2006/main">
   <p:cSld>
     <p:bg>
@@ -8061,7 +8454,7 @@
 </p:sld>
 </file>
 
-<file path=ppt/slides/slide7.xml><?xml version="1.0" encoding="utf-8"?>
+<file path=ppt/slides/slide8.xml><?xml version="1.0" encoding="utf-8"?>
 <p:sld xmlns:a="http://schemas.openxmlformats.org/drawingml/2006/main" xmlns:r="http://schemas.openxmlformats.org/officeDocument/2006/relationships" xmlns:p="http://schemas.openxmlformats.org/presentationml/2006/main">
   <p:cSld>
     <p:bg>
@@ -8217,88 +8610,10 @@
   <p:clrMapOvr>
     <a:masterClrMapping/>
   </p:clrMapOvr>
-  <p:timing>
-    <p:tnLst>
-      <p:par>
-        <p:cTn id="1" dur="indefinite" restart="never" nodeType="tmRoot">
-          <p:childTnLst>
-            <p:seq concurrent="1" nextAc="seek">
-              <p:cTn id="2" dur="indefinite" nodeType="mainSeq">
-                <p:childTnLst>
-                  <p:par>
-                    <p:cTn id="3" fill="hold">
-                      <p:stCondLst>
-                        <p:cond delay="indefinite"/>
-                      </p:stCondLst>
-                      <p:childTnLst>
-                        <p:par>
-                          <p:cTn id="4" fill="hold">
-                            <p:stCondLst>
-                              <p:cond delay="0"/>
-                            </p:stCondLst>
-                            <p:childTnLst>
-                              <p:par>
-                                <p:cTn id="5" presetID="1" presetClass="entr" presetSubtype="0" fill="hold" grpId="0" nodeType="clickEffect">
-                                  <p:stCondLst>
-                                    <p:cond delay="0"/>
-                                  </p:stCondLst>
-                                  <p:childTnLst>
-                                    <p:set>
-                                      <p:cBhvr>
-                                        <p:cTn id="6" dur="1" fill="hold">
-                                          <p:stCondLst>
-                                            <p:cond delay="0"/>
-                                          </p:stCondLst>
-                                        </p:cTn>
-                                        <p:tgtEl>
-                                          <p:spTgt spid="3"/>
-                                        </p:tgtEl>
-                                        <p:attrNameLst>
-                                          <p:attrName>style.visibility</p:attrName>
-                                        </p:attrNameLst>
-                                      </p:cBhvr>
-                                      <p:to>
-                                        <p:strVal val="visible"/>
-                                      </p:to>
-                                    </p:set>
-                                  </p:childTnLst>
-                                </p:cTn>
-                              </p:par>
-                            </p:childTnLst>
-                          </p:cTn>
-                        </p:par>
-                      </p:childTnLst>
-                    </p:cTn>
-                  </p:par>
-                </p:childTnLst>
-              </p:cTn>
-              <p:prevCondLst>
-                <p:cond evt="onPrev" delay="0">
-                  <p:tgtEl>
-                    <p:sldTgt/>
-                  </p:tgtEl>
-                </p:cond>
-              </p:prevCondLst>
-              <p:nextCondLst>
-                <p:cond evt="onNext" delay="0">
-                  <p:tgtEl>
-                    <p:sldTgt/>
-                  </p:tgtEl>
-                </p:cond>
-              </p:nextCondLst>
-            </p:seq>
-          </p:childTnLst>
-        </p:cTn>
-      </p:par>
-    </p:tnLst>
-    <p:bldLst>
-      <p:bldP spid="3" grpId="0"/>
-    </p:bldLst>
-  </p:timing>
 </p:sld>
 </file>
 
-<file path=ppt/slides/slide8.xml><?xml version="1.0" encoding="utf-8"?>
+<file path=ppt/slides/slide9.xml><?xml version="1.0" encoding="utf-8"?>
 <p:sld xmlns:a="http://schemas.openxmlformats.org/drawingml/2006/main" xmlns:r="http://schemas.openxmlformats.org/officeDocument/2006/relationships" xmlns:p="http://schemas.openxmlformats.org/presentationml/2006/main">
   <p:cSld>
     <p:bg>
@@ -8366,449 +8681,6 @@
   <p:clrMapOvr>
     <a:masterClrMapping/>
   </p:clrMapOvr>
-</p:sld>
-</file>
-
-<file path=ppt/slides/slide9.xml><?xml version="1.0" encoding="utf-8"?>
-<p:sld xmlns:a="http://schemas.openxmlformats.org/drawingml/2006/main" xmlns:r="http://schemas.openxmlformats.org/officeDocument/2006/relationships" xmlns:p="http://schemas.openxmlformats.org/presentationml/2006/main">
-  <p:cSld>
-    <p:bg>
-      <p:bgPr>
-        <a:solidFill>
-          <a:schemeClr val="tx1">
-            <a:lumMod val="85000"/>
-            <a:lumOff val="15000"/>
-          </a:schemeClr>
-        </a:solidFill>
-        <a:effectLst/>
-      </p:bgPr>
-    </p:bg>
-    <p:spTree>
-      <p:nvGrpSpPr>
-        <p:cNvPr id="1" name=""/>
-        <p:cNvGrpSpPr/>
-        <p:nvPr/>
-      </p:nvGrpSpPr>
-      <p:grpSpPr>
-        <a:xfrm>
-          <a:off x="0" y="0"/>
-          <a:ext cx="0" cy="0"/>
-          <a:chOff x="0" y="0"/>
-          <a:chExt cx="0" cy="0"/>
-        </a:xfrm>
-      </p:grpSpPr>
-      <p:sp>
-        <p:nvSpPr>
-          <p:cNvPr id="2" name="TextBox 1">
-            <a:extLst>
-              <a:ext uri="{FF2B5EF4-FFF2-40B4-BE49-F238E27FC236}">
-                <a16:creationId xmlns:a16="http://schemas.microsoft.com/office/drawing/2014/main" id="{0B332A50-CC0E-4C7E-B47E-E7CFBA7B423B}"/>
-              </a:ext>
-            </a:extLst>
-          </p:cNvPr>
-          <p:cNvSpPr txBox="1"/>
-          <p:nvPr/>
-        </p:nvSpPr>
-        <p:spPr>
-          <a:xfrm>
-            <a:off x="3494967" y="3717032"/>
-            <a:ext cx="4129336" cy="830997"/>
-          </a:xfrm>
-          <a:prstGeom prst="rect">
-            <a:avLst/>
-          </a:prstGeom>
-          <a:noFill/>
-        </p:spPr>
-        <p:txBody>
-          <a:bodyPr wrap="none" rtlCol="0">
-            <a:spAutoFit/>
-          </a:bodyPr>
-          <a:lstStyle/>
-          <a:p>
-            <a:r>
-              <a:rPr lang="en-US" altLang="ko-KR" sz="2400" dirty="0">
-                <a:solidFill>
-                  <a:schemeClr val="accent6">
-                    <a:lumMod val="75000"/>
-                  </a:schemeClr>
-                </a:solidFill>
-                <a:latin typeface="나눔바른고딕" panose="020B0603020101020101" pitchFamily="50" charset="-127"/>
-                <a:ea typeface="나눔바른고딕" panose="020B0603020101020101" pitchFamily="50" charset="-127"/>
-              </a:rPr>
-              <a:t>if</a:t>
-            </a:r>
-            <a:r>
-              <a:rPr lang="ko-KR" altLang="en-US" sz="2400" dirty="0">
-                <a:solidFill>
-                  <a:schemeClr val="bg1">
-                    <a:lumMod val="95000"/>
-                  </a:schemeClr>
-                </a:solidFill>
-                <a:latin typeface="나눔바른고딕" panose="020B0603020101020101" pitchFamily="50" charset="-127"/>
-                <a:ea typeface="나눔바른고딕" panose="020B0603020101020101" pitchFamily="50" charset="-127"/>
-              </a:rPr>
-              <a:t> </a:t>
-            </a:r>
-            <a:r>
-              <a:rPr lang="en-US" altLang="ko-KR" sz="2400" dirty="0">
-                <a:solidFill>
-                  <a:schemeClr val="accent1"/>
-                </a:solidFill>
-                <a:latin typeface="나눔바른고딕" panose="020B0603020101020101" pitchFamily="50" charset="-127"/>
-                <a:ea typeface="나눔바른고딕" panose="020B0603020101020101" pitchFamily="50" charset="-127"/>
-              </a:rPr>
-              <a:t>distance &gt;= 200</a:t>
-            </a:r>
-            <a:r>
-              <a:rPr lang="en-US" altLang="ko-KR" sz="2400" dirty="0">
-                <a:solidFill>
-                  <a:schemeClr val="bg1">
-                    <a:lumMod val="95000"/>
-                  </a:schemeClr>
-                </a:solidFill>
-                <a:latin typeface="나눔바른고딕" panose="020B0603020101020101" pitchFamily="50" charset="-127"/>
-                <a:ea typeface="나눔바른고딕" panose="020B0603020101020101" pitchFamily="50" charset="-127"/>
-              </a:rPr>
-              <a:t>:</a:t>
-            </a:r>
-          </a:p>
-          <a:p>
-            <a:r>
-              <a:rPr lang="en-US" altLang="ko-KR" sz="2400" dirty="0">
-                <a:solidFill>
-                  <a:schemeClr val="bg1">
-                    <a:lumMod val="95000"/>
-                  </a:schemeClr>
-                </a:solidFill>
-                <a:latin typeface="나눔바른고딕" panose="020B0603020101020101" pitchFamily="50" charset="-127"/>
-                <a:ea typeface="나눔바른고딕" panose="020B0603020101020101" pitchFamily="50" charset="-127"/>
-              </a:rPr>
-              <a:t>	print("</a:t>
-            </a:r>
-            <a:r>
-              <a:rPr lang="ko-KR" altLang="en-US" sz="2400" dirty="0">
-                <a:solidFill>
-                  <a:schemeClr val="bg1">
-                    <a:lumMod val="95000"/>
-                  </a:schemeClr>
-                </a:solidFill>
-                <a:latin typeface="나눔바른고딕" panose="020B0603020101020101" pitchFamily="50" charset="-127"/>
-                <a:ea typeface="나눔바른고딕" panose="020B0603020101020101" pitchFamily="50" charset="-127"/>
-              </a:rPr>
-              <a:t>저격소총 쏘기</a:t>
-            </a:r>
-            <a:r>
-              <a:rPr lang="en-US" altLang="ko-KR" sz="2400" dirty="0">
-                <a:solidFill>
-                  <a:schemeClr val="bg1">
-                    <a:lumMod val="95000"/>
-                  </a:schemeClr>
-                </a:solidFill>
-                <a:latin typeface="나눔바른고딕" panose="020B0603020101020101" pitchFamily="50" charset="-127"/>
-                <a:ea typeface="나눔바른고딕" panose="020B0603020101020101" pitchFamily="50" charset="-127"/>
-              </a:rPr>
-              <a:t>!")</a:t>
-            </a:r>
-          </a:p>
-        </p:txBody>
-      </p:sp>
-      <p:sp>
-        <p:nvSpPr>
-          <p:cNvPr id="3" name="TextBox 2">
-            <a:extLst>
-              <a:ext uri="{FF2B5EF4-FFF2-40B4-BE49-F238E27FC236}">
-                <a16:creationId xmlns:a16="http://schemas.microsoft.com/office/drawing/2014/main" id="{08A1525D-D82F-4202-A4E5-355420042614}"/>
-              </a:ext>
-            </a:extLst>
-          </p:cNvPr>
-          <p:cNvSpPr txBox="1"/>
-          <p:nvPr/>
-        </p:nvSpPr>
-        <p:spPr>
-          <a:xfrm>
-            <a:off x="3494967" y="1332797"/>
-            <a:ext cx="5202065" cy="830997"/>
-          </a:xfrm>
-          <a:prstGeom prst="rect">
-            <a:avLst/>
-          </a:prstGeom>
-          <a:noFill/>
-        </p:spPr>
-        <p:txBody>
-          <a:bodyPr wrap="none" rtlCol="0">
-            <a:spAutoFit/>
-          </a:bodyPr>
-          <a:lstStyle/>
-          <a:p>
-            <a:r>
-              <a:rPr lang="ko-KR" altLang="en-US" sz="2400" dirty="0">
-                <a:solidFill>
-                  <a:schemeClr val="accent6">
-                    <a:lumMod val="75000"/>
-                  </a:schemeClr>
-                </a:solidFill>
-                <a:latin typeface="나눔바른고딕" panose="020B0603020101020101" pitchFamily="50" charset="-127"/>
-                <a:ea typeface="나눔바른고딕" panose="020B0603020101020101" pitchFamily="50" charset="-127"/>
-              </a:rPr>
-              <a:t>만약에</a:t>
-            </a:r>
-            <a:r>
-              <a:rPr lang="ko-KR" altLang="en-US" sz="2400" dirty="0">
-                <a:solidFill>
-                  <a:schemeClr val="bg1">
-                    <a:lumMod val="95000"/>
-                  </a:schemeClr>
-                </a:solidFill>
-                <a:latin typeface="나눔바른고딕" panose="020B0603020101020101" pitchFamily="50" charset="-127"/>
-                <a:ea typeface="나눔바른고딕" panose="020B0603020101020101" pitchFamily="50" charset="-127"/>
-              </a:rPr>
-              <a:t> 적과의 거리가 </a:t>
-            </a:r>
-            <a:r>
-              <a:rPr lang="en-US" altLang="ko-KR" sz="2400" dirty="0">
-                <a:solidFill>
-                  <a:schemeClr val="accent1"/>
-                </a:solidFill>
-                <a:latin typeface="나눔바른고딕" panose="020B0603020101020101" pitchFamily="50" charset="-127"/>
-                <a:ea typeface="나눔바른고딕" panose="020B0603020101020101" pitchFamily="50" charset="-127"/>
-              </a:rPr>
-              <a:t>200m </a:t>
-            </a:r>
-            <a:r>
-              <a:rPr lang="ko-KR" altLang="en-US" sz="2400" dirty="0">
-                <a:solidFill>
-                  <a:schemeClr val="accent1"/>
-                </a:solidFill>
-                <a:latin typeface="나눔바른고딕" panose="020B0603020101020101" pitchFamily="50" charset="-127"/>
-                <a:ea typeface="나눔바른고딕" panose="020B0603020101020101" pitchFamily="50" charset="-127"/>
-              </a:rPr>
-              <a:t>이상</a:t>
-            </a:r>
-            <a:r>
-              <a:rPr lang="ko-KR" altLang="en-US" sz="2400" dirty="0">
-                <a:solidFill>
-                  <a:schemeClr val="bg1">
-                    <a:lumMod val="95000"/>
-                  </a:schemeClr>
-                </a:solidFill>
-                <a:latin typeface="나눔바른고딕" panose="020B0603020101020101" pitchFamily="50" charset="-127"/>
-                <a:ea typeface="나눔바른고딕" panose="020B0603020101020101" pitchFamily="50" charset="-127"/>
-              </a:rPr>
-              <a:t>이라면</a:t>
-            </a:r>
-            <a:r>
-              <a:rPr lang="en-US" altLang="ko-KR" sz="2400" dirty="0">
-                <a:solidFill>
-                  <a:schemeClr val="bg1">
-                    <a:lumMod val="95000"/>
-                  </a:schemeClr>
-                </a:solidFill>
-                <a:latin typeface="나눔바른고딕" panose="020B0603020101020101" pitchFamily="50" charset="-127"/>
-                <a:ea typeface="나눔바른고딕" panose="020B0603020101020101" pitchFamily="50" charset="-127"/>
-              </a:rPr>
-              <a:t>:</a:t>
-            </a:r>
-          </a:p>
-          <a:p>
-            <a:r>
-              <a:rPr lang="en-US" altLang="ko-KR" sz="2400" dirty="0">
-                <a:solidFill>
-                  <a:schemeClr val="bg1">
-                    <a:lumMod val="95000"/>
-                  </a:schemeClr>
-                </a:solidFill>
-                <a:latin typeface="나눔바른고딕" panose="020B0603020101020101" pitchFamily="50" charset="-127"/>
-                <a:ea typeface="나눔바른고딕" panose="020B0603020101020101" pitchFamily="50" charset="-127"/>
-              </a:rPr>
-              <a:t>	- </a:t>
-            </a:r>
-            <a:r>
-              <a:rPr lang="ko-KR" altLang="en-US" sz="2400" dirty="0">
-                <a:solidFill>
-                  <a:schemeClr val="bg1">
-                    <a:lumMod val="95000"/>
-                  </a:schemeClr>
-                </a:solidFill>
-                <a:latin typeface="나눔바른고딕" panose="020B0603020101020101" pitchFamily="50" charset="-127"/>
-                <a:ea typeface="나눔바른고딕" panose="020B0603020101020101" pitchFamily="50" charset="-127"/>
-              </a:rPr>
-              <a:t>저격소총을 쏜다</a:t>
-            </a:r>
-            <a:endParaRPr lang="en-US" altLang="ko-KR" sz="2400" dirty="0">
-              <a:solidFill>
-                <a:schemeClr val="bg1">
-                  <a:lumMod val="95000"/>
-                </a:schemeClr>
-              </a:solidFill>
-              <a:latin typeface="나눔바른고딕" panose="020B0603020101020101" pitchFamily="50" charset="-127"/>
-              <a:ea typeface="나눔바른고딕" panose="020B0603020101020101" pitchFamily="50" charset="-127"/>
-            </a:endParaRPr>
-          </a:p>
-        </p:txBody>
-      </p:sp>
-      <p:pic>
-        <p:nvPicPr>
-          <p:cNvPr id="5" name="그림 4">
-            <a:extLst>
-              <a:ext uri="{FF2B5EF4-FFF2-40B4-BE49-F238E27FC236}">
-                <a16:creationId xmlns:a16="http://schemas.microsoft.com/office/drawing/2014/main" id="{411097C6-52A1-4F91-B327-FD0B6B1A8B9B}"/>
-              </a:ext>
-            </a:extLst>
-          </p:cNvPr>
-          <p:cNvPicPr>
-            <a:picLocks noChangeAspect="1"/>
-          </p:cNvPicPr>
-          <p:nvPr/>
-        </p:nvPicPr>
-        <p:blipFill>
-          <a:blip r:embed="rId2"/>
-          <a:stretch>
-            <a:fillRect/>
-          </a:stretch>
-        </p:blipFill>
-        <p:spPr>
-          <a:xfrm>
-            <a:off x="7735090" y="3049339"/>
-            <a:ext cx="2249342" cy="2476341"/>
-          </a:xfrm>
-          <a:prstGeom prst="rect">
-            <a:avLst/>
-          </a:prstGeom>
-        </p:spPr>
-      </p:pic>
-    </p:spTree>
-    <p:extLst>
-      <p:ext uri="{BB962C8B-B14F-4D97-AF65-F5344CB8AC3E}">
-        <p14:creationId xmlns:p14="http://schemas.microsoft.com/office/powerpoint/2010/main" val="3695103407"/>
-      </p:ext>
-    </p:extLst>
-  </p:cSld>
-  <p:clrMapOvr>
-    <a:masterClrMapping/>
-  </p:clrMapOvr>
-  <p:timing>
-    <p:tnLst>
-      <p:par>
-        <p:cTn id="1" dur="indefinite" restart="never" nodeType="tmRoot">
-          <p:childTnLst>
-            <p:seq concurrent="1" nextAc="seek">
-              <p:cTn id="2" dur="indefinite" nodeType="mainSeq">
-                <p:childTnLst>
-                  <p:par>
-                    <p:cTn id="3" fill="hold">
-                      <p:stCondLst>
-                        <p:cond delay="indefinite"/>
-                      </p:stCondLst>
-                      <p:childTnLst>
-                        <p:par>
-                          <p:cTn id="4" fill="hold">
-                            <p:stCondLst>
-                              <p:cond delay="0"/>
-                            </p:stCondLst>
-                            <p:childTnLst>
-                              <p:par>
-                                <p:cTn id="5" presetID="1" presetClass="entr" presetSubtype="0" fill="hold" grpId="0" nodeType="clickEffect">
-                                  <p:stCondLst>
-                                    <p:cond delay="0"/>
-                                  </p:stCondLst>
-                                  <p:childTnLst>
-                                    <p:set>
-                                      <p:cBhvr>
-                                        <p:cTn id="6" dur="1" fill="hold">
-                                          <p:stCondLst>
-                                            <p:cond delay="0"/>
-                                          </p:stCondLst>
-                                        </p:cTn>
-                                        <p:tgtEl>
-                                          <p:spTgt spid="2"/>
-                                        </p:tgtEl>
-                                        <p:attrNameLst>
-                                          <p:attrName>style.visibility</p:attrName>
-                                        </p:attrNameLst>
-                                      </p:cBhvr>
-                                      <p:to>
-                                        <p:strVal val="visible"/>
-                                      </p:to>
-                                    </p:set>
-                                  </p:childTnLst>
-                                </p:cTn>
-                              </p:par>
-                            </p:childTnLst>
-                          </p:cTn>
-                        </p:par>
-                      </p:childTnLst>
-                    </p:cTn>
-                  </p:par>
-                  <p:par>
-                    <p:cTn id="7" fill="hold">
-                      <p:stCondLst>
-                        <p:cond delay="indefinite"/>
-                      </p:stCondLst>
-                      <p:childTnLst>
-                        <p:par>
-                          <p:cTn id="8" fill="hold">
-                            <p:stCondLst>
-                              <p:cond delay="0"/>
-                            </p:stCondLst>
-                            <p:childTnLst>
-                              <p:par>
-                                <p:cTn id="9" presetID="1" presetClass="entr" presetSubtype="0" fill="hold" nodeType="clickEffect">
-                                  <p:stCondLst>
-                                    <p:cond delay="0"/>
-                                  </p:stCondLst>
-                                  <p:childTnLst>
-                                    <p:set>
-                                      <p:cBhvr>
-                                        <p:cTn id="10" dur="1" fill="hold">
-                                          <p:stCondLst>
-                                            <p:cond delay="0"/>
-                                          </p:stCondLst>
-                                        </p:cTn>
-                                        <p:tgtEl>
-                                          <p:spTgt spid="5"/>
-                                        </p:tgtEl>
-                                        <p:attrNameLst>
-                                          <p:attrName>style.visibility</p:attrName>
-                                        </p:attrNameLst>
-                                      </p:cBhvr>
-                                      <p:to>
-                                        <p:strVal val="visible"/>
-                                      </p:to>
-                                    </p:set>
-                                  </p:childTnLst>
-                                </p:cTn>
-                              </p:par>
-                            </p:childTnLst>
-                          </p:cTn>
-                        </p:par>
-                      </p:childTnLst>
-                    </p:cTn>
-                  </p:par>
-                </p:childTnLst>
-              </p:cTn>
-              <p:prevCondLst>
-                <p:cond evt="onPrev" delay="0">
-                  <p:tgtEl>
-                    <p:sldTgt/>
-                  </p:tgtEl>
-                </p:cond>
-              </p:prevCondLst>
-              <p:nextCondLst>
-                <p:cond evt="onNext" delay="0">
-                  <p:tgtEl>
-                    <p:sldTgt/>
-                  </p:tgtEl>
-                </p:cond>
-              </p:nextCondLst>
-            </p:seq>
-          </p:childTnLst>
-        </p:cTn>
-      </p:par>
-    </p:tnLst>
-    <p:bldLst>
-      <p:bldP spid="2" grpId="0"/>
-    </p:bldLst>
-  </p:timing>
 </p:sld>
 </file>
 

--- a/파이썬기초(PPT)/NEW_2021버전/파이썬 기초 6강_조건문.pptx
+++ b/파이썬기초(PPT)/NEW_2021버전/파이썬 기초 6강_조건문.pptx
@@ -5,7 +5,7 @@
     <p:sldMasterId id="2147483648" r:id="rId1"/>
   </p:sldMasterIdLst>
   <p:handoutMasterIdLst>
-    <p:handoutMasterId r:id="rId19"/>
+    <p:handoutMasterId r:id="rId22"/>
   </p:handoutMasterIdLst>
   <p:sldIdLst>
     <p:sldId id="292" r:id="rId2"/>
@@ -24,7 +24,10 @@
     <p:sldId id="359" r:id="rId15"/>
     <p:sldId id="360" r:id="rId16"/>
     <p:sldId id="349" r:id="rId17"/>
-    <p:sldId id="338" r:id="rId18"/>
+    <p:sldId id="365" r:id="rId18"/>
+    <p:sldId id="363" r:id="rId19"/>
+    <p:sldId id="364" r:id="rId20"/>
+    <p:sldId id="338" r:id="rId21"/>
   </p:sldIdLst>
   <p:sldSz cx="12192000" cy="6858000"/>
   <p:notesSz cx="10020300" cy="6888163"/>
@@ -472,7 +475,7 @@
           <a:p>
             <a:fld id="{FB30EDBD-1C2D-4C1E-B459-B60219FAB484}" type="datetimeFigureOut">
               <a:rPr lang="ko-KR" altLang="en-US" smtClean="0"/>
-              <a:t>2021-03-09</a:t>
+              <a:t>2021-03-14</a:t>
             </a:fld>
             <a:endParaRPr lang="ko-KR" altLang="en-US"/>
           </a:p>
@@ -635,7 +638,7 @@
           <a:p>
             <a:fld id="{FB30EDBD-1C2D-4C1E-B459-B60219FAB484}" type="datetimeFigureOut">
               <a:rPr lang="ko-KR" altLang="en-US" smtClean="0"/>
-              <a:t>2021-03-09</a:t>
+              <a:t>2021-03-14</a:t>
             </a:fld>
             <a:endParaRPr lang="ko-KR" altLang="en-US"/>
           </a:p>
@@ -808,7 +811,7 @@
           <a:p>
             <a:fld id="{FB30EDBD-1C2D-4C1E-B459-B60219FAB484}" type="datetimeFigureOut">
               <a:rPr lang="ko-KR" altLang="en-US" smtClean="0"/>
-              <a:t>2021-03-09</a:t>
+              <a:t>2021-03-14</a:t>
             </a:fld>
             <a:endParaRPr lang="ko-KR" altLang="en-US"/>
           </a:p>
@@ -971,7 +974,7 @@
           <a:p>
             <a:fld id="{FB30EDBD-1C2D-4C1E-B459-B60219FAB484}" type="datetimeFigureOut">
               <a:rPr lang="ko-KR" altLang="en-US" smtClean="0"/>
-              <a:t>2021-03-09</a:t>
+              <a:t>2021-03-14</a:t>
             </a:fld>
             <a:endParaRPr lang="ko-KR" altLang="en-US"/>
           </a:p>
@@ -1211,7 +1214,7 @@
           <a:p>
             <a:fld id="{FB30EDBD-1C2D-4C1E-B459-B60219FAB484}" type="datetimeFigureOut">
               <a:rPr lang="ko-KR" altLang="en-US" smtClean="0"/>
-              <a:t>2021-03-09</a:t>
+              <a:t>2021-03-14</a:t>
             </a:fld>
             <a:endParaRPr lang="ko-KR" altLang="en-US"/>
           </a:p>
@@ -1491,7 +1494,7 @@
           <a:p>
             <a:fld id="{FB30EDBD-1C2D-4C1E-B459-B60219FAB484}" type="datetimeFigureOut">
               <a:rPr lang="ko-KR" altLang="en-US" smtClean="0"/>
-              <a:t>2021-03-09</a:t>
+              <a:t>2021-03-14</a:t>
             </a:fld>
             <a:endParaRPr lang="ko-KR" altLang="en-US"/>
           </a:p>
@@ -1905,7 +1908,7 @@
           <a:p>
             <a:fld id="{FB30EDBD-1C2D-4C1E-B459-B60219FAB484}" type="datetimeFigureOut">
               <a:rPr lang="ko-KR" altLang="en-US" smtClean="0"/>
-              <a:t>2021-03-09</a:t>
+              <a:t>2021-03-14</a:t>
             </a:fld>
             <a:endParaRPr lang="ko-KR" altLang="en-US"/>
           </a:p>
@@ -2017,7 +2020,7 @@
           <a:p>
             <a:fld id="{FB30EDBD-1C2D-4C1E-B459-B60219FAB484}" type="datetimeFigureOut">
               <a:rPr lang="ko-KR" altLang="en-US" smtClean="0"/>
-              <a:t>2021-03-09</a:t>
+              <a:t>2021-03-14</a:t>
             </a:fld>
             <a:endParaRPr lang="ko-KR" altLang="en-US"/>
           </a:p>
@@ -2107,7 +2110,7 @@
           <a:p>
             <a:fld id="{FB30EDBD-1C2D-4C1E-B459-B60219FAB484}" type="datetimeFigureOut">
               <a:rPr lang="ko-KR" altLang="en-US" smtClean="0"/>
-              <a:t>2021-03-09</a:t>
+              <a:t>2021-03-14</a:t>
             </a:fld>
             <a:endParaRPr lang="ko-KR" altLang="en-US"/>
           </a:p>
@@ -2377,7 +2380,7 @@
           <a:p>
             <a:fld id="{FB30EDBD-1C2D-4C1E-B459-B60219FAB484}" type="datetimeFigureOut">
               <a:rPr lang="ko-KR" altLang="en-US" smtClean="0"/>
-              <a:t>2021-03-09</a:t>
+              <a:t>2021-03-14</a:t>
             </a:fld>
             <a:endParaRPr lang="ko-KR" altLang="en-US"/>
           </a:p>
@@ -2624,7 +2627,7 @@
           <a:p>
             <a:fld id="{FB30EDBD-1C2D-4C1E-B459-B60219FAB484}" type="datetimeFigureOut">
               <a:rPr lang="ko-KR" altLang="en-US" smtClean="0"/>
-              <a:t>2021-03-09</a:t>
+              <a:t>2021-03-14</a:t>
             </a:fld>
             <a:endParaRPr lang="ko-KR" altLang="en-US"/>
           </a:p>
@@ -2830,7 +2833,7 @@
           <a:p>
             <a:fld id="{FB30EDBD-1C2D-4C1E-B459-B60219FAB484}" type="datetimeFigureOut">
               <a:rPr lang="ko-KR" altLang="en-US" smtClean="0"/>
-              <a:t>2021-03-09</a:t>
+              <a:t>2021-03-14</a:t>
             </a:fld>
             <a:endParaRPr lang="ko-KR" altLang="en-US"/>
           </a:p>
@@ -7484,8 +7487,8 @@
         </p:nvSpPr>
         <p:spPr>
           <a:xfrm>
-            <a:off x="4849209" y="3073874"/>
-            <a:ext cx="2509020" cy="717440"/>
+            <a:off x="4949702" y="3102283"/>
+            <a:ext cx="2292615" cy="660502"/>
           </a:xfrm>
           <a:prstGeom prst="rect">
             <a:avLst/>
@@ -7498,19 +7501,24 @@
           </a:bodyPr>
           <a:lstStyle/>
           <a:p>
-            <a:r>
-              <a:rPr lang="ko-KR" altLang="en-US" sz="4062">
-                <a:solidFill>
-                  <a:schemeClr val="bg1"/>
-                </a:solidFill>
-                <a:latin typeface="나눔바른고딕" panose="020B0603020101020101" pitchFamily="50" charset="-127"/>
-                <a:ea typeface="나눔바른고딕" panose="020B0603020101020101" pitchFamily="50" charset="-127"/>
-              </a:rPr>
-              <a:t>감사합니다</a:t>
-            </a:r>
-            <a:endParaRPr lang="en-US" altLang="ko-KR" sz="4062" dirty="0">
+            <a:pPr algn="ctr"/>
+            <a:r>
+              <a:rPr lang="ko-KR" altLang="en-US" sz="3692" dirty="0" err="1">
+                <a:solidFill>
+                  <a:schemeClr val="bg1">
+                    <a:lumMod val="95000"/>
+                  </a:schemeClr>
+                </a:solidFill>
+                <a:latin typeface="나눔바른고딕" panose="020B0603020101020101" pitchFamily="50" charset="-127"/>
+                <a:ea typeface="나눔바른고딕" panose="020B0603020101020101" pitchFamily="50" charset="-127"/>
+              </a:rPr>
+              <a:t>조건문예제</a:t>
+            </a:r>
+            <a:endParaRPr lang="en-US" altLang="ko-KR" sz="3692" dirty="0">
               <a:solidFill>
-                <a:schemeClr val="bg1"/>
+                <a:schemeClr val="bg1">
+                  <a:lumMod val="95000"/>
+                </a:schemeClr>
               </a:solidFill>
               <a:latin typeface="나눔바른고딕" panose="020B0603020101020101" pitchFamily="50" charset="-127"/>
               <a:ea typeface="나눔바른고딕" panose="020B0603020101020101" pitchFamily="50" charset="-127"/>
@@ -7521,7 +7529,1161 @@
     </p:spTree>
     <p:extLst>
       <p:ext uri="{BB962C8B-B14F-4D97-AF65-F5344CB8AC3E}">
-        <p14:creationId xmlns:p14="http://schemas.microsoft.com/office/powerpoint/2010/main" val="1178316166"/>
+        <p14:creationId xmlns:p14="http://schemas.microsoft.com/office/powerpoint/2010/main" val="895092067"/>
+      </p:ext>
+    </p:extLst>
+  </p:cSld>
+  <p:clrMapOvr>
+    <a:masterClrMapping/>
+  </p:clrMapOvr>
+</p:sld>
+</file>
+
+<file path=ppt/slides/slide18.xml><?xml version="1.0" encoding="utf-8"?>
+<p:sld xmlns:a="http://schemas.openxmlformats.org/drawingml/2006/main" xmlns:r="http://schemas.openxmlformats.org/officeDocument/2006/relationships" xmlns:p="http://schemas.openxmlformats.org/presentationml/2006/main">
+  <p:cSld>
+    <p:bg>
+      <p:bgPr>
+        <a:solidFill>
+          <a:schemeClr val="tx1">
+            <a:lumMod val="85000"/>
+            <a:lumOff val="15000"/>
+          </a:schemeClr>
+        </a:solidFill>
+        <a:effectLst/>
+      </p:bgPr>
+    </p:bg>
+    <p:spTree>
+      <p:nvGrpSpPr>
+        <p:cNvPr id="1" name=""/>
+        <p:cNvGrpSpPr/>
+        <p:nvPr/>
+      </p:nvGrpSpPr>
+      <p:grpSpPr>
+        <a:xfrm>
+          <a:off x="0" y="0"/>
+          <a:ext cx="0" cy="0"/>
+          <a:chOff x="0" y="0"/>
+          <a:chExt cx="0" cy="0"/>
+        </a:xfrm>
+      </p:grpSpPr>
+      <p:sp>
+        <p:nvSpPr>
+          <p:cNvPr id="2" name="TextBox 1">
+            <a:extLst>
+              <a:ext uri="{FF2B5EF4-FFF2-40B4-BE49-F238E27FC236}">
+                <a16:creationId xmlns:a16="http://schemas.microsoft.com/office/drawing/2014/main" id="{0B332A50-CC0E-4C7E-B47E-E7CFBA7B423B}"/>
+              </a:ext>
+            </a:extLst>
+          </p:cNvPr>
+          <p:cNvSpPr txBox="1"/>
+          <p:nvPr/>
+        </p:nvSpPr>
+        <p:spPr>
+          <a:xfrm>
+            <a:off x="5257469" y="836712"/>
+            <a:ext cx="1677062" cy="660502"/>
+          </a:xfrm>
+          <a:prstGeom prst="rect">
+            <a:avLst/>
+          </a:prstGeom>
+          <a:noFill/>
+        </p:spPr>
+        <p:txBody>
+          <a:bodyPr wrap="none" rtlCol="0">
+            <a:spAutoFit/>
+          </a:bodyPr>
+          <a:lstStyle/>
+          <a:p>
+            <a:pPr algn="ctr"/>
+            <a:r>
+              <a:rPr lang="en-US" altLang="ko-KR" sz="3692" dirty="0">
+                <a:solidFill>
+                  <a:schemeClr val="bg1">
+                    <a:lumMod val="95000"/>
+                  </a:schemeClr>
+                </a:solidFill>
+                <a:latin typeface="나눔바른고딕" panose="020B0603020101020101" pitchFamily="50" charset="-127"/>
+                <a:ea typeface="나눔바른고딕" panose="020B0603020101020101" pitchFamily="50" charset="-127"/>
+              </a:rPr>
+              <a:t>quiz 1)</a:t>
+            </a:r>
+          </a:p>
+        </p:txBody>
+      </p:sp>
+      <p:sp>
+        <p:nvSpPr>
+          <p:cNvPr id="6" name="TextBox 5">
+            <a:extLst>
+              <a:ext uri="{FF2B5EF4-FFF2-40B4-BE49-F238E27FC236}">
+                <a16:creationId xmlns:a16="http://schemas.microsoft.com/office/drawing/2014/main" id="{96867BD1-4A71-4230-9312-8BE65579EC74}"/>
+              </a:ext>
+            </a:extLst>
+          </p:cNvPr>
+          <p:cNvSpPr txBox="1"/>
+          <p:nvPr/>
+        </p:nvSpPr>
+        <p:spPr>
+          <a:xfrm>
+            <a:off x="2483254" y="1844824"/>
+            <a:ext cx="7225493" cy="3785652"/>
+          </a:xfrm>
+          <a:prstGeom prst="rect">
+            <a:avLst/>
+          </a:prstGeom>
+          <a:noFill/>
+        </p:spPr>
+        <p:txBody>
+          <a:bodyPr wrap="square">
+            <a:spAutoFit/>
+          </a:bodyPr>
+          <a:lstStyle/>
+          <a:p>
+            <a:pPr algn="l"/>
+            <a:r>
+              <a:rPr lang="ko-KR" altLang="en-US" sz="2000" dirty="0">
+                <a:solidFill>
+                  <a:schemeClr val="bg1">
+                    <a:lumMod val="95000"/>
+                  </a:schemeClr>
+                </a:solidFill>
+                <a:latin typeface="나눔고딕" panose="020D0604000000000000" pitchFamily="50" charset="-127"/>
+                <a:ea typeface="나눔고딕" panose="020D0604000000000000" pitchFamily="50" charset="-127"/>
+              </a:rPr>
+              <a:t>프로그램 사용자로부터 삼성전자의 </a:t>
+            </a:r>
+            <a:r>
+              <a:rPr lang="ko-KR" altLang="en-US" sz="2000" dirty="0">
+                <a:solidFill>
+                  <a:schemeClr val="accent6">
+                    <a:lumMod val="75000"/>
+                  </a:schemeClr>
+                </a:solidFill>
+                <a:latin typeface="나눔고딕" panose="020D0604000000000000" pitchFamily="50" charset="-127"/>
+                <a:ea typeface="나눔고딕" panose="020D0604000000000000" pitchFamily="50" charset="-127"/>
+              </a:rPr>
+              <a:t>현재가격</a:t>
+            </a:r>
+            <a:r>
+              <a:rPr lang="ko-KR" altLang="en-US" sz="2000" dirty="0">
+                <a:solidFill>
+                  <a:schemeClr val="bg1">
+                    <a:lumMod val="95000"/>
+                  </a:schemeClr>
+                </a:solidFill>
+                <a:latin typeface="나눔고딕" panose="020D0604000000000000" pitchFamily="50" charset="-127"/>
+                <a:ea typeface="나눔고딕" panose="020D0604000000000000" pitchFamily="50" charset="-127"/>
+              </a:rPr>
+              <a:t>을 입력 받는다</a:t>
+            </a:r>
+            <a:endParaRPr lang="en-US" altLang="ko-KR" sz="2000" dirty="0">
+              <a:solidFill>
+                <a:schemeClr val="bg1">
+                  <a:lumMod val="95000"/>
+                </a:schemeClr>
+              </a:solidFill>
+              <a:latin typeface="나눔고딕" panose="020D0604000000000000" pitchFamily="50" charset="-127"/>
+              <a:ea typeface="나눔고딕" panose="020D0604000000000000" pitchFamily="50" charset="-127"/>
+            </a:endParaRPr>
+          </a:p>
+          <a:p>
+            <a:pPr algn="l"/>
+            <a:endParaRPr lang="en-US" altLang="ko-KR" sz="2000" dirty="0">
+              <a:latin typeface="나눔고딕" panose="020D0604000000000000" pitchFamily="50" charset="-127"/>
+              <a:ea typeface="나눔고딕" panose="020D0604000000000000" pitchFamily="50" charset="-127"/>
+            </a:endParaRPr>
+          </a:p>
+          <a:p>
+            <a:pPr algn="l"/>
+            <a:r>
+              <a:rPr lang="ko-KR" altLang="en-US" sz="2000" dirty="0">
+                <a:solidFill>
+                  <a:schemeClr val="bg1">
+                    <a:lumMod val="95000"/>
+                  </a:schemeClr>
+                </a:solidFill>
+                <a:latin typeface="나눔고딕" panose="020D0604000000000000" pitchFamily="50" charset="-127"/>
+                <a:ea typeface="나눔고딕" panose="020D0604000000000000" pitchFamily="50" charset="-127"/>
+              </a:rPr>
+              <a:t>조건에 따라 출력되는 문장을 작성한다</a:t>
+            </a:r>
+            <a:r>
+              <a:rPr lang="en-US" altLang="ko-KR" sz="2000" dirty="0">
+                <a:solidFill>
+                  <a:schemeClr val="bg1">
+                    <a:lumMod val="95000"/>
+                  </a:schemeClr>
+                </a:solidFill>
+                <a:latin typeface="나눔고딕" panose="020D0604000000000000" pitchFamily="50" charset="-127"/>
+                <a:ea typeface="나눔고딕" panose="020D0604000000000000" pitchFamily="50" charset="-127"/>
+              </a:rPr>
+              <a:t>.</a:t>
+            </a:r>
+          </a:p>
+          <a:p>
+            <a:pPr algn="l"/>
+            <a:endParaRPr lang="en-US" altLang="ko-KR" sz="2000" dirty="0">
+              <a:latin typeface="나눔고딕" panose="020D0604000000000000" pitchFamily="50" charset="-127"/>
+              <a:ea typeface="나눔고딕" panose="020D0604000000000000" pitchFamily="50" charset="-127"/>
+            </a:endParaRPr>
+          </a:p>
+          <a:p>
+            <a:pPr algn="l"/>
+            <a:r>
+              <a:rPr lang="en-US" altLang="ko-KR" sz="2000" dirty="0">
+                <a:solidFill>
+                  <a:schemeClr val="bg1">
+                    <a:lumMod val="95000"/>
+                  </a:schemeClr>
+                </a:solidFill>
+                <a:latin typeface="나눔고딕" panose="020D0604000000000000" pitchFamily="50" charset="-127"/>
+                <a:ea typeface="나눔고딕" panose="020D0604000000000000" pitchFamily="50" charset="-127"/>
+              </a:rPr>
+              <a:t>1.</a:t>
+            </a:r>
+            <a:r>
+              <a:rPr lang="ko-KR" altLang="en-US" sz="2000" dirty="0">
+                <a:solidFill>
+                  <a:schemeClr val="bg1">
+                    <a:lumMod val="95000"/>
+                  </a:schemeClr>
+                </a:solidFill>
+                <a:latin typeface="나눔고딕" panose="020D0604000000000000" pitchFamily="50" charset="-127"/>
+                <a:ea typeface="나눔고딕" panose="020D0604000000000000" pitchFamily="50" charset="-127"/>
+              </a:rPr>
+              <a:t>현재가격이 </a:t>
+            </a:r>
+            <a:r>
+              <a:rPr lang="en-US" altLang="ko-KR" sz="2000" dirty="0">
+                <a:solidFill>
+                  <a:schemeClr val="accent6">
+                    <a:lumMod val="75000"/>
+                  </a:schemeClr>
+                </a:solidFill>
+                <a:latin typeface="나눔고딕" panose="020D0604000000000000" pitchFamily="50" charset="-127"/>
+                <a:ea typeface="나눔고딕" panose="020D0604000000000000" pitchFamily="50" charset="-127"/>
+              </a:rPr>
+              <a:t>9</a:t>
+            </a:r>
+            <a:r>
+              <a:rPr lang="ko-KR" altLang="en-US" sz="2000" dirty="0">
+                <a:solidFill>
+                  <a:schemeClr val="accent6">
+                    <a:lumMod val="75000"/>
+                  </a:schemeClr>
+                </a:solidFill>
+                <a:latin typeface="나눔고딕" panose="020D0604000000000000" pitchFamily="50" charset="-127"/>
+                <a:ea typeface="나눔고딕" panose="020D0604000000000000" pitchFamily="50" charset="-127"/>
+              </a:rPr>
+              <a:t>만원 </a:t>
+            </a:r>
+            <a:r>
+              <a:rPr lang="ko-KR" altLang="en-US" sz="2000" dirty="0">
+                <a:solidFill>
+                  <a:schemeClr val="bg1">
+                    <a:lumMod val="95000"/>
+                  </a:schemeClr>
+                </a:solidFill>
+                <a:latin typeface="나눔고딕" panose="020D0604000000000000" pitchFamily="50" charset="-127"/>
+                <a:ea typeface="나눔고딕" panose="020D0604000000000000" pitchFamily="50" charset="-127"/>
+              </a:rPr>
+              <a:t>이상이면</a:t>
+            </a:r>
+            <a:endParaRPr lang="en-US" altLang="ko-KR" sz="2000" dirty="0">
+              <a:solidFill>
+                <a:schemeClr val="bg1">
+                  <a:lumMod val="95000"/>
+                </a:schemeClr>
+              </a:solidFill>
+              <a:latin typeface="나눔고딕" panose="020D0604000000000000" pitchFamily="50" charset="-127"/>
+              <a:ea typeface="나눔고딕" panose="020D0604000000000000" pitchFamily="50" charset="-127"/>
+            </a:endParaRPr>
+          </a:p>
+          <a:p>
+            <a:pPr algn="l"/>
+            <a:r>
+              <a:rPr lang="en-US" altLang="ko-KR" sz="2000" dirty="0">
+                <a:solidFill>
+                  <a:schemeClr val="bg1">
+                    <a:lumMod val="95000"/>
+                  </a:schemeClr>
+                </a:solidFill>
+                <a:latin typeface="나눔고딕" panose="020D0604000000000000" pitchFamily="50" charset="-127"/>
+                <a:ea typeface="나눔고딕" panose="020D0604000000000000" pitchFamily="50" charset="-127"/>
+              </a:rPr>
+              <a:t>-&gt;"</a:t>
+            </a:r>
+            <a:r>
+              <a:rPr lang="ko-KR" altLang="en-US" sz="2000" dirty="0">
+                <a:solidFill>
+                  <a:schemeClr val="accent1"/>
+                </a:solidFill>
+                <a:latin typeface="나눔고딕" panose="020D0604000000000000" pitchFamily="50" charset="-127"/>
+                <a:ea typeface="나눔고딕" panose="020D0604000000000000" pitchFamily="50" charset="-127"/>
+              </a:rPr>
+              <a:t>매도합니다</a:t>
+            </a:r>
+            <a:r>
+              <a:rPr lang="en-US" altLang="ko-KR" sz="2000" dirty="0">
+                <a:solidFill>
+                  <a:schemeClr val="bg1">
+                    <a:lumMod val="95000"/>
+                  </a:schemeClr>
+                </a:solidFill>
+                <a:latin typeface="나눔고딕" panose="020D0604000000000000" pitchFamily="50" charset="-127"/>
+                <a:ea typeface="나눔고딕" panose="020D0604000000000000" pitchFamily="50" charset="-127"/>
+              </a:rPr>
+              <a:t>" </a:t>
+            </a:r>
+            <a:r>
+              <a:rPr lang="ko-KR" altLang="en-US" sz="2000" dirty="0">
+                <a:solidFill>
+                  <a:schemeClr val="bg1">
+                    <a:lumMod val="95000"/>
+                  </a:schemeClr>
+                </a:solidFill>
+                <a:latin typeface="나눔고딕" panose="020D0604000000000000" pitchFamily="50" charset="-127"/>
+                <a:ea typeface="나눔고딕" panose="020D0604000000000000" pitchFamily="50" charset="-127"/>
+              </a:rPr>
+              <a:t>출력</a:t>
+            </a:r>
+            <a:endParaRPr lang="en-US" altLang="ko-KR" sz="2000" dirty="0">
+              <a:solidFill>
+                <a:schemeClr val="bg1">
+                  <a:lumMod val="95000"/>
+                </a:schemeClr>
+              </a:solidFill>
+              <a:latin typeface="나눔고딕" panose="020D0604000000000000" pitchFamily="50" charset="-127"/>
+              <a:ea typeface="나눔고딕" panose="020D0604000000000000" pitchFamily="50" charset="-127"/>
+            </a:endParaRPr>
+          </a:p>
+          <a:p>
+            <a:pPr algn="l"/>
+            <a:endParaRPr lang="en-US" altLang="ko-KR" sz="2000" dirty="0">
+              <a:latin typeface="나눔고딕" panose="020D0604000000000000" pitchFamily="50" charset="-127"/>
+              <a:ea typeface="나눔고딕" panose="020D0604000000000000" pitchFamily="50" charset="-127"/>
+            </a:endParaRPr>
+          </a:p>
+          <a:p>
+            <a:pPr algn="l"/>
+            <a:r>
+              <a:rPr lang="en-US" altLang="ko-KR" sz="2000" dirty="0">
+                <a:solidFill>
+                  <a:schemeClr val="bg1">
+                    <a:lumMod val="95000"/>
+                  </a:schemeClr>
+                </a:solidFill>
+                <a:latin typeface="나눔고딕" panose="020D0604000000000000" pitchFamily="50" charset="-127"/>
+                <a:ea typeface="나눔고딕" panose="020D0604000000000000" pitchFamily="50" charset="-127"/>
+              </a:rPr>
+              <a:t>2.</a:t>
+            </a:r>
+            <a:r>
+              <a:rPr lang="ko-KR" altLang="en-US" sz="2000" dirty="0">
+                <a:solidFill>
+                  <a:schemeClr val="bg1">
+                    <a:lumMod val="95000"/>
+                  </a:schemeClr>
+                </a:solidFill>
+                <a:latin typeface="나눔고딕" panose="020D0604000000000000" pitchFamily="50" charset="-127"/>
+                <a:ea typeface="나눔고딕" panose="020D0604000000000000" pitchFamily="50" charset="-127"/>
+              </a:rPr>
+              <a:t>현재가격이 </a:t>
+            </a:r>
+            <a:r>
+              <a:rPr lang="en-US" altLang="ko-KR" sz="2000" dirty="0">
+                <a:solidFill>
+                  <a:schemeClr val="accent6">
+                    <a:lumMod val="75000"/>
+                  </a:schemeClr>
+                </a:solidFill>
+                <a:latin typeface="나눔고딕" panose="020D0604000000000000" pitchFamily="50" charset="-127"/>
+                <a:ea typeface="나눔고딕" panose="020D0604000000000000" pitchFamily="50" charset="-127"/>
+              </a:rPr>
+              <a:t>8</a:t>
+            </a:r>
+            <a:r>
+              <a:rPr lang="ko-KR" altLang="en-US" sz="2000" dirty="0">
+                <a:solidFill>
+                  <a:schemeClr val="accent6">
+                    <a:lumMod val="75000"/>
+                  </a:schemeClr>
+                </a:solidFill>
+                <a:latin typeface="나눔고딕" panose="020D0604000000000000" pitchFamily="50" charset="-127"/>
+                <a:ea typeface="나눔고딕" panose="020D0604000000000000" pitchFamily="50" charset="-127"/>
+              </a:rPr>
+              <a:t>만원이상 </a:t>
+            </a:r>
+            <a:r>
+              <a:rPr lang="en-US" altLang="ko-KR" sz="2000" dirty="0">
+                <a:solidFill>
+                  <a:schemeClr val="accent6">
+                    <a:lumMod val="75000"/>
+                  </a:schemeClr>
+                </a:solidFill>
+                <a:latin typeface="나눔고딕" panose="020D0604000000000000" pitchFamily="50" charset="-127"/>
+                <a:ea typeface="나눔고딕" panose="020D0604000000000000" pitchFamily="50" charset="-127"/>
+              </a:rPr>
+              <a:t>9</a:t>
+            </a:r>
+            <a:r>
+              <a:rPr lang="ko-KR" altLang="en-US" sz="2000" dirty="0">
+                <a:solidFill>
+                  <a:schemeClr val="accent6">
+                    <a:lumMod val="75000"/>
+                  </a:schemeClr>
+                </a:solidFill>
+                <a:latin typeface="나눔고딕" panose="020D0604000000000000" pitchFamily="50" charset="-127"/>
+                <a:ea typeface="나눔고딕" panose="020D0604000000000000" pitchFamily="50" charset="-127"/>
+              </a:rPr>
+              <a:t>만원미만이면</a:t>
+            </a:r>
+            <a:endParaRPr lang="en-US" altLang="ko-KR" sz="2000" dirty="0">
+              <a:solidFill>
+                <a:schemeClr val="accent6">
+                  <a:lumMod val="75000"/>
+                </a:schemeClr>
+              </a:solidFill>
+              <a:latin typeface="나눔고딕" panose="020D0604000000000000" pitchFamily="50" charset="-127"/>
+              <a:ea typeface="나눔고딕" panose="020D0604000000000000" pitchFamily="50" charset="-127"/>
+            </a:endParaRPr>
+          </a:p>
+          <a:p>
+            <a:pPr algn="l"/>
+            <a:r>
+              <a:rPr lang="en-US" altLang="ko-KR" sz="2000" dirty="0">
+                <a:solidFill>
+                  <a:schemeClr val="bg1">
+                    <a:lumMod val="95000"/>
+                  </a:schemeClr>
+                </a:solidFill>
+                <a:latin typeface="나눔고딕" panose="020D0604000000000000" pitchFamily="50" charset="-127"/>
+                <a:ea typeface="나눔고딕" panose="020D0604000000000000" pitchFamily="50" charset="-127"/>
+              </a:rPr>
+              <a:t>-&gt;"</a:t>
+            </a:r>
+            <a:r>
+              <a:rPr lang="ko-KR" altLang="en-US" sz="2000" dirty="0">
+                <a:solidFill>
+                  <a:schemeClr val="accent1"/>
+                </a:solidFill>
+                <a:latin typeface="나눔고딕" panose="020D0604000000000000" pitchFamily="50" charset="-127"/>
+                <a:ea typeface="나눔고딕" panose="020D0604000000000000" pitchFamily="50" charset="-127"/>
+              </a:rPr>
+              <a:t>대기중입니다</a:t>
+            </a:r>
+            <a:r>
+              <a:rPr lang="en-US" altLang="ko-KR" sz="2000" dirty="0">
+                <a:solidFill>
+                  <a:schemeClr val="bg1">
+                    <a:lumMod val="95000"/>
+                  </a:schemeClr>
+                </a:solidFill>
+                <a:latin typeface="나눔고딕" panose="020D0604000000000000" pitchFamily="50" charset="-127"/>
+                <a:ea typeface="나눔고딕" panose="020D0604000000000000" pitchFamily="50" charset="-127"/>
+              </a:rPr>
+              <a:t>" </a:t>
+            </a:r>
+            <a:r>
+              <a:rPr lang="ko-KR" altLang="en-US" sz="2000" dirty="0">
+                <a:solidFill>
+                  <a:schemeClr val="bg1">
+                    <a:lumMod val="95000"/>
+                  </a:schemeClr>
+                </a:solidFill>
+                <a:latin typeface="나눔고딕" panose="020D0604000000000000" pitchFamily="50" charset="-127"/>
+                <a:ea typeface="나눔고딕" panose="020D0604000000000000" pitchFamily="50" charset="-127"/>
+              </a:rPr>
+              <a:t>출력</a:t>
+            </a:r>
+            <a:endParaRPr lang="en-US" altLang="ko-KR" sz="2000" dirty="0">
+              <a:solidFill>
+                <a:schemeClr val="bg1">
+                  <a:lumMod val="95000"/>
+                </a:schemeClr>
+              </a:solidFill>
+              <a:latin typeface="나눔고딕" panose="020D0604000000000000" pitchFamily="50" charset="-127"/>
+              <a:ea typeface="나눔고딕" panose="020D0604000000000000" pitchFamily="50" charset="-127"/>
+            </a:endParaRPr>
+          </a:p>
+          <a:p>
+            <a:pPr algn="l"/>
+            <a:endParaRPr lang="en-US" altLang="ko-KR" sz="2000" dirty="0">
+              <a:latin typeface="나눔고딕" panose="020D0604000000000000" pitchFamily="50" charset="-127"/>
+              <a:ea typeface="나눔고딕" panose="020D0604000000000000" pitchFamily="50" charset="-127"/>
+            </a:endParaRPr>
+          </a:p>
+          <a:p>
+            <a:pPr algn="l"/>
+            <a:r>
+              <a:rPr lang="en-US" altLang="ko-KR" sz="2000" dirty="0">
+                <a:solidFill>
+                  <a:schemeClr val="bg1">
+                    <a:lumMod val="95000"/>
+                  </a:schemeClr>
+                </a:solidFill>
+                <a:latin typeface="나눔고딕" panose="020D0604000000000000" pitchFamily="50" charset="-127"/>
+                <a:ea typeface="나눔고딕" panose="020D0604000000000000" pitchFamily="50" charset="-127"/>
+              </a:rPr>
+              <a:t>3. </a:t>
+            </a:r>
+            <a:r>
+              <a:rPr lang="ko-KR" altLang="en-US" sz="2000" dirty="0">
+                <a:solidFill>
+                  <a:schemeClr val="bg1">
+                    <a:lumMod val="95000"/>
+                  </a:schemeClr>
+                </a:solidFill>
+                <a:latin typeface="나눔고딕" panose="020D0604000000000000" pitchFamily="50" charset="-127"/>
+                <a:ea typeface="나눔고딕" panose="020D0604000000000000" pitchFamily="50" charset="-127"/>
+              </a:rPr>
+              <a:t>현재가격이 </a:t>
+            </a:r>
+            <a:r>
+              <a:rPr lang="en-US" altLang="ko-KR" sz="2000" dirty="0">
+                <a:solidFill>
+                  <a:schemeClr val="accent6">
+                    <a:lumMod val="75000"/>
+                  </a:schemeClr>
+                </a:solidFill>
+                <a:latin typeface="나눔고딕" panose="020D0604000000000000" pitchFamily="50" charset="-127"/>
+                <a:ea typeface="나눔고딕" panose="020D0604000000000000" pitchFamily="50" charset="-127"/>
+              </a:rPr>
+              <a:t>8</a:t>
+            </a:r>
+            <a:r>
+              <a:rPr lang="ko-KR" altLang="en-US" sz="2000" dirty="0">
+                <a:solidFill>
+                  <a:schemeClr val="accent6">
+                    <a:lumMod val="75000"/>
+                  </a:schemeClr>
+                </a:solidFill>
+                <a:latin typeface="나눔고딕" panose="020D0604000000000000" pitchFamily="50" charset="-127"/>
+                <a:ea typeface="나눔고딕" panose="020D0604000000000000" pitchFamily="50" charset="-127"/>
+              </a:rPr>
+              <a:t>만원 미만이면</a:t>
+            </a:r>
+            <a:endParaRPr lang="en-US" altLang="ko-KR" sz="2000" dirty="0">
+              <a:solidFill>
+                <a:schemeClr val="accent6">
+                  <a:lumMod val="75000"/>
+                </a:schemeClr>
+              </a:solidFill>
+              <a:latin typeface="나눔고딕" panose="020D0604000000000000" pitchFamily="50" charset="-127"/>
+              <a:ea typeface="나눔고딕" panose="020D0604000000000000" pitchFamily="50" charset="-127"/>
+            </a:endParaRPr>
+          </a:p>
+          <a:p>
+            <a:pPr algn="l"/>
+            <a:r>
+              <a:rPr lang="en-US" altLang="ko-KR" sz="2000" dirty="0">
+                <a:solidFill>
+                  <a:schemeClr val="bg1">
+                    <a:lumMod val="95000"/>
+                  </a:schemeClr>
+                </a:solidFill>
+                <a:latin typeface="나눔고딕" panose="020D0604000000000000" pitchFamily="50" charset="-127"/>
+                <a:ea typeface="나눔고딕" panose="020D0604000000000000" pitchFamily="50" charset="-127"/>
+              </a:rPr>
+              <a:t>-&gt;"</a:t>
+            </a:r>
+            <a:r>
+              <a:rPr lang="ko-KR" altLang="en-US" sz="2000" dirty="0">
+                <a:solidFill>
+                  <a:schemeClr val="accent1"/>
+                </a:solidFill>
+                <a:latin typeface="나눔고딕" panose="020D0604000000000000" pitchFamily="50" charset="-127"/>
+                <a:ea typeface="나눔고딕" panose="020D0604000000000000" pitchFamily="50" charset="-127"/>
+              </a:rPr>
+              <a:t>매수합니다</a:t>
+            </a:r>
+            <a:r>
+              <a:rPr lang="en-US" altLang="ko-KR" sz="2000" dirty="0">
+                <a:solidFill>
+                  <a:schemeClr val="bg1">
+                    <a:lumMod val="95000"/>
+                  </a:schemeClr>
+                </a:solidFill>
+                <a:latin typeface="나눔고딕" panose="020D0604000000000000" pitchFamily="50" charset="-127"/>
+                <a:ea typeface="나눔고딕" panose="020D0604000000000000" pitchFamily="50" charset="-127"/>
+              </a:rPr>
+              <a:t>" </a:t>
+            </a:r>
+            <a:r>
+              <a:rPr lang="ko-KR" altLang="en-US" sz="2000" dirty="0">
+                <a:solidFill>
+                  <a:schemeClr val="bg1">
+                    <a:lumMod val="95000"/>
+                  </a:schemeClr>
+                </a:solidFill>
+                <a:latin typeface="나눔고딕" panose="020D0604000000000000" pitchFamily="50" charset="-127"/>
+                <a:ea typeface="나눔고딕" panose="020D0604000000000000" pitchFamily="50" charset="-127"/>
+              </a:rPr>
+              <a:t>출력</a:t>
+            </a:r>
+            <a:endParaRPr lang="en-US" altLang="ko-KR" sz="2000" dirty="0">
+              <a:solidFill>
+                <a:schemeClr val="bg1">
+                  <a:lumMod val="95000"/>
+                </a:schemeClr>
+              </a:solidFill>
+              <a:latin typeface="나눔고딕" panose="020D0604000000000000" pitchFamily="50" charset="-127"/>
+              <a:ea typeface="나눔고딕" panose="020D0604000000000000" pitchFamily="50" charset="-127"/>
+            </a:endParaRPr>
+          </a:p>
+        </p:txBody>
+      </p:sp>
+    </p:spTree>
+    <p:extLst>
+      <p:ext uri="{BB962C8B-B14F-4D97-AF65-F5344CB8AC3E}">
+        <p14:creationId xmlns:p14="http://schemas.microsoft.com/office/powerpoint/2010/main" val="1130405266"/>
+      </p:ext>
+    </p:extLst>
+  </p:cSld>
+  <p:clrMapOvr>
+    <a:masterClrMapping/>
+  </p:clrMapOvr>
+</p:sld>
+</file>
+
+<file path=ppt/slides/slide19.xml><?xml version="1.0" encoding="utf-8"?>
+<p:sld xmlns:a="http://schemas.openxmlformats.org/drawingml/2006/main" xmlns:r="http://schemas.openxmlformats.org/officeDocument/2006/relationships" xmlns:p="http://schemas.openxmlformats.org/presentationml/2006/main">
+  <p:cSld>
+    <p:bg>
+      <p:bgPr>
+        <a:solidFill>
+          <a:schemeClr val="tx1">
+            <a:lumMod val="85000"/>
+            <a:lumOff val="15000"/>
+          </a:schemeClr>
+        </a:solidFill>
+        <a:effectLst/>
+      </p:bgPr>
+    </p:bg>
+    <p:spTree>
+      <p:nvGrpSpPr>
+        <p:cNvPr id="1" name=""/>
+        <p:cNvGrpSpPr/>
+        <p:nvPr/>
+      </p:nvGrpSpPr>
+      <p:grpSpPr>
+        <a:xfrm>
+          <a:off x="0" y="0"/>
+          <a:ext cx="0" cy="0"/>
+          <a:chOff x="0" y="0"/>
+          <a:chExt cx="0" cy="0"/>
+        </a:xfrm>
+      </p:grpSpPr>
+      <p:sp>
+        <p:nvSpPr>
+          <p:cNvPr id="2" name="TextBox 1">
+            <a:extLst>
+              <a:ext uri="{FF2B5EF4-FFF2-40B4-BE49-F238E27FC236}">
+                <a16:creationId xmlns:a16="http://schemas.microsoft.com/office/drawing/2014/main" id="{0B332A50-CC0E-4C7E-B47E-E7CFBA7B423B}"/>
+              </a:ext>
+            </a:extLst>
+          </p:cNvPr>
+          <p:cNvSpPr txBox="1"/>
+          <p:nvPr/>
+        </p:nvSpPr>
+        <p:spPr>
+          <a:xfrm>
+            <a:off x="5257469" y="836712"/>
+            <a:ext cx="1677062" cy="660502"/>
+          </a:xfrm>
+          <a:prstGeom prst="rect">
+            <a:avLst/>
+          </a:prstGeom>
+          <a:noFill/>
+        </p:spPr>
+        <p:txBody>
+          <a:bodyPr wrap="none" rtlCol="0">
+            <a:spAutoFit/>
+          </a:bodyPr>
+          <a:lstStyle/>
+          <a:p>
+            <a:pPr algn="ctr"/>
+            <a:r>
+              <a:rPr lang="en-US" altLang="ko-KR" sz="3692" dirty="0">
+                <a:solidFill>
+                  <a:schemeClr val="bg1">
+                    <a:lumMod val="95000"/>
+                  </a:schemeClr>
+                </a:solidFill>
+                <a:latin typeface="나눔바른고딕" panose="020B0603020101020101" pitchFamily="50" charset="-127"/>
+                <a:ea typeface="나눔바른고딕" panose="020B0603020101020101" pitchFamily="50" charset="-127"/>
+              </a:rPr>
+              <a:t>quiz 2)</a:t>
+            </a:r>
+          </a:p>
+        </p:txBody>
+      </p:sp>
+      <p:sp>
+        <p:nvSpPr>
+          <p:cNvPr id="6" name="TextBox 5">
+            <a:extLst>
+              <a:ext uri="{FF2B5EF4-FFF2-40B4-BE49-F238E27FC236}">
+                <a16:creationId xmlns:a16="http://schemas.microsoft.com/office/drawing/2014/main" id="{96867BD1-4A71-4230-9312-8BE65579EC74}"/>
+              </a:ext>
+            </a:extLst>
+          </p:cNvPr>
+          <p:cNvSpPr txBox="1"/>
+          <p:nvPr/>
+        </p:nvSpPr>
+        <p:spPr>
+          <a:xfrm>
+            <a:off x="2849467" y="1844824"/>
+            <a:ext cx="6493066" cy="2862322"/>
+          </a:xfrm>
+          <a:prstGeom prst="rect">
+            <a:avLst/>
+          </a:prstGeom>
+          <a:noFill/>
+        </p:spPr>
+        <p:txBody>
+          <a:bodyPr wrap="square">
+            <a:spAutoFit/>
+          </a:bodyPr>
+          <a:lstStyle/>
+          <a:p>
+            <a:pPr algn="l"/>
+            <a:r>
+              <a:rPr lang="ko-KR" altLang="en-US" sz="2000" dirty="0">
+                <a:solidFill>
+                  <a:schemeClr val="bg1">
+                    <a:lumMod val="95000"/>
+                  </a:schemeClr>
+                </a:solidFill>
+                <a:latin typeface="나눔고딕" panose="020D0604000000000000" pitchFamily="50" charset="-127"/>
+                <a:ea typeface="나눔고딕" panose="020D0604000000000000" pitchFamily="50" charset="-127"/>
+              </a:rPr>
+              <a:t>프로그램 사용자로부터 가방과 시계의 금액을 입력 받는다</a:t>
+            </a:r>
+            <a:r>
+              <a:rPr lang="en-US" altLang="ko-KR" sz="2000" dirty="0">
+                <a:solidFill>
+                  <a:schemeClr val="bg1">
+                    <a:lumMod val="95000"/>
+                  </a:schemeClr>
+                </a:solidFill>
+                <a:latin typeface="나눔고딕" panose="020D0604000000000000" pitchFamily="50" charset="-127"/>
+                <a:ea typeface="나눔고딕" panose="020D0604000000000000" pitchFamily="50" charset="-127"/>
+              </a:rPr>
+              <a:t>.</a:t>
+            </a:r>
+          </a:p>
+          <a:p>
+            <a:pPr algn="l"/>
+            <a:endParaRPr lang="en-US" altLang="ko-KR" sz="2000" dirty="0">
+              <a:latin typeface="나눔고딕" panose="020D0604000000000000" pitchFamily="50" charset="-127"/>
+              <a:ea typeface="나눔고딕" panose="020D0604000000000000" pitchFamily="50" charset="-127"/>
+            </a:endParaRPr>
+          </a:p>
+          <a:p>
+            <a:pPr algn="l"/>
+            <a:r>
+              <a:rPr lang="ko-KR" altLang="en-US" sz="2000" dirty="0">
+                <a:solidFill>
+                  <a:schemeClr val="bg1">
+                    <a:lumMod val="95000"/>
+                  </a:schemeClr>
+                </a:solidFill>
+                <a:latin typeface="나눔고딕" panose="020D0604000000000000" pitchFamily="50" charset="-127"/>
+                <a:ea typeface="나눔고딕" panose="020D0604000000000000" pitchFamily="50" charset="-127"/>
+              </a:rPr>
+              <a:t>조건에 따라 합계 금액을 계산하고</a:t>
+            </a:r>
+            <a:r>
+              <a:rPr lang="en-US" altLang="ko-KR" sz="2000" dirty="0">
+                <a:solidFill>
+                  <a:schemeClr val="bg1">
+                    <a:lumMod val="95000"/>
+                  </a:schemeClr>
+                </a:solidFill>
+                <a:latin typeface="나눔고딕" panose="020D0604000000000000" pitchFamily="50" charset="-127"/>
+                <a:ea typeface="나눔고딕" panose="020D0604000000000000" pitchFamily="50" charset="-127"/>
+              </a:rPr>
+              <a:t>, </a:t>
+            </a:r>
+            <a:r>
+              <a:rPr lang="ko-KR" altLang="en-US" sz="2000" dirty="0">
+                <a:solidFill>
+                  <a:schemeClr val="bg1">
+                    <a:lumMod val="95000"/>
+                  </a:schemeClr>
+                </a:solidFill>
+                <a:latin typeface="나눔고딕" panose="020D0604000000000000" pitchFamily="50" charset="-127"/>
+                <a:ea typeface="나눔고딕" panose="020D0604000000000000" pitchFamily="50" charset="-127"/>
+              </a:rPr>
+              <a:t>합계금액을 출력한다</a:t>
+            </a:r>
+            <a:r>
+              <a:rPr lang="en-US" altLang="ko-KR" sz="2000" dirty="0">
+                <a:solidFill>
+                  <a:schemeClr val="bg1">
+                    <a:lumMod val="95000"/>
+                  </a:schemeClr>
+                </a:solidFill>
+                <a:latin typeface="나눔고딕" panose="020D0604000000000000" pitchFamily="50" charset="-127"/>
+                <a:ea typeface="나눔고딕" panose="020D0604000000000000" pitchFamily="50" charset="-127"/>
+              </a:rPr>
+              <a:t>. </a:t>
+            </a:r>
+          </a:p>
+          <a:p>
+            <a:pPr algn="l"/>
+            <a:endParaRPr lang="en-US" altLang="ko-KR" sz="2000" dirty="0">
+              <a:latin typeface="나눔고딕" panose="020D0604000000000000" pitchFamily="50" charset="-127"/>
+              <a:ea typeface="나눔고딕" panose="020D0604000000000000" pitchFamily="50" charset="-127"/>
+            </a:endParaRPr>
+          </a:p>
+          <a:p>
+            <a:pPr algn="l"/>
+            <a:r>
+              <a:rPr lang="en-US" altLang="ko-KR" sz="2000" dirty="0">
+                <a:solidFill>
+                  <a:schemeClr val="bg1">
+                    <a:lumMod val="95000"/>
+                  </a:schemeClr>
+                </a:solidFill>
+                <a:latin typeface="나눔고딕" panose="020D0604000000000000" pitchFamily="50" charset="-127"/>
+                <a:ea typeface="나눔고딕" panose="020D0604000000000000" pitchFamily="50" charset="-127"/>
+              </a:rPr>
+              <a:t>1. </a:t>
+            </a:r>
+            <a:r>
+              <a:rPr lang="ko-KR" altLang="en-US" sz="2000" dirty="0">
+                <a:solidFill>
+                  <a:schemeClr val="bg1">
+                    <a:lumMod val="95000"/>
+                  </a:schemeClr>
+                </a:solidFill>
+                <a:latin typeface="나눔고딕" panose="020D0604000000000000" pitchFamily="50" charset="-127"/>
+                <a:ea typeface="나눔고딕" panose="020D0604000000000000" pitchFamily="50" charset="-127"/>
+              </a:rPr>
+              <a:t>합계금액이 </a:t>
+            </a:r>
+            <a:r>
+              <a:rPr lang="en-US" altLang="ko-KR" sz="2000" dirty="0">
+                <a:solidFill>
+                  <a:schemeClr val="accent6">
+                    <a:lumMod val="75000"/>
+                  </a:schemeClr>
+                </a:solidFill>
+                <a:latin typeface="나눔고딕" panose="020D0604000000000000" pitchFamily="50" charset="-127"/>
+                <a:ea typeface="나눔고딕" panose="020D0604000000000000" pitchFamily="50" charset="-127"/>
+              </a:rPr>
+              <a:t>10</a:t>
+            </a:r>
+            <a:r>
+              <a:rPr lang="ko-KR" altLang="en-US" sz="2000" dirty="0">
+                <a:solidFill>
+                  <a:schemeClr val="accent6">
+                    <a:lumMod val="75000"/>
+                  </a:schemeClr>
+                </a:solidFill>
+                <a:latin typeface="나눔고딕" panose="020D0604000000000000" pitchFamily="50" charset="-127"/>
+                <a:ea typeface="나눔고딕" panose="020D0604000000000000" pitchFamily="50" charset="-127"/>
+              </a:rPr>
+              <a:t>만원 </a:t>
+            </a:r>
+            <a:r>
+              <a:rPr lang="ko-KR" altLang="en-US" sz="2000" dirty="0">
+                <a:solidFill>
+                  <a:schemeClr val="bg1">
+                    <a:lumMod val="95000"/>
+                  </a:schemeClr>
+                </a:solidFill>
+                <a:latin typeface="나눔고딕" panose="020D0604000000000000" pitchFamily="50" charset="-127"/>
+                <a:ea typeface="나눔고딕" panose="020D0604000000000000" pitchFamily="50" charset="-127"/>
+              </a:rPr>
+              <a:t>이상이면 </a:t>
+            </a:r>
+            <a:r>
+              <a:rPr lang="ko-KR" altLang="en-US" sz="2000" dirty="0" err="1">
+                <a:solidFill>
+                  <a:schemeClr val="accent1"/>
+                </a:solidFill>
+                <a:latin typeface="나눔고딕" panose="020D0604000000000000" pitchFamily="50" charset="-127"/>
+                <a:ea typeface="나눔고딕" panose="020D0604000000000000" pitchFamily="50" charset="-127"/>
+              </a:rPr>
+              <a:t>할인률</a:t>
+            </a:r>
+            <a:r>
+              <a:rPr lang="ko-KR" altLang="en-US" sz="2000" dirty="0">
+                <a:solidFill>
+                  <a:schemeClr val="accent1"/>
+                </a:solidFill>
+                <a:latin typeface="나눔고딕" panose="020D0604000000000000" pitchFamily="50" charset="-127"/>
+                <a:ea typeface="나눔고딕" panose="020D0604000000000000" pitchFamily="50" charset="-127"/>
+              </a:rPr>
+              <a:t> </a:t>
+            </a:r>
+            <a:r>
+              <a:rPr lang="en-US" altLang="ko-KR" sz="2000" dirty="0">
+                <a:solidFill>
+                  <a:schemeClr val="accent1"/>
+                </a:solidFill>
+                <a:latin typeface="나눔고딕" panose="020D0604000000000000" pitchFamily="50" charset="-127"/>
+                <a:ea typeface="나눔고딕" panose="020D0604000000000000" pitchFamily="50" charset="-127"/>
+              </a:rPr>
+              <a:t>30%</a:t>
+            </a:r>
+          </a:p>
+          <a:p>
+            <a:pPr algn="l"/>
+            <a:endParaRPr lang="en-US" altLang="ko-KR" sz="2000" dirty="0">
+              <a:latin typeface="나눔고딕" panose="020D0604000000000000" pitchFamily="50" charset="-127"/>
+              <a:ea typeface="나눔고딕" panose="020D0604000000000000" pitchFamily="50" charset="-127"/>
+            </a:endParaRPr>
+          </a:p>
+          <a:p>
+            <a:pPr algn="l"/>
+            <a:r>
+              <a:rPr lang="en-US" altLang="ko-KR" sz="2000" dirty="0">
+                <a:solidFill>
+                  <a:schemeClr val="bg1">
+                    <a:lumMod val="95000"/>
+                  </a:schemeClr>
+                </a:solidFill>
+                <a:latin typeface="나눔고딕" panose="020D0604000000000000" pitchFamily="50" charset="-127"/>
+                <a:ea typeface="나눔고딕" panose="020D0604000000000000" pitchFamily="50" charset="-127"/>
+              </a:rPr>
+              <a:t>2. </a:t>
+            </a:r>
+            <a:r>
+              <a:rPr lang="ko-KR" altLang="en-US" sz="2000" dirty="0">
+                <a:solidFill>
+                  <a:schemeClr val="bg1">
+                    <a:lumMod val="95000"/>
+                  </a:schemeClr>
+                </a:solidFill>
+                <a:latin typeface="나눔고딕" panose="020D0604000000000000" pitchFamily="50" charset="-127"/>
+                <a:ea typeface="나눔고딕" panose="020D0604000000000000" pitchFamily="50" charset="-127"/>
+              </a:rPr>
+              <a:t>합계금액이 </a:t>
+            </a:r>
+            <a:r>
+              <a:rPr lang="en-US" altLang="ko-KR" sz="2000" dirty="0">
+                <a:solidFill>
+                  <a:schemeClr val="accent6">
+                    <a:lumMod val="75000"/>
+                  </a:schemeClr>
+                </a:solidFill>
+                <a:latin typeface="나눔고딕" panose="020D0604000000000000" pitchFamily="50" charset="-127"/>
+                <a:ea typeface="나눔고딕" panose="020D0604000000000000" pitchFamily="50" charset="-127"/>
+              </a:rPr>
+              <a:t>5</a:t>
+            </a:r>
+            <a:r>
+              <a:rPr lang="ko-KR" altLang="en-US" sz="2000" dirty="0">
+                <a:solidFill>
+                  <a:schemeClr val="accent6">
+                    <a:lumMod val="75000"/>
+                  </a:schemeClr>
+                </a:solidFill>
+                <a:latin typeface="나눔고딕" panose="020D0604000000000000" pitchFamily="50" charset="-127"/>
+                <a:ea typeface="나눔고딕" panose="020D0604000000000000" pitchFamily="50" charset="-127"/>
+              </a:rPr>
+              <a:t>만원이상 </a:t>
+            </a:r>
+            <a:r>
+              <a:rPr lang="en-US" altLang="ko-KR" sz="2000" dirty="0">
+                <a:solidFill>
+                  <a:schemeClr val="accent6">
+                    <a:lumMod val="75000"/>
+                  </a:schemeClr>
+                </a:solidFill>
+                <a:latin typeface="나눔고딕" panose="020D0604000000000000" pitchFamily="50" charset="-127"/>
+                <a:ea typeface="나눔고딕" panose="020D0604000000000000" pitchFamily="50" charset="-127"/>
+              </a:rPr>
+              <a:t>10</a:t>
+            </a:r>
+            <a:r>
+              <a:rPr lang="ko-KR" altLang="en-US" sz="2000" dirty="0">
+                <a:solidFill>
+                  <a:schemeClr val="accent6">
+                    <a:lumMod val="75000"/>
+                  </a:schemeClr>
+                </a:solidFill>
+                <a:latin typeface="나눔고딕" panose="020D0604000000000000" pitchFamily="50" charset="-127"/>
+                <a:ea typeface="나눔고딕" panose="020D0604000000000000" pitchFamily="50" charset="-127"/>
+              </a:rPr>
+              <a:t>만원 </a:t>
+            </a:r>
+            <a:r>
+              <a:rPr lang="ko-KR" altLang="en-US" sz="2000" dirty="0">
+                <a:solidFill>
+                  <a:schemeClr val="bg1">
+                    <a:lumMod val="95000"/>
+                  </a:schemeClr>
+                </a:solidFill>
+                <a:latin typeface="나눔고딕" panose="020D0604000000000000" pitchFamily="50" charset="-127"/>
+                <a:ea typeface="나눔고딕" panose="020D0604000000000000" pitchFamily="50" charset="-127"/>
+              </a:rPr>
+              <a:t>미만이면</a:t>
+            </a:r>
+            <a:r>
+              <a:rPr lang="ko-KR" altLang="en-US" sz="2000" dirty="0">
+                <a:solidFill>
+                  <a:schemeClr val="accent6">
+                    <a:lumMod val="75000"/>
+                  </a:schemeClr>
+                </a:solidFill>
+                <a:latin typeface="나눔고딕" panose="020D0604000000000000" pitchFamily="50" charset="-127"/>
+                <a:ea typeface="나눔고딕" panose="020D0604000000000000" pitchFamily="50" charset="-127"/>
+              </a:rPr>
+              <a:t> </a:t>
+            </a:r>
+            <a:r>
+              <a:rPr lang="ko-KR" altLang="en-US" sz="2000" dirty="0" err="1">
+                <a:solidFill>
+                  <a:schemeClr val="accent1"/>
+                </a:solidFill>
+                <a:latin typeface="나눔고딕" panose="020D0604000000000000" pitchFamily="50" charset="-127"/>
+                <a:ea typeface="나눔고딕" panose="020D0604000000000000" pitchFamily="50" charset="-127"/>
+              </a:rPr>
+              <a:t>할인률</a:t>
+            </a:r>
+            <a:r>
+              <a:rPr lang="ko-KR" altLang="en-US" sz="2000" dirty="0">
+                <a:solidFill>
+                  <a:schemeClr val="accent1"/>
+                </a:solidFill>
+                <a:latin typeface="나눔고딕" panose="020D0604000000000000" pitchFamily="50" charset="-127"/>
+                <a:ea typeface="나눔고딕" panose="020D0604000000000000" pitchFamily="50" charset="-127"/>
+              </a:rPr>
+              <a:t> </a:t>
+            </a:r>
+            <a:r>
+              <a:rPr lang="en-US" altLang="ko-KR" sz="2000" dirty="0">
+                <a:solidFill>
+                  <a:schemeClr val="accent1"/>
+                </a:solidFill>
+                <a:latin typeface="나눔고딕" panose="020D0604000000000000" pitchFamily="50" charset="-127"/>
+                <a:ea typeface="나눔고딕" panose="020D0604000000000000" pitchFamily="50" charset="-127"/>
+              </a:rPr>
+              <a:t>20%</a:t>
+            </a:r>
+          </a:p>
+          <a:p>
+            <a:pPr algn="l"/>
+            <a:endParaRPr lang="en-US" altLang="ko-KR" sz="2000" dirty="0">
+              <a:latin typeface="나눔고딕" panose="020D0604000000000000" pitchFamily="50" charset="-127"/>
+              <a:ea typeface="나눔고딕" panose="020D0604000000000000" pitchFamily="50" charset="-127"/>
+            </a:endParaRPr>
+          </a:p>
+          <a:p>
+            <a:pPr algn="l"/>
+            <a:r>
+              <a:rPr lang="en-US" altLang="ko-KR" sz="2000" dirty="0">
+                <a:solidFill>
+                  <a:schemeClr val="bg1">
+                    <a:lumMod val="95000"/>
+                  </a:schemeClr>
+                </a:solidFill>
+                <a:latin typeface="나눔고딕" panose="020D0604000000000000" pitchFamily="50" charset="-127"/>
+                <a:ea typeface="나눔고딕" panose="020D0604000000000000" pitchFamily="50" charset="-127"/>
+              </a:rPr>
+              <a:t>3. </a:t>
+            </a:r>
+            <a:r>
+              <a:rPr lang="ko-KR" altLang="en-US" sz="2000" dirty="0">
+                <a:solidFill>
+                  <a:schemeClr val="bg1">
+                    <a:lumMod val="95000"/>
+                  </a:schemeClr>
+                </a:solidFill>
+                <a:latin typeface="나눔고딕" panose="020D0604000000000000" pitchFamily="50" charset="-127"/>
+                <a:ea typeface="나눔고딕" panose="020D0604000000000000" pitchFamily="50" charset="-127"/>
+              </a:rPr>
+              <a:t>합계금액이</a:t>
+            </a:r>
+            <a:r>
+              <a:rPr lang="ko-KR" altLang="en-US" sz="2000" dirty="0">
+                <a:solidFill>
+                  <a:schemeClr val="accent6">
+                    <a:lumMod val="75000"/>
+                  </a:schemeClr>
+                </a:solidFill>
+                <a:latin typeface="나눔고딕" panose="020D0604000000000000" pitchFamily="50" charset="-127"/>
+                <a:ea typeface="나눔고딕" panose="020D0604000000000000" pitchFamily="50" charset="-127"/>
+              </a:rPr>
+              <a:t> </a:t>
+            </a:r>
+            <a:r>
+              <a:rPr lang="en-US" altLang="ko-KR" sz="2000" dirty="0">
+                <a:solidFill>
+                  <a:schemeClr val="accent6">
+                    <a:lumMod val="75000"/>
+                  </a:schemeClr>
+                </a:solidFill>
+                <a:latin typeface="나눔고딕" panose="020D0604000000000000" pitchFamily="50" charset="-127"/>
+                <a:ea typeface="나눔고딕" panose="020D0604000000000000" pitchFamily="50" charset="-127"/>
+              </a:rPr>
+              <a:t>5</a:t>
+            </a:r>
+            <a:r>
+              <a:rPr lang="ko-KR" altLang="en-US" sz="2000" dirty="0">
+                <a:solidFill>
+                  <a:schemeClr val="accent6">
+                    <a:lumMod val="75000"/>
+                  </a:schemeClr>
+                </a:solidFill>
+                <a:latin typeface="나눔고딕" panose="020D0604000000000000" pitchFamily="50" charset="-127"/>
+                <a:ea typeface="나눔고딕" panose="020D0604000000000000" pitchFamily="50" charset="-127"/>
+              </a:rPr>
+              <a:t>만원 </a:t>
+            </a:r>
+            <a:r>
+              <a:rPr lang="ko-KR" altLang="en-US" sz="2000" dirty="0">
+                <a:solidFill>
+                  <a:schemeClr val="bg1">
+                    <a:lumMod val="95000"/>
+                  </a:schemeClr>
+                </a:solidFill>
+                <a:latin typeface="나눔고딕" panose="020D0604000000000000" pitchFamily="50" charset="-127"/>
+                <a:ea typeface="나눔고딕" panose="020D0604000000000000" pitchFamily="50" charset="-127"/>
+              </a:rPr>
+              <a:t>미만이면 </a:t>
+            </a:r>
+            <a:r>
+              <a:rPr lang="ko-KR" altLang="en-US" sz="2000" dirty="0" err="1">
+                <a:solidFill>
+                  <a:schemeClr val="accent1"/>
+                </a:solidFill>
+                <a:latin typeface="나눔고딕" panose="020D0604000000000000" pitchFamily="50" charset="-127"/>
+                <a:ea typeface="나눔고딕" panose="020D0604000000000000" pitchFamily="50" charset="-127"/>
+              </a:rPr>
+              <a:t>할인률</a:t>
+            </a:r>
+            <a:r>
+              <a:rPr lang="ko-KR" altLang="en-US" sz="2000" dirty="0">
+                <a:solidFill>
+                  <a:schemeClr val="accent1"/>
+                </a:solidFill>
+                <a:latin typeface="나눔고딕" panose="020D0604000000000000" pitchFamily="50" charset="-127"/>
+                <a:ea typeface="나눔고딕" panose="020D0604000000000000" pitchFamily="50" charset="-127"/>
+              </a:rPr>
+              <a:t> </a:t>
+            </a:r>
+            <a:r>
+              <a:rPr lang="en-US" altLang="ko-KR" sz="2000" dirty="0">
+                <a:solidFill>
+                  <a:schemeClr val="accent1"/>
+                </a:solidFill>
+                <a:latin typeface="나눔고딕" panose="020D0604000000000000" pitchFamily="50" charset="-127"/>
+                <a:ea typeface="나눔고딕" panose="020D0604000000000000" pitchFamily="50" charset="-127"/>
+              </a:rPr>
+              <a:t>10%</a:t>
+            </a:r>
+          </a:p>
+        </p:txBody>
+      </p:sp>
+    </p:spTree>
+    <p:extLst>
+      <p:ext uri="{BB962C8B-B14F-4D97-AF65-F5344CB8AC3E}">
+        <p14:creationId xmlns:p14="http://schemas.microsoft.com/office/powerpoint/2010/main" val="1792451725"/>
       </p:ext>
     </p:extLst>
   </p:cSld>
@@ -7616,6 +8778,95 @@
     <p:extLst>
       <p:ext uri="{BB962C8B-B14F-4D97-AF65-F5344CB8AC3E}">
         <p14:creationId xmlns:p14="http://schemas.microsoft.com/office/powerpoint/2010/main" val="420801499"/>
+      </p:ext>
+    </p:extLst>
+  </p:cSld>
+  <p:clrMapOvr>
+    <a:masterClrMapping/>
+  </p:clrMapOvr>
+</p:sld>
+</file>
+
+<file path=ppt/slides/slide20.xml><?xml version="1.0" encoding="utf-8"?>
+<p:sld xmlns:a="http://schemas.openxmlformats.org/drawingml/2006/main" xmlns:r="http://schemas.openxmlformats.org/officeDocument/2006/relationships" xmlns:p="http://schemas.openxmlformats.org/presentationml/2006/main">
+  <p:cSld>
+    <p:bg>
+      <p:bgPr>
+        <a:solidFill>
+          <a:schemeClr val="tx1">
+            <a:lumMod val="85000"/>
+            <a:lumOff val="15000"/>
+          </a:schemeClr>
+        </a:solidFill>
+        <a:effectLst/>
+      </p:bgPr>
+    </p:bg>
+    <p:spTree>
+      <p:nvGrpSpPr>
+        <p:cNvPr id="1" name=""/>
+        <p:cNvGrpSpPr/>
+        <p:nvPr/>
+      </p:nvGrpSpPr>
+      <p:grpSpPr>
+        <a:xfrm>
+          <a:off x="0" y="0"/>
+          <a:ext cx="0" cy="0"/>
+          <a:chOff x="0" y="0"/>
+          <a:chExt cx="0" cy="0"/>
+        </a:xfrm>
+      </p:grpSpPr>
+      <p:sp>
+        <p:nvSpPr>
+          <p:cNvPr id="2" name="TextBox 1">
+            <a:extLst>
+              <a:ext uri="{FF2B5EF4-FFF2-40B4-BE49-F238E27FC236}">
+                <a16:creationId xmlns:a16="http://schemas.microsoft.com/office/drawing/2014/main" id="{0B332A50-CC0E-4C7E-B47E-E7CFBA7B423B}"/>
+              </a:ext>
+            </a:extLst>
+          </p:cNvPr>
+          <p:cNvSpPr txBox="1"/>
+          <p:nvPr/>
+        </p:nvSpPr>
+        <p:spPr>
+          <a:xfrm>
+            <a:off x="4849209" y="3073874"/>
+            <a:ext cx="2509020" cy="717440"/>
+          </a:xfrm>
+          <a:prstGeom prst="rect">
+            <a:avLst/>
+          </a:prstGeom>
+          <a:noFill/>
+        </p:spPr>
+        <p:txBody>
+          <a:bodyPr wrap="none" rtlCol="0">
+            <a:spAutoFit/>
+          </a:bodyPr>
+          <a:lstStyle/>
+          <a:p>
+            <a:r>
+              <a:rPr lang="ko-KR" altLang="en-US" sz="4062">
+                <a:solidFill>
+                  <a:schemeClr val="bg1"/>
+                </a:solidFill>
+                <a:latin typeface="나눔바른고딕" panose="020B0603020101020101" pitchFamily="50" charset="-127"/>
+                <a:ea typeface="나눔바른고딕" panose="020B0603020101020101" pitchFamily="50" charset="-127"/>
+              </a:rPr>
+              <a:t>감사합니다</a:t>
+            </a:r>
+            <a:endParaRPr lang="en-US" altLang="ko-KR" sz="4062" dirty="0">
+              <a:solidFill>
+                <a:schemeClr val="bg1"/>
+              </a:solidFill>
+              <a:latin typeface="나눔바른고딕" panose="020B0603020101020101" pitchFamily="50" charset="-127"/>
+              <a:ea typeface="나눔바른고딕" panose="020B0603020101020101" pitchFamily="50" charset="-127"/>
+            </a:endParaRPr>
+          </a:p>
+        </p:txBody>
+      </p:sp>
+    </p:spTree>
+    <p:extLst>
+      <p:ext uri="{BB962C8B-B14F-4D97-AF65-F5344CB8AC3E}">
+        <p14:creationId xmlns:p14="http://schemas.microsoft.com/office/powerpoint/2010/main" val="1178316166"/>
       </p:ext>
     </p:extLst>
   </p:cSld>
